--- a/slides/On-Campus/02_01_Variables.pptx
+++ b/slides/On-Campus/02_01_Variables.pptx
@@ -2,45 +2,47 @@
 <file path=ppt/presentation.xml><?xml version="1.0" encoding="utf-8"?>
 <p:presentation xmlns:a="http://schemas.openxmlformats.org/drawingml/2006/main" xmlns:r="http://schemas.openxmlformats.org/officeDocument/2006/relationships" xmlns:p="http://schemas.openxmlformats.org/presentationml/2006/main" strictFirstAndLastChars="0" embedTrueTypeFonts="1" saveSubsetFonts="1" autoCompressPictures="0">
   <p:sldMasterIdLst>
-    <p:sldMasterId id="2147483685" r:id="rId1"/>
+    <p:sldMasterId id="2147483685" r:id="rId4"/>
   </p:sldMasterIdLst>
   <p:notesMasterIdLst>
-    <p:notesMasterId r:id="rId11"/>
+    <p:notesMasterId r:id="rId16"/>
   </p:notesMasterIdLst>
   <p:sldIdLst>
-    <p:sldId id="256" r:id="rId2"/>
-    <p:sldId id="263" r:id="rId3"/>
-    <p:sldId id="261" r:id="rId4"/>
-    <p:sldId id="262" r:id="rId5"/>
-    <p:sldId id="257" r:id="rId6"/>
-    <p:sldId id="258" r:id="rId7"/>
-    <p:sldId id="259" r:id="rId8"/>
-    <p:sldId id="260" r:id="rId9"/>
-    <p:sldId id="264" r:id="rId10"/>
+    <p:sldId id="256" r:id="rId5"/>
+    <p:sldId id="263" r:id="rId6"/>
+    <p:sldId id="261" r:id="rId7"/>
+    <p:sldId id="262" r:id="rId8"/>
+    <p:sldId id="257" r:id="rId9"/>
+    <p:sldId id="258" r:id="rId10"/>
+    <p:sldId id="259" r:id="rId11"/>
+    <p:sldId id="260" r:id="rId12"/>
+    <p:sldId id="265" r:id="rId13"/>
+    <p:sldId id="266" r:id="rId14"/>
+    <p:sldId id="264" r:id="rId15"/>
   </p:sldIdLst>
   <p:sldSz cx="9144000" cy="5143500" type="screen16x9"/>
   <p:notesSz cx="6858000" cy="9144000"/>
   <p:embeddedFontLst>
     <p:embeddedFont>
-      <p:font typeface="Consolas" panose="020B0609020204030204" pitchFamily="49" charset="0"/>
-      <p:regular r:id="rId12"/>
-      <p:bold r:id="rId13"/>
-      <p:italic r:id="rId14"/>
-      <p:boldItalic r:id="rId15"/>
+      <p:font typeface="Proxima Nova" panose="020B0604020202020204" charset="0"/>
+      <p:regular r:id="rId17"/>
+      <p:bold r:id="rId18"/>
+      <p:italic r:id="rId19"/>
+      <p:boldItalic r:id="rId20"/>
     </p:embeddedFont>
     <p:embeddedFont>
-      <p:font typeface="Proxima Nova" panose="02000506030000020004" pitchFamily="2" charset="0"/>
-      <p:regular r:id="rId16"/>
-      <p:bold r:id="rId17"/>
-      <p:italic r:id="rId18"/>
-      <p:boldItalic r:id="rId19"/>
+      <p:font typeface="Consolas" panose="020B0609020204030204" pitchFamily="49" charset="0"/>
+      <p:regular r:id="rId21"/>
+      <p:bold r:id="rId22"/>
+      <p:italic r:id="rId23"/>
+      <p:boldItalic r:id="rId24"/>
     </p:embeddedFont>
     <p:embeddedFont>
-      <p:font typeface="Source Sans Pro" panose="020B0503030403020204" pitchFamily="34" charset="0"/>
-      <p:regular r:id="rId20"/>
-      <p:bold r:id="rId21"/>
-      <p:italic r:id="rId22"/>
-      <p:boldItalic r:id="rId23"/>
+      <p:font typeface="Source Sans Pro" panose="020B0604020202020204" charset="0"/>
+      <p:regular r:id="rId25"/>
+      <p:bold r:id="rId26"/>
+      <p:italic r:id="rId27"/>
+      <p:boldItalic r:id="rId28"/>
     </p:embeddedFont>
   </p:embeddedFontLst>
   <p:defaultTextStyle>
@@ -1245,6 +1247,224 @@
         </p:txBody>
       </p:sp>
     </p:spTree>
+  </p:cSld>
+  <p:clrMapOvr>
+    <a:masterClrMapping/>
+  </p:clrMapOvr>
+</p:notes>
+</file>
+
+<file path=ppt/notesSlides/notesSlide6.xml><?xml version="1.0" encoding="utf-8"?>
+<p:notes xmlns:a="http://schemas.openxmlformats.org/drawingml/2006/main" xmlns:r="http://schemas.openxmlformats.org/officeDocument/2006/relationships" xmlns:p="http://schemas.openxmlformats.org/presentationml/2006/main" showMasterSp="0" showMasterPhAnim="0">
+  <p:cSld>
+    <p:spTree>
+      <p:nvGrpSpPr>
+        <p:cNvPr id="1" name="Shape 206"/>
+        <p:cNvGrpSpPr/>
+        <p:nvPr/>
+      </p:nvGrpSpPr>
+      <p:grpSpPr>
+        <a:xfrm>
+          <a:off x="0" y="0"/>
+          <a:ext cx="0" cy="0"/>
+          <a:chOff x="0" y="0"/>
+          <a:chExt cx="0" cy="0"/>
+        </a:xfrm>
+      </p:grpSpPr>
+      <p:sp>
+        <p:nvSpPr>
+          <p:cNvPr id="207" name="Google Shape;207;g6e365c192e_0_203:notes"/>
+          <p:cNvSpPr>
+            <a:spLocks noGrp="1" noRot="1" noChangeAspect="1"/>
+          </p:cNvSpPr>
+          <p:nvPr>
+            <p:ph type="sldImg" idx="2"/>
+          </p:nvPr>
+        </p:nvSpPr>
+        <p:spPr>
+          <a:xfrm>
+            <a:off x="381000" y="685800"/>
+            <a:ext cx="6096000" cy="3429000"/>
+          </a:xfrm>
+          <a:custGeom>
+            <a:avLst/>
+            <a:gdLst/>
+            <a:ahLst/>
+            <a:cxnLst/>
+            <a:rect l="l" t="t" r="r" b="b"/>
+            <a:pathLst>
+              <a:path w="120000" h="120000" extrusionOk="0">
+                <a:moveTo>
+                  <a:pt x="0" y="0"/>
+                </a:moveTo>
+                <a:lnTo>
+                  <a:pt x="120000" y="0"/>
+                </a:lnTo>
+                <a:lnTo>
+                  <a:pt x="120000" y="120000"/>
+                </a:lnTo>
+                <a:lnTo>
+                  <a:pt x="0" y="120000"/>
+                </a:lnTo>
+                <a:close/>
+              </a:path>
+            </a:pathLst>
+          </a:custGeom>
+        </p:spPr>
+      </p:sp>
+      <p:sp>
+        <p:nvSpPr>
+          <p:cNvPr id="208" name="Google Shape;208;g6e365c192e_0_203:notes"/>
+          <p:cNvSpPr txBox="1">
+            <a:spLocks noGrp="1"/>
+          </p:cNvSpPr>
+          <p:nvPr>
+            <p:ph type="body" idx="1"/>
+          </p:nvPr>
+        </p:nvSpPr>
+        <p:spPr>
+          <a:xfrm>
+            <a:off x="685800" y="4343400"/>
+            <a:ext cx="5486400" cy="4114800"/>
+          </a:xfrm>
+          <a:prstGeom prst="rect">
+            <a:avLst/>
+          </a:prstGeom>
+        </p:spPr>
+        <p:txBody>
+          <a:bodyPr spcFirstLastPara="1" wrap="square" lIns="91425" tIns="91425" rIns="91425" bIns="91425" anchor="t" anchorCtr="0">
+            <a:noAutofit/>
+          </a:bodyPr>
+          <a:lstStyle/>
+          <a:p>
+            <a:pPr marL="0" lvl="0" indent="0" algn="l" rtl="0">
+              <a:spcBef>
+                <a:spcPts val="0"/>
+              </a:spcBef>
+              <a:spcAft>
+                <a:spcPts val="0"/>
+              </a:spcAft>
+              <a:buNone/>
+            </a:pPr>
+            <a:endParaRPr/>
+          </a:p>
+        </p:txBody>
+      </p:sp>
+    </p:spTree>
+    <p:extLst>
+      <p:ext uri="{BB962C8B-B14F-4D97-AF65-F5344CB8AC3E}">
+        <p14:creationId xmlns:p14="http://schemas.microsoft.com/office/powerpoint/2010/main" val="3772290187"/>
+      </p:ext>
+    </p:extLst>
+  </p:cSld>
+  <p:clrMapOvr>
+    <a:masterClrMapping/>
+  </p:clrMapOvr>
+</p:notes>
+</file>
+
+<file path=ppt/notesSlides/notesSlide7.xml><?xml version="1.0" encoding="utf-8"?>
+<p:notes xmlns:a="http://schemas.openxmlformats.org/drawingml/2006/main" xmlns:r="http://schemas.openxmlformats.org/officeDocument/2006/relationships" xmlns:p="http://schemas.openxmlformats.org/presentationml/2006/main" showMasterSp="0" showMasterPhAnim="0">
+  <p:cSld>
+    <p:spTree>
+      <p:nvGrpSpPr>
+        <p:cNvPr id="1" name="Shape 206"/>
+        <p:cNvGrpSpPr/>
+        <p:nvPr/>
+      </p:nvGrpSpPr>
+      <p:grpSpPr>
+        <a:xfrm>
+          <a:off x="0" y="0"/>
+          <a:ext cx="0" cy="0"/>
+          <a:chOff x="0" y="0"/>
+          <a:chExt cx="0" cy="0"/>
+        </a:xfrm>
+      </p:grpSpPr>
+      <p:sp>
+        <p:nvSpPr>
+          <p:cNvPr id="207" name="Google Shape;207;g6e365c192e_0_203:notes"/>
+          <p:cNvSpPr>
+            <a:spLocks noGrp="1" noRot="1" noChangeAspect="1"/>
+          </p:cNvSpPr>
+          <p:nvPr>
+            <p:ph type="sldImg" idx="2"/>
+          </p:nvPr>
+        </p:nvSpPr>
+        <p:spPr>
+          <a:xfrm>
+            <a:off x="381000" y="685800"/>
+            <a:ext cx="6096000" cy="3429000"/>
+          </a:xfrm>
+          <a:custGeom>
+            <a:avLst/>
+            <a:gdLst/>
+            <a:ahLst/>
+            <a:cxnLst/>
+            <a:rect l="l" t="t" r="r" b="b"/>
+            <a:pathLst>
+              <a:path w="120000" h="120000" extrusionOk="0">
+                <a:moveTo>
+                  <a:pt x="0" y="0"/>
+                </a:moveTo>
+                <a:lnTo>
+                  <a:pt x="120000" y="0"/>
+                </a:lnTo>
+                <a:lnTo>
+                  <a:pt x="120000" y="120000"/>
+                </a:lnTo>
+                <a:lnTo>
+                  <a:pt x="0" y="120000"/>
+                </a:lnTo>
+                <a:close/>
+              </a:path>
+            </a:pathLst>
+          </a:custGeom>
+        </p:spPr>
+      </p:sp>
+      <p:sp>
+        <p:nvSpPr>
+          <p:cNvPr id="208" name="Google Shape;208;g6e365c192e_0_203:notes"/>
+          <p:cNvSpPr txBox="1">
+            <a:spLocks noGrp="1"/>
+          </p:cNvSpPr>
+          <p:nvPr>
+            <p:ph type="body" idx="1"/>
+          </p:nvPr>
+        </p:nvSpPr>
+        <p:spPr>
+          <a:xfrm>
+            <a:off x="685800" y="4343400"/>
+            <a:ext cx="5486400" cy="4114800"/>
+          </a:xfrm>
+          <a:prstGeom prst="rect">
+            <a:avLst/>
+          </a:prstGeom>
+        </p:spPr>
+        <p:txBody>
+          <a:bodyPr spcFirstLastPara="1" wrap="square" lIns="91425" tIns="91425" rIns="91425" bIns="91425" anchor="t" anchorCtr="0">
+            <a:noAutofit/>
+          </a:bodyPr>
+          <a:lstStyle/>
+          <a:p>
+            <a:pPr marL="0" lvl="0" indent="0" algn="l" rtl="0">
+              <a:spcBef>
+                <a:spcPts val="0"/>
+              </a:spcBef>
+              <a:spcAft>
+                <a:spcPts val="0"/>
+              </a:spcAft>
+              <a:buNone/>
+            </a:pPr>
+            <a:endParaRPr/>
+          </a:p>
+        </p:txBody>
+      </p:sp>
+    </p:spTree>
+    <p:extLst>
+      <p:ext uri="{BB962C8B-B14F-4D97-AF65-F5344CB8AC3E}">
+        <p14:creationId xmlns:p14="http://schemas.microsoft.com/office/powerpoint/2010/main" val="688029519"/>
+      </p:ext>
+    </p:extLst>
   </p:cSld>
   <p:clrMapOvr>
     <a:masterClrMapping/>
@@ -14986,6 +15206,524 @@
 </p:sld>
 </file>
 
+<file path=ppt/slides/slide10.xml><?xml version="1.0" encoding="utf-8"?>
+<p:sld xmlns:a="http://schemas.openxmlformats.org/drawingml/2006/main" xmlns:r="http://schemas.openxmlformats.org/officeDocument/2006/relationships" xmlns:p="http://schemas.openxmlformats.org/presentationml/2006/main">
+  <p:cSld>
+    <p:spTree>
+      <p:nvGrpSpPr>
+        <p:cNvPr id="1" name="Shape 209"/>
+        <p:cNvGrpSpPr/>
+        <p:nvPr/>
+      </p:nvGrpSpPr>
+      <p:grpSpPr>
+        <a:xfrm>
+          <a:off x="0" y="0"/>
+          <a:ext cx="0" cy="0"/>
+          <a:chOff x="0" y="0"/>
+          <a:chExt cx="0" cy="0"/>
+        </a:xfrm>
+      </p:grpSpPr>
+      <p:sp>
+        <p:nvSpPr>
+          <p:cNvPr id="210" name="Google Shape;210;p43"/>
+          <p:cNvSpPr txBox="1">
+            <a:spLocks noGrp="1"/>
+          </p:cNvSpPr>
+          <p:nvPr>
+            <p:ph type="title"/>
+          </p:nvPr>
+        </p:nvSpPr>
+        <p:spPr>
+          <a:xfrm>
+            <a:off x="407768" y="490964"/>
+            <a:ext cx="8312700" cy="672000"/>
+          </a:xfrm>
+          <a:prstGeom prst="rect">
+            <a:avLst/>
+          </a:prstGeom>
+        </p:spPr>
+        <p:txBody>
+          <a:bodyPr spcFirstLastPara="1" wrap="square" lIns="60500" tIns="60500" rIns="60500" bIns="60500" anchor="b" anchorCtr="0">
+            <a:noAutofit/>
+          </a:bodyPr>
+          <a:lstStyle/>
+          <a:p>
+            <a:pPr marL="0" lvl="0" indent="0" algn="l" rtl="0">
+              <a:spcBef>
+                <a:spcPts val="0"/>
+              </a:spcBef>
+              <a:spcAft>
+                <a:spcPts val="0"/>
+              </a:spcAft>
+              <a:buNone/>
+            </a:pPr>
+            <a:r>
+              <a:rPr lang="en" dirty="0" smtClean="0"/>
+              <a:t>Practice 2 – Group Reflection</a:t>
+            </a:r>
+            <a:endParaRPr dirty="0"/>
+          </a:p>
+        </p:txBody>
+      </p:sp>
+      <p:sp>
+        <p:nvSpPr>
+          <p:cNvPr id="211" name="Google Shape;211;p43"/>
+          <p:cNvSpPr txBox="1">
+            <a:spLocks noGrp="1"/>
+          </p:cNvSpPr>
+          <p:nvPr>
+            <p:ph type="body" idx="1"/>
+          </p:nvPr>
+        </p:nvSpPr>
+        <p:spPr>
+          <a:xfrm>
+            <a:off x="407768" y="1139573"/>
+            <a:ext cx="8312700" cy="4003927"/>
+          </a:xfrm>
+          <a:prstGeom prst="rect">
+            <a:avLst/>
+          </a:prstGeom>
+        </p:spPr>
+        <p:txBody>
+          <a:bodyPr spcFirstLastPara="1" wrap="square" lIns="60500" tIns="60500" rIns="60500" bIns="60500" anchor="t" anchorCtr="0">
+            <a:noAutofit/>
+          </a:bodyPr>
+          <a:lstStyle/>
+          <a:p>
+            <a:pPr marL="152400" indent="0">
+              <a:buNone/>
+            </a:pPr>
+            <a:r>
+              <a:rPr lang="pt-BR" dirty="0">
+                <a:solidFill>
+                  <a:srgbClr val="000000"/>
+                </a:solidFill>
+                <a:latin typeface="Consolas"/>
+                <a:ea typeface="Consolas"/>
+                <a:cs typeface="Consolas"/>
+              </a:rPr>
+              <a:t>int A, B, C;</a:t>
+            </a:r>
+          </a:p>
+          <a:p>
+            <a:pPr marL="152400" indent="0">
+              <a:buNone/>
+            </a:pPr>
+            <a:r>
+              <a:rPr lang="pt-BR" dirty="0">
+                <a:solidFill>
+                  <a:srgbClr val="000000"/>
+                </a:solidFill>
+                <a:latin typeface="Consolas"/>
+                <a:ea typeface="Consolas"/>
+                <a:cs typeface="Consolas"/>
+              </a:rPr>
+              <a:t>A = 10;</a:t>
+            </a:r>
+          </a:p>
+          <a:p>
+            <a:pPr marL="152400" indent="0">
+              <a:buNone/>
+            </a:pPr>
+            <a:r>
+              <a:rPr lang="pt-BR" dirty="0">
+                <a:solidFill>
+                  <a:srgbClr val="000000"/>
+                </a:solidFill>
+                <a:latin typeface="Consolas"/>
+                <a:ea typeface="Consolas"/>
+                <a:cs typeface="Consolas"/>
+              </a:rPr>
+              <a:t>A = A + 1;</a:t>
+            </a:r>
+          </a:p>
+          <a:p>
+            <a:pPr marL="152400" indent="0">
+              <a:buNone/>
+            </a:pPr>
+            <a:r>
+              <a:rPr lang="pt-BR" dirty="0">
+                <a:solidFill>
+                  <a:srgbClr val="000000"/>
+                </a:solidFill>
+                <a:latin typeface="Consolas"/>
+                <a:ea typeface="Consolas"/>
+                <a:cs typeface="Consolas"/>
+              </a:rPr>
+              <a:t>B = A/2;</a:t>
+            </a:r>
+          </a:p>
+          <a:p>
+            <a:pPr marL="152400" indent="0">
+              <a:buNone/>
+            </a:pPr>
+            <a:r>
+              <a:rPr lang="pt-BR" dirty="0">
+                <a:solidFill>
+                  <a:srgbClr val="000000"/>
+                </a:solidFill>
+                <a:latin typeface="Consolas"/>
+                <a:ea typeface="Consolas"/>
+                <a:cs typeface="Consolas"/>
+              </a:rPr>
+              <a:t>A = 6;</a:t>
+            </a:r>
+          </a:p>
+          <a:p>
+            <a:pPr marL="152400" indent="0">
+              <a:buNone/>
+            </a:pPr>
+            <a:r>
+              <a:rPr lang="pt-BR" dirty="0">
+                <a:solidFill>
+                  <a:srgbClr val="000000"/>
+                </a:solidFill>
+                <a:latin typeface="Consolas"/>
+                <a:ea typeface="Consolas"/>
+                <a:cs typeface="Consolas"/>
+              </a:rPr>
+              <a:t>C = B + 1;</a:t>
+            </a:r>
+          </a:p>
+          <a:p>
+            <a:pPr marL="152400" indent="0">
+              <a:buNone/>
+            </a:pPr>
+            <a:r>
+              <a:rPr lang="pt-BR" dirty="0">
+                <a:solidFill>
+                  <a:srgbClr val="000000"/>
+                </a:solidFill>
+                <a:latin typeface="Consolas"/>
+                <a:ea typeface="Consolas"/>
+                <a:cs typeface="Consolas"/>
+              </a:rPr>
+              <a:t>C = C +2;</a:t>
+            </a:r>
+          </a:p>
+          <a:p>
+            <a:pPr marL="152400" indent="0">
+              <a:buNone/>
+            </a:pPr>
+            <a:r>
+              <a:rPr lang="pt-BR" dirty="0">
+                <a:solidFill>
+                  <a:srgbClr val="000000"/>
+                </a:solidFill>
+                <a:latin typeface="Consolas"/>
+                <a:ea typeface="Consolas"/>
+                <a:cs typeface="Consolas"/>
+              </a:rPr>
+              <a:t>A = B/2;</a:t>
+            </a:r>
+          </a:p>
+          <a:p>
+            <a:pPr marL="152400" indent="0">
+              <a:buNone/>
+            </a:pPr>
+            <a:r>
+              <a:rPr lang="en-US" dirty="0"/>
+              <a:t/>
+            </a:r>
+            <a:br>
+              <a:rPr lang="en-US" dirty="0"/>
+            </a:br>
+            <a:endParaRPr lang="en-US" dirty="0">
+              <a:solidFill>
+                <a:srgbClr val="000000"/>
+              </a:solidFill>
+              <a:latin typeface="Consolas"/>
+              <a:ea typeface="Consolas"/>
+              <a:cs typeface="Consolas"/>
+            </a:endParaRPr>
+          </a:p>
+        </p:txBody>
+      </p:sp>
+      <p:sp>
+        <p:nvSpPr>
+          <p:cNvPr id="212" name="Google Shape;212;p43"/>
+          <p:cNvSpPr/>
+          <p:nvPr/>
+        </p:nvSpPr>
+        <p:spPr>
+          <a:xfrm>
+            <a:off x="2902403" y="2956034"/>
+            <a:ext cx="5989200" cy="1600200"/>
+          </a:xfrm>
+          <a:prstGeom prst="rect">
+            <a:avLst/>
+          </a:prstGeom>
+          <a:solidFill>
+            <a:schemeClr val="lt2"/>
+          </a:solidFill>
+          <a:ln w="9525" cap="flat" cmpd="sng">
+            <a:solidFill>
+              <a:schemeClr val="dk2"/>
+            </a:solidFill>
+            <a:prstDash val="solid"/>
+            <a:round/>
+            <a:headEnd type="none" w="sm" len="sm"/>
+            <a:tailEnd type="none" w="sm" len="sm"/>
+          </a:ln>
+        </p:spPr>
+        <p:txBody>
+          <a:bodyPr spcFirstLastPara="1" wrap="square" lIns="91425" tIns="91425" rIns="91425" bIns="91425" anchor="ctr" anchorCtr="0">
+            <a:noAutofit/>
+          </a:bodyPr>
+          <a:lstStyle/>
+          <a:p>
+            <a:pPr marL="0" lvl="0" indent="0" algn="l" rtl="0">
+              <a:spcBef>
+                <a:spcPts val="0"/>
+              </a:spcBef>
+              <a:spcAft>
+                <a:spcPts val="0"/>
+              </a:spcAft>
+              <a:buNone/>
+            </a:pPr>
+            <a:r>
+              <a:rPr lang="en" b="1" dirty="0" smtClean="0"/>
+              <a:t>What are the final values for A, B, and C?</a:t>
+            </a:r>
+          </a:p>
+          <a:p>
+            <a:pPr marL="0" lvl="0" indent="0" algn="l" rtl="0">
+              <a:spcBef>
+                <a:spcPts val="0"/>
+              </a:spcBef>
+              <a:spcAft>
+                <a:spcPts val="0"/>
+              </a:spcAft>
+              <a:buNone/>
+            </a:pPr>
+            <a:endParaRPr lang="en" b="1" dirty="0"/>
+          </a:p>
+          <a:p>
+            <a:pPr marL="0" lvl="0" indent="0" algn="l" rtl="0">
+              <a:spcBef>
+                <a:spcPts val="0"/>
+              </a:spcBef>
+              <a:spcAft>
+                <a:spcPts val="0"/>
+              </a:spcAft>
+              <a:buNone/>
+            </a:pPr>
+            <a:r>
+              <a:rPr lang="en" b="1" dirty="0" smtClean="0"/>
+              <a:t>What happens if A is double instead of int?</a:t>
+            </a:r>
+          </a:p>
+          <a:p>
+            <a:pPr marL="0" lvl="0" indent="0" algn="l" rtl="0">
+              <a:spcBef>
+                <a:spcPts val="0"/>
+              </a:spcBef>
+              <a:spcAft>
+                <a:spcPts val="0"/>
+              </a:spcAft>
+              <a:buNone/>
+            </a:pPr>
+            <a:endParaRPr lang="en" b="1" dirty="0"/>
+          </a:p>
+          <a:p>
+            <a:pPr marL="0" lvl="0" indent="0" algn="l" rtl="0">
+              <a:spcBef>
+                <a:spcPts val="0"/>
+              </a:spcBef>
+              <a:spcAft>
+                <a:spcPts val="0"/>
+              </a:spcAft>
+              <a:buNone/>
+            </a:pPr>
+            <a:r>
+              <a:rPr lang="en" b="1" dirty="0" smtClean="0"/>
+              <a:t>What happens if A and B are double instead of int?</a:t>
+            </a:r>
+          </a:p>
+          <a:p>
+            <a:pPr marL="0" lvl="0" indent="0" algn="l" rtl="0">
+              <a:spcBef>
+                <a:spcPts val="0"/>
+              </a:spcBef>
+              <a:spcAft>
+                <a:spcPts val="0"/>
+              </a:spcAft>
+              <a:buNone/>
+            </a:pPr>
+            <a:endParaRPr dirty="0"/>
+          </a:p>
+        </p:txBody>
+      </p:sp>
+    </p:spTree>
+    <p:extLst>
+      <p:ext uri="{BB962C8B-B14F-4D97-AF65-F5344CB8AC3E}">
+        <p14:creationId xmlns:p14="http://schemas.microsoft.com/office/powerpoint/2010/main" val="621376379"/>
+      </p:ext>
+    </p:extLst>
+  </p:cSld>
+  <p:clrMapOvr>
+    <a:masterClrMapping/>
+  </p:clrMapOvr>
+</p:sld>
+</file>
+
+<file path=ppt/slides/slide11.xml><?xml version="1.0" encoding="utf-8"?>
+<p:sld xmlns:a="http://schemas.openxmlformats.org/drawingml/2006/main" xmlns:r="http://schemas.openxmlformats.org/officeDocument/2006/relationships" xmlns:p="http://schemas.openxmlformats.org/presentationml/2006/main">
+  <p:cSld>
+    <p:spTree>
+      <p:nvGrpSpPr>
+        <p:cNvPr id="1" name=""/>
+        <p:cNvGrpSpPr/>
+        <p:nvPr/>
+      </p:nvGrpSpPr>
+      <p:grpSpPr>
+        <a:xfrm>
+          <a:off x="0" y="0"/>
+          <a:ext cx="0" cy="0"/>
+          <a:chOff x="0" y="0"/>
+          <a:chExt cx="0" cy="0"/>
+        </a:xfrm>
+      </p:grpSpPr>
+      <p:sp>
+        <p:nvSpPr>
+          <p:cNvPr id="4" name="Title 3">
+            <a:extLst>
+              <a:ext uri="{FF2B5EF4-FFF2-40B4-BE49-F238E27FC236}">
+                <a16:creationId xmlns:a16="http://schemas.microsoft.com/office/drawing/2014/main" id="{A14B2A54-AAD3-474A-ADC5-CDDD77AB40F5}"/>
+              </a:ext>
+            </a:extLst>
+          </p:cNvPr>
+          <p:cNvSpPr>
+            <a:spLocks noGrp="1"/>
+          </p:cNvSpPr>
+          <p:nvPr>
+            <p:ph type="title"/>
+          </p:nvPr>
+        </p:nvSpPr>
+        <p:spPr/>
+        <p:txBody>
+          <a:bodyPr/>
+          <a:lstStyle/>
+          <a:p>
+            <a:r>
+              <a:rPr lang="en-US" dirty="0" smtClean="0"/>
+              <a:t>Practice 3 - Group </a:t>
+            </a:r>
+            <a:r>
+              <a:rPr lang="en-US" dirty="0"/>
+              <a:t>Coding</a:t>
+            </a:r>
+          </a:p>
+        </p:txBody>
+      </p:sp>
+      <p:sp>
+        <p:nvSpPr>
+          <p:cNvPr id="5" name="Text Placeholder 4">
+            <a:extLst>
+              <a:ext uri="{FF2B5EF4-FFF2-40B4-BE49-F238E27FC236}">
+                <a16:creationId xmlns:a16="http://schemas.microsoft.com/office/drawing/2014/main" id="{F6CF689A-1D0A-C341-8A65-C7F19380FDC9}"/>
+              </a:ext>
+            </a:extLst>
+          </p:cNvPr>
+          <p:cNvSpPr>
+            <a:spLocks noGrp="1"/>
+          </p:cNvSpPr>
+          <p:nvPr>
+            <p:ph type="body" idx="1"/>
+          </p:nvPr>
+        </p:nvSpPr>
+        <p:spPr/>
+        <p:txBody>
+          <a:bodyPr/>
+          <a:lstStyle/>
+          <a:p>
+            <a:r>
+              <a:rPr lang="en-US" dirty="0"/>
+              <a:t>Come up with other examples (write them down, white board, </a:t>
+            </a:r>
+            <a:r>
+              <a:rPr lang="en-US" dirty="0" err="1"/>
+              <a:t>etc</a:t>
+            </a:r>
+            <a:r>
+              <a:rPr lang="en-US" dirty="0"/>
+              <a:t>)</a:t>
+            </a:r>
+          </a:p>
+          <a:p>
+            <a:r>
+              <a:rPr lang="en-US" dirty="0"/>
+              <a:t>A single person goes to the </a:t>
+            </a:r>
+            <a:r>
+              <a:rPr lang="en-US" dirty="0" err="1"/>
+              <a:t>zybooks</a:t>
+            </a:r>
+            <a:r>
+              <a:rPr lang="en-US" dirty="0"/>
+              <a:t> IDE (note, we will alternate this person throughout the semester)</a:t>
+            </a:r>
+          </a:p>
+          <a:p>
+            <a:pPr lvl="1"/>
+            <a:r>
+              <a:rPr lang="en-US" dirty="0"/>
+              <a:t>Write out examples</a:t>
+            </a:r>
+          </a:p>
+          <a:p>
+            <a:pPr lvl="1"/>
+            <a:r>
+              <a:rPr lang="en-US" dirty="0"/>
+              <a:t>Do they compile? if not, what is wrong? fix it</a:t>
+            </a:r>
+          </a:p>
+          <a:p>
+            <a:pPr lvl="1"/>
+            <a:r>
+              <a:rPr lang="en-US" dirty="0"/>
+              <a:t>Can you print out each of the variables?</a:t>
+            </a:r>
+          </a:p>
+          <a:p>
+            <a:r>
+              <a:rPr lang="en-US" dirty="0"/>
+              <a:t>Try to include a math operation that uses </a:t>
+            </a:r>
+            <a:r>
+              <a:rPr lang="en-US" dirty="0" err="1"/>
+              <a:t>ints</a:t>
+            </a:r>
+            <a:r>
+              <a:rPr lang="en-US" dirty="0"/>
+              <a:t> and doubles combined </a:t>
+            </a:r>
+          </a:p>
+          <a:p>
+            <a:pPr lvl="1"/>
+            <a:r>
+              <a:rPr lang="en-US" dirty="0"/>
+              <a:t>What happens?</a:t>
+            </a:r>
+          </a:p>
+        </p:txBody>
+      </p:sp>
+    </p:spTree>
+    <p:extLst>
+      <p:ext uri="{BB962C8B-B14F-4D97-AF65-F5344CB8AC3E}">
+        <p14:creationId xmlns:p14="http://schemas.microsoft.com/office/powerpoint/2010/main" val="409570230"/>
+      </p:ext>
+    </p:extLst>
+  </p:cSld>
+  <p:clrMapOvr>
+    <a:masterClrMapping/>
+  </p:clrMapOvr>
+  <p:transition>
+    <p:fade/>
+  </p:transition>
+</p:sld>
+</file>
+
 <file path=ppt/slides/slide2.xml><?xml version="1.0" encoding="utf-8"?>
 <p:sld xmlns:a="http://schemas.openxmlformats.org/drawingml/2006/main" xmlns:r="http://schemas.openxmlformats.org/officeDocument/2006/relationships" xmlns:p="http://schemas.openxmlformats.org/presentationml/2006/main">
   <p:cSld>
@@ -15209,6 +15947,10 @@
             </a:r>
           </a:p>
           <a:p>
+            <a:r>
+              <a:rPr lang="en-US" dirty="0"/>
+              <a:t/>
+            </a:r>
             <a:br>
               <a:rPr lang="en-US" dirty="0"/>
             </a:br>
@@ -15324,27 +16066,6 @@
           </a:p>
           <a:p>
             <a:endParaRPr lang="en-US" dirty="0"/>
-          </a:p>
-          <a:p>
-            <a:r>
-              <a:rPr lang="en-US" dirty="0"/>
-              <a:t>First Question </a:t>
-            </a:r>
-            <a:r>
-              <a:rPr lang="en-US" b="1" dirty="0"/>
-              <a:t>– what seat are you sitting in</a:t>
-            </a:r>
-            <a:r>
-              <a:rPr lang="en-US" dirty="0"/>
-              <a:t>? (numbers should be by your seat..)</a:t>
-            </a:r>
-          </a:p>
-          <a:p>
-            <a:pPr lvl="1"/>
-            <a:r>
-              <a:rPr lang="en-US" dirty="0"/>
-              <a:t>we need this for contact tracing- please be honest</a:t>
-            </a:r>
           </a:p>
         </p:txBody>
       </p:sp>
@@ -17587,7 +18308,7 @@
   <p:cSld>
     <p:spTree>
       <p:nvGrpSpPr>
-        <p:cNvPr id="1" name=""/>
+        <p:cNvPr id="1" name="Shape 209"/>
         <p:cNvGrpSpPr/>
         <p:nvPr/>
       </p:nvGrpSpPr>
@@ -17601,137 +18322,509 @@
       </p:grpSpPr>
       <p:sp>
         <p:nvSpPr>
-          <p:cNvPr id="4" name="Title 3">
-            <a:extLst>
-              <a:ext uri="{FF2B5EF4-FFF2-40B4-BE49-F238E27FC236}">
-                <a16:creationId xmlns:a16="http://schemas.microsoft.com/office/drawing/2014/main" id="{A14B2A54-AAD3-474A-ADC5-CDDD77AB40F5}"/>
-              </a:ext>
-            </a:extLst>
-          </p:cNvPr>
-          <p:cNvSpPr>
+          <p:cNvPr id="210" name="Google Shape;210;p43"/>
+          <p:cNvSpPr txBox="1">
             <a:spLocks noGrp="1"/>
           </p:cNvSpPr>
           <p:nvPr>
             <p:ph type="title"/>
           </p:nvPr>
         </p:nvSpPr>
-        <p:spPr/>
+        <p:spPr>
+          <a:xfrm>
+            <a:off x="415650" y="368781"/>
+            <a:ext cx="8312700" cy="672000"/>
+          </a:xfrm>
+          <a:prstGeom prst="rect">
+            <a:avLst/>
+          </a:prstGeom>
+        </p:spPr>
         <p:txBody>
-          <a:bodyPr/>
+          <a:bodyPr spcFirstLastPara="1" wrap="square" lIns="60500" tIns="60500" rIns="60500" bIns="60500" anchor="b" anchorCtr="0">
+            <a:noAutofit/>
+          </a:bodyPr>
           <a:lstStyle/>
           <a:p>
+            <a:pPr marL="0" lvl="0" indent="0" algn="l" rtl="0">
+              <a:spcBef>
+                <a:spcPts val="0"/>
+              </a:spcBef>
+              <a:spcAft>
+                <a:spcPts val="0"/>
+              </a:spcAft>
+              <a:buNone/>
+            </a:pPr>
             <a:r>
-              <a:rPr lang="en-US" dirty="0"/>
-              <a:t>Group Coding</a:t>
+              <a:rPr lang="en" dirty="0" smtClean="0"/>
+              <a:t>Practice 1 – Group Reflection</a:t>
             </a:r>
+            <a:endParaRPr dirty="0"/>
           </a:p>
         </p:txBody>
       </p:sp>
       <p:sp>
         <p:nvSpPr>
-          <p:cNvPr id="5" name="Text Placeholder 4">
-            <a:extLst>
-              <a:ext uri="{FF2B5EF4-FFF2-40B4-BE49-F238E27FC236}">
-                <a16:creationId xmlns:a16="http://schemas.microsoft.com/office/drawing/2014/main" id="{F6CF689A-1D0A-C341-8A65-C7F19380FDC9}"/>
-              </a:ext>
-            </a:extLst>
-          </p:cNvPr>
-          <p:cNvSpPr>
+          <p:cNvPr id="211" name="Google Shape;211;p43"/>
+          <p:cNvSpPr txBox="1">
             <a:spLocks noGrp="1"/>
           </p:cNvSpPr>
           <p:nvPr>
             <p:ph type="body" idx="1"/>
           </p:nvPr>
         </p:nvSpPr>
-        <p:spPr/>
+        <p:spPr>
+          <a:xfrm>
+            <a:off x="415650" y="1017390"/>
+            <a:ext cx="8312700" cy="4003927"/>
+          </a:xfrm>
+          <a:prstGeom prst="rect">
+            <a:avLst/>
+          </a:prstGeom>
+        </p:spPr>
         <p:txBody>
-          <a:bodyPr/>
+          <a:bodyPr spcFirstLastPara="1" wrap="square" lIns="60500" tIns="60500" rIns="60500" bIns="60500" anchor="t" anchorCtr="0">
+            <a:noAutofit/>
+          </a:bodyPr>
           <a:lstStyle/>
           <a:p>
+            <a:pPr marL="152400" indent="0">
+              <a:buNone/>
+            </a:pPr>
             <a:r>
-              <a:rPr lang="en-US" dirty="0"/>
-              <a:t>Come up with other examples (write them down, white board, </a:t>
+              <a:rPr lang="en-US" dirty="0" err="1">
+                <a:solidFill>
+                  <a:srgbClr val="000000"/>
+                </a:solidFill>
+                <a:latin typeface="Consolas"/>
+                <a:ea typeface="Consolas"/>
+                <a:cs typeface="Consolas"/>
+              </a:rPr>
+              <a:t>int</a:t>
             </a:r>
             <a:r>
-              <a:rPr lang="en-US" dirty="0" err="1"/>
-              <a:t>etc</a:t>
+              <a:rPr lang="en-US" dirty="0">
+                <a:solidFill>
+                  <a:srgbClr val="000000"/>
+                </a:solidFill>
+                <a:latin typeface="Consolas"/>
+                <a:ea typeface="Consolas"/>
+                <a:cs typeface="Consolas"/>
+              </a:rPr>
+              <a:t> A = 5;</a:t>
+            </a:r>
+          </a:p>
+          <a:p>
+            <a:pPr marL="152400" indent="0">
+              <a:buNone/>
+            </a:pPr>
+            <a:r>
+              <a:rPr lang="en-US" dirty="0" err="1">
+                <a:solidFill>
+                  <a:srgbClr val="000000"/>
+                </a:solidFill>
+                <a:latin typeface="Consolas"/>
+                <a:ea typeface="Consolas"/>
+                <a:cs typeface="Consolas"/>
+              </a:rPr>
+              <a:t>int</a:t>
+            </a:r>
+            <a:r>
+              <a:rPr lang="en-US" dirty="0">
+                <a:solidFill>
+                  <a:srgbClr val="000000"/>
+                </a:solidFill>
+                <a:latin typeface="Consolas"/>
+                <a:ea typeface="Consolas"/>
+                <a:cs typeface="Consolas"/>
+              </a:rPr>
+              <a:t> B = 2;</a:t>
+            </a:r>
+          </a:p>
+          <a:p>
+            <a:pPr marL="152400" indent="0">
+              <a:buNone/>
+            </a:pPr>
+            <a:r>
+              <a:rPr lang="en-US" dirty="0" err="1">
+                <a:solidFill>
+                  <a:srgbClr val="000000"/>
+                </a:solidFill>
+                <a:latin typeface="Consolas"/>
+                <a:ea typeface="Consolas"/>
+                <a:cs typeface="Consolas"/>
+              </a:rPr>
+              <a:t>int</a:t>
+            </a:r>
+            <a:r>
+              <a:rPr lang="en-US" dirty="0">
+                <a:solidFill>
+                  <a:srgbClr val="000000"/>
+                </a:solidFill>
+                <a:latin typeface="Consolas"/>
+                <a:ea typeface="Consolas"/>
+                <a:cs typeface="Consolas"/>
+              </a:rPr>
+              <a:t> C = 10;</a:t>
+            </a:r>
+          </a:p>
+          <a:p>
+            <a:pPr marL="152400" indent="0">
+              <a:buNone/>
+            </a:pPr>
+            <a:r>
+              <a:rPr lang="en-US" dirty="0">
+                <a:solidFill>
+                  <a:srgbClr val="000000"/>
+                </a:solidFill>
+                <a:latin typeface="Consolas"/>
+                <a:ea typeface="Consolas"/>
+                <a:cs typeface="Consolas"/>
+              </a:rPr>
+              <a:t>A = B;</a:t>
+            </a:r>
+          </a:p>
+          <a:p>
+            <a:pPr marL="152400" indent="0">
+              <a:buNone/>
+            </a:pPr>
+            <a:r>
+              <a:rPr lang="en-US" dirty="0">
+                <a:solidFill>
+                  <a:srgbClr val="000000"/>
+                </a:solidFill>
+                <a:latin typeface="Consolas"/>
+                <a:ea typeface="Consolas"/>
+                <a:cs typeface="Consolas"/>
+              </a:rPr>
+              <a:t>B = C</a:t>
+            </a:r>
+            <a:r>
+              <a:rPr lang="en-US" dirty="0" smtClean="0">
+                <a:solidFill>
+                  <a:srgbClr val="000000"/>
+                </a:solidFill>
+                <a:latin typeface="Consolas"/>
+                <a:ea typeface="Consolas"/>
+                <a:cs typeface="Consolas"/>
+              </a:rPr>
+              <a:t>;</a:t>
+            </a:r>
+          </a:p>
+          <a:p>
+            <a:pPr marL="152400" indent="0">
+              <a:buNone/>
+            </a:pPr>
+            <a:r>
+              <a:rPr lang="en-US" dirty="0" smtClean="0">
+                <a:solidFill>
+                  <a:srgbClr val="000000"/>
+                </a:solidFill>
+                <a:latin typeface="Consolas"/>
+                <a:ea typeface="Consolas"/>
+                <a:cs typeface="Consolas"/>
+              </a:rPr>
+              <a:t>----------------------------------------------------------------------------------------------</a:t>
+            </a:r>
+          </a:p>
+          <a:p>
+            <a:pPr marL="152400" indent="0">
+              <a:buNone/>
+            </a:pPr>
+            <a:r>
+              <a:rPr lang="en-US" dirty="0" err="1" smtClean="0">
+                <a:solidFill>
+                  <a:srgbClr val="000000"/>
+                </a:solidFill>
+                <a:latin typeface="Consolas"/>
+                <a:ea typeface="Consolas"/>
+                <a:cs typeface="Consolas"/>
+              </a:rPr>
+              <a:t>int</a:t>
+            </a:r>
+            <a:r>
+              <a:rPr lang="en-US" dirty="0" smtClean="0">
+                <a:solidFill>
+                  <a:srgbClr val="000000"/>
+                </a:solidFill>
+                <a:latin typeface="Consolas"/>
+                <a:ea typeface="Consolas"/>
+                <a:cs typeface="Consolas"/>
+              </a:rPr>
+              <a:t> </a:t>
+            </a:r>
+            <a:r>
+              <a:rPr lang="en-US" dirty="0">
+                <a:solidFill>
+                  <a:srgbClr val="000000"/>
+                </a:solidFill>
+                <a:latin typeface="Consolas"/>
+                <a:ea typeface="Consolas"/>
+                <a:cs typeface="Consolas"/>
+              </a:rPr>
+              <a:t>A = 10;</a:t>
+            </a:r>
+          </a:p>
+          <a:p>
+            <a:pPr marL="152400" indent="0">
+              <a:buNone/>
+            </a:pPr>
+            <a:r>
+              <a:rPr lang="en-US" dirty="0" err="1">
+                <a:solidFill>
+                  <a:srgbClr val="000000"/>
+                </a:solidFill>
+                <a:latin typeface="Consolas"/>
+                <a:ea typeface="Consolas"/>
+                <a:cs typeface="Consolas"/>
+              </a:rPr>
+              <a:t>int</a:t>
+            </a:r>
+            <a:r>
+              <a:rPr lang="en-US" dirty="0">
+                <a:solidFill>
+                  <a:srgbClr val="000000"/>
+                </a:solidFill>
+                <a:latin typeface="Consolas"/>
+                <a:ea typeface="Consolas"/>
+                <a:cs typeface="Consolas"/>
+              </a:rPr>
+              <a:t> B = 20;</a:t>
+            </a:r>
+          </a:p>
+          <a:p>
+            <a:pPr marL="152400" indent="0">
+              <a:buNone/>
+            </a:pPr>
+            <a:r>
+              <a:rPr lang="en-US" dirty="0">
+                <a:solidFill>
+                  <a:srgbClr val="000000"/>
+                </a:solidFill>
+                <a:latin typeface="Consolas"/>
+                <a:ea typeface="Consolas"/>
+                <a:cs typeface="Consolas"/>
+              </a:rPr>
+              <a:t>A = B;</a:t>
+            </a:r>
+          </a:p>
+          <a:p>
+            <a:pPr marL="152400" indent="0">
+              <a:buNone/>
+            </a:pPr>
+            <a:r>
+              <a:rPr lang="en-US" dirty="0">
+                <a:solidFill>
+                  <a:srgbClr val="000000"/>
+                </a:solidFill>
+                <a:latin typeface="Consolas"/>
+                <a:ea typeface="Consolas"/>
+                <a:cs typeface="Consolas"/>
+              </a:rPr>
+              <a:t>B = A;</a:t>
+            </a:r>
+          </a:p>
+          <a:p>
+            <a:pPr marL="152400" indent="0">
+              <a:buNone/>
+            </a:pPr>
+            <a:r>
+              <a:rPr lang="en-US" dirty="0">
+                <a:solidFill>
+                  <a:srgbClr val="000000"/>
+                </a:solidFill>
+                <a:latin typeface="Consolas"/>
+                <a:ea typeface="Consolas"/>
+                <a:cs typeface="Consolas"/>
+              </a:rPr>
+              <a:t>----------------------------------------------------------------------------------------------</a:t>
+            </a:r>
+          </a:p>
+          <a:p>
+            <a:pPr marL="152400" indent="0">
+              <a:buNone/>
+            </a:pPr>
+            <a:r>
+              <a:rPr lang="en-US" dirty="0" smtClean="0"/>
+              <a:t>????</a:t>
             </a:r>
             <a:r>
               <a:rPr lang="en-US" dirty="0"/>
-              <a:t>)</a:t>
+              <a:t/>
             </a:r>
+            <a:br>
+              <a:rPr lang="en-US" dirty="0"/>
+            </a:br>
+            <a:endParaRPr lang="en-US" dirty="0">
+              <a:solidFill>
+                <a:srgbClr val="000000"/>
+              </a:solidFill>
+              <a:latin typeface="Consolas"/>
+              <a:ea typeface="Consolas"/>
+              <a:cs typeface="Consolas"/>
+            </a:endParaRPr>
           </a:p>
+        </p:txBody>
+      </p:sp>
+      <p:sp>
+        <p:nvSpPr>
+          <p:cNvPr id="212" name="Google Shape;212;p43"/>
+          <p:cNvSpPr/>
+          <p:nvPr/>
+        </p:nvSpPr>
+        <p:spPr>
+          <a:xfrm>
+            <a:off x="2807809" y="1915034"/>
+            <a:ext cx="5989200" cy="520004"/>
+          </a:xfrm>
+          <a:prstGeom prst="rect">
+            <a:avLst/>
+          </a:prstGeom>
+          <a:solidFill>
+            <a:schemeClr val="lt2"/>
+          </a:solidFill>
+          <a:ln w="9525" cap="flat" cmpd="sng">
+            <a:solidFill>
+              <a:schemeClr val="dk2"/>
+            </a:solidFill>
+            <a:prstDash val="solid"/>
+            <a:round/>
+            <a:headEnd type="none" w="sm" len="sm"/>
+            <a:tailEnd type="none" w="sm" len="sm"/>
+          </a:ln>
+        </p:spPr>
+        <p:txBody>
+          <a:bodyPr spcFirstLastPara="1" wrap="square" lIns="91425" tIns="91425" rIns="91425" bIns="91425" anchor="ctr" anchorCtr="0">
+            <a:noAutofit/>
+          </a:bodyPr>
+          <a:lstStyle/>
           <a:p>
+            <a:pPr marL="0" lvl="0" indent="0" algn="l" rtl="0">
+              <a:spcBef>
+                <a:spcPts val="0"/>
+              </a:spcBef>
+              <a:spcAft>
+                <a:spcPts val="0"/>
+              </a:spcAft>
+              <a:buNone/>
+            </a:pPr>
             <a:r>
-              <a:rPr lang="en-US" dirty="0"/>
-              <a:t>A single person goes to the </a:t>
+              <a:rPr lang="en" b="1" dirty="0" smtClean="0"/>
+              <a:t>What are the final values for A, B, and C?</a:t>
             </a:r>
+            <a:endParaRPr dirty="0"/>
+          </a:p>
+        </p:txBody>
+      </p:sp>
+      <p:sp>
+        <p:nvSpPr>
+          <p:cNvPr id="5" name="Google Shape;212;p43"/>
+          <p:cNvSpPr/>
+          <p:nvPr/>
+        </p:nvSpPr>
+        <p:spPr>
+          <a:xfrm>
+            <a:off x="2807809" y="3309292"/>
+            <a:ext cx="5989200" cy="520004"/>
+          </a:xfrm>
+          <a:prstGeom prst="rect">
+            <a:avLst/>
+          </a:prstGeom>
+          <a:solidFill>
+            <a:schemeClr val="lt2"/>
+          </a:solidFill>
+          <a:ln w="9525" cap="flat" cmpd="sng">
+            <a:solidFill>
+              <a:schemeClr val="dk2"/>
+            </a:solidFill>
+            <a:prstDash val="solid"/>
+            <a:round/>
+            <a:headEnd type="none" w="sm" len="sm"/>
+            <a:tailEnd type="none" w="sm" len="sm"/>
+          </a:ln>
+        </p:spPr>
+        <p:txBody>
+          <a:bodyPr spcFirstLastPara="1" wrap="square" lIns="91425" tIns="91425" rIns="91425" bIns="91425" anchor="ctr" anchorCtr="0">
+            <a:noAutofit/>
+          </a:bodyPr>
+          <a:lstStyle/>
+          <a:p>
+            <a:pPr marL="0" lvl="0" indent="0" algn="l" rtl="0">
+              <a:spcBef>
+                <a:spcPts val="0"/>
+              </a:spcBef>
+              <a:spcAft>
+                <a:spcPts val="0"/>
+              </a:spcAft>
+              <a:buNone/>
+            </a:pPr>
             <a:r>
-              <a:rPr lang="en-US" dirty="0" err="1"/>
-              <a:t>zybooks</a:t>
+              <a:rPr lang="en" b="1" dirty="0" smtClean="0"/>
+              <a:t>What are the final values for A and B?</a:t>
             </a:r>
+            <a:endParaRPr dirty="0"/>
+          </a:p>
+        </p:txBody>
+      </p:sp>
+      <p:sp>
+        <p:nvSpPr>
+          <p:cNvPr id="6" name="Google Shape;212;p43"/>
+          <p:cNvSpPr/>
+          <p:nvPr/>
+        </p:nvSpPr>
+        <p:spPr>
+          <a:xfrm>
+            <a:off x="2807809" y="4217903"/>
+            <a:ext cx="5989200" cy="520004"/>
+          </a:xfrm>
+          <a:prstGeom prst="rect">
+            <a:avLst/>
+          </a:prstGeom>
+          <a:solidFill>
+            <a:schemeClr val="lt2"/>
+          </a:solidFill>
+          <a:ln w="9525" cap="flat" cmpd="sng">
+            <a:solidFill>
+              <a:schemeClr val="dk2"/>
+            </a:solidFill>
+            <a:prstDash val="solid"/>
+            <a:round/>
+            <a:headEnd type="none" w="sm" len="sm"/>
+            <a:tailEnd type="none" w="sm" len="sm"/>
+          </a:ln>
+        </p:spPr>
+        <p:txBody>
+          <a:bodyPr spcFirstLastPara="1" wrap="square" lIns="91425" tIns="91425" rIns="91425" bIns="91425" anchor="ctr" anchorCtr="0">
+            <a:noAutofit/>
+          </a:bodyPr>
+          <a:lstStyle/>
+          <a:p>
+            <a:pPr marL="0" lvl="0" indent="0" algn="l" rtl="0">
+              <a:spcBef>
+                <a:spcPts val="0"/>
+              </a:spcBef>
+              <a:spcAft>
+                <a:spcPts val="0"/>
+              </a:spcAft>
+              <a:buNone/>
+            </a:pPr>
             <a:r>
-              <a:rPr lang="en-US" dirty="0"/>
-              <a:t> IDE (note, we will alternate this person throughout the semester)</a:t>
+              <a:rPr lang="en" b="1" dirty="0" smtClean="0"/>
+              <a:t>What sequence of assignments do we need to change the values of A and B?</a:t>
             </a:r>
-          </a:p>
-          <a:p>
-            <a:pPr lvl="1"/>
-            <a:r>
-              <a:rPr lang="en-US" dirty="0"/>
-              <a:t>Write out examples</a:t>
-            </a:r>
-          </a:p>
-          <a:p>
-            <a:pPr lvl="1"/>
-            <a:r>
-              <a:rPr lang="en-US" dirty="0"/>
-              <a:t>Do they compile? if not, what is wrong? fix it</a:t>
-            </a:r>
-          </a:p>
-          <a:p>
-            <a:pPr lvl="1"/>
-            <a:r>
-              <a:rPr lang="en-US" dirty="0"/>
-              <a:t>Can you print out each of the variables?</a:t>
-            </a:r>
-          </a:p>
-          <a:p>
-            <a:r>
-              <a:rPr lang="en-US" dirty="0"/>
-              <a:t>Try to include a math operation that uses </a:t>
-            </a:r>
-            <a:r>
-              <a:rPr lang="en-US" dirty="0" err="1"/>
-              <a:t>ints</a:t>
-            </a:r>
-            <a:r>
-              <a:rPr lang="en-US" dirty="0"/>
-              <a:t> and doubles combined </a:t>
-            </a:r>
-          </a:p>
-          <a:p>
-            <a:pPr lvl="1"/>
-            <a:r>
-              <a:rPr lang="en-US" dirty="0"/>
-              <a:t>What happens?</a:t>
-            </a:r>
+            <a:endParaRPr dirty="0"/>
           </a:p>
         </p:txBody>
       </p:sp>
     </p:spTree>
     <p:extLst>
       <p:ext uri="{BB962C8B-B14F-4D97-AF65-F5344CB8AC3E}">
-        <p14:creationId xmlns:p14="http://schemas.microsoft.com/office/powerpoint/2010/main" val="409570230"/>
+        <p14:creationId xmlns:p14="http://schemas.microsoft.com/office/powerpoint/2010/main" val="4288849530"/>
       </p:ext>
     </p:extLst>
   </p:cSld>
   <p:clrMapOvr>
     <a:masterClrMapping/>
   </p:clrMapOvr>
-  <p:transition>
-    <p:fade/>
-  </p:transition>
 </p:sld>
 </file>
 
@@ -18295,4 +19388,286 @@
   <a:objectDefaults/>
   <a:extraClrSchemeLst/>
 </a:theme>
+</file>
+
+<file path=customXml/item1.xml><?xml version="1.0" encoding="utf-8"?>
+<ct:contentTypeSchema xmlns:ct="http://schemas.microsoft.com/office/2006/metadata/contentType" xmlns:ma="http://schemas.microsoft.com/office/2006/metadata/properties/metaAttributes" ct:_="" ma:_="" ma:contentTypeName="Document" ma:contentTypeID="0x010100074387D78AC76C4289401EF66FB51FCC" ma:contentTypeVersion="13" ma:contentTypeDescription="Create a new document." ma:contentTypeScope="" ma:versionID="6d00cb191415ef07de8591021eed77b7">
+  <xsd:schema xmlns:xsd="http://www.w3.org/2001/XMLSchema" xmlns:xs="http://www.w3.org/2001/XMLSchema" xmlns:p="http://schemas.microsoft.com/office/2006/metadata/properties" xmlns:ns3="92c41bee-f0ee-4aa6-9399-a35fbb883510" xmlns:ns4="e06ed288-fd75-4b50-bbed-f5a5df88c31c" targetNamespace="http://schemas.microsoft.com/office/2006/metadata/properties" ma:root="true" ma:fieldsID="dd3c912a0e2ebbe56c1b62c06dfbba16" ns3:_="" ns4:_="">
+    <xsd:import namespace="92c41bee-f0ee-4aa6-9399-a35fbb883510"/>
+    <xsd:import namespace="e06ed288-fd75-4b50-bbed-f5a5df88c31c"/>
+    <xsd:element name="properties">
+      <xsd:complexType>
+        <xsd:sequence>
+          <xsd:element name="documentManagement">
+            <xsd:complexType>
+              <xsd:all>
+                <xsd:element ref="ns3:MediaServiceMetadata" minOccurs="0"/>
+                <xsd:element ref="ns3:MediaServiceFastMetadata" minOccurs="0"/>
+                <xsd:element ref="ns4:SharedWithUsers" minOccurs="0"/>
+                <xsd:element ref="ns4:SharedWithDetails" minOccurs="0"/>
+                <xsd:element ref="ns4:SharingHintHash" minOccurs="0"/>
+                <xsd:element ref="ns3:MediaServiceAutoKeyPoints" minOccurs="0"/>
+                <xsd:element ref="ns3:MediaServiceKeyPoints" minOccurs="0"/>
+                <xsd:element ref="ns3:MediaServiceAutoTags" minOccurs="0"/>
+                <xsd:element ref="ns3:MediaServiceOCR" minOccurs="0"/>
+                <xsd:element ref="ns3:MediaServiceGenerationTime" minOccurs="0"/>
+                <xsd:element ref="ns3:MediaServiceEventHashCode" minOccurs="0"/>
+                <xsd:element ref="ns3:MediaServiceDateTaken" minOccurs="0"/>
+                <xsd:element ref="ns3:MediaLengthInSeconds" minOccurs="0"/>
+              </xsd:all>
+            </xsd:complexType>
+          </xsd:element>
+        </xsd:sequence>
+      </xsd:complexType>
+    </xsd:element>
+  </xsd:schema>
+  <xsd:schema xmlns:xsd="http://www.w3.org/2001/XMLSchema" xmlns:xs="http://www.w3.org/2001/XMLSchema" xmlns:dms="http://schemas.microsoft.com/office/2006/documentManagement/types" xmlns:pc="http://schemas.microsoft.com/office/infopath/2007/PartnerControls" targetNamespace="92c41bee-f0ee-4aa6-9399-a35fbb883510" elementFormDefault="qualified">
+    <xsd:import namespace="http://schemas.microsoft.com/office/2006/documentManagement/types"/>
+    <xsd:import namespace="http://schemas.microsoft.com/office/infopath/2007/PartnerControls"/>
+    <xsd:element name="MediaServiceMetadata" ma:index="8" nillable="true" ma:displayName="MediaServiceMetadata" ma:hidden="true" ma:internalName="MediaServiceMetadata" ma:readOnly="true">
+      <xsd:simpleType>
+        <xsd:restriction base="dms:Note"/>
+      </xsd:simpleType>
+    </xsd:element>
+    <xsd:element name="MediaServiceFastMetadata" ma:index="9" nillable="true" ma:displayName="MediaServiceFastMetadata" ma:hidden="true" ma:internalName="MediaServiceFastMetadata" ma:readOnly="true">
+      <xsd:simpleType>
+        <xsd:restriction base="dms:Note"/>
+      </xsd:simpleType>
+    </xsd:element>
+    <xsd:element name="MediaServiceAutoKeyPoints" ma:index="13" nillable="true" ma:displayName="MediaServiceAutoKeyPoints" ma:hidden="true" ma:internalName="MediaServiceAutoKeyPoints" ma:readOnly="true">
+      <xsd:simpleType>
+        <xsd:restriction base="dms:Note"/>
+      </xsd:simpleType>
+    </xsd:element>
+    <xsd:element name="MediaServiceKeyPoints" ma:index="14" nillable="true" ma:displayName="KeyPoints" ma:internalName="MediaServiceKeyPoints" ma:readOnly="true">
+      <xsd:simpleType>
+        <xsd:restriction base="dms:Note">
+          <xsd:maxLength value="255"/>
+        </xsd:restriction>
+      </xsd:simpleType>
+    </xsd:element>
+    <xsd:element name="MediaServiceAutoTags" ma:index="15" nillable="true" ma:displayName="Tags" ma:internalName="MediaServiceAutoTags" ma:readOnly="true">
+      <xsd:simpleType>
+        <xsd:restriction base="dms:Text"/>
+      </xsd:simpleType>
+    </xsd:element>
+    <xsd:element name="MediaServiceOCR" ma:index="16" nillable="true" ma:displayName="Extracted Text" ma:internalName="MediaServiceOCR" ma:readOnly="true">
+      <xsd:simpleType>
+        <xsd:restriction base="dms:Note">
+          <xsd:maxLength value="255"/>
+        </xsd:restriction>
+      </xsd:simpleType>
+    </xsd:element>
+    <xsd:element name="MediaServiceGenerationTime" ma:index="17" nillable="true" ma:displayName="MediaServiceGenerationTime" ma:hidden="true" ma:internalName="MediaServiceGenerationTime" ma:readOnly="true">
+      <xsd:simpleType>
+        <xsd:restriction base="dms:Text"/>
+      </xsd:simpleType>
+    </xsd:element>
+    <xsd:element name="MediaServiceEventHashCode" ma:index="18" nillable="true" ma:displayName="MediaServiceEventHashCode" ma:hidden="true" ma:internalName="MediaServiceEventHashCode" ma:readOnly="true">
+      <xsd:simpleType>
+        <xsd:restriction base="dms:Text"/>
+      </xsd:simpleType>
+    </xsd:element>
+    <xsd:element name="MediaServiceDateTaken" ma:index="19" nillable="true" ma:displayName="MediaServiceDateTaken" ma:hidden="true" ma:internalName="MediaServiceDateTaken" ma:readOnly="true">
+      <xsd:simpleType>
+        <xsd:restriction base="dms:Text"/>
+      </xsd:simpleType>
+    </xsd:element>
+    <xsd:element name="MediaLengthInSeconds" ma:index="20" nillable="true" ma:displayName="Length (seconds)" ma:internalName="MediaLengthInSeconds" ma:readOnly="true">
+      <xsd:simpleType>
+        <xsd:restriction base="dms:Unknown"/>
+      </xsd:simpleType>
+    </xsd:element>
+  </xsd:schema>
+  <xsd:schema xmlns:xsd="http://www.w3.org/2001/XMLSchema" xmlns:xs="http://www.w3.org/2001/XMLSchema" xmlns:dms="http://schemas.microsoft.com/office/2006/documentManagement/types" xmlns:pc="http://schemas.microsoft.com/office/infopath/2007/PartnerControls" targetNamespace="e06ed288-fd75-4b50-bbed-f5a5df88c31c" elementFormDefault="qualified">
+    <xsd:import namespace="http://schemas.microsoft.com/office/2006/documentManagement/types"/>
+    <xsd:import namespace="http://schemas.microsoft.com/office/infopath/2007/PartnerControls"/>
+    <xsd:element name="SharedWithUsers" ma:index="10" nillable="true" ma:displayName="Shared With" ma:internalName="SharedWithUsers" ma:readOnly="true">
+      <xsd:complexType>
+        <xsd:complexContent>
+          <xsd:extension base="dms:UserMulti">
+            <xsd:sequence>
+              <xsd:element name="UserInfo" minOccurs="0" maxOccurs="unbounded">
+                <xsd:complexType>
+                  <xsd:sequence>
+                    <xsd:element name="DisplayName" type="xsd:string" minOccurs="0"/>
+                    <xsd:element name="AccountId" type="dms:UserId" minOccurs="0" nillable="true"/>
+                    <xsd:element name="AccountType" type="xsd:string" minOccurs="0"/>
+                  </xsd:sequence>
+                </xsd:complexType>
+              </xsd:element>
+            </xsd:sequence>
+          </xsd:extension>
+        </xsd:complexContent>
+      </xsd:complexType>
+    </xsd:element>
+    <xsd:element name="SharedWithDetails" ma:index="11" nillable="true" ma:displayName="Shared With Details" ma:internalName="SharedWithDetails" ma:readOnly="true">
+      <xsd:simpleType>
+        <xsd:restriction base="dms:Note">
+          <xsd:maxLength value="255"/>
+        </xsd:restriction>
+      </xsd:simpleType>
+    </xsd:element>
+    <xsd:element name="SharingHintHash" ma:index="12" nillable="true" ma:displayName="Sharing Hint Hash" ma:hidden="true" ma:internalName="SharingHintHash" ma:readOnly="true">
+      <xsd:simpleType>
+        <xsd:restriction base="dms:Text"/>
+      </xsd:simpleType>
+    </xsd:element>
+  </xsd:schema>
+  <xsd:schema xmlns="http://schemas.openxmlformats.org/package/2006/metadata/core-properties" xmlns:xsd="http://www.w3.org/2001/XMLSchema" xmlns:xsi="http://www.w3.org/2001/XMLSchema-instance" xmlns:dc="http://purl.org/dc/elements/1.1/" xmlns:dcterms="http://purl.org/dc/terms/" xmlns:odoc="http://schemas.microsoft.com/internal/obd" targetNamespace="http://schemas.openxmlformats.org/package/2006/metadata/core-properties" elementFormDefault="qualified" attributeFormDefault="unqualified" blockDefault="#all">
+    <xsd:import namespace="http://purl.org/dc/elements/1.1/" schemaLocation="http://dublincore.org/schemas/xmls/qdc/2003/04/02/dc.xsd"/>
+    <xsd:import namespace="http://purl.org/dc/terms/" schemaLocation="http://dublincore.org/schemas/xmls/qdc/2003/04/02/dcterms.xsd"/>
+    <xsd:element name="coreProperties" type="CT_coreProperties"/>
+    <xsd:complexType name="CT_coreProperties">
+      <xsd:all>
+        <xsd:element ref="dc:creator" minOccurs="0" maxOccurs="1"/>
+        <xsd:element ref="dcterms:created" minOccurs="0" maxOccurs="1"/>
+        <xsd:element ref="dc:identifier" minOccurs="0" maxOccurs="1"/>
+        <xsd:element name="contentType" minOccurs="0" maxOccurs="1" type="xsd:string" ma:index="0" ma:displayName="Content Type"/>
+        <xsd:element ref="dc:title" minOccurs="0" maxOccurs="1" ma:index="4" ma:displayName="Title"/>
+        <xsd:element ref="dc:subject" minOccurs="0" maxOccurs="1"/>
+        <xsd:element ref="dc:description" minOccurs="0" maxOccurs="1"/>
+        <xsd:element name="keywords" minOccurs="0" maxOccurs="1" type="xsd:string"/>
+        <xsd:element ref="dc:language" minOccurs="0" maxOccurs="1"/>
+        <xsd:element name="category" minOccurs="0" maxOccurs="1" type="xsd:string"/>
+        <xsd:element name="version" minOccurs="0" maxOccurs="1" type="xsd:string"/>
+        <xsd:element name="revision" minOccurs="0" maxOccurs="1" type="xsd:string">
+          <xsd:annotation>
+            <xsd:documentation>
+                        This value indicates the number of saves or revisions. The application is responsible for updating this value after each revision.
+                    </xsd:documentation>
+          </xsd:annotation>
+        </xsd:element>
+        <xsd:element name="lastModifiedBy" minOccurs="0" maxOccurs="1" type="xsd:string"/>
+        <xsd:element ref="dcterms:modified" minOccurs="0" maxOccurs="1"/>
+        <xsd:element name="contentStatus" minOccurs="0" maxOccurs="1" type="xsd:string"/>
+      </xsd:all>
+    </xsd:complexType>
+  </xsd:schema>
+  <xs:schema xmlns:pc="http://schemas.microsoft.com/office/infopath/2007/PartnerControls" xmlns:xs="http://www.w3.org/2001/XMLSchema" targetNamespace="http://schemas.microsoft.com/office/infopath/2007/PartnerControls" elementFormDefault="qualified" attributeFormDefault="unqualified">
+    <xs:element name="Person">
+      <xs:complexType>
+        <xs:sequence>
+          <xs:element ref="pc:DisplayName" minOccurs="0"/>
+          <xs:element ref="pc:AccountId" minOccurs="0"/>
+          <xs:element ref="pc:AccountType" minOccurs="0"/>
+        </xs:sequence>
+      </xs:complexType>
+    </xs:element>
+    <xs:element name="DisplayName" type="xs:string"/>
+    <xs:element name="AccountId" type="xs:string"/>
+    <xs:element name="AccountType" type="xs:string"/>
+    <xs:element name="BDCAssociatedEntity">
+      <xs:complexType>
+        <xs:sequence>
+          <xs:element ref="pc:BDCEntity" minOccurs="0" maxOccurs="unbounded"/>
+        </xs:sequence>
+        <xs:attribute ref="pc:EntityNamespace"/>
+        <xs:attribute ref="pc:EntityName"/>
+        <xs:attribute ref="pc:SystemInstanceName"/>
+        <xs:attribute ref="pc:AssociationName"/>
+      </xs:complexType>
+    </xs:element>
+    <xs:attribute name="EntityNamespace" type="xs:string"/>
+    <xs:attribute name="EntityName" type="xs:string"/>
+    <xs:attribute name="SystemInstanceName" type="xs:string"/>
+    <xs:attribute name="AssociationName" type="xs:string"/>
+    <xs:element name="BDCEntity">
+      <xs:complexType>
+        <xs:sequence>
+          <xs:element ref="pc:EntityDisplayName" minOccurs="0"/>
+          <xs:element ref="pc:EntityInstanceReference" minOccurs="0"/>
+          <xs:element ref="pc:EntityId1" minOccurs="0"/>
+          <xs:element ref="pc:EntityId2" minOccurs="0"/>
+          <xs:element ref="pc:EntityId3" minOccurs="0"/>
+          <xs:element ref="pc:EntityId4" minOccurs="0"/>
+          <xs:element ref="pc:EntityId5" minOccurs="0"/>
+        </xs:sequence>
+      </xs:complexType>
+    </xs:element>
+    <xs:element name="EntityDisplayName" type="xs:string"/>
+    <xs:element name="EntityInstanceReference" type="xs:string"/>
+    <xs:element name="EntityId1" type="xs:string"/>
+    <xs:element name="EntityId2" type="xs:string"/>
+    <xs:element name="EntityId3" type="xs:string"/>
+    <xs:element name="EntityId4" type="xs:string"/>
+    <xs:element name="EntityId5" type="xs:string"/>
+    <xs:element name="Terms">
+      <xs:complexType>
+        <xs:sequence>
+          <xs:element ref="pc:TermInfo" minOccurs="0" maxOccurs="unbounded"/>
+        </xs:sequence>
+      </xs:complexType>
+    </xs:element>
+    <xs:element name="TermInfo">
+      <xs:complexType>
+        <xs:sequence>
+          <xs:element ref="pc:TermName" minOccurs="0"/>
+          <xs:element ref="pc:TermId" minOccurs="0"/>
+        </xs:sequence>
+      </xs:complexType>
+    </xs:element>
+    <xs:element name="TermName" type="xs:string"/>
+    <xs:element name="TermId" type="xs:string"/>
+  </xs:schema>
+</ct:contentTypeSchema>
+</file>
+
+<file path=customXml/item2.xml><?xml version="1.0" encoding="utf-8"?>
+<?mso-contentType ?>
+<FormTemplates xmlns="http://schemas.microsoft.com/sharepoint/v3/contenttype/forms">
+  <Display>DocumentLibraryForm</Display>
+  <Edit>DocumentLibraryForm</Edit>
+  <New>DocumentLibraryForm</New>
+</FormTemplates>
+</file>
+
+<file path=customXml/item3.xml><?xml version="1.0" encoding="utf-8"?>
+<p:properties xmlns:p="http://schemas.microsoft.com/office/2006/metadata/properties" xmlns:xsi="http://www.w3.org/2001/XMLSchema-instance" xmlns:pc="http://schemas.microsoft.com/office/infopath/2007/PartnerControls">
+  <documentManagement/>
+</p:properties>
+</file>
+
+<file path=customXml/itemProps1.xml><?xml version="1.0" encoding="utf-8"?>
+<ds:datastoreItem xmlns:ds="http://schemas.openxmlformats.org/officeDocument/2006/customXml" ds:itemID="{92A5BA81-21EF-4D25-A1C1-3693A7025EF6}">
+  <ds:schemaRefs>
+    <ds:schemaRef ds:uri="http://schemas.microsoft.com/office/2006/metadata/contentType"/>
+    <ds:schemaRef ds:uri="http://schemas.microsoft.com/office/2006/metadata/properties/metaAttributes"/>
+    <ds:schemaRef ds:uri="http://www.w3.org/2001/XMLSchema"/>
+    <ds:schemaRef ds:uri="http://schemas.microsoft.com/office/2006/metadata/properties"/>
+    <ds:schemaRef ds:uri="92c41bee-f0ee-4aa6-9399-a35fbb883510"/>
+    <ds:schemaRef ds:uri="e06ed288-fd75-4b50-bbed-f5a5df88c31c"/>
+    <ds:schemaRef ds:uri="http://schemas.microsoft.com/office/2006/documentManagement/types"/>
+    <ds:schemaRef ds:uri="http://schemas.microsoft.com/office/infopath/2007/PartnerControls"/>
+    <ds:schemaRef ds:uri="http://schemas.openxmlformats.org/package/2006/metadata/core-properties"/>
+    <ds:schemaRef ds:uri="http://purl.org/dc/elements/1.1/"/>
+    <ds:schemaRef ds:uri="http://purl.org/dc/terms/"/>
+    <ds:schemaRef ds:uri="http://schemas.microsoft.com/internal/obd"/>
+  </ds:schemaRefs>
+</ds:datastoreItem>
+</file>
+
+<file path=customXml/itemProps2.xml><?xml version="1.0" encoding="utf-8"?>
+<ds:datastoreItem xmlns:ds="http://schemas.openxmlformats.org/officeDocument/2006/customXml" ds:itemID="{AD57AD06-F92C-44EB-AE7E-2E7C93F1B38A}">
+  <ds:schemaRefs>
+    <ds:schemaRef ds:uri="http://schemas.microsoft.com/sharepoint/v3/contenttype/forms"/>
+  </ds:schemaRefs>
+</ds:datastoreItem>
+</file>
+
+<file path=customXml/itemProps3.xml><?xml version="1.0" encoding="utf-8"?>
+<ds:datastoreItem xmlns:ds="http://schemas.openxmlformats.org/officeDocument/2006/customXml" ds:itemID="{2DC42811-3B51-4277-9BAB-60004E84128E}">
+  <ds:schemaRefs>
+    <ds:schemaRef ds:uri="http://purl.org/dc/terms/"/>
+    <ds:schemaRef ds:uri="http://purl.org/dc/elements/1.1/"/>
+    <ds:schemaRef ds:uri="92c41bee-f0ee-4aa6-9399-a35fbb883510"/>
+    <ds:schemaRef ds:uri="http://purl.org/dc/dcmitype/"/>
+    <ds:schemaRef ds:uri="http://schemas.microsoft.com/office/2006/documentManagement/types"/>
+    <ds:schemaRef ds:uri="http://schemas.microsoft.com/office/2006/metadata/properties"/>
+    <ds:schemaRef ds:uri="http://schemas.microsoft.com/office/infopath/2007/PartnerControls"/>
+    <ds:schemaRef ds:uri="http://schemas.openxmlformats.org/package/2006/metadata/core-properties"/>
+    <ds:schemaRef ds:uri="e06ed288-fd75-4b50-bbed-f5a5df88c31c"/>
+    <ds:schemaRef ds:uri="http://www.w3.org/XML/1998/namespace"/>
+  </ds:schemaRefs>
+</ds:datastoreItem>
 </file>
--- a/slides/On-Campus/02_01_Variables.pptx
+++ b/slides/On-Campus/02_01_Variables.pptx
@@ -24,21 +24,21 @@
   <p:notesSz cx="6858000" cy="9144000"/>
   <p:embeddedFontLst>
     <p:embeddedFont>
-      <p:font typeface="Proxima Nova" panose="020B0604020202020204" charset="0"/>
+      <p:font typeface="Consolas" panose="020B0609020204030204" pitchFamily="49" charset="0"/>
       <p:regular r:id="rId17"/>
       <p:bold r:id="rId18"/>
       <p:italic r:id="rId19"/>
       <p:boldItalic r:id="rId20"/>
     </p:embeddedFont>
     <p:embeddedFont>
-      <p:font typeface="Consolas" panose="020B0609020204030204" pitchFamily="49" charset="0"/>
+      <p:font typeface="Proxima Nova" panose="02000506030000020004" pitchFamily="2" charset="0"/>
       <p:regular r:id="rId21"/>
       <p:bold r:id="rId22"/>
       <p:italic r:id="rId23"/>
       <p:boldItalic r:id="rId24"/>
     </p:embeddedFont>
     <p:embeddedFont>
-      <p:font typeface="Source Sans Pro" panose="020B0604020202020204" charset="0"/>
+      <p:font typeface="Source Sans Pro" panose="020B0503030403020204" pitchFamily="34" charset="0"/>
       <p:regular r:id="rId25"/>
       <p:bold r:id="rId26"/>
       <p:italic r:id="rId27"/>
@@ -15258,7 +15258,7 @@
               <a:buNone/>
             </a:pPr>
             <a:r>
-              <a:rPr lang="en" dirty="0" smtClean="0"/>
+              <a:rPr lang="en" dirty="0"/>
               <a:t>Practice 2 – Group Reflection</a:t>
             </a:r>
             <a:endParaRPr dirty="0"/>
@@ -15398,7 +15398,7 @@
                 <a:ea typeface="Consolas"/>
                 <a:cs typeface="Consolas"/>
               </a:rPr>
-              <a:t>C = C +2;</a:t>
+              <a:t>C = C + 2;</a:t>
             </a:r>
           </a:p>
           <a:p>
@@ -15421,10 +15421,6 @@
             <a:pPr marL="152400" indent="0">
               <a:buNone/>
             </a:pPr>
-            <a:r>
-              <a:rPr lang="en-US" dirty="0"/>
-              <a:t/>
-            </a:r>
             <a:br>
               <a:rPr lang="en-US" dirty="0"/>
             </a:br>
@@ -15482,7 +15478,7 @@
               <a:buNone/>
             </a:pPr>
             <a:r>
-              <a:rPr lang="en" b="1" dirty="0" smtClean="0"/>
+              <a:rPr lang="en" b="1" dirty="0"/>
               <a:t>What are the final values for A, B, and C?</a:t>
             </a:r>
           </a:p>
@@ -15509,7 +15505,7 @@
               <a:buNone/>
             </a:pPr>
             <a:r>
-              <a:rPr lang="en" b="1" dirty="0" smtClean="0"/>
+              <a:rPr lang="en" b="1" dirty="0"/>
               <a:t>What happens if A is double instead of int?</a:t>
             </a:r>
           </a:p>
@@ -15536,7 +15532,7 @@
               <a:buNone/>
             </a:pPr>
             <a:r>
-              <a:rPr lang="en" b="1" dirty="0" smtClean="0"/>
+              <a:rPr lang="en" b="1" dirty="0"/>
               <a:t>What happens if A and B are double instead of int?</a:t>
             </a:r>
           </a:p>
@@ -15606,12 +15602,8 @@
           <a:lstStyle/>
           <a:p>
             <a:r>
-              <a:rPr lang="en-US" dirty="0" smtClean="0"/>
-              <a:t>Practice 3 - Group </a:t>
-            </a:r>
-            <a:r>
               <a:rPr lang="en-US" dirty="0"/>
-              <a:t>Coding</a:t>
+              <a:t>Practice 3 - Group Coding</a:t>
             </a:r>
           </a:p>
         </p:txBody>
@@ -15788,7 +15780,7 @@
         <p:spPr>
           <a:xfrm>
             <a:off x="415638" y="1646392"/>
-            <a:ext cx="5555792" cy="2898039"/>
+            <a:ext cx="5555792" cy="1968479"/>
           </a:xfrm>
         </p:spPr>
         <p:txBody>
@@ -15870,7 +15862,7 @@
         </p:nvSpPr>
         <p:spPr>
           <a:xfrm>
-            <a:off x="6448508" y="1423282"/>
+            <a:off x="6388687" y="229736"/>
             <a:ext cx="2576222" cy="738664"/>
           </a:xfrm>
           <a:prstGeom prst="rect">
@@ -15901,8 +15893,12 @@
           </a:p>
           <a:p>
             <a:r>
+              <a:rPr lang="en-US"/>
+              <a:t>Lab </a:t>
+            </a:r>
+            <a:r>
               <a:rPr lang="en-US" dirty="0"/>
-              <a:t>Labs projects start!</a:t>
+              <a:t>projects start!</a:t>
             </a:r>
           </a:p>
         </p:txBody>
@@ -15921,8 +15917,8 @@
         </p:nvSpPr>
         <p:spPr>
           <a:xfrm>
-            <a:off x="5971430" y="2612222"/>
-            <a:ext cx="2830664" cy="1169551"/>
+            <a:off x="6388687" y="1435554"/>
+            <a:ext cx="2830664" cy="1661993"/>
           </a:xfrm>
           <a:prstGeom prst="rect">
             <a:avLst/>
@@ -15942,15 +15938,17 @@
           </a:p>
           <a:p>
             <a:r>
-              <a:rPr lang="en-US" dirty="0"/>
-              <a:t>TODO</a:t>
+              <a:rPr lang="en-US" sz="1200" dirty="0"/>
+              <a:t>Success in CS Panel</a:t>
             </a:r>
           </a:p>
           <a:p>
             <a:r>
-              <a:rPr lang="en-US" dirty="0"/>
-              <a:t/>
+              <a:rPr lang="en-US" sz="1200" dirty="0"/>
+              <a:t>Wednesday, 6:00 PM CSB 130</a:t>
             </a:r>
+          </a:p>
+          <a:p>
             <a:br>
               <a:rPr lang="en-US" dirty="0"/>
             </a:br>
@@ -15961,8 +15959,78 @@
           </a:p>
           <a:p>
             <a:r>
+              <a:rPr lang="en-US" sz="1200" dirty="0"/>
+              <a:t>Hike to </a:t>
+            </a:r>
+            <a:r>
+              <a:rPr lang="en-US" sz="1200" dirty="0" err="1"/>
+              <a:t>Horsetooth</a:t>
+            </a:r>
+            <a:r>
+              <a:rPr lang="en-US" sz="1200" dirty="0"/>
+              <a:t> Falls</a:t>
+            </a:r>
+          </a:p>
+          <a:p>
+            <a:r>
+              <a:rPr lang="en-US" sz="1200" dirty="0"/>
+              <a:t>Thursday, 5:30 PM </a:t>
+            </a:r>
+            <a:br>
+              <a:rPr lang="en-US" sz="1200" dirty="0"/>
+            </a:br>
+            <a:r>
+              <a:rPr lang="en-US" sz="1200" dirty="0"/>
+              <a:t>Meet outside CSB front of building</a:t>
+            </a:r>
+          </a:p>
+        </p:txBody>
+      </p:sp>
+      <p:sp>
+        <p:nvSpPr>
+          <p:cNvPr id="2" name="TextBox 1">
+            <a:extLst>
+              <a:ext uri="{FF2B5EF4-FFF2-40B4-BE49-F238E27FC236}">
+                <a16:creationId xmlns:a16="http://schemas.microsoft.com/office/drawing/2014/main" id="{92EEFA02-5996-374A-B048-76B916799C48}"/>
+              </a:ext>
+            </a:extLst>
+          </p:cNvPr>
+          <p:cNvSpPr txBox="1"/>
+          <p:nvPr/>
+        </p:nvSpPr>
+        <p:spPr>
+          <a:xfrm>
+            <a:off x="1478833" y="3990195"/>
+            <a:ext cx="6186309" cy="738664"/>
+          </a:xfrm>
+          <a:prstGeom prst="rect">
+            <a:avLst/>
+          </a:prstGeom>
+          <a:solidFill>
+            <a:schemeClr val="accent2"/>
+          </a:solidFill>
+        </p:spPr>
+        <p:txBody>
+          <a:bodyPr wrap="none" rtlCol="0">
+            <a:spAutoFit/>
+          </a:bodyPr>
+          <a:lstStyle/>
+          <a:p>
+            <a:r>
+              <a:rPr lang="en-US" b="1" dirty="0"/>
+              <a:t>Opening Question (talk with others in your group *before* class starts)</a:t>
+            </a:r>
+          </a:p>
+          <a:p>
+            <a:r>
               <a:rPr lang="en-US" dirty="0"/>
-              <a:t>TODO</a:t>
+              <a:t>What are three ways technology can help improve the world around you? </a:t>
+            </a:r>
+          </a:p>
+          <a:p>
+            <a:r>
+              <a:rPr lang="en-US" dirty="0"/>
+              <a:t>How did you observe those ways this past weekend?</a:t>
             </a:r>
           </a:p>
         </p:txBody>
@@ -18355,7 +18423,7 @@
               <a:buNone/>
             </a:pPr>
             <a:r>
-              <a:rPr lang="en" dirty="0" smtClean="0"/>
+              <a:rPr lang="en" dirty="0"/>
               <a:t>Practice 1 – Group Reflection</a:t>
             </a:r>
             <a:endParaRPr dirty="0"/>
@@ -18496,18 +18564,7 @@
                 <a:ea typeface="Consolas"/>
                 <a:cs typeface="Consolas"/>
               </a:rPr>
-              <a:t>B = C</a:t>
-            </a:r>
-            <a:r>
-              <a:rPr lang="en-US" dirty="0" smtClean="0">
-                <a:solidFill>
-                  <a:srgbClr val="000000"/>
-                </a:solidFill>
-                <a:latin typeface="Consolas"/>
-                <a:ea typeface="Consolas"/>
-                <a:cs typeface="Consolas"/>
-              </a:rPr>
-              <a:t>;</a:t>
+              <a:t>B = C;</a:t>
             </a:r>
           </a:p>
           <a:p>
@@ -18515,7 +18572,7 @@
               <a:buNone/>
             </a:pPr>
             <a:r>
-              <a:rPr lang="en-US" dirty="0" smtClean="0">
+              <a:rPr lang="en-US" dirty="0">
                 <a:solidFill>
                   <a:srgbClr val="000000"/>
                 </a:solidFill>
@@ -18531,7 +18588,7 @@
               <a:buNone/>
             </a:pPr>
             <a:r>
-              <a:rPr lang="en-US" dirty="0" err="1" smtClean="0">
+              <a:rPr lang="en-US" dirty="0" err="1">
                 <a:solidFill>
                   <a:srgbClr val="000000"/>
                 </a:solidFill>
@@ -18542,7 +18599,7 @@
               <a:t>int</a:t>
             </a:r>
             <a:r>
-              <a:rPr lang="en-US" dirty="0" smtClean="0">
+              <a:rPr lang="en-US" dirty="0">
                 <a:solidFill>
                   <a:srgbClr val="000000"/>
                 </a:solidFill>
@@ -18550,18 +18607,7 @@
                 <a:ea typeface="Consolas"/>
                 <a:cs typeface="Consolas"/>
               </a:rPr>
-              <a:t> </a:t>
-            </a:r>
-            <a:r>
-              <a:rPr lang="en-US" dirty="0">
-                <a:solidFill>
-                  <a:srgbClr val="000000"/>
-                </a:solidFill>
-                <a:latin typeface="Consolas"/>
-                <a:ea typeface="Consolas"/>
-                <a:cs typeface="Consolas"/>
-              </a:rPr>
-              <a:t>A = 10;</a:t>
+              <a:t> A = 10;</a:t>
             </a:r>
           </a:p>
           <a:p>
@@ -18644,12 +18690,8 @@
               <a:buNone/>
             </a:pPr>
             <a:r>
-              <a:rPr lang="en-US" dirty="0" smtClean="0"/>
+              <a:rPr lang="en-US" dirty="0"/>
               <a:t>????</a:t>
-            </a:r>
-            <a:r>
-              <a:rPr lang="en-US" dirty="0"/>
-              <a:t/>
             </a:r>
             <a:br>
               <a:rPr lang="en-US" dirty="0"/>
@@ -18708,7 +18750,7 @@
               <a:buNone/>
             </a:pPr>
             <a:r>
-              <a:rPr lang="en" b="1" dirty="0" smtClean="0"/>
+              <a:rPr lang="en" b="1" dirty="0"/>
               <a:t>What are the final values for A, B, and C?</a:t>
             </a:r>
             <a:endParaRPr dirty="0"/>
@@ -18758,7 +18800,7 @@
               <a:buNone/>
             </a:pPr>
             <a:r>
-              <a:rPr lang="en" b="1" dirty="0" smtClean="0"/>
+              <a:rPr lang="en" b="1" dirty="0"/>
               <a:t>What are the final values for A and B?</a:t>
             </a:r>
             <a:endParaRPr dirty="0"/>
@@ -18798,18 +18840,10 @@
           </a:bodyPr>
           <a:lstStyle/>
           <a:p>
-            <a:pPr marL="0" lvl="0" indent="0" algn="l" rtl="0">
-              <a:spcBef>
-                <a:spcPts val="0"/>
-              </a:spcBef>
-              <a:spcAft>
-                <a:spcPts val="0"/>
-              </a:spcAft>
-              <a:buNone/>
-            </a:pPr>
+            <a:pPr lvl="0"/>
             <a:r>
-              <a:rPr lang="en" b="1" dirty="0" smtClean="0"/>
-              <a:t>What sequence of assignments do we need to change the values of A and B?</a:t>
+              <a:rPr lang="en-US" b="1" dirty="0"/>
+              <a:t>If we wanted to swap the values A and B, how would we modify the code above? Would we need to use a third variable? </a:t>
             </a:r>
             <a:endParaRPr dirty="0"/>
           </a:p>
@@ -19391,6 +19425,15 @@
 </file>
 
 <file path=customXml/item1.xml><?xml version="1.0" encoding="utf-8"?>
+<?mso-contentType ?>
+<FormTemplates xmlns="http://schemas.microsoft.com/sharepoint/v3/contenttype/forms">
+  <Display>DocumentLibraryForm</Display>
+  <Edit>DocumentLibraryForm</Edit>
+  <New>DocumentLibraryForm</New>
+</FormTemplates>
+</file>
+
+<file path=customXml/item2.xml><?xml version="1.0" encoding="utf-8"?>
 <ct:contentTypeSchema xmlns:ct="http://schemas.microsoft.com/office/2006/metadata/contentType" xmlns:ma="http://schemas.microsoft.com/office/2006/metadata/properties/metaAttributes" ct:_="" ma:_="" ma:contentTypeName="Document" ma:contentTypeID="0x010100074387D78AC76C4289401EF66FB51FCC" ma:contentTypeVersion="13" ma:contentTypeDescription="Create a new document." ma:contentTypeScope="" ma:versionID="6d00cb191415ef07de8591021eed77b7">
   <xsd:schema xmlns:xsd="http://www.w3.org/2001/XMLSchema" xmlns:xs="http://www.w3.org/2001/XMLSchema" xmlns:p="http://schemas.microsoft.com/office/2006/metadata/properties" xmlns:ns3="92c41bee-f0ee-4aa6-9399-a35fbb883510" xmlns:ns4="e06ed288-fd75-4b50-bbed-f5a5df88c31c" targetNamespace="http://schemas.microsoft.com/office/2006/metadata/properties" ma:root="true" ma:fieldsID="dd3c912a0e2ebbe56c1b62c06dfbba16" ns3:_="" ns4:_="">
     <xsd:import namespace="92c41bee-f0ee-4aa6-9399-a35fbb883510"/>
@@ -19613,15 +19656,6 @@
 </ct:contentTypeSchema>
 </file>
 
-<file path=customXml/item2.xml><?xml version="1.0" encoding="utf-8"?>
-<?mso-contentType ?>
-<FormTemplates xmlns="http://schemas.microsoft.com/sharepoint/v3/contenttype/forms">
-  <Display>DocumentLibraryForm</Display>
-  <Edit>DocumentLibraryForm</Edit>
-  <New>DocumentLibraryForm</New>
-</FormTemplates>
-</file>
-
 <file path=customXml/item3.xml><?xml version="1.0" encoding="utf-8"?>
 <p:properties xmlns:p="http://schemas.microsoft.com/office/2006/metadata/properties" xmlns:xsi="http://www.w3.org/2001/XMLSchema-instance" xmlns:pc="http://schemas.microsoft.com/office/infopath/2007/PartnerControls">
   <documentManagement/>
@@ -19629,6 +19663,14 @@
 </file>
 
 <file path=customXml/itemProps1.xml><?xml version="1.0" encoding="utf-8"?>
+<ds:datastoreItem xmlns:ds="http://schemas.openxmlformats.org/officeDocument/2006/customXml" ds:itemID="{AD57AD06-F92C-44EB-AE7E-2E7C93F1B38A}">
+  <ds:schemaRefs>
+    <ds:schemaRef ds:uri="http://schemas.microsoft.com/sharepoint/v3/contenttype/forms"/>
+  </ds:schemaRefs>
+</ds:datastoreItem>
+</file>
+
+<file path=customXml/itemProps2.xml><?xml version="1.0" encoding="utf-8"?>
 <ds:datastoreItem xmlns:ds="http://schemas.openxmlformats.org/officeDocument/2006/customXml" ds:itemID="{92A5BA81-21EF-4D25-A1C1-3693A7025EF6}">
   <ds:schemaRefs>
     <ds:schemaRef ds:uri="http://schemas.microsoft.com/office/2006/metadata/contentType"/>
@@ -19643,14 +19685,6 @@
     <ds:schemaRef ds:uri="http://purl.org/dc/elements/1.1/"/>
     <ds:schemaRef ds:uri="http://purl.org/dc/terms/"/>
     <ds:schemaRef ds:uri="http://schemas.microsoft.com/internal/obd"/>
-  </ds:schemaRefs>
-</ds:datastoreItem>
-</file>
-
-<file path=customXml/itemProps2.xml><?xml version="1.0" encoding="utf-8"?>
-<ds:datastoreItem xmlns:ds="http://schemas.openxmlformats.org/officeDocument/2006/customXml" ds:itemID="{AD57AD06-F92C-44EB-AE7E-2E7C93F1B38A}">
-  <ds:schemaRefs>
-    <ds:schemaRef ds:uri="http://schemas.microsoft.com/sharepoint/v3/contenttype/forms"/>
   </ds:schemaRefs>
 </ds:datastoreItem>
 </file>

--- a/slides/On-Campus/02_01_Variables.pptx
+++ b/slides/On-Campus/02_01_Variables.pptx
@@ -14,10 +14,10 @@
     <p:sldId id="262" r:id="rId8"/>
     <p:sldId id="257" r:id="rId9"/>
     <p:sldId id="258" r:id="rId10"/>
-    <p:sldId id="259" r:id="rId11"/>
-    <p:sldId id="260" r:id="rId12"/>
-    <p:sldId id="265" r:id="rId13"/>
-    <p:sldId id="266" r:id="rId14"/>
+    <p:sldId id="265" r:id="rId11"/>
+    <p:sldId id="259" r:id="rId12"/>
+    <p:sldId id="266" r:id="rId13"/>
+    <p:sldId id="260" r:id="rId14"/>
     <p:sldId id="264" r:id="rId15"/>
   </p:sldIdLst>
   <p:sldSz cx="9144000" cy="5143500" type="screen16x9"/>
@@ -1051,6 +1051,115 @@
   <p:cSld>
     <p:spTree>
       <p:nvGrpSpPr>
+        <p:cNvPr id="1" name="Shape 206"/>
+        <p:cNvGrpSpPr/>
+        <p:nvPr/>
+      </p:nvGrpSpPr>
+      <p:grpSpPr>
+        <a:xfrm>
+          <a:off x="0" y="0"/>
+          <a:ext cx="0" cy="0"/>
+          <a:chOff x="0" y="0"/>
+          <a:chExt cx="0" cy="0"/>
+        </a:xfrm>
+      </p:grpSpPr>
+      <p:sp>
+        <p:nvSpPr>
+          <p:cNvPr id="207" name="Google Shape;207;g6e365c192e_0_203:notes"/>
+          <p:cNvSpPr>
+            <a:spLocks noGrp="1" noRot="1" noChangeAspect="1"/>
+          </p:cNvSpPr>
+          <p:nvPr>
+            <p:ph type="sldImg" idx="2"/>
+          </p:nvPr>
+        </p:nvSpPr>
+        <p:spPr>
+          <a:xfrm>
+            <a:off x="381000" y="685800"/>
+            <a:ext cx="6096000" cy="3429000"/>
+          </a:xfrm>
+          <a:custGeom>
+            <a:avLst/>
+            <a:gdLst/>
+            <a:ahLst/>
+            <a:cxnLst/>
+            <a:rect l="l" t="t" r="r" b="b"/>
+            <a:pathLst>
+              <a:path w="120000" h="120000" extrusionOk="0">
+                <a:moveTo>
+                  <a:pt x="0" y="0"/>
+                </a:moveTo>
+                <a:lnTo>
+                  <a:pt x="120000" y="0"/>
+                </a:lnTo>
+                <a:lnTo>
+                  <a:pt x="120000" y="120000"/>
+                </a:lnTo>
+                <a:lnTo>
+                  <a:pt x="0" y="120000"/>
+                </a:lnTo>
+                <a:close/>
+              </a:path>
+            </a:pathLst>
+          </a:custGeom>
+        </p:spPr>
+      </p:sp>
+      <p:sp>
+        <p:nvSpPr>
+          <p:cNvPr id="208" name="Google Shape;208;g6e365c192e_0_203:notes"/>
+          <p:cNvSpPr txBox="1">
+            <a:spLocks noGrp="1"/>
+          </p:cNvSpPr>
+          <p:nvPr>
+            <p:ph type="body" idx="1"/>
+          </p:nvPr>
+        </p:nvSpPr>
+        <p:spPr>
+          <a:xfrm>
+            <a:off x="685800" y="4343400"/>
+            <a:ext cx="5486400" cy="4114800"/>
+          </a:xfrm>
+          <a:prstGeom prst="rect">
+            <a:avLst/>
+          </a:prstGeom>
+        </p:spPr>
+        <p:txBody>
+          <a:bodyPr spcFirstLastPara="1" wrap="square" lIns="91425" tIns="91425" rIns="91425" bIns="91425" anchor="t" anchorCtr="0">
+            <a:noAutofit/>
+          </a:bodyPr>
+          <a:lstStyle/>
+          <a:p>
+            <a:pPr marL="0" lvl="0" indent="0" algn="l" rtl="0">
+              <a:spcBef>
+                <a:spcPts val="0"/>
+              </a:spcBef>
+              <a:spcAft>
+                <a:spcPts val="0"/>
+              </a:spcAft>
+              <a:buNone/>
+            </a:pPr>
+            <a:endParaRPr/>
+          </a:p>
+        </p:txBody>
+      </p:sp>
+    </p:spTree>
+    <p:extLst>
+      <p:ext uri="{BB962C8B-B14F-4D97-AF65-F5344CB8AC3E}">
+        <p14:creationId xmlns:p14="http://schemas.microsoft.com/office/powerpoint/2010/main" val="3772290187"/>
+      </p:ext>
+    </p:extLst>
+  </p:cSld>
+  <p:clrMapOvr>
+    <a:masterClrMapping/>
+  </p:clrMapOvr>
+</p:notes>
+</file>
+
+<file path=ppt/notesSlides/notesSlide5.xml><?xml version="1.0" encoding="utf-8"?>
+<p:notes xmlns:a="http://schemas.openxmlformats.org/drawingml/2006/main" xmlns:r="http://schemas.openxmlformats.org/officeDocument/2006/relationships" xmlns:p="http://schemas.openxmlformats.org/presentationml/2006/main" showMasterSp="0" showMasterPhAnim="0">
+  <p:cSld>
+    <p:spTree>
+      <p:nvGrpSpPr>
         <p:cNvPr id="1" name="Shape 200"/>
         <p:cNvGrpSpPr/>
         <p:nvPr/>
@@ -1107,110 +1216,6 @@
       <p:sp>
         <p:nvSpPr>
           <p:cNvPr id="202" name="Google Shape;202;g6e365c192e_0_351:notes"/>
-          <p:cNvSpPr txBox="1">
-            <a:spLocks noGrp="1"/>
-          </p:cNvSpPr>
-          <p:nvPr>
-            <p:ph type="body" idx="1"/>
-          </p:nvPr>
-        </p:nvSpPr>
-        <p:spPr>
-          <a:xfrm>
-            <a:off x="685800" y="4343400"/>
-            <a:ext cx="5486400" cy="4114800"/>
-          </a:xfrm>
-          <a:prstGeom prst="rect">
-            <a:avLst/>
-          </a:prstGeom>
-        </p:spPr>
-        <p:txBody>
-          <a:bodyPr spcFirstLastPara="1" wrap="square" lIns="91425" tIns="91425" rIns="91425" bIns="91425" anchor="t" anchorCtr="0">
-            <a:noAutofit/>
-          </a:bodyPr>
-          <a:lstStyle/>
-          <a:p>
-            <a:pPr marL="0" lvl="0" indent="0" algn="l" rtl="0">
-              <a:spcBef>
-                <a:spcPts val="0"/>
-              </a:spcBef>
-              <a:spcAft>
-                <a:spcPts val="0"/>
-              </a:spcAft>
-              <a:buNone/>
-            </a:pPr>
-            <a:endParaRPr/>
-          </a:p>
-        </p:txBody>
-      </p:sp>
-    </p:spTree>
-  </p:cSld>
-  <p:clrMapOvr>
-    <a:masterClrMapping/>
-  </p:clrMapOvr>
-</p:notes>
-</file>
-
-<file path=ppt/notesSlides/notesSlide5.xml><?xml version="1.0" encoding="utf-8"?>
-<p:notes xmlns:a="http://schemas.openxmlformats.org/drawingml/2006/main" xmlns:r="http://schemas.openxmlformats.org/officeDocument/2006/relationships" xmlns:p="http://schemas.openxmlformats.org/presentationml/2006/main" showMasterSp="0" showMasterPhAnim="0">
-  <p:cSld>
-    <p:spTree>
-      <p:nvGrpSpPr>
-        <p:cNvPr id="1" name="Shape 206"/>
-        <p:cNvGrpSpPr/>
-        <p:nvPr/>
-      </p:nvGrpSpPr>
-      <p:grpSpPr>
-        <a:xfrm>
-          <a:off x="0" y="0"/>
-          <a:ext cx="0" cy="0"/>
-          <a:chOff x="0" y="0"/>
-          <a:chExt cx="0" cy="0"/>
-        </a:xfrm>
-      </p:grpSpPr>
-      <p:sp>
-        <p:nvSpPr>
-          <p:cNvPr id="207" name="Google Shape;207;g6e365c192e_0_203:notes"/>
-          <p:cNvSpPr>
-            <a:spLocks noGrp="1" noRot="1" noChangeAspect="1"/>
-          </p:cNvSpPr>
-          <p:nvPr>
-            <p:ph type="sldImg" idx="2"/>
-          </p:nvPr>
-        </p:nvSpPr>
-        <p:spPr>
-          <a:xfrm>
-            <a:off x="381000" y="685800"/>
-            <a:ext cx="6096000" cy="3429000"/>
-          </a:xfrm>
-          <a:custGeom>
-            <a:avLst/>
-            <a:gdLst/>
-            <a:ahLst/>
-            <a:cxnLst/>
-            <a:rect l="l" t="t" r="r" b="b"/>
-            <a:pathLst>
-              <a:path w="120000" h="120000" extrusionOk="0">
-                <a:moveTo>
-                  <a:pt x="0" y="0"/>
-                </a:moveTo>
-                <a:lnTo>
-                  <a:pt x="120000" y="0"/>
-                </a:lnTo>
-                <a:lnTo>
-                  <a:pt x="120000" y="120000"/>
-                </a:lnTo>
-                <a:lnTo>
-                  <a:pt x="0" y="120000"/>
-                </a:lnTo>
-                <a:close/>
-              </a:path>
-            </a:pathLst>
-          </a:custGeom>
-        </p:spPr>
-      </p:sp>
-      <p:sp>
-        <p:nvSpPr>
-          <p:cNvPr id="208" name="Google Shape;208;g6e365c192e_0_203:notes"/>
           <p:cNvSpPr txBox="1">
             <a:spLocks noGrp="1"/>
           </p:cNvSpPr>
@@ -1353,7 +1358,7 @@
     </p:spTree>
     <p:extLst>
       <p:ext uri="{BB962C8B-B14F-4D97-AF65-F5344CB8AC3E}">
-        <p14:creationId xmlns:p14="http://schemas.microsoft.com/office/powerpoint/2010/main" val="3772290187"/>
+        <p14:creationId xmlns:p14="http://schemas.microsoft.com/office/powerpoint/2010/main" val="688029519"/>
       </p:ext>
     </p:extLst>
   </p:cSld>
@@ -1460,11 +1465,6 @@
         </p:txBody>
       </p:sp>
     </p:spTree>
-    <p:extLst>
-      <p:ext uri="{BB962C8B-B14F-4D97-AF65-F5344CB8AC3E}">
-        <p14:creationId xmlns:p14="http://schemas.microsoft.com/office/powerpoint/2010/main" val="688029519"/>
-      </p:ext>
-    </p:extLst>
   </p:cSld>
   <p:clrMapOvr>
     <a:masterClrMapping/>
@@ -15235,7 +15235,7 @@
         </p:nvSpPr>
         <p:spPr>
           <a:xfrm>
-            <a:off x="407768" y="490964"/>
+            <a:off x="415638" y="329368"/>
             <a:ext cx="8312700" cy="672000"/>
           </a:xfrm>
           <a:prstGeom prst="rect">
@@ -15259,7 +15259,7 @@
             </a:pPr>
             <a:r>
               <a:rPr lang="en" dirty="0"/>
-              <a:t>Practice 2 – Group Reflection</a:t>
+              <a:t>Examples</a:t>
             </a:r>
             <a:endParaRPr dirty="0"/>
           </a:p>
@@ -15277,8 +15277,8 @@
         </p:nvSpPr>
         <p:spPr>
           <a:xfrm>
-            <a:off x="407768" y="1139573"/>
-            <a:ext cx="8312700" cy="4003927"/>
+            <a:off x="415650" y="1001375"/>
+            <a:ext cx="8312700" cy="2967000"/>
           </a:xfrm>
           <a:prstGeom prst="rect">
             <a:avLst/>
@@ -15290,147 +15290,478 @@
           </a:bodyPr>
           <a:lstStyle/>
           <a:p>
-            <a:pPr marL="152400" indent="0">
+            <a:pPr marL="0" lvl="0" indent="0" algn="l" rtl="0">
+              <a:spcBef>
+                <a:spcPts val="400"/>
+              </a:spcBef>
+              <a:spcAft>
+                <a:spcPts val="0"/>
+              </a:spcAft>
               <a:buNone/>
             </a:pPr>
             <a:r>
-              <a:rPr lang="pt-BR" dirty="0">
+              <a:rPr lang="en" dirty="0">
                 <a:solidFill>
                   <a:srgbClr val="000000"/>
                 </a:solidFill>
                 <a:latin typeface="Consolas"/>
                 <a:ea typeface="Consolas"/>
                 <a:cs typeface="Consolas"/>
+                <a:sym typeface="Consolas"/>
               </a:rPr>
-              <a:t>int A, B, C;</a:t>
+              <a:t>int </a:t>
             </a:r>
-          </a:p>
-          <a:p>
-            <a:pPr marL="152400" indent="0">
-              <a:buNone/>
-            </a:pPr>
             <a:r>
-              <a:rPr lang="pt-BR" dirty="0">
+              <a:rPr lang="en" dirty="0" err="1">
                 <a:solidFill>
                   <a:srgbClr val="000000"/>
                 </a:solidFill>
                 <a:latin typeface="Consolas"/>
                 <a:ea typeface="Consolas"/>
                 <a:cs typeface="Consolas"/>
+                <a:sym typeface="Consolas"/>
               </a:rPr>
-              <a:t>A = 10;</a:t>
+              <a:t>puppyCounter</a:t>
             </a:r>
-          </a:p>
-          <a:p>
-            <a:pPr marL="152400" indent="0">
-              <a:buNone/>
-            </a:pPr>
             <a:r>
-              <a:rPr lang="pt-BR" dirty="0">
+              <a:rPr lang="en" dirty="0">
                 <a:solidFill>
                   <a:srgbClr val="000000"/>
                 </a:solidFill>
                 <a:latin typeface="Consolas"/>
                 <a:ea typeface="Consolas"/>
                 <a:cs typeface="Consolas"/>
+                <a:sym typeface="Consolas"/>
               </a:rPr>
-              <a:t>A = A + 1;</a:t>
+              <a:t> = 100; // so many puppies!</a:t>
             </a:r>
-          </a:p>
-          <a:p>
-            <a:pPr marL="152400" indent="0">
-              <a:buNone/>
-            </a:pPr>
-            <a:r>
-              <a:rPr lang="pt-BR" dirty="0">
-                <a:solidFill>
-                  <a:srgbClr val="000000"/>
-                </a:solidFill>
-                <a:latin typeface="Consolas"/>
-                <a:ea typeface="Consolas"/>
-                <a:cs typeface="Consolas"/>
-              </a:rPr>
-              <a:t>B = A/2;</a:t>
-            </a:r>
-          </a:p>
-          <a:p>
-            <a:pPr marL="152400" indent="0">
-              <a:buNone/>
-            </a:pPr>
-            <a:r>
-              <a:rPr lang="pt-BR" dirty="0">
-                <a:solidFill>
-                  <a:srgbClr val="000000"/>
-                </a:solidFill>
-                <a:latin typeface="Consolas"/>
-                <a:ea typeface="Consolas"/>
-                <a:cs typeface="Consolas"/>
-              </a:rPr>
-              <a:t>A = 6;</a:t>
-            </a:r>
-          </a:p>
-          <a:p>
-            <a:pPr marL="152400" indent="0">
-              <a:buNone/>
-            </a:pPr>
-            <a:r>
-              <a:rPr lang="pt-BR" dirty="0">
-                <a:solidFill>
-                  <a:srgbClr val="000000"/>
-                </a:solidFill>
-                <a:latin typeface="Consolas"/>
-                <a:ea typeface="Consolas"/>
-                <a:cs typeface="Consolas"/>
-              </a:rPr>
-              <a:t>C = B + 1;</a:t>
-            </a:r>
-          </a:p>
-          <a:p>
-            <a:pPr marL="152400" indent="0">
-              <a:buNone/>
-            </a:pPr>
-            <a:r>
-              <a:rPr lang="pt-BR" dirty="0">
-                <a:solidFill>
-                  <a:srgbClr val="000000"/>
-                </a:solidFill>
-                <a:latin typeface="Consolas"/>
-                <a:ea typeface="Consolas"/>
-                <a:cs typeface="Consolas"/>
-              </a:rPr>
-              <a:t>C = C + 2;</a:t>
-            </a:r>
-          </a:p>
-          <a:p>
-            <a:pPr marL="152400" indent="0">
-              <a:buNone/>
-            </a:pPr>
-            <a:r>
-              <a:rPr lang="pt-BR" dirty="0">
-                <a:solidFill>
-                  <a:srgbClr val="000000"/>
-                </a:solidFill>
-                <a:latin typeface="Consolas"/>
-                <a:ea typeface="Consolas"/>
-                <a:cs typeface="Consolas"/>
-              </a:rPr>
-              <a:t>A = B/2;</a:t>
-            </a:r>
-          </a:p>
-          <a:p>
-            <a:pPr marL="152400" indent="0">
-              <a:buNone/>
-            </a:pPr>
-            <a:br>
-              <a:rPr lang="en-US" dirty="0"/>
-            </a:br>
-            <a:endParaRPr lang="en-US" dirty="0">
+            <a:endParaRPr dirty="0">
               <a:solidFill>
                 <a:srgbClr val="000000"/>
               </a:solidFill>
               <a:latin typeface="Consolas"/>
               <a:ea typeface="Consolas"/>
               <a:cs typeface="Consolas"/>
+              <a:sym typeface="Consolas"/>
+            </a:endParaRPr>
+          </a:p>
+          <a:p>
+            <a:pPr marL="0" lvl="0" indent="0" algn="l" rtl="0">
+              <a:spcBef>
+                <a:spcPts val="400"/>
+              </a:spcBef>
+              <a:spcAft>
+                <a:spcPts val="0"/>
+              </a:spcAft>
+              <a:buNone/>
+            </a:pPr>
+            <a:endParaRPr lang="en" dirty="0">
+              <a:solidFill>
+                <a:srgbClr val="000000"/>
+              </a:solidFill>
+              <a:latin typeface="Consolas"/>
+              <a:ea typeface="Consolas"/>
+              <a:cs typeface="Consolas"/>
+              <a:sym typeface="Consolas"/>
+            </a:endParaRPr>
+          </a:p>
+          <a:p>
+            <a:pPr marL="0" lvl="0" indent="0" algn="l" rtl="0">
+              <a:spcBef>
+                <a:spcPts val="400"/>
+              </a:spcBef>
+              <a:spcAft>
+                <a:spcPts val="0"/>
+              </a:spcAft>
+              <a:buNone/>
+            </a:pPr>
+            <a:r>
+              <a:rPr lang="en" dirty="0">
+                <a:solidFill>
+                  <a:srgbClr val="000000"/>
+                </a:solidFill>
+                <a:latin typeface="Consolas"/>
+                <a:ea typeface="Consolas"/>
+                <a:cs typeface="Consolas"/>
+                <a:sym typeface="Consolas"/>
+              </a:rPr>
+              <a:t>String </a:t>
+            </a:r>
+            <a:r>
+              <a:rPr lang="en" dirty="0" err="1">
+                <a:solidFill>
+                  <a:srgbClr val="000000"/>
+                </a:solidFill>
+                <a:latin typeface="Consolas"/>
+                <a:ea typeface="Consolas"/>
+                <a:cs typeface="Consolas"/>
+                <a:sym typeface="Consolas"/>
+              </a:rPr>
+              <a:t>puppyName</a:t>
+            </a:r>
+            <a:r>
+              <a:rPr lang="en" dirty="0">
+                <a:solidFill>
+                  <a:srgbClr val="000000"/>
+                </a:solidFill>
+                <a:latin typeface="Consolas"/>
+                <a:ea typeface="Consolas"/>
+                <a:cs typeface="Consolas"/>
+                <a:sym typeface="Consolas"/>
+              </a:rPr>
+              <a:t> = “Spot”; </a:t>
+            </a:r>
+            <a:endParaRPr dirty="0">
+              <a:solidFill>
+                <a:srgbClr val="000000"/>
+              </a:solidFill>
+              <a:latin typeface="Consolas"/>
+              <a:ea typeface="Consolas"/>
+              <a:cs typeface="Consolas"/>
+              <a:sym typeface="Consolas"/>
+            </a:endParaRPr>
+          </a:p>
+          <a:p>
+            <a:pPr marL="0" lvl="0" indent="0" algn="l" rtl="0">
+              <a:spcBef>
+                <a:spcPts val="400"/>
+              </a:spcBef>
+              <a:spcAft>
+                <a:spcPts val="0"/>
+              </a:spcAft>
+              <a:buNone/>
+            </a:pPr>
+            <a:r>
+              <a:rPr lang="en" dirty="0">
+                <a:solidFill>
+                  <a:srgbClr val="000000"/>
+                </a:solidFill>
+                <a:latin typeface="Consolas"/>
+                <a:ea typeface="Consolas"/>
+                <a:cs typeface="Consolas"/>
+                <a:sym typeface="Consolas"/>
+              </a:rPr>
+              <a:t>String </a:t>
+            </a:r>
+            <a:r>
+              <a:rPr lang="en" dirty="0" err="1">
+                <a:solidFill>
+                  <a:srgbClr val="000000"/>
+                </a:solidFill>
+                <a:latin typeface="Consolas"/>
+                <a:ea typeface="Consolas"/>
+                <a:cs typeface="Consolas"/>
+                <a:sym typeface="Consolas"/>
+              </a:rPr>
+              <a:t>puppyLongName</a:t>
+            </a:r>
+            <a:r>
+              <a:rPr lang="en" dirty="0">
+                <a:solidFill>
+                  <a:srgbClr val="000000"/>
+                </a:solidFill>
+                <a:latin typeface="Consolas"/>
+                <a:ea typeface="Consolas"/>
+                <a:cs typeface="Consolas"/>
+                <a:sym typeface="Consolas"/>
+              </a:rPr>
+              <a:t> = “Cerberus”;</a:t>
+            </a:r>
+            <a:endParaRPr dirty="0">
+              <a:solidFill>
+                <a:srgbClr val="000000"/>
+              </a:solidFill>
+              <a:latin typeface="Consolas"/>
+              <a:ea typeface="Consolas"/>
+              <a:cs typeface="Consolas"/>
+              <a:sym typeface="Consolas"/>
+            </a:endParaRPr>
+          </a:p>
+          <a:p>
+            <a:pPr marL="0" lvl="0" indent="0" algn="l" rtl="0">
+              <a:spcBef>
+                <a:spcPts val="400"/>
+              </a:spcBef>
+              <a:spcAft>
+                <a:spcPts val="0"/>
+              </a:spcAft>
+              <a:buNone/>
+            </a:pPr>
+            <a:endParaRPr dirty="0">
+              <a:solidFill>
+                <a:srgbClr val="000000"/>
+              </a:solidFill>
+              <a:latin typeface="Consolas"/>
+              <a:ea typeface="Consolas"/>
+              <a:cs typeface="Consolas"/>
+              <a:sym typeface="Consolas"/>
+            </a:endParaRPr>
+          </a:p>
+          <a:p>
+            <a:pPr marL="0" lvl="0" indent="0" algn="l" rtl="0">
+              <a:spcBef>
+                <a:spcPts val="400"/>
+              </a:spcBef>
+              <a:spcAft>
+                <a:spcPts val="0"/>
+              </a:spcAft>
+              <a:buNone/>
+            </a:pPr>
+            <a:r>
+              <a:rPr lang="en" dirty="0">
+                <a:solidFill>
+                  <a:srgbClr val="000000"/>
+                </a:solidFill>
+                <a:latin typeface="Consolas"/>
+                <a:ea typeface="Consolas"/>
+                <a:cs typeface="Consolas"/>
+                <a:sym typeface="Consolas"/>
+              </a:rPr>
+              <a:t>double </a:t>
+            </a:r>
+            <a:r>
+              <a:rPr lang="en" dirty="0" err="1">
+                <a:solidFill>
+                  <a:srgbClr val="000000"/>
+                </a:solidFill>
+                <a:latin typeface="Consolas"/>
+                <a:ea typeface="Consolas"/>
+                <a:cs typeface="Consolas"/>
+                <a:sym typeface="Consolas"/>
+              </a:rPr>
+              <a:t>amountOfFoodPerDayLbs</a:t>
+            </a:r>
+            <a:r>
+              <a:rPr lang="en" dirty="0">
+                <a:solidFill>
+                  <a:srgbClr val="000000"/>
+                </a:solidFill>
+                <a:latin typeface="Consolas"/>
+                <a:ea typeface="Consolas"/>
+                <a:cs typeface="Consolas"/>
+                <a:sym typeface="Consolas"/>
+              </a:rPr>
+              <a:t> = 20.56; </a:t>
+            </a:r>
+            <a:endParaRPr dirty="0">
+              <a:solidFill>
+                <a:srgbClr val="000000"/>
+              </a:solidFill>
+              <a:latin typeface="Consolas"/>
+              <a:ea typeface="Consolas"/>
+              <a:cs typeface="Consolas"/>
+              <a:sym typeface="Consolas"/>
+            </a:endParaRPr>
+          </a:p>
+          <a:p>
+            <a:pPr marL="0" lvl="0" indent="0" algn="l" rtl="0">
+              <a:spcBef>
+                <a:spcPts val="400"/>
+              </a:spcBef>
+              <a:spcAft>
+                <a:spcPts val="0"/>
+              </a:spcAft>
+              <a:buNone/>
+            </a:pPr>
+            <a:r>
+              <a:rPr lang="en" dirty="0" err="1">
+                <a:solidFill>
+                  <a:srgbClr val="000000"/>
+                </a:solidFill>
+                <a:latin typeface="Consolas"/>
+                <a:ea typeface="Consolas"/>
+                <a:cs typeface="Consolas"/>
+                <a:sym typeface="Consolas"/>
+              </a:rPr>
+              <a:t>amountOfFoodPerDayLbs</a:t>
+            </a:r>
+            <a:r>
+              <a:rPr lang="en" dirty="0">
+                <a:solidFill>
+                  <a:srgbClr val="000000"/>
+                </a:solidFill>
+                <a:latin typeface="Consolas"/>
+                <a:ea typeface="Consolas"/>
+                <a:cs typeface="Consolas"/>
+                <a:sym typeface="Consolas"/>
+              </a:rPr>
+              <a:t> = </a:t>
+            </a:r>
+            <a:r>
+              <a:rPr lang="en" dirty="0" err="1">
+                <a:solidFill>
+                  <a:srgbClr val="000000"/>
+                </a:solidFill>
+                <a:latin typeface="Consolas"/>
+                <a:ea typeface="Consolas"/>
+                <a:cs typeface="Consolas"/>
+                <a:sym typeface="Consolas"/>
+              </a:rPr>
+              <a:t>amountOfFoodPerDayLbs</a:t>
+            </a:r>
+            <a:r>
+              <a:rPr lang="en" dirty="0">
+                <a:solidFill>
+                  <a:srgbClr val="000000"/>
+                </a:solidFill>
+                <a:latin typeface="Consolas"/>
+                <a:ea typeface="Consolas"/>
+                <a:cs typeface="Consolas"/>
+                <a:sym typeface="Consolas"/>
+              </a:rPr>
+              <a:t> + 10.0; // assigns 30.56 to the variable</a:t>
+            </a:r>
+            <a:br>
+              <a:rPr lang="en" dirty="0">
+                <a:solidFill>
+                  <a:srgbClr val="000000"/>
+                </a:solidFill>
+                <a:latin typeface="Consolas"/>
+                <a:ea typeface="Consolas"/>
+                <a:cs typeface="Consolas"/>
+                <a:sym typeface="Consolas"/>
+              </a:rPr>
+            </a:br>
+            <a:endParaRPr dirty="0">
+              <a:solidFill>
+                <a:srgbClr val="000000"/>
+              </a:solidFill>
+              <a:latin typeface="Consolas"/>
+              <a:ea typeface="Consolas"/>
+              <a:cs typeface="Consolas"/>
+              <a:sym typeface="Consolas"/>
+            </a:endParaRPr>
+          </a:p>
+          <a:p>
+            <a:pPr marL="0" lvl="0" indent="0" algn="l" rtl="0">
+              <a:spcBef>
+                <a:spcPts val="400"/>
+              </a:spcBef>
+              <a:spcAft>
+                <a:spcPts val="0"/>
+              </a:spcAft>
+              <a:buNone/>
+            </a:pPr>
+            <a:r>
+              <a:rPr lang="en" dirty="0">
+                <a:solidFill>
+                  <a:srgbClr val="000000"/>
+                </a:solidFill>
+                <a:latin typeface="Consolas"/>
+                <a:ea typeface="Consolas"/>
+                <a:cs typeface="Consolas"/>
+                <a:sym typeface="Consolas"/>
+              </a:rPr>
+              <a:t>boolean </a:t>
+            </a:r>
+            <a:r>
+              <a:rPr lang="en" dirty="0" err="1">
+                <a:solidFill>
+                  <a:srgbClr val="000000"/>
+                </a:solidFill>
+                <a:latin typeface="Consolas"/>
+                <a:ea typeface="Consolas"/>
+                <a:cs typeface="Consolas"/>
+                <a:sym typeface="Consolas"/>
+              </a:rPr>
+              <a:t>isPettable</a:t>
+            </a:r>
+            <a:r>
+              <a:rPr lang="en" dirty="0">
+                <a:solidFill>
+                  <a:srgbClr val="000000"/>
+                </a:solidFill>
+                <a:latin typeface="Consolas"/>
+                <a:ea typeface="Consolas"/>
+                <a:cs typeface="Consolas"/>
+                <a:sym typeface="Consolas"/>
+              </a:rPr>
+              <a:t> = true;  // only options for boolean is true or false</a:t>
+            </a:r>
+            <a:endParaRPr dirty="0">
+              <a:solidFill>
+                <a:srgbClr val="000000"/>
+              </a:solidFill>
+              <a:latin typeface="Consolas"/>
+              <a:ea typeface="Consolas"/>
+              <a:cs typeface="Consolas"/>
+              <a:sym typeface="Consolas"/>
+            </a:endParaRPr>
+          </a:p>
+          <a:p>
+            <a:pPr marL="0" lvl="0" indent="0" algn="l" rtl="0">
+              <a:spcBef>
+                <a:spcPts val="400"/>
+              </a:spcBef>
+              <a:spcAft>
+                <a:spcPts val="0"/>
+              </a:spcAft>
+              <a:buNone/>
+            </a:pPr>
+            <a:endParaRPr dirty="0">
+              <a:solidFill>
+                <a:srgbClr val="000000"/>
+              </a:solidFill>
+              <a:latin typeface="Consolas"/>
+              <a:ea typeface="Consolas"/>
+              <a:cs typeface="Consolas"/>
+              <a:sym typeface="Consolas"/>
+            </a:endParaRPr>
+          </a:p>
+          <a:p>
+            <a:pPr marL="0" lvl="0" indent="0" algn="l" rtl="0">
+              <a:spcBef>
+                <a:spcPts val="400"/>
+              </a:spcBef>
+              <a:spcAft>
+                <a:spcPts val="400"/>
+              </a:spcAft>
+              <a:buNone/>
+            </a:pPr>
+            <a:r>
+              <a:rPr lang="en" dirty="0">
+                <a:solidFill>
+                  <a:srgbClr val="000000"/>
+                </a:solidFill>
+                <a:latin typeface="Consolas"/>
+                <a:ea typeface="Consolas"/>
+                <a:cs typeface="Consolas"/>
+                <a:sym typeface="Consolas"/>
+              </a:rPr>
+              <a:t>char </a:t>
+            </a:r>
+            <a:r>
+              <a:rPr lang="en" dirty="0" err="1">
+                <a:solidFill>
+                  <a:srgbClr val="000000"/>
+                </a:solidFill>
+                <a:latin typeface="Consolas"/>
+                <a:ea typeface="Consolas"/>
+                <a:cs typeface="Consolas"/>
+                <a:sym typeface="Consolas"/>
+              </a:rPr>
+              <a:t>singleLetter</a:t>
+            </a:r>
+            <a:r>
+              <a:rPr lang="en" dirty="0">
+                <a:solidFill>
+                  <a:srgbClr val="000000"/>
+                </a:solidFill>
+                <a:latin typeface="Consolas"/>
+                <a:ea typeface="Consolas"/>
+                <a:cs typeface="Consolas"/>
+                <a:sym typeface="Consolas"/>
+              </a:rPr>
+              <a:t> = ‘c’;  //characters are single letters, notice single quote</a:t>
+            </a:r>
+            <a:endParaRPr dirty="0">
+              <a:solidFill>
+                <a:srgbClr val="000000"/>
+              </a:solidFill>
+              <a:latin typeface="Consolas"/>
+              <a:ea typeface="Consolas"/>
+              <a:cs typeface="Consolas"/>
+              <a:sym typeface="Consolas"/>
             </a:endParaRPr>
           </a:p>
         </p:txBody>
@@ -15443,8 +15774,8 @@
         </p:nvSpPr>
         <p:spPr>
           <a:xfrm>
-            <a:off x="2902403" y="2956034"/>
-            <a:ext cx="5989200" cy="1600200"/>
+            <a:off x="3112950" y="4021850"/>
+            <a:ext cx="5989200" cy="795300"/>
           </a:xfrm>
           <a:prstGeom prst="rect">
             <a:avLst/>
@@ -15478,84 +15809,21 @@
               <a:buNone/>
             </a:pPr>
             <a:r>
-              <a:rPr lang="en" b="1" dirty="0"/>
-              <a:t>What are the final values for A, B, and C?</a:t>
+              <a:rPr lang="en" b="1"/>
+              <a:t>Advanced Concept:</a:t>
             </a:r>
-          </a:p>
-          <a:p>
-            <a:pPr marL="0" lvl="0" indent="0" algn="l" rtl="0">
-              <a:spcBef>
-                <a:spcPts val="0"/>
-              </a:spcBef>
-              <a:spcAft>
-                <a:spcPts val="0"/>
-              </a:spcAft>
-              <a:buNone/>
-            </a:pPr>
-            <a:endParaRPr lang="en" b="1" dirty="0"/>
-          </a:p>
-          <a:p>
-            <a:pPr marL="0" lvl="0" indent="0" algn="l" rtl="0">
-              <a:spcBef>
-                <a:spcPts val="0"/>
-              </a:spcBef>
-              <a:spcAft>
-                <a:spcPts val="0"/>
-              </a:spcAft>
-              <a:buNone/>
-            </a:pPr>
+            <a:br>
+              <a:rPr lang="en" b="1"/>
+            </a:br>
             <a:r>
-              <a:rPr lang="en" b="1" dirty="0"/>
-              <a:t>What happens if A is double instead of int?</a:t>
+              <a:rPr lang="en"/>
+              <a:t>puppyCounter (and others) follow “camel case” a naming convention that capitalizes every word after the first - very common for java programs. </a:t>
             </a:r>
-          </a:p>
-          <a:p>
-            <a:pPr marL="0" lvl="0" indent="0" algn="l" rtl="0">
-              <a:spcBef>
-                <a:spcPts val="0"/>
-              </a:spcBef>
-              <a:spcAft>
-                <a:spcPts val="0"/>
-              </a:spcAft>
-              <a:buNone/>
-            </a:pPr>
-            <a:endParaRPr lang="en" b="1" dirty="0"/>
-          </a:p>
-          <a:p>
-            <a:pPr marL="0" lvl="0" indent="0" algn="l" rtl="0">
-              <a:spcBef>
-                <a:spcPts val="0"/>
-              </a:spcBef>
-              <a:spcAft>
-                <a:spcPts val="0"/>
-              </a:spcAft>
-              <a:buNone/>
-            </a:pPr>
-            <a:r>
-              <a:rPr lang="en" b="1" dirty="0"/>
-              <a:t>What happens if A and B are double instead of int?</a:t>
-            </a:r>
-          </a:p>
-          <a:p>
-            <a:pPr marL="0" lvl="0" indent="0" algn="l" rtl="0">
-              <a:spcBef>
-                <a:spcPts val="0"/>
-              </a:spcBef>
-              <a:spcAft>
-                <a:spcPts val="0"/>
-              </a:spcAft>
-              <a:buNone/>
-            </a:pPr>
-            <a:endParaRPr dirty="0"/>
+            <a:endParaRPr/>
           </a:p>
         </p:txBody>
       </p:sp>
     </p:spTree>
-    <p:extLst>
-      <p:ext uri="{BB962C8B-B14F-4D97-AF65-F5344CB8AC3E}">
-        <p14:creationId xmlns:p14="http://schemas.microsoft.com/office/powerpoint/2010/main" val="621376379"/>
-      </p:ext>
-    </p:extLst>
   </p:cSld>
   <p:clrMapOvr>
     <a:masterClrMapping/>
@@ -17252,1130 +17520,6 @@
   <p:cSld>
     <p:spTree>
       <p:nvGrpSpPr>
-        <p:cNvPr id="1" name="Shape 203"/>
-        <p:cNvGrpSpPr/>
-        <p:nvPr/>
-      </p:nvGrpSpPr>
-      <p:grpSpPr>
-        <a:xfrm>
-          <a:off x="0" y="0"/>
-          <a:ext cx="0" cy="0"/>
-          <a:chOff x="0" y="0"/>
-          <a:chExt cx="0" cy="0"/>
-        </a:xfrm>
-      </p:grpSpPr>
-      <p:sp>
-        <p:nvSpPr>
-          <p:cNvPr id="204" name="Google Shape;204;p42"/>
-          <p:cNvSpPr txBox="1">
-            <a:spLocks noGrp="1"/>
-          </p:cNvSpPr>
-          <p:nvPr>
-            <p:ph type="title"/>
-          </p:nvPr>
-        </p:nvSpPr>
-        <p:spPr>
-          <a:xfrm>
-            <a:off x="415638" y="599068"/>
-            <a:ext cx="8312700" cy="672000"/>
-          </a:xfrm>
-          <a:prstGeom prst="rect">
-            <a:avLst/>
-          </a:prstGeom>
-        </p:spPr>
-        <p:txBody>
-          <a:bodyPr spcFirstLastPara="1" wrap="square" lIns="60500" tIns="60500" rIns="60500" bIns="60500" anchor="b" anchorCtr="0">
-            <a:noAutofit/>
-          </a:bodyPr>
-          <a:lstStyle/>
-          <a:p>
-            <a:pPr marL="0" lvl="0" indent="0" algn="l" rtl="0">
-              <a:spcBef>
-                <a:spcPts val="0"/>
-              </a:spcBef>
-              <a:spcAft>
-                <a:spcPts val="0"/>
-              </a:spcAft>
-              <a:buNone/>
-            </a:pPr>
-            <a:r>
-              <a:rPr lang="en"/>
-              <a:t>Operators</a:t>
-            </a:r>
-            <a:endParaRPr/>
-          </a:p>
-        </p:txBody>
-      </p:sp>
-      <p:sp>
-        <p:nvSpPr>
-          <p:cNvPr id="205" name="Google Shape;205;p42"/>
-          <p:cNvSpPr txBox="1">
-            <a:spLocks noGrp="1"/>
-          </p:cNvSpPr>
-          <p:nvPr>
-            <p:ph type="body" idx="1"/>
-          </p:nvPr>
-        </p:nvSpPr>
-        <p:spPr>
-          <a:xfrm>
-            <a:off x="415650" y="1388358"/>
-            <a:ext cx="8312700" cy="2932500"/>
-          </a:xfrm>
-          <a:prstGeom prst="rect">
-            <a:avLst/>
-          </a:prstGeom>
-        </p:spPr>
-        <p:txBody>
-          <a:bodyPr spcFirstLastPara="1" wrap="square" lIns="60500" tIns="60500" rIns="60500" bIns="60500" anchor="t" anchorCtr="0">
-            <a:noAutofit/>
-          </a:bodyPr>
-          <a:lstStyle/>
-          <a:p>
-            <a:pPr marL="457200" lvl="0" indent="-304800" algn="l" rtl="0">
-              <a:spcBef>
-                <a:spcPts val="400"/>
-              </a:spcBef>
-              <a:spcAft>
-                <a:spcPts val="0"/>
-              </a:spcAft>
-              <a:buClr>
-                <a:srgbClr val="000000"/>
-              </a:buClr>
-              <a:buSzPts val="1200"/>
-              <a:buChar char="●"/>
-            </a:pPr>
-            <a:r>
-              <a:rPr lang="en" dirty="0">
-                <a:solidFill>
-                  <a:srgbClr val="000000"/>
-                </a:solidFill>
-              </a:rPr>
-              <a:t>Operators are MATH</a:t>
-            </a:r>
-            <a:endParaRPr dirty="0">
-              <a:solidFill>
-                <a:srgbClr val="000000"/>
-              </a:solidFill>
-            </a:endParaRPr>
-          </a:p>
-          <a:p>
-            <a:pPr marL="914400" lvl="1" indent="-298450" algn="l" rtl="0">
-              <a:spcBef>
-                <a:spcPts val="0"/>
-              </a:spcBef>
-              <a:spcAft>
-                <a:spcPts val="0"/>
-              </a:spcAft>
-              <a:buClr>
-                <a:srgbClr val="000000"/>
-              </a:buClr>
-              <a:buSzPts val="1100"/>
-              <a:buChar char="○"/>
-            </a:pPr>
-            <a:r>
-              <a:rPr lang="en" dirty="0">
-                <a:solidFill>
-                  <a:srgbClr val="000000"/>
-                </a:solidFill>
-              </a:rPr>
-              <a:t>= (assignment)	</a:t>
-            </a:r>
-            <a:endParaRPr dirty="0">
-              <a:solidFill>
-                <a:srgbClr val="000000"/>
-              </a:solidFill>
-            </a:endParaRPr>
-          </a:p>
-          <a:p>
-            <a:pPr marL="914400" lvl="1" indent="-298450" algn="l" rtl="0">
-              <a:spcBef>
-                <a:spcPts val="0"/>
-              </a:spcBef>
-              <a:spcAft>
-                <a:spcPts val="0"/>
-              </a:spcAft>
-              <a:buClr>
-                <a:srgbClr val="000000"/>
-              </a:buClr>
-              <a:buSzPts val="1100"/>
-              <a:buChar char="○"/>
-            </a:pPr>
-            <a:r>
-              <a:rPr lang="en" dirty="0">
-                <a:solidFill>
-                  <a:srgbClr val="000000"/>
-                </a:solidFill>
-              </a:rPr>
-              <a:t>+ (add)</a:t>
-            </a:r>
-            <a:endParaRPr dirty="0">
-              <a:solidFill>
-                <a:srgbClr val="000000"/>
-              </a:solidFill>
-            </a:endParaRPr>
-          </a:p>
-          <a:p>
-            <a:pPr marL="914400" lvl="1" indent="-298450" algn="l" rtl="0">
-              <a:spcBef>
-                <a:spcPts val="0"/>
-              </a:spcBef>
-              <a:spcAft>
-                <a:spcPts val="0"/>
-              </a:spcAft>
-              <a:buClr>
-                <a:srgbClr val="000000"/>
-              </a:buClr>
-              <a:buSzPts val="1100"/>
-              <a:buChar char="○"/>
-            </a:pPr>
-            <a:r>
-              <a:rPr lang="en" dirty="0">
-                <a:solidFill>
-                  <a:srgbClr val="000000"/>
-                </a:solidFill>
-              </a:rPr>
-              <a:t>- (subtract or negative)</a:t>
-            </a:r>
-            <a:endParaRPr dirty="0">
-              <a:solidFill>
-                <a:srgbClr val="000000"/>
-              </a:solidFill>
-            </a:endParaRPr>
-          </a:p>
-          <a:p>
-            <a:pPr marL="914400" lvl="1" indent="-298450" algn="l" rtl="0">
-              <a:spcBef>
-                <a:spcPts val="0"/>
-              </a:spcBef>
-              <a:spcAft>
-                <a:spcPts val="0"/>
-              </a:spcAft>
-              <a:buClr>
-                <a:srgbClr val="000000"/>
-              </a:buClr>
-              <a:buSzPts val="1100"/>
-              <a:buChar char="○"/>
-            </a:pPr>
-            <a:r>
-              <a:rPr lang="en" dirty="0">
-                <a:solidFill>
-                  <a:srgbClr val="000000"/>
-                </a:solidFill>
-              </a:rPr>
-              <a:t>/ (divide)</a:t>
-            </a:r>
-            <a:endParaRPr dirty="0">
-              <a:solidFill>
-                <a:srgbClr val="000000"/>
-              </a:solidFill>
-            </a:endParaRPr>
-          </a:p>
-          <a:p>
-            <a:pPr marL="914400" lvl="1" indent="-298450" algn="l" rtl="0">
-              <a:spcBef>
-                <a:spcPts val="0"/>
-              </a:spcBef>
-              <a:spcAft>
-                <a:spcPts val="0"/>
-              </a:spcAft>
-              <a:buClr>
-                <a:srgbClr val="000000"/>
-              </a:buClr>
-              <a:buSzPts val="1100"/>
-              <a:buChar char="○"/>
-            </a:pPr>
-            <a:r>
-              <a:rPr lang="en" dirty="0">
-                <a:solidFill>
-                  <a:srgbClr val="000000"/>
-                </a:solidFill>
-              </a:rPr>
-              <a:t>* (multiply) </a:t>
-            </a:r>
-            <a:endParaRPr dirty="0">
-              <a:solidFill>
-                <a:srgbClr val="000000"/>
-              </a:solidFill>
-            </a:endParaRPr>
-          </a:p>
-          <a:p>
-            <a:pPr marL="457200" lvl="0" indent="-304800" algn="l" rtl="0">
-              <a:spcBef>
-                <a:spcPts val="0"/>
-              </a:spcBef>
-              <a:spcAft>
-                <a:spcPts val="0"/>
-              </a:spcAft>
-              <a:buClr>
-                <a:srgbClr val="000000"/>
-              </a:buClr>
-              <a:buSzPts val="1200"/>
-              <a:buChar char="●"/>
-            </a:pPr>
-            <a:r>
-              <a:rPr lang="en" dirty="0">
-                <a:solidFill>
-                  <a:srgbClr val="000000"/>
-                </a:solidFill>
-              </a:rPr>
-              <a:t>Numeric Types</a:t>
-            </a:r>
-            <a:endParaRPr dirty="0">
-              <a:solidFill>
-                <a:srgbClr val="000000"/>
-              </a:solidFill>
-            </a:endParaRPr>
-          </a:p>
-          <a:p>
-            <a:pPr marL="914400" lvl="1" indent="-298450" algn="l" rtl="0">
-              <a:spcBef>
-                <a:spcPts val="0"/>
-              </a:spcBef>
-              <a:spcAft>
-                <a:spcPts val="0"/>
-              </a:spcAft>
-              <a:buClr>
-                <a:srgbClr val="000000"/>
-              </a:buClr>
-              <a:buSzPts val="1100"/>
-              <a:buChar char="○"/>
-            </a:pPr>
-            <a:r>
-              <a:rPr lang="en" dirty="0">
-                <a:solidFill>
-                  <a:srgbClr val="000000"/>
-                </a:solidFill>
-              </a:rPr>
-              <a:t>int - always whole number</a:t>
-            </a:r>
-            <a:endParaRPr dirty="0">
-              <a:solidFill>
-                <a:srgbClr val="000000"/>
-              </a:solidFill>
-            </a:endParaRPr>
-          </a:p>
-          <a:p>
-            <a:pPr marL="914400" lvl="1" indent="-298450" algn="l" rtl="0">
-              <a:spcBef>
-                <a:spcPts val="0"/>
-              </a:spcBef>
-              <a:spcAft>
-                <a:spcPts val="0"/>
-              </a:spcAft>
-              <a:buClr>
-                <a:srgbClr val="000000"/>
-              </a:buClr>
-              <a:buSzPts val="1100"/>
-              <a:buFont typeface="Consolas"/>
-              <a:buChar char="○"/>
-            </a:pPr>
-            <a:r>
-              <a:rPr lang="en" dirty="0">
-                <a:solidFill>
-                  <a:srgbClr val="000000"/>
-                </a:solidFill>
-                <a:latin typeface="Consolas"/>
-                <a:ea typeface="Consolas"/>
-                <a:cs typeface="Consolas"/>
-                <a:sym typeface="Consolas"/>
-              </a:rPr>
-              <a:t>int </a:t>
-            </a:r>
-            <a:r>
-              <a:rPr lang="en" dirty="0" err="1">
-                <a:solidFill>
-                  <a:srgbClr val="000000"/>
-                </a:solidFill>
-                <a:latin typeface="Consolas"/>
-                <a:ea typeface="Consolas"/>
-                <a:cs typeface="Consolas"/>
-                <a:sym typeface="Consolas"/>
-              </a:rPr>
-              <a:t>myVal</a:t>
-            </a:r>
-            <a:r>
-              <a:rPr lang="en" dirty="0">
-                <a:solidFill>
-                  <a:srgbClr val="000000"/>
-                </a:solidFill>
-                <a:latin typeface="Consolas"/>
-                <a:ea typeface="Consolas"/>
-                <a:cs typeface="Consolas"/>
-                <a:sym typeface="Consolas"/>
-              </a:rPr>
-              <a:t> = 1 / 2; // evaluates to 0!</a:t>
-            </a:r>
-            <a:endParaRPr dirty="0">
-              <a:solidFill>
-                <a:srgbClr val="000000"/>
-              </a:solidFill>
-              <a:latin typeface="Consolas"/>
-              <a:ea typeface="Consolas"/>
-              <a:cs typeface="Consolas"/>
-              <a:sym typeface="Consolas"/>
-            </a:endParaRPr>
-          </a:p>
-          <a:p>
-            <a:pPr marL="914400" lvl="1" indent="-298450" algn="l" rtl="0">
-              <a:spcBef>
-                <a:spcPts val="0"/>
-              </a:spcBef>
-              <a:spcAft>
-                <a:spcPts val="0"/>
-              </a:spcAft>
-              <a:buClr>
-                <a:srgbClr val="000000"/>
-              </a:buClr>
-              <a:buSzPts val="1100"/>
-              <a:buChar char="○"/>
-            </a:pPr>
-            <a:r>
-              <a:rPr lang="en" dirty="0">
-                <a:solidFill>
-                  <a:srgbClr val="000000"/>
-                </a:solidFill>
-              </a:rPr>
-              <a:t>double - has decimals</a:t>
-            </a:r>
-            <a:endParaRPr dirty="0">
-              <a:solidFill>
-                <a:srgbClr val="000000"/>
-              </a:solidFill>
-            </a:endParaRPr>
-          </a:p>
-          <a:p>
-            <a:pPr marL="914400" lvl="1" indent="-298450" algn="l" rtl="0">
-              <a:spcBef>
-                <a:spcPts val="0"/>
-              </a:spcBef>
-              <a:spcAft>
-                <a:spcPts val="0"/>
-              </a:spcAft>
-              <a:buClr>
-                <a:srgbClr val="000000"/>
-              </a:buClr>
-              <a:buSzPts val="1100"/>
-              <a:buFont typeface="Consolas"/>
-              <a:buChar char="○"/>
-            </a:pPr>
-            <a:r>
-              <a:rPr lang="en" dirty="0">
-                <a:solidFill>
-                  <a:srgbClr val="000000"/>
-                </a:solidFill>
-                <a:latin typeface="Consolas"/>
-                <a:ea typeface="Consolas"/>
-                <a:cs typeface="Consolas"/>
-                <a:sym typeface="Consolas"/>
-              </a:rPr>
-              <a:t>double </a:t>
-            </a:r>
-            <a:r>
-              <a:rPr lang="en" dirty="0" err="1">
-                <a:solidFill>
-                  <a:srgbClr val="000000"/>
-                </a:solidFill>
-                <a:latin typeface="Consolas"/>
-                <a:ea typeface="Consolas"/>
-                <a:cs typeface="Consolas"/>
-                <a:sym typeface="Consolas"/>
-              </a:rPr>
-              <a:t>doubleVal</a:t>
-            </a:r>
-            <a:r>
-              <a:rPr lang="en" dirty="0">
-                <a:solidFill>
-                  <a:srgbClr val="000000"/>
-                </a:solidFill>
-                <a:latin typeface="Consolas"/>
-                <a:ea typeface="Consolas"/>
-                <a:cs typeface="Consolas"/>
-                <a:sym typeface="Consolas"/>
-              </a:rPr>
-              <a:t> = 1.0 / 2; // evaluates to 0.5! </a:t>
-            </a:r>
-            <a:endParaRPr dirty="0">
-              <a:solidFill>
-                <a:srgbClr val="000000"/>
-              </a:solidFill>
-              <a:latin typeface="Consolas"/>
-              <a:ea typeface="Consolas"/>
-              <a:cs typeface="Consolas"/>
-              <a:sym typeface="Consolas"/>
-            </a:endParaRPr>
-          </a:p>
-          <a:p>
-            <a:pPr marL="0" lvl="0" indent="0" algn="l" rtl="0">
-              <a:spcBef>
-                <a:spcPts val="400"/>
-              </a:spcBef>
-              <a:spcAft>
-                <a:spcPts val="0"/>
-              </a:spcAft>
-              <a:buNone/>
-            </a:pPr>
-            <a:endParaRPr dirty="0">
-              <a:solidFill>
-                <a:srgbClr val="000000"/>
-              </a:solidFill>
-            </a:endParaRPr>
-          </a:p>
-          <a:p>
-            <a:pPr marL="0" lvl="0" indent="0" algn="l" rtl="0">
-              <a:spcBef>
-                <a:spcPts val="400"/>
-              </a:spcBef>
-              <a:spcAft>
-                <a:spcPts val="400"/>
-              </a:spcAft>
-              <a:buNone/>
-            </a:pPr>
-            <a:endParaRPr dirty="0">
-              <a:solidFill>
-                <a:srgbClr val="000000"/>
-              </a:solidFill>
-            </a:endParaRPr>
-          </a:p>
-        </p:txBody>
-      </p:sp>
-    </p:spTree>
-  </p:cSld>
-  <p:clrMapOvr>
-    <a:masterClrMapping/>
-  </p:clrMapOvr>
-</p:sld>
-</file>
-
-<file path=ppt/slides/slide8.xml><?xml version="1.0" encoding="utf-8"?>
-<p:sld xmlns:a="http://schemas.openxmlformats.org/drawingml/2006/main" xmlns:r="http://schemas.openxmlformats.org/officeDocument/2006/relationships" xmlns:p="http://schemas.openxmlformats.org/presentationml/2006/main">
-  <p:cSld>
-    <p:spTree>
-      <p:nvGrpSpPr>
-        <p:cNvPr id="1" name="Shape 209"/>
-        <p:cNvGrpSpPr/>
-        <p:nvPr/>
-      </p:nvGrpSpPr>
-      <p:grpSpPr>
-        <a:xfrm>
-          <a:off x="0" y="0"/>
-          <a:ext cx="0" cy="0"/>
-          <a:chOff x="0" y="0"/>
-          <a:chExt cx="0" cy="0"/>
-        </a:xfrm>
-      </p:grpSpPr>
-      <p:sp>
-        <p:nvSpPr>
-          <p:cNvPr id="210" name="Google Shape;210;p43"/>
-          <p:cNvSpPr txBox="1">
-            <a:spLocks noGrp="1"/>
-          </p:cNvSpPr>
-          <p:nvPr>
-            <p:ph type="title"/>
-          </p:nvPr>
-        </p:nvSpPr>
-        <p:spPr>
-          <a:xfrm>
-            <a:off x="415638" y="329368"/>
-            <a:ext cx="8312700" cy="672000"/>
-          </a:xfrm>
-          <a:prstGeom prst="rect">
-            <a:avLst/>
-          </a:prstGeom>
-        </p:spPr>
-        <p:txBody>
-          <a:bodyPr spcFirstLastPara="1" wrap="square" lIns="60500" tIns="60500" rIns="60500" bIns="60500" anchor="b" anchorCtr="0">
-            <a:noAutofit/>
-          </a:bodyPr>
-          <a:lstStyle/>
-          <a:p>
-            <a:pPr marL="0" lvl="0" indent="0" algn="l" rtl="0">
-              <a:spcBef>
-                <a:spcPts val="0"/>
-              </a:spcBef>
-              <a:spcAft>
-                <a:spcPts val="0"/>
-              </a:spcAft>
-              <a:buNone/>
-            </a:pPr>
-            <a:r>
-              <a:rPr lang="en" dirty="0"/>
-              <a:t>Examples</a:t>
-            </a:r>
-            <a:endParaRPr dirty="0"/>
-          </a:p>
-        </p:txBody>
-      </p:sp>
-      <p:sp>
-        <p:nvSpPr>
-          <p:cNvPr id="211" name="Google Shape;211;p43"/>
-          <p:cNvSpPr txBox="1">
-            <a:spLocks noGrp="1"/>
-          </p:cNvSpPr>
-          <p:nvPr>
-            <p:ph type="body" idx="1"/>
-          </p:nvPr>
-        </p:nvSpPr>
-        <p:spPr>
-          <a:xfrm>
-            <a:off x="415650" y="1001375"/>
-            <a:ext cx="8312700" cy="2967000"/>
-          </a:xfrm>
-          <a:prstGeom prst="rect">
-            <a:avLst/>
-          </a:prstGeom>
-        </p:spPr>
-        <p:txBody>
-          <a:bodyPr spcFirstLastPara="1" wrap="square" lIns="60500" tIns="60500" rIns="60500" bIns="60500" anchor="t" anchorCtr="0">
-            <a:noAutofit/>
-          </a:bodyPr>
-          <a:lstStyle/>
-          <a:p>
-            <a:pPr marL="0" lvl="0" indent="0" algn="l" rtl="0">
-              <a:spcBef>
-                <a:spcPts val="400"/>
-              </a:spcBef>
-              <a:spcAft>
-                <a:spcPts val="0"/>
-              </a:spcAft>
-              <a:buNone/>
-            </a:pPr>
-            <a:r>
-              <a:rPr lang="en" dirty="0">
-                <a:solidFill>
-                  <a:srgbClr val="000000"/>
-                </a:solidFill>
-                <a:latin typeface="Consolas"/>
-                <a:ea typeface="Consolas"/>
-                <a:cs typeface="Consolas"/>
-                <a:sym typeface="Consolas"/>
-              </a:rPr>
-              <a:t>int </a:t>
-            </a:r>
-            <a:r>
-              <a:rPr lang="en" dirty="0" err="1">
-                <a:solidFill>
-                  <a:srgbClr val="000000"/>
-                </a:solidFill>
-                <a:latin typeface="Consolas"/>
-                <a:ea typeface="Consolas"/>
-                <a:cs typeface="Consolas"/>
-                <a:sym typeface="Consolas"/>
-              </a:rPr>
-              <a:t>puppyCounter</a:t>
-            </a:r>
-            <a:r>
-              <a:rPr lang="en" dirty="0">
-                <a:solidFill>
-                  <a:srgbClr val="000000"/>
-                </a:solidFill>
-                <a:latin typeface="Consolas"/>
-                <a:ea typeface="Consolas"/>
-                <a:cs typeface="Consolas"/>
-                <a:sym typeface="Consolas"/>
-              </a:rPr>
-              <a:t> = 100; // so many puppies!</a:t>
-            </a:r>
-            <a:endParaRPr dirty="0">
-              <a:solidFill>
-                <a:srgbClr val="000000"/>
-              </a:solidFill>
-              <a:latin typeface="Consolas"/>
-              <a:ea typeface="Consolas"/>
-              <a:cs typeface="Consolas"/>
-              <a:sym typeface="Consolas"/>
-            </a:endParaRPr>
-          </a:p>
-          <a:p>
-            <a:pPr marL="0" lvl="0" indent="0" algn="l" rtl="0">
-              <a:spcBef>
-                <a:spcPts val="400"/>
-              </a:spcBef>
-              <a:spcAft>
-                <a:spcPts val="0"/>
-              </a:spcAft>
-              <a:buNone/>
-            </a:pPr>
-            <a:endParaRPr lang="en" dirty="0">
-              <a:solidFill>
-                <a:srgbClr val="000000"/>
-              </a:solidFill>
-              <a:latin typeface="Consolas"/>
-              <a:ea typeface="Consolas"/>
-              <a:cs typeface="Consolas"/>
-              <a:sym typeface="Consolas"/>
-            </a:endParaRPr>
-          </a:p>
-          <a:p>
-            <a:pPr marL="0" lvl="0" indent="0" algn="l" rtl="0">
-              <a:spcBef>
-                <a:spcPts val="400"/>
-              </a:spcBef>
-              <a:spcAft>
-                <a:spcPts val="0"/>
-              </a:spcAft>
-              <a:buNone/>
-            </a:pPr>
-            <a:r>
-              <a:rPr lang="en" dirty="0">
-                <a:solidFill>
-                  <a:srgbClr val="000000"/>
-                </a:solidFill>
-                <a:latin typeface="Consolas"/>
-                <a:ea typeface="Consolas"/>
-                <a:cs typeface="Consolas"/>
-                <a:sym typeface="Consolas"/>
-              </a:rPr>
-              <a:t>String </a:t>
-            </a:r>
-            <a:r>
-              <a:rPr lang="en" dirty="0" err="1">
-                <a:solidFill>
-                  <a:srgbClr val="000000"/>
-                </a:solidFill>
-                <a:latin typeface="Consolas"/>
-                <a:ea typeface="Consolas"/>
-                <a:cs typeface="Consolas"/>
-                <a:sym typeface="Consolas"/>
-              </a:rPr>
-              <a:t>puppyName</a:t>
-            </a:r>
-            <a:r>
-              <a:rPr lang="en" dirty="0">
-                <a:solidFill>
-                  <a:srgbClr val="000000"/>
-                </a:solidFill>
-                <a:latin typeface="Consolas"/>
-                <a:ea typeface="Consolas"/>
-                <a:cs typeface="Consolas"/>
-                <a:sym typeface="Consolas"/>
-              </a:rPr>
-              <a:t> = “Spot”; </a:t>
-            </a:r>
-            <a:endParaRPr dirty="0">
-              <a:solidFill>
-                <a:srgbClr val="000000"/>
-              </a:solidFill>
-              <a:latin typeface="Consolas"/>
-              <a:ea typeface="Consolas"/>
-              <a:cs typeface="Consolas"/>
-              <a:sym typeface="Consolas"/>
-            </a:endParaRPr>
-          </a:p>
-          <a:p>
-            <a:pPr marL="0" lvl="0" indent="0" algn="l" rtl="0">
-              <a:spcBef>
-                <a:spcPts val="400"/>
-              </a:spcBef>
-              <a:spcAft>
-                <a:spcPts val="0"/>
-              </a:spcAft>
-              <a:buNone/>
-            </a:pPr>
-            <a:r>
-              <a:rPr lang="en" dirty="0">
-                <a:solidFill>
-                  <a:srgbClr val="000000"/>
-                </a:solidFill>
-                <a:latin typeface="Consolas"/>
-                <a:ea typeface="Consolas"/>
-                <a:cs typeface="Consolas"/>
-                <a:sym typeface="Consolas"/>
-              </a:rPr>
-              <a:t>String </a:t>
-            </a:r>
-            <a:r>
-              <a:rPr lang="en" dirty="0" err="1">
-                <a:solidFill>
-                  <a:srgbClr val="000000"/>
-                </a:solidFill>
-                <a:latin typeface="Consolas"/>
-                <a:ea typeface="Consolas"/>
-                <a:cs typeface="Consolas"/>
-                <a:sym typeface="Consolas"/>
-              </a:rPr>
-              <a:t>puppyLongName</a:t>
-            </a:r>
-            <a:r>
-              <a:rPr lang="en" dirty="0">
-                <a:solidFill>
-                  <a:srgbClr val="000000"/>
-                </a:solidFill>
-                <a:latin typeface="Consolas"/>
-                <a:ea typeface="Consolas"/>
-                <a:cs typeface="Consolas"/>
-                <a:sym typeface="Consolas"/>
-              </a:rPr>
-              <a:t> = “Cerberus”;</a:t>
-            </a:r>
-            <a:endParaRPr dirty="0">
-              <a:solidFill>
-                <a:srgbClr val="000000"/>
-              </a:solidFill>
-              <a:latin typeface="Consolas"/>
-              <a:ea typeface="Consolas"/>
-              <a:cs typeface="Consolas"/>
-              <a:sym typeface="Consolas"/>
-            </a:endParaRPr>
-          </a:p>
-          <a:p>
-            <a:pPr marL="0" lvl="0" indent="0" algn="l" rtl="0">
-              <a:spcBef>
-                <a:spcPts val="400"/>
-              </a:spcBef>
-              <a:spcAft>
-                <a:spcPts val="0"/>
-              </a:spcAft>
-              <a:buNone/>
-            </a:pPr>
-            <a:endParaRPr dirty="0">
-              <a:solidFill>
-                <a:srgbClr val="000000"/>
-              </a:solidFill>
-              <a:latin typeface="Consolas"/>
-              <a:ea typeface="Consolas"/>
-              <a:cs typeface="Consolas"/>
-              <a:sym typeface="Consolas"/>
-            </a:endParaRPr>
-          </a:p>
-          <a:p>
-            <a:pPr marL="0" lvl="0" indent="0" algn="l" rtl="0">
-              <a:spcBef>
-                <a:spcPts val="400"/>
-              </a:spcBef>
-              <a:spcAft>
-                <a:spcPts val="0"/>
-              </a:spcAft>
-              <a:buNone/>
-            </a:pPr>
-            <a:r>
-              <a:rPr lang="en" dirty="0">
-                <a:solidFill>
-                  <a:srgbClr val="000000"/>
-                </a:solidFill>
-                <a:latin typeface="Consolas"/>
-                <a:ea typeface="Consolas"/>
-                <a:cs typeface="Consolas"/>
-                <a:sym typeface="Consolas"/>
-              </a:rPr>
-              <a:t>double </a:t>
-            </a:r>
-            <a:r>
-              <a:rPr lang="en" dirty="0" err="1">
-                <a:solidFill>
-                  <a:srgbClr val="000000"/>
-                </a:solidFill>
-                <a:latin typeface="Consolas"/>
-                <a:ea typeface="Consolas"/>
-                <a:cs typeface="Consolas"/>
-                <a:sym typeface="Consolas"/>
-              </a:rPr>
-              <a:t>amountOfFoodPerDayLbs</a:t>
-            </a:r>
-            <a:r>
-              <a:rPr lang="en" dirty="0">
-                <a:solidFill>
-                  <a:srgbClr val="000000"/>
-                </a:solidFill>
-                <a:latin typeface="Consolas"/>
-                <a:ea typeface="Consolas"/>
-                <a:cs typeface="Consolas"/>
-                <a:sym typeface="Consolas"/>
-              </a:rPr>
-              <a:t> = 20.56; </a:t>
-            </a:r>
-            <a:endParaRPr dirty="0">
-              <a:solidFill>
-                <a:srgbClr val="000000"/>
-              </a:solidFill>
-              <a:latin typeface="Consolas"/>
-              <a:ea typeface="Consolas"/>
-              <a:cs typeface="Consolas"/>
-              <a:sym typeface="Consolas"/>
-            </a:endParaRPr>
-          </a:p>
-          <a:p>
-            <a:pPr marL="0" lvl="0" indent="0" algn="l" rtl="0">
-              <a:spcBef>
-                <a:spcPts val="400"/>
-              </a:spcBef>
-              <a:spcAft>
-                <a:spcPts val="0"/>
-              </a:spcAft>
-              <a:buNone/>
-            </a:pPr>
-            <a:r>
-              <a:rPr lang="en" dirty="0" err="1">
-                <a:solidFill>
-                  <a:srgbClr val="000000"/>
-                </a:solidFill>
-                <a:latin typeface="Consolas"/>
-                <a:ea typeface="Consolas"/>
-                <a:cs typeface="Consolas"/>
-                <a:sym typeface="Consolas"/>
-              </a:rPr>
-              <a:t>amountOfFoodPerDayLbs</a:t>
-            </a:r>
-            <a:r>
-              <a:rPr lang="en" dirty="0">
-                <a:solidFill>
-                  <a:srgbClr val="000000"/>
-                </a:solidFill>
-                <a:latin typeface="Consolas"/>
-                <a:ea typeface="Consolas"/>
-                <a:cs typeface="Consolas"/>
-                <a:sym typeface="Consolas"/>
-              </a:rPr>
-              <a:t> = </a:t>
-            </a:r>
-            <a:r>
-              <a:rPr lang="en" dirty="0" err="1">
-                <a:solidFill>
-                  <a:srgbClr val="000000"/>
-                </a:solidFill>
-                <a:latin typeface="Consolas"/>
-                <a:ea typeface="Consolas"/>
-                <a:cs typeface="Consolas"/>
-                <a:sym typeface="Consolas"/>
-              </a:rPr>
-              <a:t>amountOfFoodPerDayLbs</a:t>
-            </a:r>
-            <a:r>
-              <a:rPr lang="en" dirty="0">
-                <a:solidFill>
-                  <a:srgbClr val="000000"/>
-                </a:solidFill>
-                <a:latin typeface="Consolas"/>
-                <a:ea typeface="Consolas"/>
-                <a:cs typeface="Consolas"/>
-                <a:sym typeface="Consolas"/>
-              </a:rPr>
-              <a:t> + 10.0; // assigns 30.56 to the variable</a:t>
-            </a:r>
-            <a:br>
-              <a:rPr lang="en" dirty="0">
-                <a:solidFill>
-                  <a:srgbClr val="000000"/>
-                </a:solidFill>
-                <a:latin typeface="Consolas"/>
-                <a:ea typeface="Consolas"/>
-                <a:cs typeface="Consolas"/>
-                <a:sym typeface="Consolas"/>
-              </a:rPr>
-            </a:br>
-            <a:endParaRPr dirty="0">
-              <a:solidFill>
-                <a:srgbClr val="000000"/>
-              </a:solidFill>
-              <a:latin typeface="Consolas"/>
-              <a:ea typeface="Consolas"/>
-              <a:cs typeface="Consolas"/>
-              <a:sym typeface="Consolas"/>
-            </a:endParaRPr>
-          </a:p>
-          <a:p>
-            <a:pPr marL="0" lvl="0" indent="0" algn="l" rtl="0">
-              <a:spcBef>
-                <a:spcPts val="400"/>
-              </a:spcBef>
-              <a:spcAft>
-                <a:spcPts val="0"/>
-              </a:spcAft>
-              <a:buNone/>
-            </a:pPr>
-            <a:r>
-              <a:rPr lang="en" dirty="0">
-                <a:solidFill>
-                  <a:srgbClr val="000000"/>
-                </a:solidFill>
-                <a:latin typeface="Consolas"/>
-                <a:ea typeface="Consolas"/>
-                <a:cs typeface="Consolas"/>
-                <a:sym typeface="Consolas"/>
-              </a:rPr>
-              <a:t>boolean </a:t>
-            </a:r>
-            <a:r>
-              <a:rPr lang="en" dirty="0" err="1">
-                <a:solidFill>
-                  <a:srgbClr val="000000"/>
-                </a:solidFill>
-                <a:latin typeface="Consolas"/>
-                <a:ea typeface="Consolas"/>
-                <a:cs typeface="Consolas"/>
-                <a:sym typeface="Consolas"/>
-              </a:rPr>
-              <a:t>isPettable</a:t>
-            </a:r>
-            <a:r>
-              <a:rPr lang="en" dirty="0">
-                <a:solidFill>
-                  <a:srgbClr val="000000"/>
-                </a:solidFill>
-                <a:latin typeface="Consolas"/>
-                <a:ea typeface="Consolas"/>
-                <a:cs typeface="Consolas"/>
-                <a:sym typeface="Consolas"/>
-              </a:rPr>
-              <a:t> = true;  // only options for boolean is true or false</a:t>
-            </a:r>
-            <a:endParaRPr dirty="0">
-              <a:solidFill>
-                <a:srgbClr val="000000"/>
-              </a:solidFill>
-              <a:latin typeface="Consolas"/>
-              <a:ea typeface="Consolas"/>
-              <a:cs typeface="Consolas"/>
-              <a:sym typeface="Consolas"/>
-            </a:endParaRPr>
-          </a:p>
-          <a:p>
-            <a:pPr marL="0" lvl="0" indent="0" algn="l" rtl="0">
-              <a:spcBef>
-                <a:spcPts val="400"/>
-              </a:spcBef>
-              <a:spcAft>
-                <a:spcPts val="0"/>
-              </a:spcAft>
-              <a:buNone/>
-            </a:pPr>
-            <a:endParaRPr dirty="0">
-              <a:solidFill>
-                <a:srgbClr val="000000"/>
-              </a:solidFill>
-              <a:latin typeface="Consolas"/>
-              <a:ea typeface="Consolas"/>
-              <a:cs typeface="Consolas"/>
-              <a:sym typeface="Consolas"/>
-            </a:endParaRPr>
-          </a:p>
-          <a:p>
-            <a:pPr marL="0" lvl="0" indent="0" algn="l" rtl="0">
-              <a:spcBef>
-                <a:spcPts val="400"/>
-              </a:spcBef>
-              <a:spcAft>
-                <a:spcPts val="400"/>
-              </a:spcAft>
-              <a:buNone/>
-            </a:pPr>
-            <a:r>
-              <a:rPr lang="en" dirty="0">
-                <a:solidFill>
-                  <a:srgbClr val="000000"/>
-                </a:solidFill>
-                <a:latin typeface="Consolas"/>
-                <a:ea typeface="Consolas"/>
-                <a:cs typeface="Consolas"/>
-                <a:sym typeface="Consolas"/>
-              </a:rPr>
-              <a:t>char </a:t>
-            </a:r>
-            <a:r>
-              <a:rPr lang="en" dirty="0" err="1">
-                <a:solidFill>
-                  <a:srgbClr val="000000"/>
-                </a:solidFill>
-                <a:latin typeface="Consolas"/>
-                <a:ea typeface="Consolas"/>
-                <a:cs typeface="Consolas"/>
-                <a:sym typeface="Consolas"/>
-              </a:rPr>
-              <a:t>singleLetter</a:t>
-            </a:r>
-            <a:r>
-              <a:rPr lang="en" dirty="0">
-                <a:solidFill>
-                  <a:srgbClr val="000000"/>
-                </a:solidFill>
-                <a:latin typeface="Consolas"/>
-                <a:ea typeface="Consolas"/>
-                <a:cs typeface="Consolas"/>
-                <a:sym typeface="Consolas"/>
-              </a:rPr>
-              <a:t> = ‘c’;  //characters are single letters, notice single quote</a:t>
-            </a:r>
-            <a:endParaRPr dirty="0">
-              <a:solidFill>
-                <a:srgbClr val="000000"/>
-              </a:solidFill>
-              <a:latin typeface="Consolas"/>
-              <a:ea typeface="Consolas"/>
-              <a:cs typeface="Consolas"/>
-              <a:sym typeface="Consolas"/>
-            </a:endParaRPr>
-          </a:p>
-        </p:txBody>
-      </p:sp>
-      <p:sp>
-        <p:nvSpPr>
-          <p:cNvPr id="212" name="Google Shape;212;p43"/>
-          <p:cNvSpPr/>
-          <p:nvPr/>
-        </p:nvSpPr>
-        <p:spPr>
-          <a:xfrm>
-            <a:off x="3112950" y="4021850"/>
-            <a:ext cx="5989200" cy="795300"/>
-          </a:xfrm>
-          <a:prstGeom prst="rect">
-            <a:avLst/>
-          </a:prstGeom>
-          <a:solidFill>
-            <a:schemeClr val="lt2"/>
-          </a:solidFill>
-          <a:ln w="9525" cap="flat" cmpd="sng">
-            <a:solidFill>
-              <a:schemeClr val="dk2"/>
-            </a:solidFill>
-            <a:prstDash val="solid"/>
-            <a:round/>
-            <a:headEnd type="none" w="sm" len="sm"/>
-            <a:tailEnd type="none" w="sm" len="sm"/>
-          </a:ln>
-        </p:spPr>
-        <p:txBody>
-          <a:bodyPr spcFirstLastPara="1" wrap="square" lIns="91425" tIns="91425" rIns="91425" bIns="91425" anchor="ctr" anchorCtr="0">
-            <a:noAutofit/>
-          </a:bodyPr>
-          <a:lstStyle/>
-          <a:p>
-            <a:pPr marL="0" lvl="0" indent="0" algn="l" rtl="0">
-              <a:spcBef>
-                <a:spcPts val="0"/>
-              </a:spcBef>
-              <a:spcAft>
-                <a:spcPts val="0"/>
-              </a:spcAft>
-              <a:buNone/>
-            </a:pPr>
-            <a:r>
-              <a:rPr lang="en" b="1"/>
-              <a:t>Advanced Concept:</a:t>
-            </a:r>
-            <a:br>
-              <a:rPr lang="en" b="1"/>
-            </a:br>
-            <a:r>
-              <a:rPr lang="en"/>
-              <a:t>puppyCounter (and others) follow “camel case” a naming convention that capitalizes every word after the first - very common for java programs. </a:t>
-            </a:r>
-            <a:endParaRPr/>
-          </a:p>
-        </p:txBody>
-      </p:sp>
-    </p:spTree>
-  </p:cSld>
-  <p:clrMapOvr>
-    <a:masterClrMapping/>
-  </p:clrMapOvr>
-</p:sld>
-</file>
-
-<file path=ppt/slides/slide9.xml><?xml version="1.0" encoding="utf-8"?>
-<p:sld xmlns:a="http://schemas.openxmlformats.org/drawingml/2006/main" xmlns:r="http://schemas.openxmlformats.org/officeDocument/2006/relationships" xmlns:p="http://schemas.openxmlformats.org/presentationml/2006/main">
-  <p:cSld>
-    <p:spTree>
-      <p:nvGrpSpPr>
         <p:cNvPr id="1" name="Shape 209"/>
         <p:cNvGrpSpPr/>
         <p:nvPr/>
@@ -18853,6 +17997,862 @@
     <p:extLst>
       <p:ext uri="{BB962C8B-B14F-4D97-AF65-F5344CB8AC3E}">
         <p14:creationId xmlns:p14="http://schemas.microsoft.com/office/powerpoint/2010/main" val="4288849530"/>
+      </p:ext>
+    </p:extLst>
+  </p:cSld>
+  <p:clrMapOvr>
+    <a:masterClrMapping/>
+  </p:clrMapOvr>
+</p:sld>
+</file>
+
+<file path=ppt/slides/slide8.xml><?xml version="1.0" encoding="utf-8"?>
+<p:sld xmlns:a="http://schemas.openxmlformats.org/drawingml/2006/main" xmlns:r="http://schemas.openxmlformats.org/officeDocument/2006/relationships" xmlns:p="http://schemas.openxmlformats.org/presentationml/2006/main">
+  <p:cSld>
+    <p:spTree>
+      <p:nvGrpSpPr>
+        <p:cNvPr id="1" name="Shape 203"/>
+        <p:cNvGrpSpPr/>
+        <p:nvPr/>
+      </p:nvGrpSpPr>
+      <p:grpSpPr>
+        <a:xfrm>
+          <a:off x="0" y="0"/>
+          <a:ext cx="0" cy="0"/>
+          <a:chOff x="0" y="0"/>
+          <a:chExt cx="0" cy="0"/>
+        </a:xfrm>
+      </p:grpSpPr>
+      <p:sp>
+        <p:nvSpPr>
+          <p:cNvPr id="204" name="Google Shape;204;p42"/>
+          <p:cNvSpPr txBox="1">
+            <a:spLocks noGrp="1"/>
+          </p:cNvSpPr>
+          <p:nvPr>
+            <p:ph type="title"/>
+          </p:nvPr>
+        </p:nvSpPr>
+        <p:spPr>
+          <a:xfrm>
+            <a:off x="415638" y="599068"/>
+            <a:ext cx="8312700" cy="672000"/>
+          </a:xfrm>
+          <a:prstGeom prst="rect">
+            <a:avLst/>
+          </a:prstGeom>
+        </p:spPr>
+        <p:txBody>
+          <a:bodyPr spcFirstLastPara="1" wrap="square" lIns="60500" tIns="60500" rIns="60500" bIns="60500" anchor="b" anchorCtr="0">
+            <a:noAutofit/>
+          </a:bodyPr>
+          <a:lstStyle/>
+          <a:p>
+            <a:pPr marL="0" lvl="0" indent="0" algn="l" rtl="0">
+              <a:spcBef>
+                <a:spcPts val="0"/>
+              </a:spcBef>
+              <a:spcAft>
+                <a:spcPts val="0"/>
+              </a:spcAft>
+              <a:buNone/>
+            </a:pPr>
+            <a:r>
+              <a:rPr lang="en"/>
+              <a:t>Operators</a:t>
+            </a:r>
+            <a:endParaRPr/>
+          </a:p>
+        </p:txBody>
+      </p:sp>
+      <p:sp>
+        <p:nvSpPr>
+          <p:cNvPr id="205" name="Google Shape;205;p42"/>
+          <p:cNvSpPr txBox="1">
+            <a:spLocks noGrp="1"/>
+          </p:cNvSpPr>
+          <p:nvPr>
+            <p:ph type="body" idx="1"/>
+          </p:nvPr>
+        </p:nvSpPr>
+        <p:spPr>
+          <a:xfrm>
+            <a:off x="415650" y="1388358"/>
+            <a:ext cx="8312700" cy="2932500"/>
+          </a:xfrm>
+          <a:prstGeom prst="rect">
+            <a:avLst/>
+          </a:prstGeom>
+        </p:spPr>
+        <p:txBody>
+          <a:bodyPr spcFirstLastPara="1" wrap="square" lIns="60500" tIns="60500" rIns="60500" bIns="60500" anchor="t" anchorCtr="0">
+            <a:noAutofit/>
+          </a:bodyPr>
+          <a:lstStyle/>
+          <a:p>
+            <a:pPr marL="457200" lvl="0" indent="-304800" algn="l" rtl="0">
+              <a:spcBef>
+                <a:spcPts val="400"/>
+              </a:spcBef>
+              <a:spcAft>
+                <a:spcPts val="0"/>
+              </a:spcAft>
+              <a:buClr>
+                <a:srgbClr val="000000"/>
+              </a:buClr>
+              <a:buSzPts val="1200"/>
+              <a:buChar char="●"/>
+            </a:pPr>
+            <a:r>
+              <a:rPr lang="en" dirty="0">
+                <a:solidFill>
+                  <a:srgbClr val="000000"/>
+                </a:solidFill>
+              </a:rPr>
+              <a:t>Operators are MATH</a:t>
+            </a:r>
+            <a:endParaRPr dirty="0">
+              <a:solidFill>
+                <a:srgbClr val="000000"/>
+              </a:solidFill>
+            </a:endParaRPr>
+          </a:p>
+          <a:p>
+            <a:pPr marL="914400" lvl="1" indent="-298450" algn="l" rtl="0">
+              <a:spcBef>
+                <a:spcPts val="0"/>
+              </a:spcBef>
+              <a:spcAft>
+                <a:spcPts val="0"/>
+              </a:spcAft>
+              <a:buClr>
+                <a:srgbClr val="000000"/>
+              </a:buClr>
+              <a:buSzPts val="1100"/>
+              <a:buChar char="○"/>
+            </a:pPr>
+            <a:r>
+              <a:rPr lang="en" dirty="0">
+                <a:solidFill>
+                  <a:srgbClr val="000000"/>
+                </a:solidFill>
+              </a:rPr>
+              <a:t>= (assignment)	</a:t>
+            </a:r>
+            <a:endParaRPr dirty="0">
+              <a:solidFill>
+                <a:srgbClr val="000000"/>
+              </a:solidFill>
+            </a:endParaRPr>
+          </a:p>
+          <a:p>
+            <a:pPr marL="914400" lvl="1" indent="-298450" algn="l" rtl="0">
+              <a:spcBef>
+                <a:spcPts val="0"/>
+              </a:spcBef>
+              <a:spcAft>
+                <a:spcPts val="0"/>
+              </a:spcAft>
+              <a:buClr>
+                <a:srgbClr val="000000"/>
+              </a:buClr>
+              <a:buSzPts val="1100"/>
+              <a:buChar char="○"/>
+            </a:pPr>
+            <a:r>
+              <a:rPr lang="en" dirty="0">
+                <a:solidFill>
+                  <a:srgbClr val="000000"/>
+                </a:solidFill>
+              </a:rPr>
+              <a:t>+ (add)</a:t>
+            </a:r>
+            <a:endParaRPr dirty="0">
+              <a:solidFill>
+                <a:srgbClr val="000000"/>
+              </a:solidFill>
+            </a:endParaRPr>
+          </a:p>
+          <a:p>
+            <a:pPr marL="914400" lvl="1" indent="-298450" algn="l" rtl="0">
+              <a:spcBef>
+                <a:spcPts val="0"/>
+              </a:spcBef>
+              <a:spcAft>
+                <a:spcPts val="0"/>
+              </a:spcAft>
+              <a:buClr>
+                <a:srgbClr val="000000"/>
+              </a:buClr>
+              <a:buSzPts val="1100"/>
+              <a:buChar char="○"/>
+            </a:pPr>
+            <a:r>
+              <a:rPr lang="en" dirty="0">
+                <a:solidFill>
+                  <a:srgbClr val="000000"/>
+                </a:solidFill>
+              </a:rPr>
+              <a:t>- (subtract or negative)</a:t>
+            </a:r>
+            <a:endParaRPr dirty="0">
+              <a:solidFill>
+                <a:srgbClr val="000000"/>
+              </a:solidFill>
+            </a:endParaRPr>
+          </a:p>
+          <a:p>
+            <a:pPr marL="914400" lvl="1" indent="-298450" algn="l" rtl="0">
+              <a:spcBef>
+                <a:spcPts val="0"/>
+              </a:spcBef>
+              <a:spcAft>
+                <a:spcPts val="0"/>
+              </a:spcAft>
+              <a:buClr>
+                <a:srgbClr val="000000"/>
+              </a:buClr>
+              <a:buSzPts val="1100"/>
+              <a:buChar char="○"/>
+            </a:pPr>
+            <a:r>
+              <a:rPr lang="en" dirty="0">
+                <a:solidFill>
+                  <a:srgbClr val="000000"/>
+                </a:solidFill>
+              </a:rPr>
+              <a:t>/ (divide)</a:t>
+            </a:r>
+            <a:endParaRPr dirty="0">
+              <a:solidFill>
+                <a:srgbClr val="000000"/>
+              </a:solidFill>
+            </a:endParaRPr>
+          </a:p>
+          <a:p>
+            <a:pPr marL="914400" lvl="1" indent="-298450" algn="l" rtl="0">
+              <a:spcBef>
+                <a:spcPts val="0"/>
+              </a:spcBef>
+              <a:spcAft>
+                <a:spcPts val="0"/>
+              </a:spcAft>
+              <a:buClr>
+                <a:srgbClr val="000000"/>
+              </a:buClr>
+              <a:buSzPts val="1100"/>
+              <a:buChar char="○"/>
+            </a:pPr>
+            <a:r>
+              <a:rPr lang="en" dirty="0">
+                <a:solidFill>
+                  <a:srgbClr val="000000"/>
+                </a:solidFill>
+              </a:rPr>
+              <a:t>* (multiply) </a:t>
+            </a:r>
+            <a:endParaRPr dirty="0">
+              <a:solidFill>
+                <a:srgbClr val="000000"/>
+              </a:solidFill>
+            </a:endParaRPr>
+          </a:p>
+          <a:p>
+            <a:pPr marL="457200" lvl="0" indent="-304800" algn="l" rtl="0">
+              <a:spcBef>
+                <a:spcPts val="0"/>
+              </a:spcBef>
+              <a:spcAft>
+                <a:spcPts val="0"/>
+              </a:spcAft>
+              <a:buClr>
+                <a:srgbClr val="000000"/>
+              </a:buClr>
+              <a:buSzPts val="1200"/>
+              <a:buChar char="●"/>
+            </a:pPr>
+            <a:r>
+              <a:rPr lang="en" dirty="0">
+                <a:solidFill>
+                  <a:srgbClr val="000000"/>
+                </a:solidFill>
+              </a:rPr>
+              <a:t>Numeric Types</a:t>
+            </a:r>
+            <a:endParaRPr dirty="0">
+              <a:solidFill>
+                <a:srgbClr val="000000"/>
+              </a:solidFill>
+            </a:endParaRPr>
+          </a:p>
+          <a:p>
+            <a:pPr marL="914400" lvl="1" indent="-298450" algn="l" rtl="0">
+              <a:spcBef>
+                <a:spcPts val="0"/>
+              </a:spcBef>
+              <a:spcAft>
+                <a:spcPts val="0"/>
+              </a:spcAft>
+              <a:buClr>
+                <a:srgbClr val="000000"/>
+              </a:buClr>
+              <a:buSzPts val="1100"/>
+              <a:buChar char="○"/>
+            </a:pPr>
+            <a:r>
+              <a:rPr lang="en" dirty="0">
+                <a:solidFill>
+                  <a:srgbClr val="000000"/>
+                </a:solidFill>
+              </a:rPr>
+              <a:t>int - always whole number</a:t>
+            </a:r>
+            <a:endParaRPr dirty="0">
+              <a:solidFill>
+                <a:srgbClr val="000000"/>
+              </a:solidFill>
+            </a:endParaRPr>
+          </a:p>
+          <a:p>
+            <a:pPr marL="914400" lvl="1" indent="-298450" algn="l" rtl="0">
+              <a:spcBef>
+                <a:spcPts val="0"/>
+              </a:spcBef>
+              <a:spcAft>
+                <a:spcPts val="0"/>
+              </a:spcAft>
+              <a:buClr>
+                <a:srgbClr val="000000"/>
+              </a:buClr>
+              <a:buSzPts val="1100"/>
+              <a:buFont typeface="Consolas"/>
+              <a:buChar char="○"/>
+            </a:pPr>
+            <a:r>
+              <a:rPr lang="en" dirty="0">
+                <a:solidFill>
+                  <a:srgbClr val="000000"/>
+                </a:solidFill>
+                <a:latin typeface="Consolas"/>
+                <a:ea typeface="Consolas"/>
+                <a:cs typeface="Consolas"/>
+                <a:sym typeface="Consolas"/>
+              </a:rPr>
+              <a:t>int </a:t>
+            </a:r>
+            <a:r>
+              <a:rPr lang="en" dirty="0" err="1">
+                <a:solidFill>
+                  <a:srgbClr val="000000"/>
+                </a:solidFill>
+                <a:latin typeface="Consolas"/>
+                <a:ea typeface="Consolas"/>
+                <a:cs typeface="Consolas"/>
+                <a:sym typeface="Consolas"/>
+              </a:rPr>
+              <a:t>myVal</a:t>
+            </a:r>
+            <a:r>
+              <a:rPr lang="en" dirty="0">
+                <a:solidFill>
+                  <a:srgbClr val="000000"/>
+                </a:solidFill>
+                <a:latin typeface="Consolas"/>
+                <a:ea typeface="Consolas"/>
+                <a:cs typeface="Consolas"/>
+                <a:sym typeface="Consolas"/>
+              </a:rPr>
+              <a:t> = 1 / 2; // evaluates to 0!</a:t>
+            </a:r>
+            <a:endParaRPr dirty="0">
+              <a:solidFill>
+                <a:srgbClr val="000000"/>
+              </a:solidFill>
+              <a:latin typeface="Consolas"/>
+              <a:ea typeface="Consolas"/>
+              <a:cs typeface="Consolas"/>
+              <a:sym typeface="Consolas"/>
+            </a:endParaRPr>
+          </a:p>
+          <a:p>
+            <a:pPr marL="914400" lvl="1" indent="-298450" algn="l" rtl="0">
+              <a:spcBef>
+                <a:spcPts val="0"/>
+              </a:spcBef>
+              <a:spcAft>
+                <a:spcPts val="0"/>
+              </a:spcAft>
+              <a:buClr>
+                <a:srgbClr val="000000"/>
+              </a:buClr>
+              <a:buSzPts val="1100"/>
+              <a:buChar char="○"/>
+            </a:pPr>
+            <a:r>
+              <a:rPr lang="en" dirty="0">
+                <a:solidFill>
+                  <a:srgbClr val="000000"/>
+                </a:solidFill>
+              </a:rPr>
+              <a:t>double - has decimals</a:t>
+            </a:r>
+            <a:endParaRPr dirty="0">
+              <a:solidFill>
+                <a:srgbClr val="000000"/>
+              </a:solidFill>
+            </a:endParaRPr>
+          </a:p>
+          <a:p>
+            <a:pPr marL="914400" lvl="1" indent="-298450" algn="l" rtl="0">
+              <a:spcBef>
+                <a:spcPts val="0"/>
+              </a:spcBef>
+              <a:spcAft>
+                <a:spcPts val="0"/>
+              </a:spcAft>
+              <a:buClr>
+                <a:srgbClr val="000000"/>
+              </a:buClr>
+              <a:buSzPts val="1100"/>
+              <a:buFont typeface="Consolas"/>
+              <a:buChar char="○"/>
+            </a:pPr>
+            <a:r>
+              <a:rPr lang="en" dirty="0">
+                <a:solidFill>
+                  <a:srgbClr val="000000"/>
+                </a:solidFill>
+                <a:latin typeface="Consolas"/>
+                <a:ea typeface="Consolas"/>
+                <a:cs typeface="Consolas"/>
+                <a:sym typeface="Consolas"/>
+              </a:rPr>
+              <a:t>double </a:t>
+            </a:r>
+            <a:r>
+              <a:rPr lang="en" dirty="0" err="1">
+                <a:solidFill>
+                  <a:srgbClr val="000000"/>
+                </a:solidFill>
+                <a:latin typeface="Consolas"/>
+                <a:ea typeface="Consolas"/>
+                <a:cs typeface="Consolas"/>
+                <a:sym typeface="Consolas"/>
+              </a:rPr>
+              <a:t>doubleVal</a:t>
+            </a:r>
+            <a:r>
+              <a:rPr lang="en" dirty="0">
+                <a:solidFill>
+                  <a:srgbClr val="000000"/>
+                </a:solidFill>
+                <a:latin typeface="Consolas"/>
+                <a:ea typeface="Consolas"/>
+                <a:cs typeface="Consolas"/>
+                <a:sym typeface="Consolas"/>
+              </a:rPr>
+              <a:t> = 1.0 / 2; // evaluates to 0.5! </a:t>
+            </a:r>
+            <a:endParaRPr dirty="0">
+              <a:solidFill>
+                <a:srgbClr val="000000"/>
+              </a:solidFill>
+              <a:latin typeface="Consolas"/>
+              <a:ea typeface="Consolas"/>
+              <a:cs typeface="Consolas"/>
+              <a:sym typeface="Consolas"/>
+            </a:endParaRPr>
+          </a:p>
+          <a:p>
+            <a:pPr marL="0" lvl="0" indent="0" algn="l" rtl="0">
+              <a:spcBef>
+                <a:spcPts val="400"/>
+              </a:spcBef>
+              <a:spcAft>
+                <a:spcPts val="0"/>
+              </a:spcAft>
+              <a:buNone/>
+            </a:pPr>
+            <a:endParaRPr dirty="0">
+              <a:solidFill>
+                <a:srgbClr val="000000"/>
+              </a:solidFill>
+            </a:endParaRPr>
+          </a:p>
+          <a:p>
+            <a:pPr marL="0" lvl="0" indent="0" algn="l" rtl="0">
+              <a:spcBef>
+                <a:spcPts val="400"/>
+              </a:spcBef>
+              <a:spcAft>
+                <a:spcPts val="400"/>
+              </a:spcAft>
+              <a:buNone/>
+            </a:pPr>
+            <a:endParaRPr dirty="0">
+              <a:solidFill>
+                <a:srgbClr val="000000"/>
+              </a:solidFill>
+            </a:endParaRPr>
+          </a:p>
+        </p:txBody>
+      </p:sp>
+    </p:spTree>
+  </p:cSld>
+  <p:clrMapOvr>
+    <a:masterClrMapping/>
+  </p:clrMapOvr>
+</p:sld>
+</file>
+
+<file path=ppt/slides/slide9.xml><?xml version="1.0" encoding="utf-8"?>
+<p:sld xmlns:a="http://schemas.openxmlformats.org/drawingml/2006/main" xmlns:r="http://schemas.openxmlformats.org/officeDocument/2006/relationships" xmlns:p="http://schemas.openxmlformats.org/presentationml/2006/main">
+  <p:cSld>
+    <p:spTree>
+      <p:nvGrpSpPr>
+        <p:cNvPr id="1" name="Shape 209"/>
+        <p:cNvGrpSpPr/>
+        <p:nvPr/>
+      </p:nvGrpSpPr>
+      <p:grpSpPr>
+        <a:xfrm>
+          <a:off x="0" y="0"/>
+          <a:ext cx="0" cy="0"/>
+          <a:chOff x="0" y="0"/>
+          <a:chExt cx="0" cy="0"/>
+        </a:xfrm>
+      </p:grpSpPr>
+      <p:sp>
+        <p:nvSpPr>
+          <p:cNvPr id="210" name="Google Shape;210;p43"/>
+          <p:cNvSpPr txBox="1">
+            <a:spLocks noGrp="1"/>
+          </p:cNvSpPr>
+          <p:nvPr>
+            <p:ph type="title"/>
+          </p:nvPr>
+        </p:nvSpPr>
+        <p:spPr>
+          <a:xfrm>
+            <a:off x="407768" y="490964"/>
+            <a:ext cx="8312700" cy="672000"/>
+          </a:xfrm>
+          <a:prstGeom prst="rect">
+            <a:avLst/>
+          </a:prstGeom>
+        </p:spPr>
+        <p:txBody>
+          <a:bodyPr spcFirstLastPara="1" wrap="square" lIns="60500" tIns="60500" rIns="60500" bIns="60500" anchor="b" anchorCtr="0">
+            <a:noAutofit/>
+          </a:bodyPr>
+          <a:lstStyle/>
+          <a:p>
+            <a:pPr marL="0" lvl="0" indent="0" algn="l" rtl="0">
+              <a:spcBef>
+                <a:spcPts val="0"/>
+              </a:spcBef>
+              <a:spcAft>
+                <a:spcPts val="0"/>
+              </a:spcAft>
+              <a:buNone/>
+            </a:pPr>
+            <a:r>
+              <a:rPr lang="en" dirty="0"/>
+              <a:t>Practice 2 – Group Reflection</a:t>
+            </a:r>
+            <a:endParaRPr dirty="0"/>
+          </a:p>
+        </p:txBody>
+      </p:sp>
+      <p:sp>
+        <p:nvSpPr>
+          <p:cNvPr id="211" name="Google Shape;211;p43"/>
+          <p:cNvSpPr txBox="1">
+            <a:spLocks noGrp="1"/>
+          </p:cNvSpPr>
+          <p:nvPr>
+            <p:ph type="body" idx="1"/>
+          </p:nvPr>
+        </p:nvSpPr>
+        <p:spPr>
+          <a:xfrm>
+            <a:off x="407768" y="1139573"/>
+            <a:ext cx="8312700" cy="4003927"/>
+          </a:xfrm>
+          <a:prstGeom prst="rect">
+            <a:avLst/>
+          </a:prstGeom>
+        </p:spPr>
+        <p:txBody>
+          <a:bodyPr spcFirstLastPara="1" wrap="square" lIns="60500" tIns="60500" rIns="60500" bIns="60500" anchor="t" anchorCtr="0">
+            <a:noAutofit/>
+          </a:bodyPr>
+          <a:lstStyle/>
+          <a:p>
+            <a:pPr marL="152400" indent="0">
+              <a:buNone/>
+            </a:pPr>
+            <a:r>
+              <a:rPr lang="pt-BR" dirty="0">
+                <a:solidFill>
+                  <a:srgbClr val="000000"/>
+                </a:solidFill>
+                <a:latin typeface="Consolas"/>
+                <a:ea typeface="Consolas"/>
+                <a:cs typeface="Consolas"/>
+              </a:rPr>
+              <a:t>int A, B, C;</a:t>
+            </a:r>
+          </a:p>
+          <a:p>
+            <a:pPr marL="152400" indent="0">
+              <a:buNone/>
+            </a:pPr>
+            <a:r>
+              <a:rPr lang="pt-BR" dirty="0">
+                <a:solidFill>
+                  <a:srgbClr val="000000"/>
+                </a:solidFill>
+                <a:latin typeface="Consolas"/>
+                <a:ea typeface="Consolas"/>
+                <a:cs typeface="Consolas"/>
+              </a:rPr>
+              <a:t>A = 10;</a:t>
+            </a:r>
+          </a:p>
+          <a:p>
+            <a:pPr marL="152400" indent="0">
+              <a:buNone/>
+            </a:pPr>
+            <a:r>
+              <a:rPr lang="pt-BR" dirty="0">
+                <a:solidFill>
+                  <a:srgbClr val="000000"/>
+                </a:solidFill>
+                <a:latin typeface="Consolas"/>
+                <a:ea typeface="Consolas"/>
+                <a:cs typeface="Consolas"/>
+              </a:rPr>
+              <a:t>A = A + 1;</a:t>
+            </a:r>
+          </a:p>
+          <a:p>
+            <a:pPr marL="152400" indent="0">
+              <a:buNone/>
+            </a:pPr>
+            <a:r>
+              <a:rPr lang="pt-BR" dirty="0">
+                <a:solidFill>
+                  <a:srgbClr val="000000"/>
+                </a:solidFill>
+                <a:latin typeface="Consolas"/>
+                <a:ea typeface="Consolas"/>
+                <a:cs typeface="Consolas"/>
+              </a:rPr>
+              <a:t>B = A/2;</a:t>
+            </a:r>
+          </a:p>
+          <a:p>
+            <a:pPr marL="152400" indent="0">
+              <a:buNone/>
+            </a:pPr>
+            <a:r>
+              <a:rPr lang="pt-BR" dirty="0">
+                <a:solidFill>
+                  <a:srgbClr val="000000"/>
+                </a:solidFill>
+                <a:latin typeface="Consolas"/>
+                <a:ea typeface="Consolas"/>
+                <a:cs typeface="Consolas"/>
+              </a:rPr>
+              <a:t>A = 6;</a:t>
+            </a:r>
+          </a:p>
+          <a:p>
+            <a:pPr marL="152400" indent="0">
+              <a:buNone/>
+            </a:pPr>
+            <a:r>
+              <a:rPr lang="pt-BR" dirty="0">
+                <a:solidFill>
+                  <a:srgbClr val="000000"/>
+                </a:solidFill>
+                <a:latin typeface="Consolas"/>
+                <a:ea typeface="Consolas"/>
+                <a:cs typeface="Consolas"/>
+              </a:rPr>
+              <a:t>C = B + 1;</a:t>
+            </a:r>
+          </a:p>
+          <a:p>
+            <a:pPr marL="152400" indent="0">
+              <a:buNone/>
+            </a:pPr>
+            <a:r>
+              <a:rPr lang="pt-BR" dirty="0">
+                <a:solidFill>
+                  <a:srgbClr val="000000"/>
+                </a:solidFill>
+                <a:latin typeface="Consolas"/>
+                <a:ea typeface="Consolas"/>
+                <a:cs typeface="Consolas"/>
+              </a:rPr>
+              <a:t>C = C + 2;</a:t>
+            </a:r>
+          </a:p>
+          <a:p>
+            <a:pPr marL="152400" indent="0">
+              <a:buNone/>
+            </a:pPr>
+            <a:r>
+              <a:rPr lang="pt-BR" dirty="0">
+                <a:solidFill>
+                  <a:srgbClr val="000000"/>
+                </a:solidFill>
+                <a:latin typeface="Consolas"/>
+                <a:ea typeface="Consolas"/>
+                <a:cs typeface="Consolas"/>
+              </a:rPr>
+              <a:t>A = B/2;</a:t>
+            </a:r>
+          </a:p>
+          <a:p>
+            <a:pPr marL="152400" indent="0">
+              <a:buNone/>
+            </a:pPr>
+            <a:br>
+              <a:rPr lang="en-US" dirty="0"/>
+            </a:br>
+            <a:endParaRPr lang="en-US" dirty="0">
+              <a:solidFill>
+                <a:srgbClr val="000000"/>
+              </a:solidFill>
+              <a:latin typeface="Consolas"/>
+              <a:ea typeface="Consolas"/>
+              <a:cs typeface="Consolas"/>
+            </a:endParaRPr>
+          </a:p>
+        </p:txBody>
+      </p:sp>
+      <p:sp>
+        <p:nvSpPr>
+          <p:cNvPr id="212" name="Google Shape;212;p43"/>
+          <p:cNvSpPr/>
+          <p:nvPr/>
+        </p:nvSpPr>
+        <p:spPr>
+          <a:xfrm>
+            <a:off x="2902403" y="2956034"/>
+            <a:ext cx="5989200" cy="1600200"/>
+          </a:xfrm>
+          <a:prstGeom prst="rect">
+            <a:avLst/>
+          </a:prstGeom>
+          <a:solidFill>
+            <a:schemeClr val="lt2"/>
+          </a:solidFill>
+          <a:ln w="9525" cap="flat" cmpd="sng">
+            <a:solidFill>
+              <a:schemeClr val="dk2"/>
+            </a:solidFill>
+            <a:prstDash val="solid"/>
+            <a:round/>
+            <a:headEnd type="none" w="sm" len="sm"/>
+            <a:tailEnd type="none" w="sm" len="sm"/>
+          </a:ln>
+        </p:spPr>
+        <p:txBody>
+          <a:bodyPr spcFirstLastPara="1" wrap="square" lIns="91425" tIns="91425" rIns="91425" bIns="91425" anchor="ctr" anchorCtr="0">
+            <a:noAutofit/>
+          </a:bodyPr>
+          <a:lstStyle/>
+          <a:p>
+            <a:pPr marL="0" lvl="0" indent="0" algn="l" rtl="0">
+              <a:spcBef>
+                <a:spcPts val="0"/>
+              </a:spcBef>
+              <a:spcAft>
+                <a:spcPts val="0"/>
+              </a:spcAft>
+              <a:buNone/>
+            </a:pPr>
+            <a:r>
+              <a:rPr lang="en" b="1" dirty="0"/>
+              <a:t>What are the final values for A, B, and C?</a:t>
+            </a:r>
+          </a:p>
+          <a:p>
+            <a:pPr marL="0" lvl="0" indent="0" algn="l" rtl="0">
+              <a:spcBef>
+                <a:spcPts val="0"/>
+              </a:spcBef>
+              <a:spcAft>
+                <a:spcPts val="0"/>
+              </a:spcAft>
+              <a:buNone/>
+            </a:pPr>
+            <a:endParaRPr lang="en" b="1" dirty="0"/>
+          </a:p>
+          <a:p>
+            <a:pPr marL="0" lvl="0" indent="0" algn="l" rtl="0">
+              <a:spcBef>
+                <a:spcPts val="0"/>
+              </a:spcBef>
+              <a:spcAft>
+                <a:spcPts val="0"/>
+              </a:spcAft>
+              <a:buNone/>
+            </a:pPr>
+            <a:r>
+              <a:rPr lang="en" b="1" dirty="0"/>
+              <a:t>What happens if A is double instead of int?</a:t>
+            </a:r>
+          </a:p>
+          <a:p>
+            <a:pPr marL="0" lvl="0" indent="0" algn="l" rtl="0">
+              <a:spcBef>
+                <a:spcPts val="0"/>
+              </a:spcBef>
+              <a:spcAft>
+                <a:spcPts val="0"/>
+              </a:spcAft>
+              <a:buNone/>
+            </a:pPr>
+            <a:endParaRPr lang="en" b="1" dirty="0"/>
+          </a:p>
+          <a:p>
+            <a:pPr marL="0" lvl="0" indent="0" algn="l" rtl="0">
+              <a:spcBef>
+                <a:spcPts val="0"/>
+              </a:spcBef>
+              <a:spcAft>
+                <a:spcPts val="0"/>
+              </a:spcAft>
+              <a:buNone/>
+            </a:pPr>
+            <a:r>
+              <a:rPr lang="en" b="1" dirty="0"/>
+              <a:t>What happens if A and B are double instead of int?</a:t>
+            </a:r>
+          </a:p>
+          <a:p>
+            <a:pPr marL="0" lvl="0" indent="0" algn="l" rtl="0">
+              <a:spcBef>
+                <a:spcPts val="0"/>
+              </a:spcBef>
+              <a:spcAft>
+                <a:spcPts val="0"/>
+              </a:spcAft>
+              <a:buNone/>
+            </a:pPr>
+            <a:endParaRPr dirty="0"/>
+          </a:p>
+        </p:txBody>
+      </p:sp>
+    </p:spTree>
+    <p:extLst>
+      <p:ext uri="{BB962C8B-B14F-4D97-AF65-F5344CB8AC3E}">
+        <p14:creationId xmlns:p14="http://schemas.microsoft.com/office/powerpoint/2010/main" val="621376379"/>
       </p:ext>
     </p:extLst>
   </p:cSld>
@@ -19434,6 +19434,12 @@
 </file>
 
 <file path=customXml/item2.xml><?xml version="1.0" encoding="utf-8"?>
+<p:properties xmlns:p="http://schemas.microsoft.com/office/2006/metadata/properties" xmlns:xsi="http://www.w3.org/2001/XMLSchema-instance" xmlns:pc="http://schemas.microsoft.com/office/infopath/2007/PartnerControls">
+  <documentManagement/>
+</p:properties>
+</file>
+
+<file path=customXml/item3.xml><?xml version="1.0" encoding="utf-8"?>
 <ct:contentTypeSchema xmlns:ct="http://schemas.microsoft.com/office/2006/metadata/contentType" xmlns:ma="http://schemas.microsoft.com/office/2006/metadata/properties/metaAttributes" ct:_="" ma:_="" ma:contentTypeName="Document" ma:contentTypeID="0x010100074387D78AC76C4289401EF66FB51FCC" ma:contentTypeVersion="13" ma:contentTypeDescription="Create a new document." ma:contentTypeScope="" ma:versionID="6d00cb191415ef07de8591021eed77b7">
   <xsd:schema xmlns:xsd="http://www.w3.org/2001/XMLSchema" xmlns:xs="http://www.w3.org/2001/XMLSchema" xmlns:p="http://schemas.microsoft.com/office/2006/metadata/properties" xmlns:ns3="92c41bee-f0ee-4aa6-9399-a35fbb883510" xmlns:ns4="e06ed288-fd75-4b50-bbed-f5a5df88c31c" targetNamespace="http://schemas.microsoft.com/office/2006/metadata/properties" ma:root="true" ma:fieldsID="dd3c912a0e2ebbe56c1b62c06dfbba16" ns3:_="" ns4:_="">
     <xsd:import namespace="92c41bee-f0ee-4aa6-9399-a35fbb883510"/>
@@ -19656,12 +19662,6 @@
 </ct:contentTypeSchema>
 </file>
 
-<file path=customXml/item3.xml><?xml version="1.0" encoding="utf-8"?>
-<p:properties xmlns:p="http://schemas.microsoft.com/office/2006/metadata/properties" xmlns:xsi="http://www.w3.org/2001/XMLSchema-instance" xmlns:pc="http://schemas.microsoft.com/office/infopath/2007/PartnerControls">
-  <documentManagement/>
-</p:properties>
-</file>
-
 <file path=customXml/itemProps1.xml><?xml version="1.0" encoding="utf-8"?>
 <ds:datastoreItem xmlns:ds="http://schemas.openxmlformats.org/officeDocument/2006/customXml" ds:itemID="{AD57AD06-F92C-44EB-AE7E-2E7C93F1B38A}">
   <ds:schemaRefs>
@@ -19671,6 +19671,23 @@
 </file>
 
 <file path=customXml/itemProps2.xml><?xml version="1.0" encoding="utf-8"?>
+<ds:datastoreItem xmlns:ds="http://schemas.openxmlformats.org/officeDocument/2006/customXml" ds:itemID="{2DC42811-3B51-4277-9BAB-60004E84128E}">
+  <ds:schemaRefs>
+    <ds:schemaRef ds:uri="http://purl.org/dc/terms/"/>
+    <ds:schemaRef ds:uri="http://purl.org/dc/elements/1.1/"/>
+    <ds:schemaRef ds:uri="92c41bee-f0ee-4aa6-9399-a35fbb883510"/>
+    <ds:schemaRef ds:uri="http://purl.org/dc/dcmitype/"/>
+    <ds:schemaRef ds:uri="http://schemas.microsoft.com/office/2006/documentManagement/types"/>
+    <ds:schemaRef ds:uri="http://schemas.microsoft.com/office/2006/metadata/properties"/>
+    <ds:schemaRef ds:uri="http://schemas.microsoft.com/office/infopath/2007/PartnerControls"/>
+    <ds:schemaRef ds:uri="http://schemas.openxmlformats.org/package/2006/metadata/core-properties"/>
+    <ds:schemaRef ds:uri="e06ed288-fd75-4b50-bbed-f5a5df88c31c"/>
+    <ds:schemaRef ds:uri="http://www.w3.org/XML/1998/namespace"/>
+  </ds:schemaRefs>
+</ds:datastoreItem>
+</file>
+
+<file path=customXml/itemProps3.xml><?xml version="1.0" encoding="utf-8"?>
 <ds:datastoreItem xmlns:ds="http://schemas.openxmlformats.org/officeDocument/2006/customXml" ds:itemID="{92A5BA81-21EF-4D25-A1C1-3693A7025EF6}">
   <ds:schemaRefs>
     <ds:schemaRef ds:uri="http://schemas.microsoft.com/office/2006/metadata/contentType"/>
@@ -19687,21 +19704,4 @@
     <ds:schemaRef ds:uri="http://schemas.microsoft.com/internal/obd"/>
   </ds:schemaRefs>
 </ds:datastoreItem>
-</file>
-
-<file path=customXml/itemProps3.xml><?xml version="1.0" encoding="utf-8"?>
-<ds:datastoreItem xmlns:ds="http://schemas.openxmlformats.org/officeDocument/2006/customXml" ds:itemID="{2DC42811-3B51-4277-9BAB-60004E84128E}">
-  <ds:schemaRefs>
-    <ds:schemaRef ds:uri="http://purl.org/dc/terms/"/>
-    <ds:schemaRef ds:uri="http://purl.org/dc/elements/1.1/"/>
-    <ds:schemaRef ds:uri="92c41bee-f0ee-4aa6-9399-a35fbb883510"/>
-    <ds:schemaRef ds:uri="http://purl.org/dc/dcmitype/"/>
-    <ds:schemaRef ds:uri="http://schemas.microsoft.com/office/2006/documentManagement/types"/>
-    <ds:schemaRef ds:uri="http://schemas.microsoft.com/office/2006/metadata/properties"/>
-    <ds:schemaRef ds:uri="http://schemas.microsoft.com/office/infopath/2007/PartnerControls"/>
-    <ds:schemaRef ds:uri="http://schemas.openxmlformats.org/package/2006/metadata/core-properties"/>
-    <ds:schemaRef ds:uri="e06ed288-fd75-4b50-bbed-f5a5df88c31c"/>
-    <ds:schemaRef ds:uri="http://www.w3.org/XML/1998/namespace"/>
-  </ds:schemaRefs>
-</ds:datastoreItem>
 </file>
--- a/slides/On-Campus/02_01_Variables.pptx
+++ b/slides/On-Campus/02_01_Variables.pptx
@@ -5,7 +5,7 @@
     <p:sldMasterId id="2147483685" r:id="rId4"/>
   </p:sldMasterIdLst>
   <p:notesMasterIdLst>
-    <p:notesMasterId r:id="rId16"/>
+    <p:notesMasterId r:id="rId22"/>
   </p:notesMasterIdLst>
   <p:sldIdLst>
     <p:sldId id="256" r:id="rId5"/>
@@ -14,35 +14,45 @@
     <p:sldId id="262" r:id="rId8"/>
     <p:sldId id="257" r:id="rId9"/>
     <p:sldId id="258" r:id="rId10"/>
-    <p:sldId id="265" r:id="rId11"/>
-    <p:sldId id="259" r:id="rId12"/>
-    <p:sldId id="266" r:id="rId13"/>
-    <p:sldId id="260" r:id="rId14"/>
-    <p:sldId id="264" r:id="rId15"/>
+    <p:sldId id="267" r:id="rId11"/>
+    <p:sldId id="265" r:id="rId12"/>
+    <p:sldId id="259" r:id="rId13"/>
+    <p:sldId id="266" r:id="rId14"/>
+    <p:sldId id="268" r:id="rId15"/>
+    <p:sldId id="269" r:id="rId16"/>
+    <p:sldId id="270" r:id="rId17"/>
+    <p:sldId id="272" r:id="rId18"/>
+    <p:sldId id="271" r:id="rId19"/>
+    <p:sldId id="260" r:id="rId20"/>
+    <p:sldId id="264" r:id="rId21"/>
   </p:sldIdLst>
   <p:sldSz cx="9144000" cy="5143500" type="screen16x9"/>
   <p:notesSz cx="6858000" cy="9144000"/>
   <p:embeddedFontLst>
     <p:embeddedFont>
       <p:font typeface="Consolas" panose="020B0609020204030204" pitchFamily="49" charset="0"/>
-      <p:regular r:id="rId17"/>
-      <p:bold r:id="rId18"/>
-      <p:italic r:id="rId19"/>
-      <p:boldItalic r:id="rId20"/>
+      <p:regular r:id="rId23"/>
+      <p:bold r:id="rId24"/>
+      <p:italic r:id="rId25"/>
+      <p:boldItalic r:id="rId26"/>
     </p:embeddedFont>
     <p:embeddedFont>
-      <p:font typeface="Proxima Nova" panose="02000506030000020004" pitchFamily="2" charset="0"/>
-      <p:regular r:id="rId21"/>
-      <p:bold r:id="rId22"/>
-      <p:italic r:id="rId23"/>
-      <p:boldItalic r:id="rId24"/>
+      <p:font typeface="Microsoft Sans Serif" panose="020B0604020202020204" pitchFamily="34" charset="0"/>
+      <p:regular r:id="rId27"/>
+    </p:embeddedFont>
+    <p:embeddedFont>
+      <p:font typeface="Proxima Nova" panose="020B0604020202020204" charset="0"/>
+      <p:regular r:id="rId28"/>
+      <p:bold r:id="rId29"/>
+      <p:italic r:id="rId30"/>
+      <p:boldItalic r:id="rId31"/>
     </p:embeddedFont>
     <p:embeddedFont>
       <p:font typeface="Source Sans Pro" panose="020B0503030403020204" pitchFamily="34" charset="0"/>
-      <p:regular r:id="rId25"/>
-      <p:bold r:id="rId26"/>
-      <p:italic r:id="rId27"/>
-      <p:boldItalic r:id="rId28"/>
+      <p:regular r:id="rId32"/>
+      <p:bold r:id="rId33"/>
+      <p:italic r:id="rId34"/>
+      <p:boldItalic r:id="rId35"/>
     </p:embeddedFont>
   </p:embeddedFontLst>
   <p:defaultTextStyle>
@@ -9060,6 +9070,1342 @@
 </p:sldLayout>
 </file>
 
+<file path=ppt/slideLayouts/slideLayout26.xml><?xml version="1.0" encoding="utf-8"?>
+<p:sldLayout xmlns:a="http://schemas.openxmlformats.org/drawingml/2006/main" xmlns:r="http://schemas.openxmlformats.org/officeDocument/2006/relationships" xmlns:p="http://schemas.openxmlformats.org/presentationml/2006/main" userDrawn="1">
+  <p:cSld name="1_Title and Content">
+    <p:spTree>
+      <p:nvGrpSpPr>
+        <p:cNvPr id="1" name=""/>
+        <p:cNvGrpSpPr/>
+        <p:nvPr/>
+      </p:nvGrpSpPr>
+      <p:grpSpPr>
+        <a:xfrm>
+          <a:off x="0" y="0"/>
+          <a:ext cx="0" cy="0"/>
+          <a:chOff x="0" y="0"/>
+          <a:chExt cx="0" cy="0"/>
+        </a:xfrm>
+      </p:grpSpPr>
+      <p:sp>
+        <p:nvSpPr>
+          <p:cNvPr id="20" name="Title Placeholder 1"/>
+          <p:cNvSpPr>
+            <a:spLocks noGrp="1"/>
+          </p:cNvSpPr>
+          <p:nvPr>
+            <p:ph type="title" hasCustomPrompt="1"/>
+          </p:nvPr>
+        </p:nvSpPr>
+        <p:spPr>
+          <a:xfrm>
+            <a:off x="415638" y="229976"/>
+            <a:ext cx="8312726" cy="738664"/>
+          </a:xfrm>
+          <a:prstGeom prst="rect">
+            <a:avLst/>
+          </a:prstGeom>
+        </p:spPr>
+        <p:txBody>
+          <a:bodyPr vert="horz" lIns="91440" tIns="91440" rIns="91440" bIns="91440" rtlCol="0" anchor="b" anchorCtr="0">
+            <a:spAutoFit/>
+          </a:bodyPr>
+          <a:lstStyle/>
+          <a:p>
+            <a:r>
+              <a:rPr lang="en-US" dirty="0"/>
+              <a:t>Headline Copy Goes Here</a:t>
+            </a:r>
+          </a:p>
+        </p:txBody>
+      </p:sp>
+      <p:sp>
+        <p:nvSpPr>
+          <p:cNvPr id="25" name="Text Placeholder 24"/>
+          <p:cNvSpPr>
+            <a:spLocks noGrp="1"/>
+          </p:cNvSpPr>
+          <p:nvPr>
+            <p:ph type="body" sz="quarter" idx="10"/>
+          </p:nvPr>
+        </p:nvSpPr>
+        <p:spPr>
+          <a:xfrm>
+            <a:off x="415638" y="1175746"/>
+            <a:ext cx="8312726" cy="1378936"/>
+          </a:xfrm>
+        </p:spPr>
+        <p:txBody>
+          <a:bodyPr>
+            <a:spAutoFit/>
+          </a:bodyPr>
+          <a:lstStyle>
+            <a:lvl1pPr>
+              <a:defRPr>
+                <a:solidFill>
+                  <a:srgbClr val="092529"/>
+                </a:solidFill>
+              </a:defRPr>
+            </a:lvl1pPr>
+            <a:lvl2pPr>
+              <a:defRPr>
+                <a:solidFill>
+                  <a:srgbClr val="092529"/>
+                </a:solidFill>
+              </a:defRPr>
+            </a:lvl2pPr>
+            <a:lvl3pPr>
+              <a:defRPr>
+                <a:solidFill>
+                  <a:srgbClr val="092529"/>
+                </a:solidFill>
+              </a:defRPr>
+            </a:lvl3pPr>
+            <a:lvl4pPr>
+              <a:defRPr>
+                <a:solidFill>
+                  <a:srgbClr val="092529"/>
+                </a:solidFill>
+              </a:defRPr>
+            </a:lvl4pPr>
+            <a:lvl5pPr>
+              <a:defRPr>
+                <a:solidFill>
+                  <a:srgbClr val="092529"/>
+                </a:solidFill>
+              </a:defRPr>
+            </a:lvl5pPr>
+          </a:lstStyle>
+          <a:p>
+            <a:pPr lvl="0"/>
+            <a:r>
+              <a:rPr lang="en-US"/>
+              <a:t>Click to edit Master text styles</a:t>
+            </a:r>
+          </a:p>
+          <a:p>
+            <a:pPr lvl="1"/>
+            <a:r>
+              <a:rPr lang="en-US"/>
+              <a:t>Second level</a:t>
+            </a:r>
+          </a:p>
+          <a:p>
+            <a:pPr lvl="2"/>
+            <a:r>
+              <a:rPr lang="en-US"/>
+              <a:t>Third level</a:t>
+            </a:r>
+          </a:p>
+          <a:p>
+            <a:pPr lvl="3"/>
+            <a:r>
+              <a:rPr lang="en-US"/>
+              <a:t>Fourth level</a:t>
+            </a:r>
+          </a:p>
+          <a:p>
+            <a:pPr lvl="4"/>
+            <a:r>
+              <a:rPr lang="en-US"/>
+              <a:t>Fifth level</a:t>
+            </a:r>
+            <a:endParaRPr lang="en-US" dirty="0"/>
+          </a:p>
+        </p:txBody>
+      </p:sp>
+      <p:grpSp>
+        <p:nvGrpSpPr>
+          <p:cNvPr id="4" name="Group 3"/>
+          <p:cNvGrpSpPr/>
+          <p:nvPr userDrawn="1"/>
+        </p:nvGrpSpPr>
+        <p:grpSpPr>
+          <a:xfrm>
+            <a:off x="0" y="4878761"/>
+            <a:ext cx="9144000" cy="264740"/>
+            <a:chOff x="0" y="7372350"/>
+            <a:chExt cx="13817600" cy="400052"/>
+          </a:xfrm>
+        </p:grpSpPr>
+        <p:sp>
+          <p:nvSpPr>
+            <p:cNvPr id="2" name="Rectangle 1"/>
+            <p:cNvSpPr/>
+            <p:nvPr userDrawn="1"/>
+          </p:nvSpPr>
+          <p:spPr>
+            <a:xfrm>
+              <a:off x="0" y="7372350"/>
+              <a:ext cx="13817600" cy="400049"/>
+            </a:xfrm>
+            <a:prstGeom prst="rect">
+              <a:avLst/>
+            </a:prstGeom>
+            <a:solidFill>
+              <a:schemeClr val="tx2"/>
+            </a:solidFill>
+            <a:ln>
+              <a:noFill/>
+            </a:ln>
+            <a:effectLst/>
+          </p:spPr>
+          <p:style>
+            <a:lnRef idx="1">
+              <a:schemeClr val="accent1"/>
+            </a:lnRef>
+            <a:fillRef idx="3">
+              <a:schemeClr val="accent1"/>
+            </a:fillRef>
+            <a:effectRef idx="2">
+              <a:schemeClr val="accent1"/>
+            </a:effectRef>
+            <a:fontRef idx="minor">
+              <a:schemeClr val="lt1"/>
+            </a:fontRef>
+          </p:style>
+          <p:txBody>
+            <a:bodyPr rtlCol="0" anchor="ctr"/>
+            <a:lstStyle/>
+            <a:p>
+              <a:pPr algn="ctr"/>
+              <a:endParaRPr lang="en-US" sz="927"/>
+            </a:p>
+          </p:txBody>
+        </p:sp>
+        <p:pic>
+          <p:nvPicPr>
+            <p:cNvPr id="5" name="Picture 4"/>
+            <p:cNvPicPr>
+              <a:picLocks noChangeAspect="1"/>
+            </p:cNvPicPr>
+            <p:nvPr userDrawn="1"/>
+          </p:nvPicPr>
+          <p:blipFill>
+            <a:blip r:embed="rId2">
+              <a:extLst>
+                <a:ext uri="{28A0092B-C50C-407E-A947-70E740481C1C}">
+                  <a14:useLocalDpi xmlns:a14="http://schemas.microsoft.com/office/drawing/2010/main" val="0"/>
+                </a:ext>
+              </a:extLst>
+            </a:blip>
+            <a:stretch>
+              <a:fillRect/>
+            </a:stretch>
+          </p:blipFill>
+          <p:spPr>
+            <a:xfrm>
+              <a:off x="152257" y="7372351"/>
+              <a:ext cx="1788557" cy="400050"/>
+            </a:xfrm>
+            <a:prstGeom prst="rect">
+              <a:avLst/>
+            </a:prstGeom>
+          </p:spPr>
+        </p:pic>
+        <p:sp>
+          <p:nvSpPr>
+            <p:cNvPr id="7" name="Rectangle 6"/>
+            <p:cNvSpPr/>
+            <p:nvPr userDrawn="1"/>
+          </p:nvSpPr>
+          <p:spPr>
+            <a:xfrm>
+              <a:off x="0" y="7372351"/>
+              <a:ext cx="13817600" cy="400049"/>
+            </a:xfrm>
+            <a:prstGeom prst="rect">
+              <a:avLst/>
+            </a:prstGeom>
+            <a:solidFill>
+              <a:schemeClr val="tx2"/>
+            </a:solidFill>
+            <a:ln>
+              <a:noFill/>
+            </a:ln>
+            <a:effectLst/>
+          </p:spPr>
+          <p:style>
+            <a:lnRef idx="1">
+              <a:schemeClr val="accent1"/>
+            </a:lnRef>
+            <a:fillRef idx="3">
+              <a:schemeClr val="accent1"/>
+            </a:fillRef>
+            <a:effectRef idx="2">
+              <a:schemeClr val="accent1"/>
+            </a:effectRef>
+            <a:fontRef idx="minor">
+              <a:schemeClr val="lt1"/>
+            </a:fontRef>
+          </p:style>
+          <p:txBody>
+            <a:bodyPr rtlCol="0" anchor="ctr"/>
+            <a:lstStyle/>
+            <a:p>
+              <a:pPr algn="ctr"/>
+              <a:endParaRPr lang="en-US" sz="927"/>
+            </a:p>
+          </p:txBody>
+        </p:sp>
+        <p:pic>
+          <p:nvPicPr>
+            <p:cNvPr id="8" name="Picture 7"/>
+            <p:cNvPicPr>
+              <a:picLocks noChangeAspect="1"/>
+            </p:cNvPicPr>
+            <p:nvPr userDrawn="1"/>
+          </p:nvPicPr>
+          <p:blipFill>
+            <a:blip r:embed="rId2">
+              <a:extLst>
+                <a:ext uri="{28A0092B-C50C-407E-A947-70E740481C1C}">
+                  <a14:useLocalDpi xmlns:a14="http://schemas.microsoft.com/office/drawing/2010/main" val="0"/>
+                </a:ext>
+              </a:extLst>
+            </a:blip>
+            <a:stretch>
+              <a:fillRect/>
+            </a:stretch>
+          </p:blipFill>
+          <p:spPr>
+            <a:xfrm>
+              <a:off x="152257" y="7372352"/>
+              <a:ext cx="1788557" cy="400050"/>
+            </a:xfrm>
+            <a:prstGeom prst="rect">
+              <a:avLst/>
+            </a:prstGeom>
+          </p:spPr>
+        </p:pic>
+      </p:grpSp>
+    </p:spTree>
+    <p:extLst>
+      <p:ext uri="{BB962C8B-B14F-4D97-AF65-F5344CB8AC3E}">
+        <p14:creationId xmlns:p14="http://schemas.microsoft.com/office/powerpoint/2010/main" val="2507346409"/>
+      </p:ext>
+    </p:extLst>
+  </p:cSld>
+  <p:clrMapOvr>
+    <a:masterClrMapping/>
+  </p:clrMapOvr>
+  <mc:AlternateContent xmlns:mc="http://schemas.openxmlformats.org/markup-compatibility/2006" xmlns:p14="http://schemas.microsoft.com/office/powerpoint/2010/main">
+    <mc:Choice Requires="p14">
+      <p:transition p14:dur="300">
+        <p:fade/>
+      </p:transition>
+    </mc:Choice>
+    <mc:Fallback xmlns="">
+      <p:transition>
+        <p:fade/>
+      </p:transition>
+    </mc:Fallback>
+  </mc:AlternateContent>
+</p:sldLayout>
+</file>
+
+<file path=ppt/slideLayouts/slideLayout27.xml><?xml version="1.0" encoding="utf-8"?>
+<p:sldLayout xmlns:a="http://schemas.openxmlformats.org/drawingml/2006/main" xmlns:r="http://schemas.openxmlformats.org/officeDocument/2006/relationships" xmlns:p="http://schemas.openxmlformats.org/presentationml/2006/main" userDrawn="1">
+  <p:cSld name="2_Title and Content">
+    <p:spTree>
+      <p:nvGrpSpPr>
+        <p:cNvPr id="1" name=""/>
+        <p:cNvGrpSpPr/>
+        <p:nvPr/>
+      </p:nvGrpSpPr>
+      <p:grpSpPr>
+        <a:xfrm>
+          <a:off x="0" y="0"/>
+          <a:ext cx="0" cy="0"/>
+          <a:chOff x="0" y="0"/>
+          <a:chExt cx="0" cy="0"/>
+        </a:xfrm>
+      </p:grpSpPr>
+      <p:sp>
+        <p:nvSpPr>
+          <p:cNvPr id="20" name="Title Placeholder 1"/>
+          <p:cNvSpPr>
+            <a:spLocks noGrp="1"/>
+          </p:cNvSpPr>
+          <p:nvPr>
+            <p:ph type="title" hasCustomPrompt="1"/>
+          </p:nvPr>
+        </p:nvSpPr>
+        <p:spPr>
+          <a:xfrm>
+            <a:off x="415638" y="229976"/>
+            <a:ext cx="8312726" cy="738664"/>
+          </a:xfrm>
+          <a:prstGeom prst="rect">
+            <a:avLst/>
+          </a:prstGeom>
+        </p:spPr>
+        <p:txBody>
+          <a:bodyPr vert="horz" lIns="91440" tIns="91440" rIns="91440" bIns="91440" rtlCol="0" anchor="b" anchorCtr="0">
+            <a:spAutoFit/>
+          </a:bodyPr>
+          <a:lstStyle/>
+          <a:p>
+            <a:r>
+              <a:rPr lang="en-US" dirty="0"/>
+              <a:t>Headline Copy Goes Here</a:t>
+            </a:r>
+          </a:p>
+        </p:txBody>
+      </p:sp>
+      <p:sp>
+        <p:nvSpPr>
+          <p:cNvPr id="25" name="Text Placeholder 24"/>
+          <p:cNvSpPr>
+            <a:spLocks noGrp="1"/>
+          </p:cNvSpPr>
+          <p:nvPr>
+            <p:ph type="body" sz="quarter" idx="10"/>
+          </p:nvPr>
+        </p:nvSpPr>
+        <p:spPr>
+          <a:xfrm>
+            <a:off x="415638" y="1175746"/>
+            <a:ext cx="8312726" cy="1378936"/>
+          </a:xfrm>
+        </p:spPr>
+        <p:txBody>
+          <a:bodyPr>
+            <a:spAutoFit/>
+          </a:bodyPr>
+          <a:lstStyle>
+            <a:lvl1pPr>
+              <a:defRPr>
+                <a:solidFill>
+                  <a:srgbClr val="092529"/>
+                </a:solidFill>
+              </a:defRPr>
+            </a:lvl1pPr>
+            <a:lvl2pPr>
+              <a:defRPr>
+                <a:solidFill>
+                  <a:srgbClr val="092529"/>
+                </a:solidFill>
+              </a:defRPr>
+            </a:lvl2pPr>
+            <a:lvl3pPr>
+              <a:defRPr>
+                <a:solidFill>
+                  <a:srgbClr val="092529"/>
+                </a:solidFill>
+              </a:defRPr>
+            </a:lvl3pPr>
+            <a:lvl4pPr>
+              <a:defRPr>
+                <a:solidFill>
+                  <a:srgbClr val="092529"/>
+                </a:solidFill>
+              </a:defRPr>
+            </a:lvl4pPr>
+            <a:lvl5pPr>
+              <a:defRPr>
+                <a:solidFill>
+                  <a:srgbClr val="092529"/>
+                </a:solidFill>
+              </a:defRPr>
+            </a:lvl5pPr>
+          </a:lstStyle>
+          <a:p>
+            <a:pPr lvl="0"/>
+            <a:r>
+              <a:rPr lang="en-US"/>
+              <a:t>Click to edit Master text styles</a:t>
+            </a:r>
+          </a:p>
+          <a:p>
+            <a:pPr lvl="1"/>
+            <a:r>
+              <a:rPr lang="en-US"/>
+              <a:t>Second level</a:t>
+            </a:r>
+          </a:p>
+          <a:p>
+            <a:pPr lvl="2"/>
+            <a:r>
+              <a:rPr lang="en-US"/>
+              <a:t>Third level</a:t>
+            </a:r>
+          </a:p>
+          <a:p>
+            <a:pPr lvl="3"/>
+            <a:r>
+              <a:rPr lang="en-US"/>
+              <a:t>Fourth level</a:t>
+            </a:r>
+          </a:p>
+          <a:p>
+            <a:pPr lvl="4"/>
+            <a:r>
+              <a:rPr lang="en-US"/>
+              <a:t>Fifth level</a:t>
+            </a:r>
+            <a:endParaRPr lang="en-US" dirty="0"/>
+          </a:p>
+        </p:txBody>
+      </p:sp>
+      <p:grpSp>
+        <p:nvGrpSpPr>
+          <p:cNvPr id="4" name="Group 3"/>
+          <p:cNvGrpSpPr/>
+          <p:nvPr userDrawn="1"/>
+        </p:nvGrpSpPr>
+        <p:grpSpPr>
+          <a:xfrm>
+            <a:off x="0" y="4878761"/>
+            <a:ext cx="9144000" cy="264740"/>
+            <a:chOff x="0" y="7372350"/>
+            <a:chExt cx="13817600" cy="400052"/>
+          </a:xfrm>
+        </p:grpSpPr>
+        <p:sp>
+          <p:nvSpPr>
+            <p:cNvPr id="2" name="Rectangle 1"/>
+            <p:cNvSpPr/>
+            <p:nvPr userDrawn="1"/>
+          </p:nvSpPr>
+          <p:spPr>
+            <a:xfrm>
+              <a:off x="0" y="7372350"/>
+              <a:ext cx="13817600" cy="400049"/>
+            </a:xfrm>
+            <a:prstGeom prst="rect">
+              <a:avLst/>
+            </a:prstGeom>
+            <a:solidFill>
+              <a:schemeClr val="tx2"/>
+            </a:solidFill>
+            <a:ln>
+              <a:noFill/>
+            </a:ln>
+            <a:effectLst/>
+          </p:spPr>
+          <p:style>
+            <a:lnRef idx="1">
+              <a:schemeClr val="accent1"/>
+            </a:lnRef>
+            <a:fillRef idx="3">
+              <a:schemeClr val="accent1"/>
+            </a:fillRef>
+            <a:effectRef idx="2">
+              <a:schemeClr val="accent1"/>
+            </a:effectRef>
+            <a:fontRef idx="minor">
+              <a:schemeClr val="lt1"/>
+            </a:fontRef>
+          </p:style>
+          <p:txBody>
+            <a:bodyPr rtlCol="0" anchor="ctr"/>
+            <a:lstStyle/>
+            <a:p>
+              <a:pPr algn="ctr"/>
+              <a:endParaRPr lang="en-US" sz="927"/>
+            </a:p>
+          </p:txBody>
+        </p:sp>
+        <p:pic>
+          <p:nvPicPr>
+            <p:cNvPr id="5" name="Picture 4"/>
+            <p:cNvPicPr>
+              <a:picLocks noChangeAspect="1"/>
+            </p:cNvPicPr>
+            <p:nvPr userDrawn="1"/>
+          </p:nvPicPr>
+          <p:blipFill>
+            <a:blip r:embed="rId2">
+              <a:extLst>
+                <a:ext uri="{28A0092B-C50C-407E-A947-70E740481C1C}">
+                  <a14:useLocalDpi xmlns:a14="http://schemas.microsoft.com/office/drawing/2010/main" val="0"/>
+                </a:ext>
+              </a:extLst>
+            </a:blip>
+            <a:stretch>
+              <a:fillRect/>
+            </a:stretch>
+          </p:blipFill>
+          <p:spPr>
+            <a:xfrm>
+              <a:off x="152257" y="7372351"/>
+              <a:ext cx="1788557" cy="400050"/>
+            </a:xfrm>
+            <a:prstGeom prst="rect">
+              <a:avLst/>
+            </a:prstGeom>
+          </p:spPr>
+        </p:pic>
+        <p:sp>
+          <p:nvSpPr>
+            <p:cNvPr id="7" name="Rectangle 6"/>
+            <p:cNvSpPr/>
+            <p:nvPr userDrawn="1"/>
+          </p:nvSpPr>
+          <p:spPr>
+            <a:xfrm>
+              <a:off x="0" y="7372351"/>
+              <a:ext cx="13817600" cy="400049"/>
+            </a:xfrm>
+            <a:prstGeom prst="rect">
+              <a:avLst/>
+            </a:prstGeom>
+            <a:solidFill>
+              <a:schemeClr val="tx2"/>
+            </a:solidFill>
+            <a:ln>
+              <a:noFill/>
+            </a:ln>
+            <a:effectLst/>
+          </p:spPr>
+          <p:style>
+            <a:lnRef idx="1">
+              <a:schemeClr val="accent1"/>
+            </a:lnRef>
+            <a:fillRef idx="3">
+              <a:schemeClr val="accent1"/>
+            </a:fillRef>
+            <a:effectRef idx="2">
+              <a:schemeClr val="accent1"/>
+            </a:effectRef>
+            <a:fontRef idx="minor">
+              <a:schemeClr val="lt1"/>
+            </a:fontRef>
+          </p:style>
+          <p:txBody>
+            <a:bodyPr rtlCol="0" anchor="ctr"/>
+            <a:lstStyle/>
+            <a:p>
+              <a:pPr algn="ctr"/>
+              <a:endParaRPr lang="en-US" sz="927"/>
+            </a:p>
+          </p:txBody>
+        </p:sp>
+        <p:pic>
+          <p:nvPicPr>
+            <p:cNvPr id="8" name="Picture 7"/>
+            <p:cNvPicPr>
+              <a:picLocks noChangeAspect="1"/>
+            </p:cNvPicPr>
+            <p:nvPr userDrawn="1"/>
+          </p:nvPicPr>
+          <p:blipFill>
+            <a:blip r:embed="rId2">
+              <a:extLst>
+                <a:ext uri="{28A0092B-C50C-407E-A947-70E740481C1C}">
+                  <a14:useLocalDpi xmlns:a14="http://schemas.microsoft.com/office/drawing/2010/main" val="0"/>
+                </a:ext>
+              </a:extLst>
+            </a:blip>
+            <a:stretch>
+              <a:fillRect/>
+            </a:stretch>
+          </p:blipFill>
+          <p:spPr>
+            <a:xfrm>
+              <a:off x="152257" y="7372352"/>
+              <a:ext cx="1788557" cy="400050"/>
+            </a:xfrm>
+            <a:prstGeom prst="rect">
+              <a:avLst/>
+            </a:prstGeom>
+          </p:spPr>
+        </p:pic>
+      </p:grpSp>
+    </p:spTree>
+    <p:extLst>
+      <p:ext uri="{BB962C8B-B14F-4D97-AF65-F5344CB8AC3E}">
+        <p14:creationId xmlns:p14="http://schemas.microsoft.com/office/powerpoint/2010/main" val="1594170627"/>
+      </p:ext>
+    </p:extLst>
+  </p:cSld>
+  <p:clrMapOvr>
+    <a:masterClrMapping/>
+  </p:clrMapOvr>
+  <mc:AlternateContent xmlns:mc="http://schemas.openxmlformats.org/markup-compatibility/2006" xmlns:p14="http://schemas.microsoft.com/office/powerpoint/2010/main">
+    <mc:Choice Requires="p14">
+      <p:transition p14:dur="300">
+        <p:fade/>
+      </p:transition>
+    </mc:Choice>
+    <mc:Fallback xmlns="">
+      <p:transition>
+        <p:fade/>
+      </p:transition>
+    </mc:Fallback>
+  </mc:AlternateContent>
+</p:sldLayout>
+</file>
+
+<file path=ppt/slideLayouts/slideLayout28.xml><?xml version="1.0" encoding="utf-8"?>
+<p:sldLayout xmlns:a="http://schemas.openxmlformats.org/drawingml/2006/main" xmlns:r="http://schemas.openxmlformats.org/officeDocument/2006/relationships" xmlns:p="http://schemas.openxmlformats.org/presentationml/2006/main" userDrawn="1">
+  <p:cSld name="3_Title and Content">
+    <p:spTree>
+      <p:nvGrpSpPr>
+        <p:cNvPr id="1" name=""/>
+        <p:cNvGrpSpPr/>
+        <p:nvPr/>
+      </p:nvGrpSpPr>
+      <p:grpSpPr>
+        <a:xfrm>
+          <a:off x="0" y="0"/>
+          <a:ext cx="0" cy="0"/>
+          <a:chOff x="0" y="0"/>
+          <a:chExt cx="0" cy="0"/>
+        </a:xfrm>
+      </p:grpSpPr>
+      <p:sp>
+        <p:nvSpPr>
+          <p:cNvPr id="20" name="Title Placeholder 1"/>
+          <p:cNvSpPr>
+            <a:spLocks noGrp="1"/>
+          </p:cNvSpPr>
+          <p:nvPr>
+            <p:ph type="title" hasCustomPrompt="1"/>
+          </p:nvPr>
+        </p:nvSpPr>
+        <p:spPr>
+          <a:xfrm>
+            <a:off x="415638" y="229976"/>
+            <a:ext cx="8312726" cy="738664"/>
+          </a:xfrm>
+          <a:prstGeom prst="rect">
+            <a:avLst/>
+          </a:prstGeom>
+        </p:spPr>
+        <p:txBody>
+          <a:bodyPr vert="horz" lIns="91440" tIns="91440" rIns="91440" bIns="91440" rtlCol="0" anchor="b" anchorCtr="0">
+            <a:spAutoFit/>
+          </a:bodyPr>
+          <a:lstStyle/>
+          <a:p>
+            <a:r>
+              <a:rPr lang="en-US" dirty="0"/>
+              <a:t>Headline Copy Goes Here</a:t>
+            </a:r>
+          </a:p>
+        </p:txBody>
+      </p:sp>
+      <p:sp>
+        <p:nvSpPr>
+          <p:cNvPr id="25" name="Text Placeholder 24"/>
+          <p:cNvSpPr>
+            <a:spLocks noGrp="1"/>
+          </p:cNvSpPr>
+          <p:nvPr>
+            <p:ph type="body" sz="quarter" idx="10"/>
+          </p:nvPr>
+        </p:nvSpPr>
+        <p:spPr>
+          <a:xfrm>
+            <a:off x="415638" y="1175746"/>
+            <a:ext cx="8312726" cy="1378936"/>
+          </a:xfrm>
+        </p:spPr>
+        <p:txBody>
+          <a:bodyPr>
+            <a:spAutoFit/>
+          </a:bodyPr>
+          <a:lstStyle>
+            <a:lvl1pPr>
+              <a:defRPr>
+                <a:solidFill>
+                  <a:srgbClr val="092529"/>
+                </a:solidFill>
+              </a:defRPr>
+            </a:lvl1pPr>
+            <a:lvl2pPr>
+              <a:defRPr>
+                <a:solidFill>
+                  <a:srgbClr val="092529"/>
+                </a:solidFill>
+              </a:defRPr>
+            </a:lvl2pPr>
+            <a:lvl3pPr>
+              <a:defRPr>
+                <a:solidFill>
+                  <a:srgbClr val="092529"/>
+                </a:solidFill>
+              </a:defRPr>
+            </a:lvl3pPr>
+            <a:lvl4pPr>
+              <a:defRPr>
+                <a:solidFill>
+                  <a:srgbClr val="092529"/>
+                </a:solidFill>
+              </a:defRPr>
+            </a:lvl4pPr>
+            <a:lvl5pPr>
+              <a:defRPr>
+                <a:solidFill>
+                  <a:srgbClr val="092529"/>
+                </a:solidFill>
+              </a:defRPr>
+            </a:lvl5pPr>
+          </a:lstStyle>
+          <a:p>
+            <a:pPr lvl="0"/>
+            <a:r>
+              <a:rPr lang="en-US"/>
+              <a:t>Click to edit Master text styles</a:t>
+            </a:r>
+          </a:p>
+          <a:p>
+            <a:pPr lvl="1"/>
+            <a:r>
+              <a:rPr lang="en-US"/>
+              <a:t>Second level</a:t>
+            </a:r>
+          </a:p>
+          <a:p>
+            <a:pPr lvl="2"/>
+            <a:r>
+              <a:rPr lang="en-US"/>
+              <a:t>Third level</a:t>
+            </a:r>
+          </a:p>
+          <a:p>
+            <a:pPr lvl="3"/>
+            <a:r>
+              <a:rPr lang="en-US"/>
+              <a:t>Fourth level</a:t>
+            </a:r>
+          </a:p>
+          <a:p>
+            <a:pPr lvl="4"/>
+            <a:r>
+              <a:rPr lang="en-US"/>
+              <a:t>Fifth level</a:t>
+            </a:r>
+            <a:endParaRPr lang="en-US" dirty="0"/>
+          </a:p>
+        </p:txBody>
+      </p:sp>
+      <p:grpSp>
+        <p:nvGrpSpPr>
+          <p:cNvPr id="4" name="Group 3"/>
+          <p:cNvGrpSpPr/>
+          <p:nvPr userDrawn="1"/>
+        </p:nvGrpSpPr>
+        <p:grpSpPr>
+          <a:xfrm>
+            <a:off x="0" y="4878761"/>
+            <a:ext cx="9144000" cy="264740"/>
+            <a:chOff x="0" y="7372350"/>
+            <a:chExt cx="13817600" cy="400052"/>
+          </a:xfrm>
+        </p:grpSpPr>
+        <p:sp>
+          <p:nvSpPr>
+            <p:cNvPr id="2" name="Rectangle 1"/>
+            <p:cNvSpPr/>
+            <p:nvPr userDrawn="1"/>
+          </p:nvSpPr>
+          <p:spPr>
+            <a:xfrm>
+              <a:off x="0" y="7372350"/>
+              <a:ext cx="13817600" cy="400049"/>
+            </a:xfrm>
+            <a:prstGeom prst="rect">
+              <a:avLst/>
+            </a:prstGeom>
+            <a:solidFill>
+              <a:schemeClr val="tx2"/>
+            </a:solidFill>
+            <a:ln>
+              <a:noFill/>
+            </a:ln>
+            <a:effectLst/>
+          </p:spPr>
+          <p:style>
+            <a:lnRef idx="1">
+              <a:schemeClr val="accent1"/>
+            </a:lnRef>
+            <a:fillRef idx="3">
+              <a:schemeClr val="accent1"/>
+            </a:fillRef>
+            <a:effectRef idx="2">
+              <a:schemeClr val="accent1"/>
+            </a:effectRef>
+            <a:fontRef idx="minor">
+              <a:schemeClr val="lt1"/>
+            </a:fontRef>
+          </p:style>
+          <p:txBody>
+            <a:bodyPr rtlCol="0" anchor="ctr"/>
+            <a:lstStyle/>
+            <a:p>
+              <a:pPr algn="ctr"/>
+              <a:endParaRPr lang="en-US" sz="927"/>
+            </a:p>
+          </p:txBody>
+        </p:sp>
+        <p:pic>
+          <p:nvPicPr>
+            <p:cNvPr id="5" name="Picture 4"/>
+            <p:cNvPicPr>
+              <a:picLocks noChangeAspect="1"/>
+            </p:cNvPicPr>
+            <p:nvPr userDrawn="1"/>
+          </p:nvPicPr>
+          <p:blipFill>
+            <a:blip r:embed="rId2">
+              <a:extLst>
+                <a:ext uri="{28A0092B-C50C-407E-A947-70E740481C1C}">
+                  <a14:useLocalDpi xmlns:a14="http://schemas.microsoft.com/office/drawing/2010/main" val="0"/>
+                </a:ext>
+              </a:extLst>
+            </a:blip>
+            <a:stretch>
+              <a:fillRect/>
+            </a:stretch>
+          </p:blipFill>
+          <p:spPr>
+            <a:xfrm>
+              <a:off x="152257" y="7372351"/>
+              <a:ext cx="1788557" cy="400050"/>
+            </a:xfrm>
+            <a:prstGeom prst="rect">
+              <a:avLst/>
+            </a:prstGeom>
+          </p:spPr>
+        </p:pic>
+        <p:sp>
+          <p:nvSpPr>
+            <p:cNvPr id="7" name="Rectangle 6"/>
+            <p:cNvSpPr/>
+            <p:nvPr userDrawn="1"/>
+          </p:nvSpPr>
+          <p:spPr>
+            <a:xfrm>
+              <a:off x="0" y="7372351"/>
+              <a:ext cx="13817600" cy="400049"/>
+            </a:xfrm>
+            <a:prstGeom prst="rect">
+              <a:avLst/>
+            </a:prstGeom>
+            <a:solidFill>
+              <a:schemeClr val="tx2"/>
+            </a:solidFill>
+            <a:ln>
+              <a:noFill/>
+            </a:ln>
+            <a:effectLst/>
+          </p:spPr>
+          <p:style>
+            <a:lnRef idx="1">
+              <a:schemeClr val="accent1"/>
+            </a:lnRef>
+            <a:fillRef idx="3">
+              <a:schemeClr val="accent1"/>
+            </a:fillRef>
+            <a:effectRef idx="2">
+              <a:schemeClr val="accent1"/>
+            </a:effectRef>
+            <a:fontRef idx="minor">
+              <a:schemeClr val="lt1"/>
+            </a:fontRef>
+          </p:style>
+          <p:txBody>
+            <a:bodyPr rtlCol="0" anchor="ctr"/>
+            <a:lstStyle/>
+            <a:p>
+              <a:pPr algn="ctr"/>
+              <a:endParaRPr lang="en-US" sz="927"/>
+            </a:p>
+          </p:txBody>
+        </p:sp>
+        <p:pic>
+          <p:nvPicPr>
+            <p:cNvPr id="8" name="Picture 7"/>
+            <p:cNvPicPr>
+              <a:picLocks noChangeAspect="1"/>
+            </p:cNvPicPr>
+            <p:nvPr userDrawn="1"/>
+          </p:nvPicPr>
+          <p:blipFill>
+            <a:blip r:embed="rId2">
+              <a:extLst>
+                <a:ext uri="{28A0092B-C50C-407E-A947-70E740481C1C}">
+                  <a14:useLocalDpi xmlns:a14="http://schemas.microsoft.com/office/drawing/2010/main" val="0"/>
+                </a:ext>
+              </a:extLst>
+            </a:blip>
+            <a:stretch>
+              <a:fillRect/>
+            </a:stretch>
+          </p:blipFill>
+          <p:spPr>
+            <a:xfrm>
+              <a:off x="152257" y="7372352"/>
+              <a:ext cx="1788557" cy="400050"/>
+            </a:xfrm>
+            <a:prstGeom prst="rect">
+              <a:avLst/>
+            </a:prstGeom>
+          </p:spPr>
+        </p:pic>
+      </p:grpSp>
+    </p:spTree>
+    <p:extLst>
+      <p:ext uri="{BB962C8B-B14F-4D97-AF65-F5344CB8AC3E}">
+        <p14:creationId xmlns:p14="http://schemas.microsoft.com/office/powerpoint/2010/main" val="3073652781"/>
+      </p:ext>
+    </p:extLst>
+  </p:cSld>
+  <p:clrMapOvr>
+    <a:masterClrMapping/>
+  </p:clrMapOvr>
+  <mc:AlternateContent xmlns:mc="http://schemas.openxmlformats.org/markup-compatibility/2006" xmlns:p14="http://schemas.microsoft.com/office/powerpoint/2010/main">
+    <mc:Choice Requires="p14">
+      <p:transition p14:dur="300">
+        <p:fade/>
+      </p:transition>
+    </mc:Choice>
+    <mc:Fallback xmlns="">
+      <p:transition>
+        <p:fade/>
+      </p:transition>
+    </mc:Fallback>
+  </mc:AlternateContent>
+</p:sldLayout>
+</file>
+
+<file path=ppt/slideLayouts/slideLayout29.xml><?xml version="1.0" encoding="utf-8"?>
+<p:sldLayout xmlns:a="http://schemas.openxmlformats.org/drawingml/2006/main" xmlns:r="http://schemas.openxmlformats.org/officeDocument/2006/relationships" xmlns:p="http://schemas.openxmlformats.org/presentationml/2006/main" userDrawn="1">
+  <p:cSld name="4_Title and Content">
+    <p:spTree>
+      <p:nvGrpSpPr>
+        <p:cNvPr id="1" name=""/>
+        <p:cNvGrpSpPr/>
+        <p:nvPr/>
+      </p:nvGrpSpPr>
+      <p:grpSpPr>
+        <a:xfrm>
+          <a:off x="0" y="0"/>
+          <a:ext cx="0" cy="0"/>
+          <a:chOff x="0" y="0"/>
+          <a:chExt cx="0" cy="0"/>
+        </a:xfrm>
+      </p:grpSpPr>
+      <p:sp>
+        <p:nvSpPr>
+          <p:cNvPr id="20" name="Title Placeholder 1"/>
+          <p:cNvSpPr>
+            <a:spLocks noGrp="1"/>
+          </p:cNvSpPr>
+          <p:nvPr>
+            <p:ph type="title" hasCustomPrompt="1"/>
+          </p:nvPr>
+        </p:nvSpPr>
+        <p:spPr>
+          <a:xfrm>
+            <a:off x="415638" y="229976"/>
+            <a:ext cx="8312726" cy="738664"/>
+          </a:xfrm>
+          <a:prstGeom prst="rect">
+            <a:avLst/>
+          </a:prstGeom>
+        </p:spPr>
+        <p:txBody>
+          <a:bodyPr vert="horz" lIns="91440" tIns="91440" rIns="91440" bIns="91440" rtlCol="0" anchor="b" anchorCtr="0">
+            <a:spAutoFit/>
+          </a:bodyPr>
+          <a:lstStyle/>
+          <a:p>
+            <a:r>
+              <a:rPr lang="en-US" dirty="0"/>
+              <a:t>Headline Copy Goes Here</a:t>
+            </a:r>
+          </a:p>
+        </p:txBody>
+      </p:sp>
+      <p:sp>
+        <p:nvSpPr>
+          <p:cNvPr id="25" name="Text Placeholder 24"/>
+          <p:cNvSpPr>
+            <a:spLocks noGrp="1"/>
+          </p:cNvSpPr>
+          <p:nvPr>
+            <p:ph type="body" sz="quarter" idx="10"/>
+          </p:nvPr>
+        </p:nvSpPr>
+        <p:spPr>
+          <a:xfrm>
+            <a:off x="415638" y="1175746"/>
+            <a:ext cx="8312726" cy="1378936"/>
+          </a:xfrm>
+        </p:spPr>
+        <p:txBody>
+          <a:bodyPr>
+            <a:spAutoFit/>
+          </a:bodyPr>
+          <a:lstStyle>
+            <a:lvl1pPr>
+              <a:defRPr>
+                <a:solidFill>
+                  <a:srgbClr val="092529"/>
+                </a:solidFill>
+              </a:defRPr>
+            </a:lvl1pPr>
+            <a:lvl2pPr>
+              <a:defRPr>
+                <a:solidFill>
+                  <a:srgbClr val="092529"/>
+                </a:solidFill>
+              </a:defRPr>
+            </a:lvl2pPr>
+            <a:lvl3pPr>
+              <a:defRPr>
+                <a:solidFill>
+                  <a:srgbClr val="092529"/>
+                </a:solidFill>
+              </a:defRPr>
+            </a:lvl3pPr>
+            <a:lvl4pPr>
+              <a:defRPr>
+                <a:solidFill>
+                  <a:srgbClr val="092529"/>
+                </a:solidFill>
+              </a:defRPr>
+            </a:lvl4pPr>
+            <a:lvl5pPr>
+              <a:defRPr>
+                <a:solidFill>
+                  <a:srgbClr val="092529"/>
+                </a:solidFill>
+              </a:defRPr>
+            </a:lvl5pPr>
+          </a:lstStyle>
+          <a:p>
+            <a:pPr lvl="0"/>
+            <a:r>
+              <a:rPr lang="en-US"/>
+              <a:t>Click to edit Master text styles</a:t>
+            </a:r>
+          </a:p>
+          <a:p>
+            <a:pPr lvl="1"/>
+            <a:r>
+              <a:rPr lang="en-US"/>
+              <a:t>Second level</a:t>
+            </a:r>
+          </a:p>
+          <a:p>
+            <a:pPr lvl="2"/>
+            <a:r>
+              <a:rPr lang="en-US"/>
+              <a:t>Third level</a:t>
+            </a:r>
+          </a:p>
+          <a:p>
+            <a:pPr lvl="3"/>
+            <a:r>
+              <a:rPr lang="en-US"/>
+              <a:t>Fourth level</a:t>
+            </a:r>
+          </a:p>
+          <a:p>
+            <a:pPr lvl="4"/>
+            <a:r>
+              <a:rPr lang="en-US"/>
+              <a:t>Fifth level</a:t>
+            </a:r>
+            <a:endParaRPr lang="en-US" dirty="0"/>
+          </a:p>
+        </p:txBody>
+      </p:sp>
+      <p:grpSp>
+        <p:nvGrpSpPr>
+          <p:cNvPr id="4" name="Group 3"/>
+          <p:cNvGrpSpPr/>
+          <p:nvPr userDrawn="1"/>
+        </p:nvGrpSpPr>
+        <p:grpSpPr>
+          <a:xfrm>
+            <a:off x="0" y="4878761"/>
+            <a:ext cx="9144000" cy="264740"/>
+            <a:chOff x="0" y="7372350"/>
+            <a:chExt cx="13817600" cy="400052"/>
+          </a:xfrm>
+        </p:grpSpPr>
+        <p:sp>
+          <p:nvSpPr>
+            <p:cNvPr id="2" name="Rectangle 1"/>
+            <p:cNvSpPr/>
+            <p:nvPr userDrawn="1"/>
+          </p:nvSpPr>
+          <p:spPr>
+            <a:xfrm>
+              <a:off x="0" y="7372350"/>
+              <a:ext cx="13817600" cy="400049"/>
+            </a:xfrm>
+            <a:prstGeom prst="rect">
+              <a:avLst/>
+            </a:prstGeom>
+            <a:solidFill>
+              <a:schemeClr val="tx2"/>
+            </a:solidFill>
+            <a:ln>
+              <a:noFill/>
+            </a:ln>
+            <a:effectLst/>
+          </p:spPr>
+          <p:style>
+            <a:lnRef idx="1">
+              <a:schemeClr val="accent1"/>
+            </a:lnRef>
+            <a:fillRef idx="3">
+              <a:schemeClr val="accent1"/>
+            </a:fillRef>
+            <a:effectRef idx="2">
+              <a:schemeClr val="accent1"/>
+            </a:effectRef>
+            <a:fontRef idx="minor">
+              <a:schemeClr val="lt1"/>
+            </a:fontRef>
+          </p:style>
+          <p:txBody>
+            <a:bodyPr rtlCol="0" anchor="ctr"/>
+            <a:lstStyle/>
+            <a:p>
+              <a:pPr algn="ctr"/>
+              <a:endParaRPr lang="en-US" sz="927"/>
+            </a:p>
+          </p:txBody>
+        </p:sp>
+        <p:pic>
+          <p:nvPicPr>
+            <p:cNvPr id="5" name="Picture 4"/>
+            <p:cNvPicPr>
+              <a:picLocks noChangeAspect="1"/>
+            </p:cNvPicPr>
+            <p:nvPr userDrawn="1"/>
+          </p:nvPicPr>
+          <p:blipFill>
+            <a:blip r:embed="rId2">
+              <a:extLst>
+                <a:ext uri="{28A0092B-C50C-407E-A947-70E740481C1C}">
+                  <a14:useLocalDpi xmlns:a14="http://schemas.microsoft.com/office/drawing/2010/main" val="0"/>
+                </a:ext>
+              </a:extLst>
+            </a:blip>
+            <a:stretch>
+              <a:fillRect/>
+            </a:stretch>
+          </p:blipFill>
+          <p:spPr>
+            <a:xfrm>
+              <a:off x="152257" y="7372351"/>
+              <a:ext cx="1788557" cy="400050"/>
+            </a:xfrm>
+            <a:prstGeom prst="rect">
+              <a:avLst/>
+            </a:prstGeom>
+          </p:spPr>
+        </p:pic>
+        <p:sp>
+          <p:nvSpPr>
+            <p:cNvPr id="7" name="Rectangle 6"/>
+            <p:cNvSpPr/>
+            <p:nvPr userDrawn="1"/>
+          </p:nvSpPr>
+          <p:spPr>
+            <a:xfrm>
+              <a:off x="0" y="7372351"/>
+              <a:ext cx="13817600" cy="400049"/>
+            </a:xfrm>
+            <a:prstGeom prst="rect">
+              <a:avLst/>
+            </a:prstGeom>
+            <a:solidFill>
+              <a:schemeClr val="tx2"/>
+            </a:solidFill>
+            <a:ln>
+              <a:noFill/>
+            </a:ln>
+            <a:effectLst/>
+          </p:spPr>
+          <p:style>
+            <a:lnRef idx="1">
+              <a:schemeClr val="accent1"/>
+            </a:lnRef>
+            <a:fillRef idx="3">
+              <a:schemeClr val="accent1"/>
+            </a:fillRef>
+            <a:effectRef idx="2">
+              <a:schemeClr val="accent1"/>
+            </a:effectRef>
+            <a:fontRef idx="minor">
+              <a:schemeClr val="lt1"/>
+            </a:fontRef>
+          </p:style>
+          <p:txBody>
+            <a:bodyPr rtlCol="0" anchor="ctr"/>
+            <a:lstStyle/>
+            <a:p>
+              <a:pPr algn="ctr"/>
+              <a:endParaRPr lang="en-US" sz="927"/>
+            </a:p>
+          </p:txBody>
+        </p:sp>
+        <p:pic>
+          <p:nvPicPr>
+            <p:cNvPr id="8" name="Picture 7"/>
+            <p:cNvPicPr>
+              <a:picLocks noChangeAspect="1"/>
+            </p:cNvPicPr>
+            <p:nvPr userDrawn="1"/>
+          </p:nvPicPr>
+          <p:blipFill>
+            <a:blip r:embed="rId2">
+              <a:extLst>
+                <a:ext uri="{28A0092B-C50C-407E-A947-70E740481C1C}">
+                  <a14:useLocalDpi xmlns:a14="http://schemas.microsoft.com/office/drawing/2010/main" val="0"/>
+                </a:ext>
+              </a:extLst>
+            </a:blip>
+            <a:stretch>
+              <a:fillRect/>
+            </a:stretch>
+          </p:blipFill>
+          <p:spPr>
+            <a:xfrm>
+              <a:off x="152257" y="7372352"/>
+              <a:ext cx="1788557" cy="400050"/>
+            </a:xfrm>
+            <a:prstGeom prst="rect">
+              <a:avLst/>
+            </a:prstGeom>
+          </p:spPr>
+        </p:pic>
+      </p:grpSp>
+    </p:spTree>
+    <p:extLst>
+      <p:ext uri="{BB962C8B-B14F-4D97-AF65-F5344CB8AC3E}">
+        <p14:creationId xmlns:p14="http://schemas.microsoft.com/office/powerpoint/2010/main" val="3492786406"/>
+      </p:ext>
+    </p:extLst>
+  </p:cSld>
+  <p:clrMapOvr>
+    <a:masterClrMapping/>
+  </p:clrMapOvr>
+  <mc:AlternateContent xmlns:mc="http://schemas.openxmlformats.org/markup-compatibility/2006" xmlns:p14="http://schemas.microsoft.com/office/powerpoint/2010/main">
+    <mc:Choice Requires="p14">
+      <p:transition p14:dur="300">
+        <p:fade/>
+      </p:transition>
+    </mc:Choice>
+    <mc:Fallback xmlns="">
+      <p:transition>
+        <p:fade/>
+      </p:transition>
+    </mc:Fallback>
+  </mc:AlternateContent>
+</p:sldLayout>
+</file>
+
 <file path=ppt/slideLayouts/slideLayout3.xml><?xml version="1.0" encoding="utf-8"?>
 <p:sldLayout xmlns:a="http://schemas.openxmlformats.org/drawingml/2006/main" xmlns:r="http://schemas.openxmlformats.org/officeDocument/2006/relationships" xmlns:p="http://schemas.openxmlformats.org/presentationml/2006/main" matchingName="Title Green Dots UnitID">
   <p:cSld name="Title Green Dots UnitID">
@@ -14297,6 +15643,10 @@
     <p:sldLayoutId id="2147483681" r:id="rId23"/>
     <p:sldLayoutId id="2147483682" r:id="rId24"/>
     <p:sldLayoutId id="2147483683" r:id="rId25"/>
+    <p:sldLayoutId id="2147483686" r:id="rId26"/>
+    <p:sldLayoutId id="2147483687" r:id="rId27"/>
+    <p:sldLayoutId id="2147483688" r:id="rId28"/>
+    <p:sldLayoutId id="2147483689" r:id="rId29"/>
   </p:sldLayoutIdLst>
   <p:transition>
     <p:fade/>
@@ -15207,6 +16557,2247 @@
 </file>
 
 <file path=ppt/slides/slide10.xml><?xml version="1.0" encoding="utf-8"?>
+<p:sld xmlns:a="http://schemas.openxmlformats.org/drawingml/2006/main" xmlns:r="http://schemas.openxmlformats.org/officeDocument/2006/relationships" xmlns:p="http://schemas.openxmlformats.org/presentationml/2006/main" show="0">
+  <p:cSld>
+    <p:spTree>
+      <p:nvGrpSpPr>
+        <p:cNvPr id="1" name="Shape 209"/>
+        <p:cNvGrpSpPr/>
+        <p:nvPr/>
+      </p:nvGrpSpPr>
+      <p:grpSpPr>
+        <a:xfrm>
+          <a:off x="0" y="0"/>
+          <a:ext cx="0" cy="0"/>
+          <a:chOff x="0" y="0"/>
+          <a:chExt cx="0" cy="0"/>
+        </a:xfrm>
+      </p:grpSpPr>
+      <p:sp>
+        <p:nvSpPr>
+          <p:cNvPr id="210" name="Google Shape;210;p43"/>
+          <p:cNvSpPr txBox="1">
+            <a:spLocks noGrp="1"/>
+          </p:cNvSpPr>
+          <p:nvPr>
+            <p:ph type="title"/>
+          </p:nvPr>
+        </p:nvSpPr>
+        <p:spPr>
+          <a:xfrm>
+            <a:off x="407768" y="490964"/>
+            <a:ext cx="8312700" cy="672000"/>
+          </a:xfrm>
+          <a:prstGeom prst="rect">
+            <a:avLst/>
+          </a:prstGeom>
+        </p:spPr>
+        <p:txBody>
+          <a:bodyPr spcFirstLastPara="1" wrap="square" lIns="60500" tIns="60500" rIns="60500" bIns="60500" anchor="b" anchorCtr="0">
+            <a:noAutofit/>
+          </a:bodyPr>
+          <a:lstStyle/>
+          <a:p>
+            <a:pPr marL="0" lvl="0" indent="0" algn="l" rtl="0">
+              <a:spcBef>
+                <a:spcPts val="0"/>
+              </a:spcBef>
+              <a:spcAft>
+                <a:spcPts val="0"/>
+              </a:spcAft>
+              <a:buNone/>
+            </a:pPr>
+            <a:r>
+              <a:rPr lang="en" dirty="0"/>
+              <a:t>Practice 2 – Group Reflection</a:t>
+            </a:r>
+            <a:endParaRPr dirty="0"/>
+          </a:p>
+        </p:txBody>
+      </p:sp>
+      <p:sp>
+        <p:nvSpPr>
+          <p:cNvPr id="211" name="Google Shape;211;p43"/>
+          <p:cNvSpPr txBox="1">
+            <a:spLocks noGrp="1"/>
+          </p:cNvSpPr>
+          <p:nvPr>
+            <p:ph type="body" idx="1"/>
+          </p:nvPr>
+        </p:nvSpPr>
+        <p:spPr>
+          <a:xfrm>
+            <a:off x="407768" y="1139573"/>
+            <a:ext cx="8312700" cy="4003927"/>
+          </a:xfrm>
+          <a:prstGeom prst="rect">
+            <a:avLst/>
+          </a:prstGeom>
+        </p:spPr>
+        <p:txBody>
+          <a:bodyPr spcFirstLastPara="1" wrap="square" lIns="60500" tIns="60500" rIns="60500" bIns="60500" anchor="t" anchorCtr="0">
+            <a:noAutofit/>
+          </a:bodyPr>
+          <a:lstStyle/>
+          <a:p>
+            <a:pPr marL="152400" indent="0">
+              <a:buNone/>
+            </a:pPr>
+            <a:r>
+              <a:rPr lang="pt-BR" dirty="0">
+                <a:solidFill>
+                  <a:srgbClr val="000000"/>
+                </a:solidFill>
+                <a:latin typeface="Consolas"/>
+                <a:ea typeface="Consolas"/>
+                <a:cs typeface="Consolas"/>
+              </a:rPr>
+              <a:t>int A, B, C;</a:t>
+            </a:r>
+          </a:p>
+          <a:p>
+            <a:pPr marL="152400" indent="0">
+              <a:buNone/>
+            </a:pPr>
+            <a:r>
+              <a:rPr lang="pt-BR" dirty="0">
+                <a:solidFill>
+                  <a:srgbClr val="000000"/>
+                </a:solidFill>
+                <a:latin typeface="Consolas"/>
+                <a:ea typeface="Consolas"/>
+                <a:cs typeface="Consolas"/>
+              </a:rPr>
+              <a:t>A = 10;</a:t>
+            </a:r>
+          </a:p>
+          <a:p>
+            <a:pPr marL="152400" indent="0">
+              <a:buNone/>
+            </a:pPr>
+            <a:r>
+              <a:rPr lang="pt-BR" dirty="0">
+                <a:solidFill>
+                  <a:srgbClr val="000000"/>
+                </a:solidFill>
+                <a:latin typeface="Consolas"/>
+                <a:ea typeface="Consolas"/>
+                <a:cs typeface="Consolas"/>
+              </a:rPr>
+              <a:t>A = A + 1;</a:t>
+            </a:r>
+          </a:p>
+          <a:p>
+            <a:pPr marL="152400" indent="0">
+              <a:buNone/>
+            </a:pPr>
+            <a:r>
+              <a:rPr lang="pt-BR" dirty="0">
+                <a:solidFill>
+                  <a:srgbClr val="000000"/>
+                </a:solidFill>
+                <a:latin typeface="Consolas"/>
+                <a:ea typeface="Consolas"/>
+                <a:cs typeface="Consolas"/>
+              </a:rPr>
+              <a:t>B = A/2;</a:t>
+            </a:r>
+          </a:p>
+          <a:p>
+            <a:pPr marL="152400" indent="0">
+              <a:buNone/>
+            </a:pPr>
+            <a:r>
+              <a:rPr lang="pt-BR" dirty="0">
+                <a:solidFill>
+                  <a:srgbClr val="000000"/>
+                </a:solidFill>
+                <a:latin typeface="Consolas"/>
+                <a:ea typeface="Consolas"/>
+                <a:cs typeface="Consolas"/>
+              </a:rPr>
+              <a:t>A = 6;</a:t>
+            </a:r>
+          </a:p>
+          <a:p>
+            <a:pPr marL="152400" indent="0">
+              <a:buNone/>
+            </a:pPr>
+            <a:r>
+              <a:rPr lang="pt-BR" dirty="0">
+                <a:solidFill>
+                  <a:srgbClr val="000000"/>
+                </a:solidFill>
+                <a:latin typeface="Consolas"/>
+                <a:ea typeface="Consolas"/>
+                <a:cs typeface="Consolas"/>
+              </a:rPr>
+              <a:t>C = B + 1;</a:t>
+            </a:r>
+          </a:p>
+          <a:p>
+            <a:pPr marL="152400" indent="0">
+              <a:buNone/>
+            </a:pPr>
+            <a:r>
+              <a:rPr lang="pt-BR" dirty="0">
+                <a:solidFill>
+                  <a:srgbClr val="000000"/>
+                </a:solidFill>
+                <a:latin typeface="Consolas"/>
+                <a:ea typeface="Consolas"/>
+                <a:cs typeface="Consolas"/>
+              </a:rPr>
+              <a:t>C = C + 2;</a:t>
+            </a:r>
+          </a:p>
+          <a:p>
+            <a:pPr marL="152400" indent="0">
+              <a:buNone/>
+            </a:pPr>
+            <a:r>
+              <a:rPr lang="pt-BR" dirty="0">
+                <a:solidFill>
+                  <a:srgbClr val="000000"/>
+                </a:solidFill>
+                <a:latin typeface="Consolas"/>
+                <a:ea typeface="Consolas"/>
+                <a:cs typeface="Consolas"/>
+              </a:rPr>
+              <a:t>A = B/2;</a:t>
+            </a:r>
+          </a:p>
+          <a:p>
+            <a:pPr marL="152400" indent="0">
+              <a:buNone/>
+            </a:pPr>
+            <a:br>
+              <a:rPr lang="en-US" dirty="0"/>
+            </a:br>
+            <a:endParaRPr lang="en-US" dirty="0">
+              <a:solidFill>
+                <a:srgbClr val="000000"/>
+              </a:solidFill>
+              <a:latin typeface="Consolas"/>
+              <a:ea typeface="Consolas"/>
+              <a:cs typeface="Consolas"/>
+            </a:endParaRPr>
+          </a:p>
+        </p:txBody>
+      </p:sp>
+      <p:sp>
+        <p:nvSpPr>
+          <p:cNvPr id="212" name="Google Shape;212;p43"/>
+          <p:cNvSpPr/>
+          <p:nvPr/>
+        </p:nvSpPr>
+        <p:spPr>
+          <a:xfrm>
+            <a:off x="2902403" y="2956034"/>
+            <a:ext cx="5989200" cy="1600200"/>
+          </a:xfrm>
+          <a:prstGeom prst="rect">
+            <a:avLst/>
+          </a:prstGeom>
+          <a:solidFill>
+            <a:schemeClr val="lt2"/>
+          </a:solidFill>
+          <a:ln w="9525" cap="flat" cmpd="sng">
+            <a:solidFill>
+              <a:schemeClr val="dk2"/>
+            </a:solidFill>
+            <a:prstDash val="solid"/>
+            <a:round/>
+            <a:headEnd type="none" w="sm" len="sm"/>
+            <a:tailEnd type="none" w="sm" len="sm"/>
+          </a:ln>
+        </p:spPr>
+        <p:txBody>
+          <a:bodyPr spcFirstLastPara="1" wrap="square" lIns="91425" tIns="91425" rIns="91425" bIns="91425" anchor="ctr" anchorCtr="0">
+            <a:noAutofit/>
+          </a:bodyPr>
+          <a:lstStyle/>
+          <a:p>
+            <a:pPr marL="0" lvl="0" indent="0" algn="l" rtl="0">
+              <a:spcBef>
+                <a:spcPts val="0"/>
+              </a:spcBef>
+              <a:spcAft>
+                <a:spcPts val="0"/>
+              </a:spcAft>
+              <a:buNone/>
+            </a:pPr>
+            <a:r>
+              <a:rPr lang="en" b="1" dirty="0"/>
+              <a:t>What are the final values for A, B, and C?</a:t>
+            </a:r>
+          </a:p>
+          <a:p>
+            <a:pPr marL="0" lvl="0" indent="0" algn="l" rtl="0">
+              <a:spcBef>
+                <a:spcPts val="0"/>
+              </a:spcBef>
+              <a:spcAft>
+                <a:spcPts val="0"/>
+              </a:spcAft>
+              <a:buNone/>
+            </a:pPr>
+            <a:endParaRPr lang="en" b="1" dirty="0"/>
+          </a:p>
+          <a:p>
+            <a:pPr marL="0" lvl="0" indent="0" algn="l" rtl="0">
+              <a:spcBef>
+                <a:spcPts val="0"/>
+              </a:spcBef>
+              <a:spcAft>
+                <a:spcPts val="0"/>
+              </a:spcAft>
+              <a:buNone/>
+            </a:pPr>
+            <a:r>
+              <a:rPr lang="en" b="1" dirty="0"/>
+              <a:t>What happens if A is double instead of int?</a:t>
+            </a:r>
+          </a:p>
+          <a:p>
+            <a:pPr marL="0" lvl="0" indent="0" algn="l" rtl="0">
+              <a:spcBef>
+                <a:spcPts val="0"/>
+              </a:spcBef>
+              <a:spcAft>
+                <a:spcPts val="0"/>
+              </a:spcAft>
+              <a:buNone/>
+            </a:pPr>
+            <a:endParaRPr lang="en" b="1" dirty="0"/>
+          </a:p>
+          <a:p>
+            <a:pPr marL="0" lvl="0" indent="0" algn="l" rtl="0">
+              <a:spcBef>
+                <a:spcPts val="0"/>
+              </a:spcBef>
+              <a:spcAft>
+                <a:spcPts val="0"/>
+              </a:spcAft>
+              <a:buNone/>
+            </a:pPr>
+            <a:r>
+              <a:rPr lang="en" b="1" dirty="0"/>
+              <a:t>What happens if A and B are double instead of int?</a:t>
+            </a:r>
+          </a:p>
+          <a:p>
+            <a:pPr marL="0" lvl="0" indent="0" algn="l" rtl="0">
+              <a:spcBef>
+                <a:spcPts val="0"/>
+              </a:spcBef>
+              <a:spcAft>
+                <a:spcPts val="0"/>
+              </a:spcAft>
+              <a:buNone/>
+            </a:pPr>
+            <a:endParaRPr dirty="0"/>
+          </a:p>
+        </p:txBody>
+      </p:sp>
+    </p:spTree>
+    <p:extLst>
+      <p:ext uri="{BB962C8B-B14F-4D97-AF65-F5344CB8AC3E}">
+        <p14:creationId xmlns:p14="http://schemas.microsoft.com/office/powerpoint/2010/main" val="621376379"/>
+      </p:ext>
+    </p:extLst>
+  </p:cSld>
+  <p:clrMapOvr>
+    <a:masterClrMapping/>
+  </p:clrMapOvr>
+</p:sld>
+</file>
+
+<file path=ppt/slides/slide11.xml><?xml version="1.0" encoding="utf-8"?>
+<p:sld xmlns:a="http://schemas.openxmlformats.org/drawingml/2006/main" xmlns:r="http://schemas.openxmlformats.org/officeDocument/2006/relationships" xmlns:p="http://schemas.openxmlformats.org/presentationml/2006/main">
+  <p:cSld>
+    <p:spTree>
+      <p:nvGrpSpPr>
+        <p:cNvPr id="1" name=""/>
+        <p:cNvGrpSpPr/>
+        <p:nvPr/>
+      </p:nvGrpSpPr>
+      <p:grpSpPr>
+        <a:xfrm>
+          <a:off x="0" y="0"/>
+          <a:ext cx="0" cy="0"/>
+          <a:chOff x="0" y="0"/>
+          <a:chExt cx="0" cy="0"/>
+        </a:xfrm>
+      </p:grpSpPr>
+      <p:sp>
+        <p:nvSpPr>
+          <p:cNvPr id="4" name="Title 3">
+            <a:extLst>
+              <a:ext uri="{FF2B5EF4-FFF2-40B4-BE49-F238E27FC236}">
+                <a16:creationId xmlns:a16="http://schemas.microsoft.com/office/drawing/2014/main" id="{43765166-A464-C349-8315-AE9C7F5C5946}"/>
+              </a:ext>
+            </a:extLst>
+          </p:cNvPr>
+          <p:cNvSpPr>
+            <a:spLocks noGrp="1"/>
+          </p:cNvSpPr>
+          <p:nvPr>
+            <p:ph type="title"/>
+          </p:nvPr>
+        </p:nvSpPr>
+        <p:spPr/>
+        <p:txBody>
+          <a:bodyPr/>
+          <a:lstStyle/>
+          <a:p>
+            <a:r>
+              <a:rPr lang="en-US" dirty="0"/>
+              <a:t>Reminder - Integer Division</a:t>
+            </a:r>
+          </a:p>
+        </p:txBody>
+      </p:sp>
+      <p:sp>
+        <p:nvSpPr>
+          <p:cNvPr id="5" name="Text Placeholder 4">
+            <a:extLst>
+              <a:ext uri="{FF2B5EF4-FFF2-40B4-BE49-F238E27FC236}">
+                <a16:creationId xmlns:a16="http://schemas.microsoft.com/office/drawing/2014/main" id="{C4EE2CCF-2826-A248-B926-5FEA8CE8F57A}"/>
+              </a:ext>
+            </a:extLst>
+          </p:cNvPr>
+          <p:cNvSpPr>
+            <a:spLocks noGrp="1"/>
+          </p:cNvSpPr>
+          <p:nvPr>
+            <p:ph type="body" idx="1"/>
+          </p:nvPr>
+        </p:nvSpPr>
+        <p:spPr>
+          <a:xfrm>
+            <a:off x="415638" y="1646392"/>
+            <a:ext cx="6013380" cy="2898039"/>
+          </a:xfrm>
+        </p:spPr>
+        <p:txBody>
+          <a:bodyPr/>
+          <a:lstStyle/>
+          <a:p>
+            <a:r>
+              <a:rPr lang="en-US" b="1" dirty="0">
+                <a:latin typeface="Consolas" panose="020B0609020204030204" pitchFamily="49" charset="0"/>
+                <a:cs typeface="Consolas" panose="020B0609020204030204" pitchFamily="49" charset="0"/>
+              </a:rPr>
+              <a:t>int </a:t>
+            </a:r>
+            <a:r>
+              <a:rPr lang="en-US" b="1" dirty="0" err="1">
+                <a:latin typeface="Consolas" panose="020B0609020204030204" pitchFamily="49" charset="0"/>
+                <a:cs typeface="Consolas" panose="020B0609020204030204" pitchFamily="49" charset="0"/>
+              </a:rPr>
+              <a:t>val</a:t>
+            </a:r>
+            <a:r>
+              <a:rPr lang="en-US" b="1" dirty="0">
+                <a:latin typeface="Consolas" panose="020B0609020204030204" pitchFamily="49" charset="0"/>
+                <a:cs typeface="Consolas" panose="020B0609020204030204" pitchFamily="49" charset="0"/>
+              </a:rPr>
+              <a:t> = 5 / 6;  // sets </a:t>
+            </a:r>
+            <a:r>
+              <a:rPr lang="en-US" b="1" dirty="0" err="1">
+                <a:latin typeface="Consolas" panose="020B0609020204030204" pitchFamily="49" charset="0"/>
+                <a:cs typeface="Consolas" panose="020B0609020204030204" pitchFamily="49" charset="0"/>
+              </a:rPr>
+              <a:t>val</a:t>
+            </a:r>
+            <a:r>
+              <a:rPr lang="en-US" b="1" dirty="0">
+                <a:latin typeface="Consolas" panose="020B0609020204030204" pitchFamily="49" charset="0"/>
+                <a:cs typeface="Consolas" panose="020B0609020204030204" pitchFamily="49" charset="0"/>
+              </a:rPr>
+              <a:t> to 0</a:t>
+            </a:r>
+          </a:p>
+          <a:p>
+            <a:r>
+              <a:rPr lang="en-US" b="1" dirty="0">
+                <a:latin typeface="Consolas" panose="020B0609020204030204" pitchFamily="49" charset="0"/>
+                <a:cs typeface="Consolas" panose="020B0609020204030204" pitchFamily="49" charset="0"/>
+              </a:rPr>
+              <a:t>int val2 = 10 / 3; // sets val2 to 3</a:t>
+            </a:r>
+          </a:p>
+          <a:p>
+            <a:r>
+              <a:rPr lang="en-US" dirty="0"/>
+              <a:t>You lose the decimal point</a:t>
+            </a:r>
+          </a:p>
+          <a:p>
+            <a:pPr lvl="1"/>
+            <a:r>
+              <a:rPr lang="en-US" u="sng" dirty="0"/>
+              <a:t>Truncates</a:t>
+            </a:r>
+            <a:r>
+              <a:rPr lang="en-US" dirty="0"/>
+              <a:t>, does not round! </a:t>
+            </a:r>
+          </a:p>
+          <a:p>
+            <a:r>
+              <a:rPr lang="en-US" dirty="0"/>
+              <a:t>This is a very, very common thing </a:t>
+            </a:r>
+          </a:p>
+          <a:p>
+            <a:pPr lvl="1"/>
+            <a:r>
+              <a:rPr lang="en-US" dirty="0"/>
+              <a:t>both to our advantage</a:t>
+            </a:r>
+          </a:p>
+          <a:p>
+            <a:pPr lvl="1"/>
+            <a:r>
+              <a:rPr lang="en-US" dirty="0"/>
+              <a:t>and often to our error</a:t>
+            </a:r>
+          </a:p>
+        </p:txBody>
+      </p:sp>
+      <p:pic>
+        <p:nvPicPr>
+          <p:cNvPr id="13" name="Picture 12" descr="The More, The Messier: September 2011">
+            <a:extLst>
+              <a:ext uri="{FF2B5EF4-FFF2-40B4-BE49-F238E27FC236}">
+                <a16:creationId xmlns:a16="http://schemas.microsoft.com/office/drawing/2014/main" id="{6F2D0FDB-E9EA-8248-A50A-0B9305AA0C40}"/>
+              </a:ext>
+            </a:extLst>
+          </p:cNvPr>
+          <p:cNvPicPr>
+            <a:picLocks noChangeAspect="1"/>
+          </p:cNvPicPr>
+          <p:nvPr/>
+        </p:nvPicPr>
+        <p:blipFill>
+          <a:blip r:embed="rId2">
+            <a:extLst>
+              <a:ext uri="{837473B0-CC2E-450A-ABE3-18F120FF3D39}">
+                <a1611:picAttrSrcUrl xmlns:a1611="http://schemas.microsoft.com/office/drawing/2016/11/main" r:id="rId3"/>
+              </a:ext>
+            </a:extLst>
+          </a:blip>
+          <a:stretch>
+            <a:fillRect/>
+          </a:stretch>
+        </p:blipFill>
+        <p:spPr>
+          <a:xfrm>
+            <a:off x="7016819" y="382451"/>
+            <a:ext cx="1227909" cy="2990319"/>
+          </a:xfrm>
+          <a:prstGeom prst="rect">
+            <a:avLst/>
+          </a:prstGeom>
+        </p:spPr>
+      </p:pic>
+      <p:sp>
+        <p:nvSpPr>
+          <p:cNvPr id="14" name="TextBox 13">
+            <a:extLst>
+              <a:ext uri="{FF2B5EF4-FFF2-40B4-BE49-F238E27FC236}">
+                <a16:creationId xmlns:a16="http://schemas.microsoft.com/office/drawing/2014/main" id="{2926C16D-3648-084E-BFC4-2E88223D6403}"/>
+              </a:ext>
+            </a:extLst>
+          </p:cNvPr>
+          <p:cNvSpPr txBox="1"/>
+          <p:nvPr/>
+        </p:nvSpPr>
+        <p:spPr>
+          <a:xfrm>
+            <a:off x="6912628" y="3458711"/>
+            <a:ext cx="1332099" cy="275717"/>
+          </a:xfrm>
+          <a:prstGeom prst="rect">
+            <a:avLst/>
+          </a:prstGeom>
+          <a:noFill/>
+        </p:spPr>
+        <p:txBody>
+          <a:bodyPr wrap="square" rtlCol="0">
+            <a:spAutoFit/>
+          </a:bodyPr>
+          <a:lstStyle/>
+          <a:p>
+            <a:r>
+              <a:rPr lang="en-US" sz="596" dirty="0">
+                <a:hlinkClick r:id="rId3" tooltip="http://suburbancorrespondent.blogspot.com/2011_09_01_archive.html"/>
+              </a:rPr>
+              <a:t>This Photo</a:t>
+            </a:r>
+            <a:r>
+              <a:rPr lang="en-US" sz="596" dirty="0"/>
+              <a:t> by Unknown Author is licensed under </a:t>
+            </a:r>
+            <a:r>
+              <a:rPr lang="en-US" sz="596" dirty="0">
+                <a:hlinkClick r:id="rId4" tooltip="https://creativecommons.org/licenses/by-nc-nd/3.0/"/>
+              </a:rPr>
+              <a:t>CC BY-NC-ND</a:t>
+            </a:r>
+            <a:endParaRPr lang="en-US" sz="596" dirty="0"/>
+          </a:p>
+        </p:txBody>
+      </p:sp>
+    </p:spTree>
+    <p:extLst>
+      <p:ext uri="{BB962C8B-B14F-4D97-AF65-F5344CB8AC3E}">
+        <p14:creationId xmlns:p14="http://schemas.microsoft.com/office/powerpoint/2010/main" val="1638916941"/>
+      </p:ext>
+    </p:extLst>
+  </p:cSld>
+  <p:clrMapOvr>
+    <a:masterClrMapping/>
+  </p:clrMapOvr>
+  <p:transition>
+    <p:fade/>
+  </p:transition>
+</p:sld>
+</file>
+
+<file path=ppt/slides/slide12.xml><?xml version="1.0" encoding="utf-8"?>
+<p:sld xmlns:a="http://schemas.openxmlformats.org/drawingml/2006/main" xmlns:r="http://schemas.openxmlformats.org/officeDocument/2006/relationships" xmlns:p="http://schemas.openxmlformats.org/presentationml/2006/main">
+  <p:cSld>
+    <p:spTree>
+      <p:nvGrpSpPr>
+        <p:cNvPr id="1" name=""/>
+        <p:cNvGrpSpPr/>
+        <p:nvPr/>
+      </p:nvGrpSpPr>
+      <p:grpSpPr>
+        <a:xfrm>
+          <a:off x="0" y="0"/>
+          <a:ext cx="0" cy="0"/>
+          <a:chOff x="0" y="0"/>
+          <a:chExt cx="0" cy="0"/>
+        </a:xfrm>
+      </p:grpSpPr>
+      <p:sp>
+        <p:nvSpPr>
+          <p:cNvPr id="2" name="Title 1">
+            <a:extLst>
+              <a:ext uri="{FF2B5EF4-FFF2-40B4-BE49-F238E27FC236}">
+                <a16:creationId xmlns:a16="http://schemas.microsoft.com/office/drawing/2014/main" id="{42894EE2-BCBD-7741-A8F9-9C5992371323}"/>
+              </a:ext>
+            </a:extLst>
+          </p:cNvPr>
+          <p:cNvSpPr>
+            <a:spLocks noGrp="1"/>
+          </p:cNvSpPr>
+          <p:nvPr>
+            <p:ph type="title"/>
+          </p:nvPr>
+        </p:nvSpPr>
+        <p:spPr>
+          <a:xfrm>
+            <a:off x="415638" y="168878"/>
+            <a:ext cx="8312700" cy="672000"/>
+          </a:xfrm>
+        </p:spPr>
+        <p:txBody>
+          <a:bodyPr/>
+          <a:lstStyle/>
+          <a:p>
+            <a:r>
+              <a:rPr lang="en-US" dirty="0"/>
+              <a:t>Modulo - Extremely useful operation</a:t>
+            </a:r>
+          </a:p>
+        </p:txBody>
+      </p:sp>
+      <p:sp>
+        <p:nvSpPr>
+          <p:cNvPr id="3" name="Text Placeholder 2">
+            <a:extLst>
+              <a:ext uri="{FF2B5EF4-FFF2-40B4-BE49-F238E27FC236}">
+                <a16:creationId xmlns:a16="http://schemas.microsoft.com/office/drawing/2014/main" id="{E29662D3-8CF1-FC47-BE6E-A8B6100CD386}"/>
+              </a:ext>
+            </a:extLst>
+          </p:cNvPr>
+          <p:cNvSpPr>
+            <a:spLocks noGrp="1"/>
+          </p:cNvSpPr>
+          <p:nvPr>
+            <p:ph type="body" idx="1"/>
+          </p:nvPr>
+        </p:nvSpPr>
+        <p:spPr>
+          <a:xfrm>
+            <a:off x="5013040" y="1270748"/>
+            <a:ext cx="3543176" cy="1558514"/>
+          </a:xfrm>
+        </p:spPr>
+        <p:txBody>
+          <a:bodyPr/>
+          <a:lstStyle/>
+          <a:p>
+            <a:r>
+              <a:rPr lang="en-US" dirty="0"/>
+              <a:t>modulo (%) gives you the </a:t>
+            </a:r>
+            <a:r>
+              <a:rPr lang="en-US" b="1" dirty="0"/>
+              <a:t>remainder</a:t>
+            </a:r>
+          </a:p>
+          <a:p>
+            <a:r>
+              <a:rPr lang="en-US" dirty="0"/>
+              <a:t>4</a:t>
+            </a:r>
+            <a:r>
+              <a:rPr lang="en-US" baseline="30000" dirty="0"/>
+              <a:t>th</a:t>
+            </a:r>
+            <a:r>
+              <a:rPr lang="en-US" dirty="0"/>
+              <a:t> grade math! </a:t>
+            </a:r>
+          </a:p>
+          <a:p>
+            <a:r>
+              <a:rPr lang="en-US" dirty="0"/>
+              <a:t>This example:</a:t>
+            </a:r>
+            <a:br>
+              <a:rPr lang="en-US" dirty="0"/>
+            </a:br>
+            <a:r>
+              <a:rPr lang="en-US" dirty="0">
+                <a:latin typeface="Consolas" panose="020B0609020204030204" pitchFamily="49" charset="0"/>
+                <a:cs typeface="Consolas" panose="020B0609020204030204" pitchFamily="49" charset="0"/>
+              </a:rPr>
+              <a:t>int x = 250</a:t>
+            </a:r>
+            <a:r>
+              <a:rPr lang="en-US" b="1" dirty="0">
+                <a:latin typeface="Consolas" panose="020B0609020204030204" pitchFamily="49" charset="0"/>
+                <a:cs typeface="Consolas" panose="020B0609020204030204" pitchFamily="49" charset="0"/>
+              </a:rPr>
+              <a:t> % </a:t>
+            </a:r>
+            <a:r>
+              <a:rPr lang="en-US" dirty="0">
+                <a:latin typeface="Consolas" panose="020B0609020204030204" pitchFamily="49" charset="0"/>
+                <a:cs typeface="Consolas" panose="020B0609020204030204" pitchFamily="49" charset="0"/>
+              </a:rPr>
+              <a:t>6; // would be 4</a:t>
+            </a:r>
+            <a:br>
+              <a:rPr lang="en-US" dirty="0">
+                <a:latin typeface="Consolas" panose="020B0609020204030204" pitchFamily="49" charset="0"/>
+                <a:cs typeface="Consolas" panose="020B0609020204030204" pitchFamily="49" charset="0"/>
+              </a:rPr>
+            </a:br>
+            <a:br>
+              <a:rPr lang="en-US" dirty="0">
+                <a:latin typeface="Consolas" panose="020B0609020204030204" pitchFamily="49" charset="0"/>
+                <a:cs typeface="Consolas" panose="020B0609020204030204" pitchFamily="49" charset="0"/>
+              </a:rPr>
+            </a:br>
+            <a:r>
+              <a:rPr lang="en-US" dirty="0">
+                <a:latin typeface="Consolas" panose="020B0609020204030204" pitchFamily="49" charset="0"/>
+                <a:cs typeface="Consolas" panose="020B0609020204030204" pitchFamily="49" charset="0"/>
+              </a:rPr>
+              <a:t>So combining them</a:t>
+            </a:r>
+            <a:br>
+              <a:rPr lang="en-US" dirty="0">
+                <a:latin typeface="Consolas" panose="020B0609020204030204" pitchFamily="49" charset="0"/>
+                <a:cs typeface="Consolas" panose="020B0609020204030204" pitchFamily="49" charset="0"/>
+              </a:rPr>
+            </a:br>
+            <a:endParaRPr lang="en-US" dirty="0">
+              <a:latin typeface="Consolas" panose="020B0609020204030204" pitchFamily="49" charset="0"/>
+              <a:cs typeface="Consolas" panose="020B0609020204030204" pitchFamily="49" charset="0"/>
+            </a:endParaRPr>
+          </a:p>
+        </p:txBody>
+      </p:sp>
+      <p:pic>
+        <p:nvPicPr>
+          <p:cNvPr id="1026" name="Picture 2">
+            <a:extLst>
+              <a:ext uri="{FF2B5EF4-FFF2-40B4-BE49-F238E27FC236}">
+                <a16:creationId xmlns:a16="http://schemas.microsoft.com/office/drawing/2014/main" id="{0FCBAFA5-93D6-3E43-BF86-503A583F64BB}"/>
+              </a:ext>
+            </a:extLst>
+          </p:cNvPr>
+          <p:cNvPicPr>
+            <a:picLocks noChangeAspect="1" noChangeArrowheads="1"/>
+          </p:cNvPicPr>
+          <p:nvPr/>
+        </p:nvPicPr>
+        <p:blipFill>
+          <a:blip r:embed="rId2">
+            <a:extLst>
+              <a:ext uri="{28A0092B-C50C-407E-A947-70E740481C1C}">
+                <a14:useLocalDpi xmlns:a14="http://schemas.microsoft.com/office/drawing/2010/main" val="0"/>
+              </a:ext>
+            </a:extLst>
+          </a:blip>
+          <a:srcRect/>
+          <a:stretch>
+            <a:fillRect/>
+          </a:stretch>
+        </p:blipFill>
+        <p:spPr bwMode="auto">
+          <a:xfrm>
+            <a:off x="415638" y="1066352"/>
+            <a:ext cx="4471147" cy="3353360"/>
+          </a:xfrm>
+          <a:prstGeom prst="rect">
+            <a:avLst/>
+          </a:prstGeom>
+          <a:noFill/>
+          <a:extLst>
+            <a:ext uri="{909E8E84-426E-40DD-AFC4-6F175D3DCCD1}">
+              <a14:hiddenFill xmlns:a14="http://schemas.microsoft.com/office/drawing/2010/main">
+                <a:solidFill>
+                  <a:srgbClr val="FFFFFF"/>
+                </a:solidFill>
+              </a14:hiddenFill>
+            </a:ext>
+          </a:extLst>
+        </p:spPr>
+      </p:pic>
+      <p:sp>
+        <p:nvSpPr>
+          <p:cNvPr id="6" name="TextBox 5">
+            <a:extLst>
+              <a:ext uri="{FF2B5EF4-FFF2-40B4-BE49-F238E27FC236}">
+                <a16:creationId xmlns:a16="http://schemas.microsoft.com/office/drawing/2014/main" id="{69AAB7F8-5081-4D94-92A7-7E54EF1BFF6A}"/>
+              </a:ext>
+            </a:extLst>
+          </p:cNvPr>
+          <p:cNvSpPr txBox="1"/>
+          <p:nvPr/>
+        </p:nvSpPr>
+        <p:spPr>
+          <a:xfrm>
+            <a:off x="5443370" y="2997522"/>
+            <a:ext cx="3195021" cy="523220"/>
+          </a:xfrm>
+          <a:prstGeom prst="rect">
+            <a:avLst/>
+          </a:prstGeom>
+          <a:noFill/>
+        </p:spPr>
+        <p:txBody>
+          <a:bodyPr wrap="square">
+            <a:spAutoFit/>
+          </a:bodyPr>
+          <a:lstStyle/>
+          <a:p>
+            <a:r>
+              <a:rPr lang="en-US" b="0" dirty="0">
+                <a:solidFill>
+                  <a:srgbClr val="267F99"/>
+                </a:solidFill>
+                <a:effectLst/>
+                <a:latin typeface="Consolas" panose="020B0609020204030204" pitchFamily="49" charset="0"/>
+              </a:rPr>
+              <a:t>int</a:t>
+            </a:r>
+            <a:r>
+              <a:rPr lang="en-US" b="0" dirty="0">
+                <a:solidFill>
+                  <a:srgbClr val="000000"/>
+                </a:solidFill>
+                <a:effectLst/>
+                <a:latin typeface="Consolas" panose="020B0609020204030204" pitchFamily="49" charset="0"/>
+              </a:rPr>
+              <a:t> </a:t>
+            </a:r>
+            <a:r>
+              <a:rPr lang="en-US" b="0" dirty="0">
+                <a:solidFill>
+                  <a:srgbClr val="001080"/>
+                </a:solidFill>
+                <a:effectLst/>
+                <a:latin typeface="Consolas" panose="020B0609020204030204" pitchFamily="49" charset="0"/>
+              </a:rPr>
+              <a:t>whole</a:t>
+            </a:r>
+            <a:r>
+              <a:rPr lang="en-US" b="0" dirty="0">
+                <a:solidFill>
+                  <a:srgbClr val="000000"/>
+                </a:solidFill>
+                <a:effectLst/>
+                <a:latin typeface="Consolas" panose="020B0609020204030204" pitchFamily="49" charset="0"/>
+              </a:rPr>
+              <a:t> = </a:t>
+            </a:r>
+            <a:r>
+              <a:rPr lang="en-US" b="0" dirty="0">
+                <a:solidFill>
+                  <a:srgbClr val="098658"/>
+                </a:solidFill>
+                <a:effectLst/>
+                <a:latin typeface="Consolas" panose="020B0609020204030204" pitchFamily="49" charset="0"/>
+              </a:rPr>
+              <a:t>250</a:t>
+            </a:r>
+            <a:r>
+              <a:rPr lang="en-US" b="0" dirty="0">
+                <a:solidFill>
+                  <a:srgbClr val="000000"/>
+                </a:solidFill>
+                <a:effectLst/>
+                <a:latin typeface="Consolas" panose="020B0609020204030204" pitchFamily="49" charset="0"/>
+              </a:rPr>
+              <a:t> / </a:t>
+            </a:r>
+            <a:r>
+              <a:rPr lang="en-US" b="0" dirty="0">
+                <a:solidFill>
+                  <a:srgbClr val="098658"/>
+                </a:solidFill>
+                <a:effectLst/>
+                <a:latin typeface="Consolas" panose="020B0609020204030204" pitchFamily="49" charset="0"/>
+              </a:rPr>
+              <a:t>6</a:t>
+            </a:r>
+            <a:r>
+              <a:rPr lang="en-US" b="0" dirty="0">
+                <a:solidFill>
+                  <a:srgbClr val="000000"/>
+                </a:solidFill>
+                <a:effectLst/>
+                <a:latin typeface="Consolas" panose="020B0609020204030204" pitchFamily="49" charset="0"/>
+              </a:rPr>
+              <a:t>; </a:t>
+            </a:r>
+            <a:r>
+              <a:rPr lang="en-US" b="0" dirty="0">
+                <a:solidFill>
+                  <a:srgbClr val="008000"/>
+                </a:solidFill>
+                <a:effectLst/>
+                <a:latin typeface="Consolas" panose="020B0609020204030204" pitchFamily="49" charset="0"/>
+              </a:rPr>
+              <a:t>// 41 </a:t>
+            </a:r>
+            <a:endParaRPr lang="en-US" b="0" dirty="0">
+              <a:solidFill>
+                <a:srgbClr val="000000"/>
+              </a:solidFill>
+              <a:effectLst/>
+              <a:latin typeface="Consolas" panose="020B0609020204030204" pitchFamily="49" charset="0"/>
+            </a:endParaRPr>
+          </a:p>
+          <a:p>
+            <a:r>
+              <a:rPr lang="en-US" b="0" dirty="0">
+                <a:solidFill>
+                  <a:srgbClr val="267F99"/>
+                </a:solidFill>
+                <a:effectLst/>
+                <a:latin typeface="Consolas" panose="020B0609020204030204" pitchFamily="49" charset="0"/>
+              </a:rPr>
+              <a:t>int</a:t>
+            </a:r>
+            <a:r>
+              <a:rPr lang="en-US" b="0" dirty="0">
+                <a:solidFill>
+                  <a:srgbClr val="000000"/>
+                </a:solidFill>
+                <a:effectLst/>
+                <a:latin typeface="Consolas" panose="020B0609020204030204" pitchFamily="49" charset="0"/>
+              </a:rPr>
+              <a:t> </a:t>
+            </a:r>
+            <a:r>
+              <a:rPr lang="en-US" b="0" dirty="0">
+                <a:solidFill>
+                  <a:srgbClr val="001080"/>
+                </a:solidFill>
+                <a:effectLst/>
+                <a:latin typeface="Consolas" panose="020B0609020204030204" pitchFamily="49" charset="0"/>
+              </a:rPr>
+              <a:t>remainder</a:t>
+            </a:r>
+            <a:r>
+              <a:rPr lang="en-US" b="0" dirty="0">
+                <a:solidFill>
+                  <a:srgbClr val="000000"/>
+                </a:solidFill>
+                <a:effectLst/>
+                <a:latin typeface="Consolas" panose="020B0609020204030204" pitchFamily="49" charset="0"/>
+              </a:rPr>
+              <a:t> = </a:t>
+            </a:r>
+            <a:r>
+              <a:rPr lang="en-US" b="0" dirty="0">
+                <a:solidFill>
+                  <a:srgbClr val="098658"/>
+                </a:solidFill>
+                <a:effectLst/>
+                <a:latin typeface="Consolas" panose="020B0609020204030204" pitchFamily="49" charset="0"/>
+              </a:rPr>
+              <a:t>250</a:t>
+            </a:r>
+            <a:r>
+              <a:rPr lang="en-US" b="0" dirty="0">
+                <a:solidFill>
+                  <a:srgbClr val="000000"/>
+                </a:solidFill>
+                <a:effectLst/>
+                <a:latin typeface="Consolas" panose="020B0609020204030204" pitchFamily="49" charset="0"/>
+              </a:rPr>
+              <a:t> % </a:t>
+            </a:r>
+            <a:r>
+              <a:rPr lang="en-US" b="0" dirty="0">
+                <a:solidFill>
+                  <a:srgbClr val="098658"/>
+                </a:solidFill>
+                <a:effectLst/>
+                <a:latin typeface="Consolas" panose="020B0609020204030204" pitchFamily="49" charset="0"/>
+              </a:rPr>
+              <a:t>6</a:t>
+            </a:r>
+            <a:r>
+              <a:rPr lang="en-US" b="0" dirty="0">
+                <a:solidFill>
+                  <a:srgbClr val="000000"/>
+                </a:solidFill>
+                <a:effectLst/>
+                <a:latin typeface="Consolas" panose="020B0609020204030204" pitchFamily="49" charset="0"/>
+              </a:rPr>
+              <a:t>; </a:t>
+            </a:r>
+            <a:r>
+              <a:rPr lang="en-US" b="0" dirty="0">
+                <a:solidFill>
+                  <a:srgbClr val="008000"/>
+                </a:solidFill>
+                <a:effectLst/>
+                <a:latin typeface="Consolas" panose="020B0609020204030204" pitchFamily="49" charset="0"/>
+              </a:rPr>
+              <a:t>// 4</a:t>
+            </a:r>
+            <a:endParaRPr lang="en-US" b="0" dirty="0">
+              <a:solidFill>
+                <a:srgbClr val="000000"/>
+              </a:solidFill>
+              <a:effectLst/>
+              <a:latin typeface="Consolas" panose="020B0609020204030204" pitchFamily="49" charset="0"/>
+            </a:endParaRPr>
+          </a:p>
+        </p:txBody>
+      </p:sp>
+    </p:spTree>
+    <p:extLst>
+      <p:ext uri="{BB962C8B-B14F-4D97-AF65-F5344CB8AC3E}">
+        <p14:creationId xmlns:p14="http://schemas.microsoft.com/office/powerpoint/2010/main" val="558800709"/>
+      </p:ext>
+    </p:extLst>
+  </p:cSld>
+  <p:clrMapOvr>
+    <a:masterClrMapping/>
+  </p:clrMapOvr>
+  <p:transition>
+    <p:fade/>
+  </p:transition>
+</p:sld>
+</file>
+
+<file path=ppt/slides/slide13.xml><?xml version="1.0" encoding="utf-8"?>
+<p:sld xmlns:a="http://schemas.openxmlformats.org/drawingml/2006/main" xmlns:r="http://schemas.openxmlformats.org/officeDocument/2006/relationships" xmlns:p="http://schemas.openxmlformats.org/presentationml/2006/main">
+  <p:cSld>
+    <p:spTree>
+      <p:nvGrpSpPr>
+        <p:cNvPr id="1" name=""/>
+        <p:cNvGrpSpPr/>
+        <p:nvPr/>
+      </p:nvGrpSpPr>
+      <p:grpSpPr>
+        <a:xfrm>
+          <a:off x="0" y="0"/>
+          <a:ext cx="0" cy="0"/>
+          <a:chOff x="0" y="0"/>
+          <a:chExt cx="0" cy="0"/>
+        </a:xfrm>
+      </p:grpSpPr>
+      <p:sp>
+        <p:nvSpPr>
+          <p:cNvPr id="2" name="Title 1">
+            <a:extLst>
+              <a:ext uri="{FF2B5EF4-FFF2-40B4-BE49-F238E27FC236}">
+                <a16:creationId xmlns:a16="http://schemas.microsoft.com/office/drawing/2014/main" id="{317D3F3C-8335-0242-905F-BD1986E080EA}"/>
+              </a:ext>
+            </a:extLst>
+          </p:cNvPr>
+          <p:cNvSpPr>
+            <a:spLocks noGrp="1"/>
+          </p:cNvSpPr>
+          <p:nvPr>
+            <p:ph type="title"/>
+          </p:nvPr>
+        </p:nvSpPr>
+        <p:spPr>
+          <a:xfrm>
+            <a:off x="415638" y="333014"/>
+            <a:ext cx="8312700" cy="672000"/>
+          </a:xfrm>
+        </p:spPr>
+        <p:txBody>
+          <a:bodyPr/>
+          <a:lstStyle/>
+          <a:p>
+            <a:r>
+              <a:rPr lang="en-US" dirty="0"/>
+              <a:t>What are some cases to use it?</a:t>
+            </a:r>
+          </a:p>
+        </p:txBody>
+      </p:sp>
+      <p:sp>
+        <p:nvSpPr>
+          <p:cNvPr id="3" name="Text Placeholder 2">
+            <a:extLst>
+              <a:ext uri="{FF2B5EF4-FFF2-40B4-BE49-F238E27FC236}">
+                <a16:creationId xmlns:a16="http://schemas.microsoft.com/office/drawing/2014/main" id="{99F39192-FADC-5546-BF85-9CCCC8B37067}"/>
+              </a:ext>
+            </a:extLst>
+          </p:cNvPr>
+          <p:cNvSpPr>
+            <a:spLocks noGrp="1"/>
+          </p:cNvSpPr>
+          <p:nvPr>
+            <p:ph type="body" idx="1"/>
+          </p:nvPr>
+        </p:nvSpPr>
+        <p:spPr>
+          <a:xfrm>
+            <a:off x="415638" y="1092574"/>
+            <a:ext cx="8312700" cy="1333800"/>
+          </a:xfrm>
+        </p:spPr>
+        <p:txBody>
+          <a:bodyPr/>
+          <a:lstStyle/>
+          <a:p>
+            <a:r>
+              <a:rPr lang="en-US" dirty="0"/>
+              <a:t>Forming groups</a:t>
+            </a:r>
+          </a:p>
+          <a:p>
+            <a:pPr lvl="1"/>
+            <a:r>
+              <a:rPr lang="en-US" dirty="0"/>
+              <a:t>The remainder is always between 0 and n-1</a:t>
+            </a:r>
+          </a:p>
+          <a:p>
+            <a:pPr lvl="1"/>
+            <a:r>
+              <a:rPr lang="en-US" dirty="0"/>
+              <a:t>Value % 6 has a range of 0-5</a:t>
+            </a:r>
+          </a:p>
+          <a:p>
+            <a:pPr lvl="1"/>
+            <a:r>
+              <a:rPr lang="en-US" dirty="0"/>
+              <a:t>Value % 4 has a range of 0-3</a:t>
+            </a:r>
+          </a:p>
+          <a:p>
+            <a:r>
+              <a:rPr lang="en-US" dirty="0"/>
+              <a:t>Think about rolling dice</a:t>
+            </a:r>
+          </a:p>
+          <a:p>
+            <a:pPr lvl="1"/>
+            <a:r>
+              <a:rPr lang="en-US" dirty="0"/>
+              <a:t> </a:t>
+            </a:r>
+            <a:r>
+              <a:rPr lang="en-US" dirty="0" err="1"/>
+              <a:t>Math.random</a:t>
+            </a:r>
+            <a:r>
+              <a:rPr lang="en-US" dirty="0"/>
+              <a:t>() % 6; - random number between 0 and 5</a:t>
+            </a:r>
+          </a:p>
+          <a:p>
+            <a:r>
+              <a:rPr lang="en-US" dirty="0"/>
+              <a:t>Determining Even and Odd  - </a:t>
+            </a:r>
+            <a:r>
+              <a:rPr lang="en-US" dirty="0" err="1"/>
+              <a:t>Math.random</a:t>
+            </a:r>
+            <a:r>
+              <a:rPr lang="en-US" dirty="0"/>
+              <a:t>() %2 - if 0, even, if 1, odd</a:t>
+            </a:r>
+          </a:p>
+          <a:p>
+            <a:endParaRPr lang="en-US" dirty="0"/>
+          </a:p>
+        </p:txBody>
+      </p:sp>
+      <p:pic>
+        <p:nvPicPr>
+          <p:cNvPr id="2050" name="Picture 2">
+            <a:extLst>
+              <a:ext uri="{FF2B5EF4-FFF2-40B4-BE49-F238E27FC236}">
+                <a16:creationId xmlns:a16="http://schemas.microsoft.com/office/drawing/2014/main" id="{6909756A-6CDE-2844-A0FA-6A0108D3C2A9}"/>
+              </a:ext>
+            </a:extLst>
+          </p:cNvPr>
+          <p:cNvPicPr>
+            <a:picLocks noChangeAspect="1" noChangeArrowheads="1"/>
+          </p:cNvPicPr>
+          <p:nvPr/>
+        </p:nvPicPr>
+        <p:blipFill>
+          <a:blip r:embed="rId2">
+            <a:extLst>
+              <a:ext uri="{28A0092B-C50C-407E-A947-70E740481C1C}">
+                <a14:useLocalDpi xmlns:a14="http://schemas.microsoft.com/office/drawing/2010/main" val="0"/>
+              </a:ext>
+            </a:extLst>
+          </a:blip>
+          <a:srcRect/>
+          <a:stretch>
+            <a:fillRect/>
+          </a:stretch>
+        </p:blipFill>
+        <p:spPr bwMode="auto">
+          <a:xfrm>
+            <a:off x="8051426" y="0"/>
+            <a:ext cx="1092574" cy="1092574"/>
+          </a:xfrm>
+          <a:prstGeom prst="rect">
+            <a:avLst/>
+          </a:prstGeom>
+          <a:noFill/>
+          <a:extLst>
+            <a:ext uri="{909E8E84-426E-40DD-AFC4-6F175D3DCCD1}">
+              <a14:hiddenFill xmlns:a14="http://schemas.microsoft.com/office/drawing/2010/main">
+                <a:solidFill>
+                  <a:srgbClr val="FFFFFF"/>
+                </a:solidFill>
+              </a14:hiddenFill>
+            </a:ext>
+          </a:extLst>
+        </p:spPr>
+      </p:pic>
+      <p:pic>
+        <p:nvPicPr>
+          <p:cNvPr id="2052" name="Picture 4">
+            <a:extLst>
+              <a:ext uri="{FF2B5EF4-FFF2-40B4-BE49-F238E27FC236}">
+                <a16:creationId xmlns:a16="http://schemas.microsoft.com/office/drawing/2014/main" id="{0A47F4B1-6AF3-EF43-9837-BD17DF98B180}"/>
+              </a:ext>
+            </a:extLst>
+          </p:cNvPr>
+          <p:cNvPicPr>
+            <a:picLocks noChangeAspect="1" noChangeArrowheads="1"/>
+          </p:cNvPicPr>
+          <p:nvPr/>
+        </p:nvPicPr>
+        <p:blipFill>
+          <a:blip r:embed="rId3">
+            <a:extLst>
+              <a:ext uri="{28A0092B-C50C-407E-A947-70E740481C1C}">
+                <a14:useLocalDpi xmlns:a14="http://schemas.microsoft.com/office/drawing/2010/main" val="0"/>
+              </a:ext>
+            </a:extLst>
+          </a:blip>
+          <a:srcRect/>
+          <a:stretch>
+            <a:fillRect/>
+          </a:stretch>
+        </p:blipFill>
+        <p:spPr bwMode="auto">
+          <a:xfrm>
+            <a:off x="2594850" y="3170707"/>
+            <a:ext cx="3954276" cy="1697799"/>
+          </a:xfrm>
+          <a:prstGeom prst="rect">
+            <a:avLst/>
+          </a:prstGeom>
+          <a:noFill/>
+          <a:extLst>
+            <a:ext uri="{909E8E84-426E-40DD-AFC4-6F175D3DCCD1}">
+              <a14:hiddenFill xmlns:a14="http://schemas.microsoft.com/office/drawing/2010/main">
+                <a:solidFill>
+                  <a:srgbClr val="FFFFFF"/>
+                </a:solidFill>
+              </a14:hiddenFill>
+            </a:ext>
+          </a:extLst>
+        </p:spPr>
+      </p:pic>
+      <p:sp>
+        <p:nvSpPr>
+          <p:cNvPr id="4" name="TextBox 3">
+            <a:extLst>
+              <a:ext uri="{FF2B5EF4-FFF2-40B4-BE49-F238E27FC236}">
+                <a16:creationId xmlns:a16="http://schemas.microsoft.com/office/drawing/2014/main" id="{FAE024ED-FE45-5249-807D-6483E9403336}"/>
+              </a:ext>
+            </a:extLst>
+          </p:cNvPr>
+          <p:cNvSpPr txBox="1"/>
+          <p:nvPr/>
+        </p:nvSpPr>
+        <p:spPr>
+          <a:xfrm>
+            <a:off x="107144" y="4019606"/>
+            <a:ext cx="2076658" cy="723981"/>
+          </a:xfrm>
+          <a:prstGeom prst="rect">
+            <a:avLst/>
+          </a:prstGeom>
+          <a:solidFill>
+            <a:schemeClr val="accent5"/>
+          </a:solidFill>
+        </p:spPr>
+        <p:txBody>
+          <a:bodyPr wrap="square" rtlCol="0">
+            <a:spAutoFit/>
+          </a:bodyPr>
+          <a:lstStyle/>
+          <a:p>
+            <a:r>
+              <a:rPr lang="en-US" sz="927" b="1" dirty="0"/>
+              <a:t>Pro Tip</a:t>
+            </a:r>
+          </a:p>
+          <a:p>
+            <a:r>
+              <a:rPr lang="en-US" sz="1059" dirty="0">
+                <a:latin typeface="Microsoft Sans Serif" panose="020B0604020202020204" pitchFamily="34" charset="0"/>
+                <a:cs typeface="Microsoft Sans Serif" panose="020B0604020202020204" pitchFamily="34" charset="0"/>
+              </a:rPr>
+              <a:t>Adding a remainder operator, allows us to handle complex math like GCD, and others. </a:t>
+            </a:r>
+          </a:p>
+        </p:txBody>
+      </p:sp>
+    </p:spTree>
+    <p:extLst>
+      <p:ext uri="{BB962C8B-B14F-4D97-AF65-F5344CB8AC3E}">
+        <p14:creationId xmlns:p14="http://schemas.microsoft.com/office/powerpoint/2010/main" val="2497730832"/>
+      </p:ext>
+    </p:extLst>
+  </p:cSld>
+  <p:clrMapOvr>
+    <a:masterClrMapping/>
+  </p:clrMapOvr>
+  <p:transition>
+    <p:fade/>
+  </p:transition>
+</p:sld>
+</file>
+
+<file path=ppt/slides/slide14.xml><?xml version="1.0" encoding="utf-8"?>
+<p:sld xmlns:a="http://schemas.openxmlformats.org/drawingml/2006/main" xmlns:r="http://schemas.openxmlformats.org/officeDocument/2006/relationships" xmlns:p="http://schemas.openxmlformats.org/presentationml/2006/main">
+  <p:cSld>
+    <p:spTree>
+      <p:nvGrpSpPr>
+        <p:cNvPr id="1" name=""/>
+        <p:cNvGrpSpPr/>
+        <p:nvPr/>
+      </p:nvGrpSpPr>
+      <p:grpSpPr>
+        <a:xfrm>
+          <a:off x="0" y="0"/>
+          <a:ext cx="0" cy="0"/>
+          <a:chOff x="0" y="0"/>
+          <a:chExt cx="0" cy="0"/>
+        </a:xfrm>
+      </p:grpSpPr>
+      <p:sp>
+        <p:nvSpPr>
+          <p:cNvPr id="4" name="Title 3">
+            <a:extLst>
+              <a:ext uri="{FF2B5EF4-FFF2-40B4-BE49-F238E27FC236}">
+                <a16:creationId xmlns:a16="http://schemas.microsoft.com/office/drawing/2014/main" id="{6C5063C8-05DF-4FF4-87AF-EAA47C45560A}"/>
+              </a:ext>
+            </a:extLst>
+          </p:cNvPr>
+          <p:cNvSpPr>
+            <a:spLocks noGrp="1"/>
+          </p:cNvSpPr>
+          <p:nvPr>
+            <p:ph type="title"/>
+          </p:nvPr>
+        </p:nvSpPr>
+        <p:spPr>
+          <a:xfrm>
+            <a:off x="2279997" y="604639"/>
+            <a:ext cx="6448500" cy="672000"/>
+          </a:xfrm>
+        </p:spPr>
+        <p:txBody>
+          <a:bodyPr/>
+          <a:lstStyle/>
+          <a:p>
+            <a:r>
+              <a:rPr lang="en-US" dirty="0"/>
+              <a:t>Activity : Seat Finder</a:t>
+            </a:r>
+          </a:p>
+        </p:txBody>
+      </p:sp>
+      <p:sp>
+        <p:nvSpPr>
+          <p:cNvPr id="5" name="Text Placeholder 4">
+            <a:extLst>
+              <a:ext uri="{FF2B5EF4-FFF2-40B4-BE49-F238E27FC236}">
+                <a16:creationId xmlns:a16="http://schemas.microsoft.com/office/drawing/2014/main" id="{CDA4F86E-95E1-4BAF-9A78-08A3442B7C3A}"/>
+              </a:ext>
+            </a:extLst>
+          </p:cNvPr>
+          <p:cNvSpPr>
+            <a:spLocks noGrp="1"/>
+          </p:cNvSpPr>
+          <p:nvPr>
+            <p:ph type="body" idx="1"/>
+          </p:nvPr>
+        </p:nvSpPr>
+        <p:spPr>
+          <a:xfrm>
+            <a:off x="2279997" y="1361507"/>
+            <a:ext cx="6448500" cy="1532300"/>
+          </a:xfrm>
+        </p:spPr>
+        <p:txBody>
+          <a:bodyPr/>
+          <a:lstStyle/>
+          <a:p>
+            <a:pPr>
+              <a:buFont typeface="Arial" panose="020B0604020202020204" pitchFamily="34" charset="0"/>
+              <a:buChar char="•"/>
+            </a:pPr>
+            <a:r>
+              <a:rPr lang="en-US" dirty="0"/>
+              <a:t>Assigned Programmer (only one needed per table)</a:t>
+            </a:r>
+          </a:p>
+          <a:p>
+            <a:pPr lvl="1">
+              <a:buFont typeface="Arial" panose="020B0604020202020204" pitchFamily="34" charset="0"/>
+              <a:buChar char="•"/>
+            </a:pPr>
+            <a:r>
+              <a:rPr lang="en-US" dirty="0"/>
+              <a:t>Go to zyBooks</a:t>
+            </a:r>
+          </a:p>
+          <a:p>
+            <a:pPr lvl="1">
+              <a:buFont typeface="Arial" panose="020B0604020202020204" pitchFamily="34" charset="0"/>
+              <a:buChar char="•"/>
+            </a:pPr>
+            <a:r>
+              <a:rPr lang="en-US" dirty="0"/>
+              <a:t>Click In Class Activity: Seat Finder</a:t>
+            </a:r>
+          </a:p>
+          <a:p>
+            <a:pPr>
+              <a:buFont typeface="Arial" panose="020B0604020202020204" pitchFamily="34" charset="0"/>
+              <a:buChar char="•"/>
+            </a:pPr>
+            <a:r>
+              <a:rPr lang="en-US" dirty="0"/>
+              <a:t>Everyone else: Help that person code it</a:t>
+            </a:r>
+          </a:p>
+          <a:p>
+            <a:pPr lvl="1">
+              <a:buFont typeface="Arial" panose="020B0604020202020204" pitchFamily="34" charset="0"/>
+              <a:buChar char="•"/>
+            </a:pPr>
+            <a:r>
+              <a:rPr lang="en-US" b="1" dirty="0"/>
+              <a:t>Make sure you all explain and know what is going on!</a:t>
+            </a:r>
+          </a:p>
+          <a:p>
+            <a:pPr>
+              <a:buFont typeface="Arial" panose="020B0604020202020204" pitchFamily="34" charset="0"/>
+              <a:buChar char="•"/>
+            </a:pPr>
+            <a:endParaRPr lang="en-US" dirty="0"/>
+          </a:p>
+        </p:txBody>
+      </p:sp>
+    </p:spTree>
+    <p:extLst>
+      <p:ext uri="{BB962C8B-B14F-4D97-AF65-F5344CB8AC3E}">
+        <p14:creationId xmlns:p14="http://schemas.microsoft.com/office/powerpoint/2010/main" val="465079902"/>
+      </p:ext>
+    </p:extLst>
+  </p:cSld>
+  <p:clrMapOvr>
+    <a:masterClrMapping/>
+  </p:clrMapOvr>
+  <p:transition>
+    <p:fade/>
+  </p:transition>
+</p:sld>
+</file>
+
+<file path=ppt/slides/slide15.xml><?xml version="1.0" encoding="utf-8"?>
+<p:sld xmlns:a="http://schemas.openxmlformats.org/drawingml/2006/main" xmlns:r="http://schemas.openxmlformats.org/officeDocument/2006/relationships" xmlns:p="http://schemas.openxmlformats.org/presentationml/2006/main">
+  <p:cSld>
+    <p:spTree>
+      <p:nvGrpSpPr>
+        <p:cNvPr id="1" name=""/>
+        <p:cNvGrpSpPr/>
+        <p:nvPr/>
+      </p:nvGrpSpPr>
+      <p:grpSpPr>
+        <a:xfrm>
+          <a:off x="0" y="0"/>
+          <a:ext cx="0" cy="0"/>
+          <a:chOff x="0" y="0"/>
+          <a:chExt cx="0" cy="0"/>
+        </a:xfrm>
+      </p:grpSpPr>
+      <p:sp>
+        <p:nvSpPr>
+          <p:cNvPr id="2" name="Title 1">
+            <a:extLst>
+              <a:ext uri="{FF2B5EF4-FFF2-40B4-BE49-F238E27FC236}">
+                <a16:creationId xmlns:a16="http://schemas.microsoft.com/office/drawing/2014/main" id="{70862EE9-9804-7341-A48F-F633DB1F5C02}"/>
+              </a:ext>
+            </a:extLst>
+          </p:cNvPr>
+          <p:cNvSpPr>
+            <a:spLocks noGrp="1"/>
+          </p:cNvSpPr>
+          <p:nvPr>
+            <p:ph type="title"/>
+          </p:nvPr>
+        </p:nvSpPr>
+        <p:spPr>
+          <a:xfrm>
+            <a:off x="415638" y="260292"/>
+            <a:ext cx="8312700" cy="672000"/>
+          </a:xfrm>
+        </p:spPr>
+        <p:txBody>
+          <a:bodyPr/>
+          <a:lstStyle/>
+          <a:p>
+            <a:r>
+              <a:rPr lang="en-US" dirty="0"/>
+              <a:t>Convenience Operators</a:t>
+            </a:r>
+          </a:p>
+        </p:txBody>
+      </p:sp>
+      <p:sp>
+        <p:nvSpPr>
+          <p:cNvPr id="3" name="Text Placeholder 2">
+            <a:extLst>
+              <a:ext uri="{FF2B5EF4-FFF2-40B4-BE49-F238E27FC236}">
+                <a16:creationId xmlns:a16="http://schemas.microsoft.com/office/drawing/2014/main" id="{B6FDB505-E4AA-234E-B321-6939906DE035}"/>
+              </a:ext>
+            </a:extLst>
+          </p:cNvPr>
+          <p:cNvSpPr>
+            <a:spLocks noGrp="1"/>
+          </p:cNvSpPr>
+          <p:nvPr>
+            <p:ph type="body" idx="1"/>
+          </p:nvPr>
+        </p:nvSpPr>
+        <p:spPr>
+          <a:xfrm>
+            <a:off x="415638" y="932292"/>
+            <a:ext cx="8312700" cy="3950916"/>
+          </a:xfrm>
+        </p:spPr>
+        <p:txBody>
+          <a:bodyPr/>
+          <a:lstStyle/>
+          <a:p>
+            <a:r>
+              <a:rPr lang="en-US" dirty="0"/>
+              <a:t>We  often find ourselves doing things like</a:t>
+            </a:r>
+          </a:p>
+          <a:p>
+            <a:pPr lvl="1"/>
+            <a:r>
+              <a:rPr lang="en-US" b="0" dirty="0">
+                <a:solidFill>
+                  <a:srgbClr val="267F99"/>
+                </a:solidFill>
+                <a:effectLst/>
+                <a:latin typeface="Consolas" panose="020B0609020204030204" pitchFamily="49" charset="0"/>
+              </a:rPr>
+              <a:t>int</a:t>
+            </a:r>
+            <a:r>
+              <a:rPr lang="en-US" b="0" dirty="0">
+                <a:solidFill>
+                  <a:srgbClr val="000000"/>
+                </a:solidFill>
+                <a:effectLst/>
+                <a:latin typeface="Consolas" panose="020B0609020204030204" pitchFamily="49" charset="0"/>
+              </a:rPr>
+              <a:t> </a:t>
+            </a:r>
+            <a:r>
+              <a:rPr lang="en-US" b="0" dirty="0">
+                <a:solidFill>
+                  <a:srgbClr val="001080"/>
+                </a:solidFill>
+                <a:effectLst/>
+                <a:latin typeface="Consolas" panose="020B0609020204030204" pitchFamily="49" charset="0"/>
+              </a:rPr>
+              <a:t>value</a:t>
+            </a:r>
+            <a:r>
+              <a:rPr lang="en-US" b="0" dirty="0">
+                <a:solidFill>
+                  <a:srgbClr val="000000"/>
+                </a:solidFill>
+                <a:effectLst/>
+                <a:latin typeface="Consolas" panose="020B0609020204030204" pitchFamily="49" charset="0"/>
+              </a:rPr>
+              <a:t> = </a:t>
+            </a:r>
+            <a:r>
+              <a:rPr lang="en-US" b="0" dirty="0">
+                <a:solidFill>
+                  <a:srgbClr val="098658"/>
+                </a:solidFill>
+                <a:effectLst/>
+                <a:latin typeface="Consolas" panose="020B0609020204030204" pitchFamily="49" charset="0"/>
+              </a:rPr>
+              <a:t>100</a:t>
+            </a:r>
+            <a:r>
+              <a:rPr lang="en-US" b="0" dirty="0">
+                <a:solidFill>
+                  <a:srgbClr val="000000"/>
+                </a:solidFill>
+                <a:effectLst/>
+                <a:latin typeface="Consolas" panose="020B0609020204030204" pitchFamily="49" charset="0"/>
+              </a:rPr>
+              <a:t>;</a:t>
+            </a:r>
+          </a:p>
+          <a:p>
+            <a:pPr lvl="1"/>
+            <a:r>
+              <a:rPr lang="en-US" b="0" dirty="0">
+                <a:solidFill>
+                  <a:srgbClr val="001080"/>
+                </a:solidFill>
+                <a:effectLst/>
+                <a:latin typeface="Consolas" panose="020B0609020204030204" pitchFamily="49" charset="0"/>
+              </a:rPr>
+              <a:t>value</a:t>
+            </a:r>
+            <a:r>
+              <a:rPr lang="en-US" b="0" dirty="0">
+                <a:solidFill>
+                  <a:srgbClr val="000000"/>
+                </a:solidFill>
+                <a:effectLst/>
+                <a:latin typeface="Consolas" panose="020B0609020204030204" pitchFamily="49" charset="0"/>
+              </a:rPr>
+              <a:t> = </a:t>
+            </a:r>
+            <a:r>
+              <a:rPr lang="en-US" b="0" dirty="0">
+                <a:solidFill>
+                  <a:srgbClr val="001080"/>
+                </a:solidFill>
+                <a:effectLst/>
+                <a:latin typeface="Consolas" panose="020B0609020204030204" pitchFamily="49" charset="0"/>
+              </a:rPr>
+              <a:t>value</a:t>
+            </a:r>
+            <a:r>
+              <a:rPr lang="en-US" b="0" dirty="0">
+                <a:solidFill>
+                  <a:srgbClr val="000000"/>
+                </a:solidFill>
+                <a:effectLst/>
+                <a:latin typeface="Consolas" panose="020B0609020204030204" pitchFamily="49" charset="0"/>
+              </a:rPr>
+              <a:t> + </a:t>
+            </a:r>
+            <a:r>
+              <a:rPr lang="en-US" b="0" dirty="0">
+                <a:solidFill>
+                  <a:srgbClr val="098658"/>
+                </a:solidFill>
+                <a:effectLst/>
+                <a:latin typeface="Consolas" panose="020B0609020204030204" pitchFamily="49" charset="0"/>
+              </a:rPr>
+              <a:t>10</a:t>
+            </a:r>
+            <a:r>
+              <a:rPr lang="en-US" b="0" dirty="0">
+                <a:solidFill>
+                  <a:srgbClr val="000000"/>
+                </a:solidFill>
+                <a:effectLst/>
+                <a:latin typeface="Consolas" panose="020B0609020204030204" pitchFamily="49" charset="0"/>
+              </a:rPr>
+              <a:t>;</a:t>
+            </a:r>
+            <a:endParaRPr lang="en-US" dirty="0"/>
+          </a:p>
+          <a:p>
+            <a:r>
+              <a:rPr lang="en-US" dirty="0"/>
+              <a:t>Introducing operator plus assignment</a:t>
+            </a:r>
+          </a:p>
+          <a:p>
+            <a:pPr lvl="1"/>
+            <a:r>
+              <a:rPr lang="en-US" dirty="0"/>
+              <a:t>value += 10;  // same as value = value + 10;</a:t>
+            </a:r>
+          </a:p>
+          <a:p>
+            <a:pPr lvl="1"/>
+            <a:r>
+              <a:rPr lang="en-US" dirty="0">
+                <a:latin typeface="Consolas" panose="020B0609020204030204" pitchFamily="49" charset="0"/>
+              </a:rPr>
+              <a:t>+=</a:t>
+            </a:r>
+          </a:p>
+          <a:p>
+            <a:pPr lvl="1"/>
+            <a:r>
+              <a:rPr lang="en-US" dirty="0">
+                <a:latin typeface="Consolas" panose="020B0609020204030204" pitchFamily="49" charset="0"/>
+              </a:rPr>
+              <a:t>-=</a:t>
+            </a:r>
+          </a:p>
+          <a:p>
+            <a:pPr lvl="1"/>
+            <a:r>
+              <a:rPr lang="en-US" dirty="0">
+                <a:latin typeface="Consolas" panose="020B0609020204030204" pitchFamily="49" charset="0"/>
+              </a:rPr>
+              <a:t>/=</a:t>
+            </a:r>
+          </a:p>
+          <a:p>
+            <a:pPr lvl="1"/>
+            <a:r>
+              <a:rPr lang="en-US" dirty="0">
+                <a:latin typeface="Consolas" panose="020B0609020204030204" pitchFamily="49" charset="0"/>
+              </a:rPr>
+              <a:t>*=</a:t>
+            </a:r>
+          </a:p>
+          <a:p>
+            <a:pPr lvl="1"/>
+            <a:r>
+              <a:rPr lang="en-US" dirty="0">
+                <a:latin typeface="Consolas" panose="020B0609020204030204" pitchFamily="49" charset="0"/>
+              </a:rPr>
+              <a:t>%=</a:t>
+            </a:r>
+          </a:p>
+          <a:p>
+            <a:r>
+              <a:rPr lang="en-US" dirty="0"/>
+              <a:t>We also like to add and subtract by 1</a:t>
+            </a:r>
+          </a:p>
+          <a:p>
+            <a:pPr lvl="1"/>
+            <a:r>
+              <a:rPr lang="en-US" dirty="0"/>
+              <a:t>--value and ++value  </a:t>
+            </a:r>
+          </a:p>
+          <a:p>
+            <a:pPr lvl="1"/>
+            <a:r>
+              <a:rPr lang="en-US" dirty="0"/>
+              <a:t>value++ and value—</a:t>
+            </a:r>
+          </a:p>
+          <a:p>
+            <a:pPr lvl="2"/>
+            <a:r>
+              <a:rPr lang="en-US" dirty="0"/>
+              <a:t>Happens after using the value</a:t>
+            </a:r>
+          </a:p>
+        </p:txBody>
+      </p:sp>
+      <p:sp>
+        <p:nvSpPr>
+          <p:cNvPr id="6" name="TextBox 5">
+            <a:extLst>
+              <a:ext uri="{FF2B5EF4-FFF2-40B4-BE49-F238E27FC236}">
+                <a16:creationId xmlns:a16="http://schemas.microsoft.com/office/drawing/2014/main" id="{BF3366A5-392E-48BE-BF69-DE5EA579D8A0}"/>
+              </a:ext>
+            </a:extLst>
+          </p:cNvPr>
+          <p:cNvSpPr txBox="1"/>
+          <p:nvPr/>
+        </p:nvSpPr>
+        <p:spPr>
+          <a:xfrm>
+            <a:off x="5124526" y="1771531"/>
+            <a:ext cx="3517751" cy="1600438"/>
+          </a:xfrm>
+          <a:prstGeom prst="rect">
+            <a:avLst/>
+          </a:prstGeom>
+          <a:noFill/>
+          <a:ln>
+            <a:solidFill>
+              <a:schemeClr val="accent1"/>
+            </a:solidFill>
+          </a:ln>
+        </p:spPr>
+        <p:txBody>
+          <a:bodyPr wrap="square">
+            <a:spAutoFit/>
+          </a:bodyPr>
+          <a:lstStyle/>
+          <a:p>
+            <a:r>
+              <a:rPr lang="en-US" b="0" dirty="0">
+                <a:solidFill>
+                  <a:srgbClr val="267F99"/>
+                </a:solidFill>
+                <a:effectLst/>
+                <a:latin typeface="Consolas" panose="020B0609020204030204" pitchFamily="49" charset="0"/>
+              </a:rPr>
+              <a:t>int</a:t>
+            </a:r>
+            <a:r>
+              <a:rPr lang="en-US" b="0" dirty="0">
+                <a:solidFill>
+                  <a:srgbClr val="000000"/>
+                </a:solidFill>
+                <a:effectLst/>
+                <a:latin typeface="Consolas" panose="020B0609020204030204" pitchFamily="49" charset="0"/>
+              </a:rPr>
+              <a:t> </a:t>
+            </a:r>
+            <a:r>
+              <a:rPr lang="en-US" b="0" dirty="0">
+                <a:solidFill>
+                  <a:srgbClr val="001080"/>
+                </a:solidFill>
+                <a:effectLst/>
+                <a:latin typeface="Consolas" panose="020B0609020204030204" pitchFamily="49" charset="0"/>
+              </a:rPr>
+              <a:t>value</a:t>
+            </a:r>
+            <a:r>
+              <a:rPr lang="en-US" b="0" dirty="0">
+                <a:solidFill>
+                  <a:srgbClr val="000000"/>
+                </a:solidFill>
+                <a:effectLst/>
+                <a:latin typeface="Consolas" panose="020B0609020204030204" pitchFamily="49" charset="0"/>
+              </a:rPr>
+              <a:t> = </a:t>
+            </a:r>
+            <a:r>
+              <a:rPr lang="en-US" b="0" dirty="0">
+                <a:solidFill>
+                  <a:srgbClr val="098658"/>
+                </a:solidFill>
+                <a:effectLst/>
+                <a:latin typeface="Consolas" panose="020B0609020204030204" pitchFamily="49" charset="0"/>
+              </a:rPr>
+              <a:t>100</a:t>
+            </a:r>
+            <a:r>
+              <a:rPr lang="en-US" b="0" dirty="0">
+                <a:solidFill>
+                  <a:srgbClr val="000000"/>
+                </a:solidFill>
+                <a:effectLst/>
+                <a:latin typeface="Consolas" panose="020B0609020204030204" pitchFamily="49" charset="0"/>
+              </a:rPr>
+              <a:t>;</a:t>
+            </a:r>
+          </a:p>
+          <a:p>
+            <a:r>
+              <a:rPr lang="en-US" b="0" dirty="0">
+                <a:solidFill>
+                  <a:srgbClr val="001080"/>
+                </a:solidFill>
+                <a:effectLst/>
+                <a:latin typeface="Consolas" panose="020B0609020204030204" pitchFamily="49" charset="0"/>
+              </a:rPr>
+              <a:t>value</a:t>
+            </a:r>
+            <a:r>
+              <a:rPr lang="en-US" b="0" dirty="0">
+                <a:solidFill>
+                  <a:srgbClr val="000000"/>
+                </a:solidFill>
+                <a:effectLst/>
+                <a:latin typeface="Consolas" panose="020B0609020204030204" pitchFamily="49" charset="0"/>
+              </a:rPr>
+              <a:t>++; </a:t>
+            </a:r>
+            <a:r>
+              <a:rPr lang="en-US" b="0" dirty="0">
+                <a:solidFill>
+                  <a:srgbClr val="008000"/>
+                </a:solidFill>
+                <a:effectLst/>
+                <a:latin typeface="Consolas" panose="020B0609020204030204" pitchFamily="49" charset="0"/>
+              </a:rPr>
+              <a:t>// value is now 101</a:t>
+            </a:r>
+            <a:endParaRPr lang="en-US" b="0" dirty="0">
+              <a:solidFill>
+                <a:srgbClr val="000000"/>
+              </a:solidFill>
+              <a:effectLst/>
+              <a:latin typeface="Consolas" panose="020B0609020204030204" pitchFamily="49" charset="0"/>
+            </a:endParaRPr>
+          </a:p>
+          <a:p>
+            <a:r>
+              <a:rPr lang="en-US" b="0" dirty="0">
+                <a:solidFill>
+                  <a:srgbClr val="001080"/>
+                </a:solidFill>
+                <a:effectLst/>
+                <a:latin typeface="Consolas" panose="020B0609020204030204" pitchFamily="49" charset="0"/>
+              </a:rPr>
+              <a:t>value</a:t>
+            </a:r>
+            <a:r>
+              <a:rPr lang="en-US" b="0" dirty="0">
+                <a:solidFill>
+                  <a:srgbClr val="000000"/>
+                </a:solidFill>
+                <a:effectLst/>
+                <a:latin typeface="Consolas" panose="020B0609020204030204" pitchFamily="49" charset="0"/>
+              </a:rPr>
+              <a:t> += </a:t>
+            </a:r>
+            <a:r>
+              <a:rPr lang="en-US" b="0" dirty="0">
+                <a:solidFill>
+                  <a:srgbClr val="098658"/>
+                </a:solidFill>
+                <a:effectLst/>
+                <a:latin typeface="Consolas" panose="020B0609020204030204" pitchFamily="49" charset="0"/>
+              </a:rPr>
+              <a:t>10</a:t>
+            </a:r>
+            <a:r>
+              <a:rPr lang="en-US" b="0" dirty="0">
+                <a:solidFill>
+                  <a:srgbClr val="000000"/>
+                </a:solidFill>
+                <a:effectLst/>
+                <a:latin typeface="Consolas" panose="020B0609020204030204" pitchFamily="49" charset="0"/>
+              </a:rPr>
+              <a:t>; </a:t>
+            </a:r>
+            <a:r>
+              <a:rPr lang="en-US" b="0" dirty="0">
+                <a:solidFill>
+                  <a:srgbClr val="008000"/>
+                </a:solidFill>
+                <a:effectLst/>
+                <a:latin typeface="Consolas" panose="020B0609020204030204" pitchFamily="49" charset="0"/>
+              </a:rPr>
+              <a:t>// value is now 111</a:t>
+            </a:r>
+            <a:endParaRPr lang="en-US" b="0" dirty="0">
+              <a:solidFill>
+                <a:srgbClr val="000000"/>
+              </a:solidFill>
+              <a:effectLst/>
+              <a:latin typeface="Consolas" panose="020B0609020204030204" pitchFamily="49" charset="0"/>
+            </a:endParaRPr>
+          </a:p>
+          <a:p>
+            <a:r>
+              <a:rPr lang="en-US" b="0" dirty="0">
+                <a:solidFill>
+                  <a:srgbClr val="001080"/>
+                </a:solidFill>
+                <a:effectLst/>
+                <a:latin typeface="Consolas" panose="020B0609020204030204" pitchFamily="49" charset="0"/>
+              </a:rPr>
+              <a:t>value</a:t>
+            </a:r>
+            <a:r>
+              <a:rPr lang="en-US" b="0" dirty="0">
+                <a:solidFill>
+                  <a:srgbClr val="000000"/>
+                </a:solidFill>
+                <a:effectLst/>
+                <a:latin typeface="Consolas" panose="020B0609020204030204" pitchFamily="49" charset="0"/>
+              </a:rPr>
+              <a:t> /= </a:t>
+            </a:r>
+            <a:r>
+              <a:rPr lang="en-US" b="0" dirty="0">
+                <a:solidFill>
+                  <a:srgbClr val="098658"/>
+                </a:solidFill>
+                <a:effectLst/>
+                <a:latin typeface="Consolas" panose="020B0609020204030204" pitchFamily="49" charset="0"/>
+              </a:rPr>
+              <a:t>10</a:t>
+            </a:r>
+            <a:r>
+              <a:rPr lang="en-US" b="0" dirty="0">
+                <a:solidFill>
+                  <a:srgbClr val="000000"/>
+                </a:solidFill>
+                <a:effectLst/>
+                <a:latin typeface="Consolas" panose="020B0609020204030204" pitchFamily="49" charset="0"/>
+              </a:rPr>
+              <a:t>; </a:t>
+            </a:r>
+            <a:r>
+              <a:rPr lang="en-US" b="0" dirty="0">
+                <a:solidFill>
+                  <a:srgbClr val="008000"/>
+                </a:solidFill>
+                <a:effectLst/>
+                <a:latin typeface="Consolas" panose="020B0609020204030204" pitchFamily="49" charset="0"/>
+              </a:rPr>
+              <a:t>// value is now 11</a:t>
+            </a:r>
+            <a:endParaRPr lang="en-US" b="0" dirty="0">
+              <a:solidFill>
+                <a:srgbClr val="000000"/>
+              </a:solidFill>
+              <a:effectLst/>
+              <a:latin typeface="Consolas" panose="020B0609020204030204" pitchFamily="49" charset="0"/>
+            </a:endParaRPr>
+          </a:p>
+          <a:p>
+            <a:r>
+              <a:rPr lang="en-US" b="0" dirty="0">
+                <a:solidFill>
+                  <a:srgbClr val="001080"/>
+                </a:solidFill>
+                <a:effectLst/>
+                <a:latin typeface="Consolas" panose="020B0609020204030204" pitchFamily="49" charset="0"/>
+              </a:rPr>
+              <a:t>value</a:t>
+            </a:r>
+            <a:r>
+              <a:rPr lang="en-US" b="0" dirty="0">
+                <a:solidFill>
+                  <a:srgbClr val="000000"/>
+                </a:solidFill>
+                <a:effectLst/>
+                <a:latin typeface="Consolas" panose="020B0609020204030204" pitchFamily="49" charset="0"/>
+              </a:rPr>
+              <a:t> *= </a:t>
+            </a:r>
+            <a:r>
+              <a:rPr lang="en-US" b="0" dirty="0">
+                <a:solidFill>
+                  <a:srgbClr val="098658"/>
+                </a:solidFill>
+                <a:effectLst/>
+                <a:latin typeface="Consolas" panose="020B0609020204030204" pitchFamily="49" charset="0"/>
+              </a:rPr>
+              <a:t>2</a:t>
+            </a:r>
+            <a:r>
+              <a:rPr lang="en-US" b="0" dirty="0">
+                <a:solidFill>
+                  <a:srgbClr val="000000"/>
+                </a:solidFill>
+                <a:effectLst/>
+                <a:latin typeface="Consolas" panose="020B0609020204030204" pitchFamily="49" charset="0"/>
+              </a:rPr>
+              <a:t>; </a:t>
+            </a:r>
+            <a:r>
+              <a:rPr lang="en-US" b="0" dirty="0">
+                <a:solidFill>
+                  <a:srgbClr val="008000"/>
+                </a:solidFill>
+                <a:effectLst/>
+                <a:latin typeface="Consolas" panose="020B0609020204030204" pitchFamily="49" charset="0"/>
+              </a:rPr>
+              <a:t>// value is now 22</a:t>
+            </a:r>
+            <a:endParaRPr lang="en-US" b="0" dirty="0">
+              <a:solidFill>
+                <a:srgbClr val="000000"/>
+              </a:solidFill>
+              <a:effectLst/>
+              <a:latin typeface="Consolas" panose="020B0609020204030204" pitchFamily="49" charset="0"/>
+            </a:endParaRPr>
+          </a:p>
+          <a:p>
+            <a:r>
+              <a:rPr lang="en-US" b="0" dirty="0">
+                <a:solidFill>
+                  <a:srgbClr val="000000"/>
+                </a:solidFill>
+                <a:effectLst/>
+                <a:latin typeface="Consolas" panose="020B0609020204030204" pitchFamily="49" charset="0"/>
+              </a:rPr>
+              <a:t>--</a:t>
+            </a:r>
+            <a:r>
+              <a:rPr lang="en-US" b="0" dirty="0">
+                <a:solidFill>
+                  <a:srgbClr val="001080"/>
+                </a:solidFill>
+                <a:effectLst/>
+                <a:latin typeface="Consolas" panose="020B0609020204030204" pitchFamily="49" charset="0"/>
+              </a:rPr>
+              <a:t>value</a:t>
+            </a:r>
+            <a:r>
+              <a:rPr lang="en-US" b="0" dirty="0">
+                <a:solidFill>
+                  <a:srgbClr val="000000"/>
+                </a:solidFill>
+                <a:effectLst/>
+                <a:latin typeface="Consolas" panose="020B0609020204030204" pitchFamily="49" charset="0"/>
+              </a:rPr>
+              <a:t>; </a:t>
+            </a:r>
+            <a:r>
+              <a:rPr lang="en-US" b="0" dirty="0">
+                <a:solidFill>
+                  <a:srgbClr val="008000"/>
+                </a:solidFill>
+                <a:effectLst/>
+                <a:latin typeface="Consolas" panose="020B0609020204030204" pitchFamily="49" charset="0"/>
+              </a:rPr>
+              <a:t>// value is now 21</a:t>
+            </a:r>
+            <a:endParaRPr lang="en-US" b="0" dirty="0">
+              <a:solidFill>
+                <a:srgbClr val="000000"/>
+              </a:solidFill>
+              <a:effectLst/>
+              <a:latin typeface="Consolas" panose="020B0609020204030204" pitchFamily="49" charset="0"/>
+            </a:endParaRPr>
+          </a:p>
+          <a:p>
+            <a:r>
+              <a:rPr lang="en-US" b="0" dirty="0">
+                <a:solidFill>
+                  <a:srgbClr val="001080"/>
+                </a:solidFill>
+                <a:effectLst/>
+                <a:latin typeface="Consolas" panose="020B0609020204030204" pitchFamily="49" charset="0"/>
+              </a:rPr>
+              <a:t>value</a:t>
+            </a:r>
+            <a:r>
+              <a:rPr lang="en-US" b="0" dirty="0">
+                <a:solidFill>
+                  <a:srgbClr val="000000"/>
+                </a:solidFill>
+                <a:effectLst/>
+                <a:latin typeface="Consolas" panose="020B0609020204030204" pitchFamily="49" charset="0"/>
+              </a:rPr>
+              <a:t> %= </a:t>
+            </a:r>
+            <a:r>
+              <a:rPr lang="en-US" b="0" dirty="0">
+                <a:solidFill>
+                  <a:srgbClr val="098658"/>
+                </a:solidFill>
+                <a:effectLst/>
+                <a:latin typeface="Consolas" panose="020B0609020204030204" pitchFamily="49" charset="0"/>
+              </a:rPr>
+              <a:t>20</a:t>
+            </a:r>
+            <a:r>
+              <a:rPr lang="en-US" b="0" dirty="0">
+                <a:solidFill>
+                  <a:srgbClr val="000000"/>
+                </a:solidFill>
+                <a:effectLst/>
+                <a:latin typeface="Consolas" panose="020B0609020204030204" pitchFamily="49" charset="0"/>
+              </a:rPr>
+              <a:t>; </a:t>
+            </a:r>
+            <a:r>
+              <a:rPr lang="en-US" b="0" dirty="0">
+                <a:solidFill>
+                  <a:srgbClr val="008000"/>
+                </a:solidFill>
+                <a:effectLst/>
+                <a:latin typeface="Consolas" panose="020B0609020204030204" pitchFamily="49" charset="0"/>
+              </a:rPr>
+              <a:t>// value is now 1</a:t>
+            </a:r>
+            <a:endParaRPr lang="en-US" b="0" dirty="0">
+              <a:solidFill>
+                <a:srgbClr val="000000"/>
+              </a:solidFill>
+              <a:effectLst/>
+              <a:latin typeface="Consolas" panose="020B0609020204030204" pitchFamily="49" charset="0"/>
+            </a:endParaRPr>
+          </a:p>
+        </p:txBody>
+      </p:sp>
+    </p:spTree>
+    <p:extLst>
+      <p:ext uri="{BB962C8B-B14F-4D97-AF65-F5344CB8AC3E}">
+        <p14:creationId xmlns:p14="http://schemas.microsoft.com/office/powerpoint/2010/main" val="424386877"/>
+      </p:ext>
+    </p:extLst>
+  </p:cSld>
+  <p:clrMapOvr>
+    <a:masterClrMapping/>
+  </p:clrMapOvr>
+  <p:transition>
+    <p:fade/>
+  </p:transition>
+</p:sld>
+</file>
+
+<file path=ppt/slides/slide16.xml><?xml version="1.0" encoding="utf-8"?>
 <p:sld xmlns:a="http://schemas.openxmlformats.org/drawingml/2006/main" xmlns:r="http://schemas.openxmlformats.org/officeDocument/2006/relationships" xmlns:p="http://schemas.openxmlformats.org/presentationml/2006/main">
   <p:cSld>
     <p:spTree>
@@ -15831,8 +19422,8 @@
 </p:sld>
 </file>
 
-<file path=ppt/slides/slide11.xml><?xml version="1.0" encoding="utf-8"?>
-<p:sld xmlns:a="http://schemas.openxmlformats.org/drawingml/2006/main" xmlns:r="http://schemas.openxmlformats.org/officeDocument/2006/relationships" xmlns:p="http://schemas.openxmlformats.org/presentationml/2006/main">
+<file path=ppt/slides/slide17.xml><?xml version="1.0" encoding="utf-8"?>
+<p:sld xmlns:a="http://schemas.openxmlformats.org/drawingml/2006/main" xmlns:r="http://schemas.openxmlformats.org/officeDocument/2006/relationships" xmlns:p="http://schemas.openxmlformats.org/presentationml/2006/main" show="0">
   <p:cSld>
     <p:spTree>
       <p:nvGrpSpPr>
@@ -16085,7 +19676,7 @@
               <a:t>Reminder – readings are due </a:t>
             </a:r>
             <a:r>
-              <a:rPr lang="en-US" b="1" dirty="0"/>
+              <a:rPr lang="en-US" b="1" u="sng" dirty="0"/>
               <a:t>before</a:t>
             </a:r>
             <a:r>
@@ -16111,7 +19702,7 @@
             <a:pPr lvl="1"/>
             <a:r>
               <a:rPr lang="en-US" dirty="0"/>
-              <a:t>We start off each lecture with a quiz from your reading! </a:t>
+              <a:t>We start off lecture with a quiz from your reading! </a:t>
             </a:r>
           </a:p>
         </p:txBody>
@@ -16131,7 +19722,7 @@
         <p:spPr>
           <a:xfrm>
             <a:off x="6388687" y="229736"/>
-            <a:ext cx="2576222" cy="738664"/>
+            <a:ext cx="2576222" cy="1169551"/>
           </a:xfrm>
           <a:prstGeom prst="rect">
             <a:avLst/>
@@ -16161,95 +19752,14 @@
           </a:p>
           <a:p>
             <a:r>
-              <a:rPr lang="en-US"/>
-              <a:t>Lab </a:t>
-            </a:r>
-            <a:r>
               <a:rPr lang="en-US" dirty="0"/>
-              <a:t>projects start!</a:t>
-            </a:r>
-          </a:p>
-        </p:txBody>
-      </p:sp>
-      <p:sp>
-        <p:nvSpPr>
-          <p:cNvPr id="7" name="TextBox 6">
-            <a:extLst>
-              <a:ext uri="{FF2B5EF4-FFF2-40B4-BE49-F238E27FC236}">
-                <a16:creationId xmlns:a16="http://schemas.microsoft.com/office/drawing/2014/main" id="{0AE4994E-F0C4-1A4D-A400-16F3B108C434}"/>
-              </a:ext>
-            </a:extLst>
-          </p:cNvPr>
-          <p:cNvSpPr txBox="1"/>
-          <p:nvPr/>
-        </p:nvSpPr>
-        <p:spPr>
-          <a:xfrm>
-            <a:off x="6388687" y="1435554"/>
-            <a:ext cx="2830664" cy="1661993"/>
-          </a:xfrm>
-          <a:prstGeom prst="rect">
-            <a:avLst/>
-          </a:prstGeom>
-          <a:noFill/>
-        </p:spPr>
-        <p:txBody>
-          <a:bodyPr wrap="square" rtlCol="0">
-            <a:spAutoFit/>
-          </a:bodyPr>
-          <a:lstStyle/>
+              <a:t>Lab projects start!</a:t>
+            </a:r>
+          </a:p>
           <a:p>
             <a:r>
               <a:rPr lang="en-US" dirty="0"/>
-              <a:t>ACM  this Week</a:t>
-            </a:r>
-          </a:p>
-          <a:p>
-            <a:r>
-              <a:rPr lang="en-US" sz="1200" dirty="0"/>
-              <a:t>Success in CS Panel</a:t>
-            </a:r>
-          </a:p>
-          <a:p>
-            <a:r>
-              <a:rPr lang="en-US" sz="1200" dirty="0"/>
-              <a:t>Wednesday, 6:00 PM CSB 130</a:t>
-            </a:r>
-          </a:p>
-          <a:p>
-            <a:br>
-              <a:rPr lang="en-US" dirty="0"/>
-            </a:br>
-            <a:r>
-              <a:rPr lang="en-US" dirty="0"/>
-              <a:t>ACM-W this Week</a:t>
-            </a:r>
-          </a:p>
-          <a:p>
-            <a:r>
-              <a:rPr lang="en-US" sz="1200" dirty="0"/>
-              <a:t>Hike to </a:t>
-            </a:r>
-            <a:r>
-              <a:rPr lang="en-US" sz="1200" dirty="0" err="1"/>
-              <a:t>Horsetooth</a:t>
-            </a:r>
-            <a:r>
-              <a:rPr lang="en-US" sz="1200" dirty="0"/>
-              <a:t> Falls</a:t>
-            </a:r>
-          </a:p>
-          <a:p>
-            <a:r>
-              <a:rPr lang="en-US" sz="1200" dirty="0"/>
-              <a:t>Thursday, 5:30 PM </a:t>
-            </a:r>
-            <a:br>
-              <a:rPr lang="en-US" sz="1200" dirty="0"/>
-            </a:br>
-            <a:r>
-              <a:rPr lang="en-US" sz="1200" dirty="0"/>
-              <a:t>Meet outside CSB front of building</a:t>
+              <a:t>Remember: build a habit of doing a little every night!</a:t>
             </a:r>
           </a:p>
         </p:txBody>
@@ -17242,10 +20752,10 @@
               <a:buNone/>
             </a:pPr>
             <a:r>
-              <a:rPr lang="en"/>
-              <a:t>Identifiers </a:t>
-            </a:r>
-            <a:endParaRPr/>
+              <a:rPr lang="en" dirty="0"/>
+              <a:t>Variables </a:t>
+            </a:r>
+            <a:endParaRPr dirty="0"/>
           </a:p>
         </p:txBody>
       </p:sp>
@@ -17262,7 +20772,7 @@
         <p:spPr>
           <a:xfrm>
             <a:off x="415638" y="1423772"/>
-            <a:ext cx="8312700" cy="2817000"/>
+            <a:ext cx="8312700" cy="2018675"/>
           </a:xfrm>
           <a:prstGeom prst="rect">
             <a:avLst/>
@@ -17349,7 +20859,7 @@
                   <a:srgbClr val="000000"/>
                 </a:solidFill>
               </a:rPr>
-              <a:t>int x = 100; </a:t>
+              <a:t>Cannot be a reserved word</a:t>
             </a:r>
             <a:endParaRPr dirty="0">
               <a:solidFill>
@@ -17377,7 +20887,7 @@
                   <a:srgbClr val="000000"/>
                 </a:solidFill>
               </a:rPr>
-              <a:t>Cannot be a reserved word</a:t>
+              <a:t>Cannot start with numbers or special characters outside of underscore</a:t>
             </a:r>
             <a:endParaRPr dirty="0">
               <a:solidFill>
@@ -17405,22 +20915,46 @@
                   <a:srgbClr val="000000"/>
                 </a:solidFill>
               </a:rPr>
-              <a:t>Cannot start with numbers or special characters outside of underscore</a:t>
-            </a:r>
-            <a:endParaRPr dirty="0">
-              <a:solidFill>
-                <a:srgbClr val="000000"/>
-              </a:solidFill>
-            </a:endParaRPr>
-          </a:p>
-          <a:p>
-            <a:pPr marL="914400" lvl="1" indent="-298450" algn="l" rtl="0">
-              <a:spcBef>
-                <a:spcPts val="0"/>
-              </a:spcBef>
-              <a:spcAft>
-                <a:spcPts val="0"/>
-              </a:spcAft>
+              <a:t>Use real words! </a:t>
+            </a:r>
+            <a:r>
+              <a:rPr lang="en" b="1" dirty="0">
+                <a:solidFill>
+                  <a:srgbClr val="000000"/>
+                </a:solidFill>
+              </a:rPr>
+              <a:t>int x </a:t>
+            </a:r>
+            <a:r>
+              <a:rPr lang="en" dirty="0">
+                <a:solidFill>
+                  <a:srgbClr val="000000"/>
+                </a:solidFill>
+              </a:rPr>
+              <a:t>doesn’t mean much, but </a:t>
+            </a:r>
+            <a:r>
+              <a:rPr lang="en" b="1" dirty="0">
+                <a:solidFill>
+                  <a:srgbClr val="000000"/>
+                </a:solidFill>
+              </a:rPr>
+              <a:t>int puppyCounter </a:t>
+            </a:r>
+            <a:r>
+              <a:rPr lang="en" dirty="0">
+                <a:solidFill>
+                  <a:srgbClr val="000000"/>
+                </a:solidFill>
+              </a:rPr>
+              <a:t>- has meaning and readable!</a:t>
+            </a:r>
+          </a:p>
+          <a:p>
+            <a:pPr indent="-298450">
+              <a:spcBef>
+                <a:spcPts val="0"/>
+              </a:spcBef>
               <a:buClr>
                 <a:srgbClr val="000000"/>
               </a:buClr>
@@ -17428,12 +20962,85 @@
               <a:buChar char="○"/>
             </a:pPr>
             <a:r>
+              <a:rPr lang="en" b="1" dirty="0">
+                <a:solidFill>
+                  <a:srgbClr val="000000"/>
+                </a:solidFill>
+              </a:rPr>
+              <a:t>Declaring</a:t>
+            </a:r>
+            <a:r>
               <a:rPr lang="en" dirty="0">
                 <a:solidFill>
                   <a:srgbClr val="000000"/>
                 </a:solidFill>
               </a:rPr>
-              <a:t>Use real words! </a:t>
+              <a:t> Variables:</a:t>
+            </a:r>
+          </a:p>
+          <a:p>
+            <a:pPr lvl="1">
+              <a:spcBef>
+                <a:spcPts val="0"/>
+              </a:spcBef>
+              <a:buClr>
+                <a:srgbClr val="000000"/>
+              </a:buClr>
+              <a:buChar char="○"/>
+            </a:pPr>
+            <a:r>
+              <a:rPr lang="en" dirty="0">
+                <a:solidFill>
+                  <a:srgbClr val="000000"/>
+                </a:solidFill>
+              </a:rPr>
+              <a:t>&lt;TYPE&gt; &lt;IDENTIFIER&gt;;</a:t>
+            </a:r>
+          </a:p>
+          <a:p>
+            <a:pPr lvl="1">
+              <a:spcBef>
+                <a:spcPts val="0"/>
+              </a:spcBef>
+              <a:buClr>
+                <a:srgbClr val="000000"/>
+              </a:buClr>
+              <a:buChar char="○"/>
+            </a:pPr>
+            <a:r>
+              <a:rPr lang="en-US" dirty="0">
+                <a:solidFill>
+                  <a:srgbClr val="000000"/>
+                </a:solidFill>
+              </a:rPr>
+              <a:t>C</a:t>
+            </a:r>
+            <a:r>
+              <a:rPr lang="en" dirty="0">
+                <a:solidFill>
+                  <a:srgbClr val="000000"/>
+                </a:solidFill>
+              </a:rPr>
+              <a:t>an be declared in the same line</a:t>
+            </a:r>
+          </a:p>
+          <a:p>
+            <a:pPr lvl="1">
+              <a:spcBef>
+                <a:spcPts val="0"/>
+              </a:spcBef>
+              <a:buClr>
+                <a:srgbClr val="000000"/>
+              </a:buClr>
+              <a:buChar char="○"/>
+            </a:pPr>
+            <a:r>
+              <a:rPr lang="en" dirty="0">
+                <a:solidFill>
+                  <a:srgbClr val="000000"/>
+                </a:solidFill>
+              </a:rPr>
+              <a:t>Declaring </a:t>
             </a:r>
             <a:r>
               <a:rPr lang="en" b="1" dirty="0">
@@ -17441,7 +21048,7 @@
                   <a:srgbClr val="000000"/>
                 </a:solidFill>
               </a:rPr>
-              <a:t>int x </a:t>
+              <a:t>reserves</a:t>
             </a:r>
             <a:r>
               <a:rPr lang="en" dirty="0">
@@ -17449,7 +21056,7 @@
                   <a:srgbClr val="000000"/>
                 </a:solidFill>
               </a:rPr>
-              <a:t>doesn’t mean much, but </a:t>
+              <a:t> or </a:t>
             </a:r>
             <a:r>
               <a:rPr lang="en" b="1" dirty="0">
@@ -17457,53 +21064,417 @@
                   <a:srgbClr val="000000"/>
                 </a:solidFill>
               </a:rPr>
-              <a:t>int </a:t>
-            </a:r>
-            <a:r>
-              <a:rPr lang="en" b="1" dirty="0" err="1">
+              <a:t>allocates</a:t>
+            </a:r>
+            <a:r>
+              <a:rPr lang="en" dirty="0">
                 <a:solidFill>
                   <a:srgbClr val="000000"/>
                 </a:solidFill>
               </a:rPr>
-              <a:t>puppyCounter</a:t>
-            </a:r>
-            <a:r>
-              <a:rPr lang="en" b="1" dirty="0">
-                <a:solidFill>
-                  <a:srgbClr val="000000"/>
-                </a:solidFill>
-              </a:rPr>
-              <a:t> </a:t>
-            </a:r>
-            <a:r>
-              <a:rPr lang="en" dirty="0">
-                <a:solidFill>
-                  <a:srgbClr val="000000"/>
-                </a:solidFill>
-              </a:rPr>
-              <a:t>- has meaning and readable!</a:t>
-            </a:r>
-            <a:endParaRPr dirty="0">
-              <a:solidFill>
+              <a:t> memory! But doesn’t store!</a:t>
+            </a:r>
+          </a:p>
+          <a:p>
+            <a:pPr lvl="1">
+              <a:spcBef>
+                <a:spcPts val="0"/>
+              </a:spcBef>
+              <a:buClr>
                 <a:srgbClr val="000000"/>
-              </a:solidFill>
-            </a:endParaRPr>
-          </a:p>
-          <a:p>
-            <a:pPr marL="0" lvl="0" indent="0" algn="l" rtl="0">
-              <a:spcBef>
-                <a:spcPts val="400"/>
-              </a:spcBef>
-              <a:spcAft>
-                <a:spcPts val="400"/>
-              </a:spcAft>
-              <a:buNone/>
+              </a:buClr>
+              <a:buChar char="○"/>
             </a:pPr>
             <a:endParaRPr dirty="0">
               <a:solidFill>
                 <a:srgbClr val="000000"/>
               </a:solidFill>
             </a:endParaRPr>
+          </a:p>
+          <a:p>
+            <a:pPr marL="0" lvl="0" indent="0" algn="l" rtl="0">
+              <a:spcBef>
+                <a:spcPts val="400"/>
+              </a:spcBef>
+              <a:spcAft>
+                <a:spcPts val="400"/>
+              </a:spcAft>
+              <a:buNone/>
+            </a:pPr>
+            <a:endParaRPr lang="en-US" dirty="0">
+              <a:solidFill>
+                <a:srgbClr val="000000"/>
+              </a:solidFill>
+            </a:endParaRPr>
+          </a:p>
+        </p:txBody>
+      </p:sp>
+      <p:sp>
+        <p:nvSpPr>
+          <p:cNvPr id="7" name="TextBox 6">
+            <a:extLst>
+              <a:ext uri="{FF2B5EF4-FFF2-40B4-BE49-F238E27FC236}">
+                <a16:creationId xmlns:a16="http://schemas.microsoft.com/office/drawing/2014/main" id="{49B81023-56AA-431D-ABEB-30210B8FD6BB}"/>
+              </a:ext>
+            </a:extLst>
+          </p:cNvPr>
+          <p:cNvSpPr txBox="1"/>
+          <p:nvPr/>
+        </p:nvSpPr>
+        <p:spPr>
+          <a:xfrm>
+            <a:off x="-10768" y="3468667"/>
+            <a:ext cx="4582756" cy="1169551"/>
+          </a:xfrm>
+          <a:prstGeom prst="rect">
+            <a:avLst/>
+          </a:prstGeom>
+          <a:noFill/>
+        </p:spPr>
+        <p:txBody>
+          <a:bodyPr wrap="square">
+            <a:spAutoFit/>
+          </a:bodyPr>
+          <a:lstStyle/>
+          <a:p>
+            <a:r>
+              <a:rPr lang="en-US" b="0" dirty="0">
+                <a:solidFill>
+                  <a:srgbClr val="000000"/>
+                </a:solidFill>
+                <a:effectLst/>
+                <a:latin typeface="Consolas" panose="020B0609020204030204" pitchFamily="49" charset="0"/>
+              </a:rPr>
+              <a:t>        </a:t>
+            </a:r>
+            <a:r>
+              <a:rPr lang="en-US" b="0" dirty="0">
+                <a:solidFill>
+                  <a:srgbClr val="267F99"/>
+                </a:solidFill>
+                <a:effectLst/>
+                <a:latin typeface="Consolas" panose="020B0609020204030204" pitchFamily="49" charset="0"/>
+              </a:rPr>
+              <a:t>int</a:t>
+            </a:r>
+            <a:r>
+              <a:rPr lang="en-US" b="0" dirty="0">
+                <a:solidFill>
+                  <a:srgbClr val="000000"/>
+                </a:solidFill>
+                <a:effectLst/>
+                <a:latin typeface="Consolas" panose="020B0609020204030204" pitchFamily="49" charset="0"/>
+              </a:rPr>
+              <a:t> </a:t>
+            </a:r>
+            <a:r>
+              <a:rPr lang="en-US" b="0" dirty="0" err="1">
+                <a:solidFill>
+                  <a:srgbClr val="001080"/>
+                </a:solidFill>
+                <a:effectLst/>
+                <a:latin typeface="Consolas" panose="020B0609020204030204" pitchFamily="49" charset="0"/>
+              </a:rPr>
+              <a:t>myInt</a:t>
+            </a:r>
+            <a:r>
+              <a:rPr lang="en-US" b="0" dirty="0">
+                <a:solidFill>
+                  <a:srgbClr val="000000"/>
+                </a:solidFill>
+                <a:effectLst/>
+                <a:latin typeface="Consolas" panose="020B0609020204030204" pitchFamily="49" charset="0"/>
+              </a:rPr>
+              <a:t>;</a:t>
+            </a:r>
+          </a:p>
+          <a:p>
+            <a:r>
+              <a:rPr lang="en-US" b="0" dirty="0">
+                <a:solidFill>
+                  <a:srgbClr val="000000"/>
+                </a:solidFill>
+                <a:effectLst/>
+                <a:latin typeface="Consolas" panose="020B0609020204030204" pitchFamily="49" charset="0"/>
+              </a:rPr>
+              <a:t>        </a:t>
+            </a:r>
+            <a:r>
+              <a:rPr lang="en-US" b="0" dirty="0">
+                <a:solidFill>
+                  <a:srgbClr val="267F99"/>
+                </a:solidFill>
+                <a:effectLst/>
+                <a:latin typeface="Consolas" panose="020B0609020204030204" pitchFamily="49" charset="0"/>
+              </a:rPr>
+              <a:t>double</a:t>
+            </a:r>
+            <a:r>
+              <a:rPr lang="en-US" b="0" dirty="0">
+                <a:solidFill>
+                  <a:srgbClr val="000000"/>
+                </a:solidFill>
+                <a:effectLst/>
+                <a:latin typeface="Consolas" panose="020B0609020204030204" pitchFamily="49" charset="0"/>
+              </a:rPr>
+              <a:t> </a:t>
+            </a:r>
+            <a:r>
+              <a:rPr lang="en-US" b="0" dirty="0" err="1">
+                <a:solidFill>
+                  <a:srgbClr val="001080"/>
+                </a:solidFill>
+                <a:effectLst/>
+                <a:latin typeface="Consolas" panose="020B0609020204030204" pitchFamily="49" charset="0"/>
+              </a:rPr>
+              <a:t>myDouble</a:t>
+            </a:r>
+            <a:r>
+              <a:rPr lang="en-US" b="0" dirty="0">
+                <a:solidFill>
+                  <a:srgbClr val="000000"/>
+                </a:solidFill>
+                <a:effectLst/>
+                <a:latin typeface="Consolas" panose="020B0609020204030204" pitchFamily="49" charset="0"/>
+              </a:rPr>
+              <a:t>;</a:t>
+            </a:r>
+          </a:p>
+          <a:p>
+            <a:r>
+              <a:rPr lang="en-US" b="0" dirty="0">
+                <a:solidFill>
+                  <a:srgbClr val="000000"/>
+                </a:solidFill>
+                <a:effectLst/>
+                <a:latin typeface="Consolas" panose="020B0609020204030204" pitchFamily="49" charset="0"/>
+              </a:rPr>
+              <a:t>        </a:t>
+            </a:r>
+            <a:r>
+              <a:rPr lang="en-US" b="0" dirty="0">
+                <a:solidFill>
+                  <a:srgbClr val="267F99"/>
+                </a:solidFill>
+                <a:effectLst/>
+                <a:latin typeface="Consolas" panose="020B0609020204030204" pitchFamily="49" charset="0"/>
+              </a:rPr>
+              <a:t>int</a:t>
+            </a:r>
+            <a:r>
+              <a:rPr lang="en-US" b="0" dirty="0">
+                <a:solidFill>
+                  <a:srgbClr val="000000"/>
+                </a:solidFill>
+                <a:effectLst/>
+                <a:latin typeface="Consolas" panose="020B0609020204030204" pitchFamily="49" charset="0"/>
+              </a:rPr>
+              <a:t> </a:t>
+            </a:r>
+            <a:r>
+              <a:rPr lang="en-US" b="0" dirty="0">
+                <a:solidFill>
+                  <a:srgbClr val="001080"/>
+                </a:solidFill>
+                <a:effectLst/>
+                <a:latin typeface="Consolas" panose="020B0609020204030204" pitchFamily="49" charset="0"/>
+              </a:rPr>
+              <a:t>x</a:t>
+            </a:r>
+            <a:r>
+              <a:rPr lang="en-US" b="0" dirty="0">
+                <a:solidFill>
+                  <a:srgbClr val="000000"/>
+                </a:solidFill>
+                <a:effectLst/>
+                <a:latin typeface="Consolas" panose="020B0609020204030204" pitchFamily="49" charset="0"/>
+              </a:rPr>
+              <a:t>, </a:t>
+            </a:r>
+            <a:r>
+              <a:rPr lang="en-US" b="0" dirty="0">
+                <a:solidFill>
+                  <a:srgbClr val="001080"/>
+                </a:solidFill>
+                <a:effectLst/>
+                <a:latin typeface="Consolas" panose="020B0609020204030204" pitchFamily="49" charset="0"/>
+              </a:rPr>
+              <a:t>y</a:t>
+            </a:r>
+            <a:r>
+              <a:rPr lang="en-US" b="0" dirty="0">
+                <a:solidFill>
+                  <a:srgbClr val="000000"/>
+                </a:solidFill>
+                <a:effectLst/>
+                <a:latin typeface="Consolas" panose="020B0609020204030204" pitchFamily="49" charset="0"/>
+              </a:rPr>
+              <a:t>, </a:t>
+            </a:r>
+            <a:r>
+              <a:rPr lang="en-US" b="0" dirty="0">
+                <a:solidFill>
+                  <a:srgbClr val="001080"/>
+                </a:solidFill>
+                <a:effectLst/>
+                <a:latin typeface="Consolas" panose="020B0609020204030204" pitchFamily="49" charset="0"/>
+              </a:rPr>
+              <a:t>z</a:t>
+            </a:r>
+            <a:r>
+              <a:rPr lang="en-US" b="0" dirty="0">
+                <a:solidFill>
+                  <a:srgbClr val="000000"/>
+                </a:solidFill>
+                <a:effectLst/>
+                <a:latin typeface="Consolas" panose="020B0609020204030204" pitchFamily="49" charset="0"/>
+              </a:rPr>
+              <a:t>;</a:t>
+            </a:r>
+          </a:p>
+          <a:p>
+            <a:r>
+              <a:rPr lang="en-US" b="0" dirty="0">
+                <a:solidFill>
+                  <a:srgbClr val="000000"/>
+                </a:solidFill>
+                <a:effectLst/>
+                <a:latin typeface="Consolas" panose="020B0609020204030204" pitchFamily="49" charset="0"/>
+              </a:rPr>
+              <a:t>        </a:t>
+            </a:r>
+            <a:r>
+              <a:rPr lang="en-US" b="0" dirty="0">
+                <a:solidFill>
+                  <a:srgbClr val="267F99"/>
+                </a:solidFill>
+                <a:effectLst/>
+                <a:latin typeface="Consolas" panose="020B0609020204030204" pitchFamily="49" charset="0"/>
+              </a:rPr>
+              <a:t>double</a:t>
+            </a:r>
+            <a:r>
+              <a:rPr lang="en-US" b="0" dirty="0">
+                <a:solidFill>
+                  <a:srgbClr val="000000"/>
+                </a:solidFill>
+                <a:effectLst/>
+                <a:latin typeface="Consolas" panose="020B0609020204030204" pitchFamily="49" charset="0"/>
+              </a:rPr>
+              <a:t> </a:t>
+            </a:r>
+            <a:r>
+              <a:rPr lang="en-US" b="0" dirty="0" err="1">
+                <a:solidFill>
+                  <a:srgbClr val="001080"/>
+                </a:solidFill>
+                <a:effectLst/>
+                <a:latin typeface="Consolas" panose="020B0609020204030204" pitchFamily="49" charset="0"/>
+              </a:rPr>
+              <a:t>dbl</a:t>
+            </a:r>
+            <a:r>
+              <a:rPr lang="en-US" b="0" dirty="0">
+                <a:solidFill>
+                  <a:srgbClr val="000000"/>
+                </a:solidFill>
+                <a:effectLst/>
+                <a:latin typeface="Consolas" panose="020B0609020204030204" pitchFamily="49" charset="0"/>
+              </a:rPr>
+              <a:t>, </a:t>
+            </a:r>
+            <a:r>
+              <a:rPr lang="en-US" b="0" dirty="0">
+                <a:solidFill>
+                  <a:srgbClr val="001080"/>
+                </a:solidFill>
+                <a:effectLst/>
+                <a:latin typeface="Consolas" panose="020B0609020204030204" pitchFamily="49" charset="0"/>
+              </a:rPr>
+              <a:t>dbl2</a:t>
+            </a:r>
+            <a:r>
+              <a:rPr lang="en-US" b="0" dirty="0">
+                <a:solidFill>
+                  <a:srgbClr val="000000"/>
+                </a:solidFill>
+                <a:effectLst/>
+                <a:latin typeface="Consolas" panose="020B0609020204030204" pitchFamily="49" charset="0"/>
+              </a:rPr>
+              <a:t>, </a:t>
+            </a:r>
+            <a:r>
+              <a:rPr lang="en-US" b="0" dirty="0" err="1">
+                <a:solidFill>
+                  <a:srgbClr val="001080"/>
+                </a:solidFill>
+                <a:effectLst/>
+                <a:latin typeface="Consolas" panose="020B0609020204030204" pitchFamily="49" charset="0"/>
+              </a:rPr>
+              <a:t>longerDoubleName</a:t>
+            </a:r>
+            <a:r>
+              <a:rPr lang="en-US" b="0" dirty="0">
+                <a:solidFill>
+                  <a:srgbClr val="000000"/>
+                </a:solidFill>
+                <a:effectLst/>
+                <a:latin typeface="Consolas" panose="020B0609020204030204" pitchFamily="49" charset="0"/>
+              </a:rPr>
+              <a:t>;</a:t>
+            </a:r>
+          </a:p>
+          <a:p>
+            <a:r>
+              <a:rPr lang="en-US" b="0" dirty="0">
+                <a:solidFill>
+                  <a:srgbClr val="000000"/>
+                </a:solidFill>
+                <a:effectLst/>
+                <a:latin typeface="Consolas" panose="020B0609020204030204" pitchFamily="49" charset="0"/>
+              </a:rPr>
+              <a:t>        </a:t>
+            </a:r>
+            <a:r>
+              <a:rPr lang="en-US" b="0" dirty="0">
+                <a:solidFill>
+                  <a:srgbClr val="267F99"/>
+                </a:solidFill>
+                <a:effectLst/>
+                <a:latin typeface="Consolas" panose="020B0609020204030204" pitchFamily="49" charset="0"/>
+              </a:rPr>
+              <a:t>String</a:t>
+            </a:r>
+            <a:r>
+              <a:rPr lang="en-US" b="0" dirty="0">
+                <a:solidFill>
+                  <a:srgbClr val="000000"/>
+                </a:solidFill>
+                <a:effectLst/>
+                <a:latin typeface="Consolas" panose="020B0609020204030204" pitchFamily="49" charset="0"/>
+              </a:rPr>
+              <a:t> </a:t>
+            </a:r>
+            <a:r>
+              <a:rPr lang="en-US" b="0" dirty="0" err="1">
+                <a:solidFill>
+                  <a:srgbClr val="001080"/>
+                </a:solidFill>
+                <a:effectLst/>
+                <a:latin typeface="Consolas" panose="020B0609020204030204" pitchFamily="49" charset="0"/>
+              </a:rPr>
+              <a:t>firstProgrammer</a:t>
+            </a:r>
+            <a:r>
+              <a:rPr lang="en-US" b="0" dirty="0">
+                <a:solidFill>
+                  <a:srgbClr val="000000"/>
+                </a:solidFill>
+                <a:effectLst/>
+                <a:latin typeface="Consolas" panose="020B0609020204030204" pitchFamily="49" charset="0"/>
+              </a:rPr>
+              <a:t>;</a:t>
+            </a:r>
           </a:p>
         </p:txBody>
       </p:sp>
@@ -17516,6 +21487,710 @@
 </file>
 
 <file path=ppt/slides/slide7.xml><?xml version="1.0" encoding="utf-8"?>
+<p:sld xmlns:a="http://schemas.openxmlformats.org/drawingml/2006/main" xmlns:r="http://schemas.openxmlformats.org/officeDocument/2006/relationships" xmlns:p="http://schemas.openxmlformats.org/presentationml/2006/main">
+  <p:cSld>
+    <p:spTree>
+      <p:nvGrpSpPr>
+        <p:cNvPr id="1" name=""/>
+        <p:cNvGrpSpPr/>
+        <p:nvPr/>
+      </p:nvGrpSpPr>
+      <p:grpSpPr>
+        <a:xfrm>
+          <a:off x="0" y="0"/>
+          <a:ext cx="0" cy="0"/>
+          <a:chOff x="0" y="0"/>
+          <a:chExt cx="0" cy="0"/>
+        </a:xfrm>
+      </p:grpSpPr>
+      <p:sp>
+        <p:nvSpPr>
+          <p:cNvPr id="2" name="Title 1">
+            <a:extLst>
+              <a:ext uri="{FF2B5EF4-FFF2-40B4-BE49-F238E27FC236}">
+                <a16:creationId xmlns:a16="http://schemas.microsoft.com/office/drawing/2014/main" id="{C9C5154B-B115-4DC2-A0B8-5DEB780E7389}"/>
+              </a:ext>
+            </a:extLst>
+          </p:cNvPr>
+          <p:cNvSpPr>
+            <a:spLocks noGrp="1"/>
+          </p:cNvSpPr>
+          <p:nvPr>
+            <p:ph type="title"/>
+          </p:nvPr>
+        </p:nvSpPr>
+        <p:spPr/>
+        <p:txBody>
+          <a:bodyPr/>
+          <a:lstStyle/>
+          <a:p>
+            <a:r>
+              <a:rPr lang="en-US" dirty="0"/>
+              <a:t>Assigning / Storing Values</a:t>
+            </a:r>
+          </a:p>
+        </p:txBody>
+      </p:sp>
+      <p:sp>
+        <p:nvSpPr>
+          <p:cNvPr id="3" name="Text Placeholder 2">
+            <a:extLst>
+              <a:ext uri="{FF2B5EF4-FFF2-40B4-BE49-F238E27FC236}">
+                <a16:creationId xmlns:a16="http://schemas.microsoft.com/office/drawing/2014/main" id="{B382C4D9-7899-414B-A490-50C1048EA1F9}"/>
+              </a:ext>
+            </a:extLst>
+          </p:cNvPr>
+          <p:cNvSpPr>
+            <a:spLocks noGrp="1"/>
+          </p:cNvSpPr>
+          <p:nvPr>
+            <p:ph type="body" idx="1"/>
+          </p:nvPr>
+        </p:nvSpPr>
+        <p:spPr>
+          <a:xfrm>
+            <a:off x="157454" y="1495785"/>
+            <a:ext cx="4156362" cy="2818031"/>
+          </a:xfrm>
+        </p:spPr>
+        <p:txBody>
+          <a:bodyPr/>
+          <a:lstStyle/>
+          <a:p>
+            <a:r>
+              <a:rPr lang="en-US" dirty="0"/>
+              <a:t>Single equals sign (=) assigns values</a:t>
+            </a:r>
+          </a:p>
+          <a:p>
+            <a:r>
+              <a:rPr lang="en-US" dirty="0"/>
+              <a:t>The value </a:t>
+            </a:r>
+            <a:r>
+              <a:rPr lang="en-US" b="1" dirty="0"/>
+              <a:t>must</a:t>
+            </a:r>
+            <a:r>
+              <a:rPr lang="en-US" dirty="0"/>
+              <a:t> match the type</a:t>
+            </a:r>
+          </a:p>
+          <a:p>
+            <a:pPr lvl="1"/>
+            <a:r>
+              <a:rPr lang="en-US" dirty="0"/>
+              <a:t>Strongly typed language</a:t>
+            </a:r>
+          </a:p>
+          <a:p>
+            <a:r>
+              <a:rPr lang="en-US" dirty="0"/>
+              <a:t>You can change the value as much as you want</a:t>
+            </a:r>
+          </a:p>
+          <a:p>
+            <a:pPr lvl="1"/>
+            <a:r>
+              <a:rPr lang="en-US" dirty="0"/>
+              <a:t>But it must still be the same type</a:t>
+            </a:r>
+          </a:p>
+          <a:p>
+            <a:r>
+              <a:rPr lang="en-US" dirty="0"/>
+              <a:t>Assigning the first time is called</a:t>
+            </a:r>
+          </a:p>
+          <a:p>
+            <a:pPr lvl="1"/>
+            <a:r>
+              <a:rPr lang="en-US" dirty="0"/>
+              <a:t>Initialization</a:t>
+            </a:r>
+          </a:p>
+          <a:p>
+            <a:pPr lvl="1"/>
+            <a:r>
+              <a:rPr lang="en-US" dirty="0"/>
+              <a:t>Often done in the same line as declaring</a:t>
+            </a:r>
+          </a:p>
+          <a:p>
+            <a:r>
+              <a:rPr lang="en-US" dirty="0"/>
+              <a:t>Objects have the </a:t>
+            </a:r>
+            <a:r>
+              <a:rPr lang="en-US" b="1" dirty="0"/>
+              <a:t>null</a:t>
+            </a:r>
+            <a:r>
+              <a:rPr lang="en-US" dirty="0"/>
+              <a:t> value if not assigned</a:t>
+            </a:r>
+          </a:p>
+        </p:txBody>
+      </p:sp>
+      <p:sp>
+        <p:nvSpPr>
+          <p:cNvPr id="5" name="TextBox 4">
+            <a:extLst>
+              <a:ext uri="{FF2B5EF4-FFF2-40B4-BE49-F238E27FC236}">
+                <a16:creationId xmlns:a16="http://schemas.microsoft.com/office/drawing/2014/main" id="{C33FC16E-2C18-4FE4-BE42-DEECC1E3D845}"/>
+              </a:ext>
+            </a:extLst>
+          </p:cNvPr>
+          <p:cNvSpPr txBox="1"/>
+          <p:nvPr/>
+        </p:nvSpPr>
+        <p:spPr>
+          <a:xfrm>
+            <a:off x="4156362" y="1792173"/>
+            <a:ext cx="4830184" cy="1815882"/>
+          </a:xfrm>
+          <a:prstGeom prst="rect">
+            <a:avLst/>
+          </a:prstGeom>
+          <a:noFill/>
+          <a:ln>
+            <a:solidFill>
+              <a:schemeClr val="accent1"/>
+            </a:solidFill>
+          </a:ln>
+        </p:spPr>
+        <p:txBody>
+          <a:bodyPr wrap="square">
+            <a:spAutoFit/>
+          </a:bodyPr>
+          <a:lstStyle/>
+          <a:p>
+            <a:r>
+              <a:rPr lang="en-US" b="0" dirty="0">
+                <a:solidFill>
+                  <a:srgbClr val="267F99"/>
+                </a:solidFill>
+                <a:effectLst/>
+                <a:latin typeface="Consolas" panose="020B0609020204030204" pitchFamily="49" charset="0"/>
+              </a:rPr>
+              <a:t>String</a:t>
+            </a:r>
+            <a:r>
+              <a:rPr lang="en-US" b="0" dirty="0">
+                <a:solidFill>
+                  <a:srgbClr val="000000"/>
+                </a:solidFill>
+                <a:effectLst/>
+                <a:latin typeface="Consolas" panose="020B0609020204030204" pitchFamily="49" charset="0"/>
+              </a:rPr>
+              <a:t> </a:t>
+            </a:r>
+            <a:r>
+              <a:rPr lang="en-US" b="0" dirty="0" err="1">
+                <a:solidFill>
+                  <a:srgbClr val="001080"/>
+                </a:solidFill>
+                <a:effectLst/>
+                <a:latin typeface="Consolas" panose="020B0609020204030204" pitchFamily="49" charset="0"/>
+              </a:rPr>
+              <a:t>firstProgrammer</a:t>
+            </a:r>
+            <a:r>
+              <a:rPr lang="en-US" b="0" dirty="0">
+                <a:solidFill>
+                  <a:srgbClr val="000000"/>
+                </a:solidFill>
+                <a:effectLst/>
+                <a:latin typeface="Consolas" panose="020B0609020204030204" pitchFamily="49" charset="0"/>
+              </a:rPr>
+              <a:t>;</a:t>
+            </a:r>
+          </a:p>
+          <a:p>
+            <a:r>
+              <a:rPr lang="en-US" b="0" dirty="0" err="1">
+                <a:solidFill>
+                  <a:srgbClr val="001080"/>
+                </a:solidFill>
+                <a:effectLst/>
+                <a:latin typeface="Consolas" panose="020B0609020204030204" pitchFamily="49" charset="0"/>
+              </a:rPr>
+              <a:t>firstProgrammer</a:t>
+            </a:r>
+            <a:r>
+              <a:rPr lang="en-US" b="0" dirty="0">
+                <a:solidFill>
+                  <a:srgbClr val="000000"/>
+                </a:solidFill>
+                <a:effectLst/>
+                <a:latin typeface="Consolas" panose="020B0609020204030204" pitchFamily="49" charset="0"/>
+              </a:rPr>
+              <a:t> = </a:t>
+            </a:r>
+            <a:r>
+              <a:rPr lang="en-US" b="0" dirty="0">
+                <a:solidFill>
+                  <a:srgbClr val="A31515"/>
+                </a:solidFill>
+                <a:effectLst/>
+                <a:latin typeface="Consolas" panose="020B0609020204030204" pitchFamily="49" charset="0"/>
+              </a:rPr>
+              <a:t>"Countess Lovelace"</a:t>
+            </a:r>
+            <a:r>
+              <a:rPr lang="en-US" b="0" dirty="0">
+                <a:solidFill>
+                  <a:srgbClr val="000000"/>
+                </a:solidFill>
+                <a:effectLst/>
+                <a:latin typeface="Consolas" panose="020B0609020204030204" pitchFamily="49" charset="0"/>
+              </a:rPr>
+              <a:t>;</a:t>
+            </a:r>
+          </a:p>
+          <a:p>
+            <a:r>
+              <a:rPr lang="en-US" b="0" dirty="0" err="1">
+                <a:solidFill>
+                  <a:srgbClr val="001080"/>
+                </a:solidFill>
+                <a:effectLst/>
+                <a:latin typeface="Consolas" panose="020B0609020204030204" pitchFamily="49" charset="0"/>
+              </a:rPr>
+              <a:t>firstProgrammer</a:t>
+            </a:r>
+            <a:r>
+              <a:rPr lang="en-US" b="0" dirty="0">
+                <a:solidFill>
+                  <a:srgbClr val="000000"/>
+                </a:solidFill>
+                <a:effectLst/>
+                <a:latin typeface="Consolas" panose="020B0609020204030204" pitchFamily="49" charset="0"/>
+              </a:rPr>
+              <a:t> = </a:t>
+            </a:r>
+            <a:r>
+              <a:rPr lang="en-US" b="0" dirty="0">
+                <a:solidFill>
+                  <a:srgbClr val="A31515"/>
+                </a:solidFill>
+                <a:effectLst/>
+                <a:latin typeface="Consolas" panose="020B0609020204030204" pitchFamily="49" charset="0"/>
+              </a:rPr>
+              <a:t>"Ada Lovelace"</a:t>
+            </a:r>
+            <a:r>
+              <a:rPr lang="en-US" b="0" dirty="0">
+                <a:solidFill>
+                  <a:srgbClr val="000000"/>
+                </a:solidFill>
+                <a:effectLst/>
+                <a:latin typeface="Consolas" panose="020B0609020204030204" pitchFamily="49" charset="0"/>
+              </a:rPr>
+              <a:t>; </a:t>
+            </a:r>
+            <a:r>
+              <a:rPr lang="en-US" b="0" dirty="0">
+                <a:solidFill>
+                  <a:srgbClr val="008000"/>
+                </a:solidFill>
+                <a:effectLst/>
+                <a:latin typeface="Consolas" panose="020B0609020204030204" pitchFamily="49" charset="0"/>
+              </a:rPr>
+              <a:t>// new value</a:t>
+            </a:r>
+            <a:endParaRPr lang="en-US" b="0" dirty="0">
+              <a:solidFill>
+                <a:srgbClr val="000000"/>
+              </a:solidFill>
+              <a:effectLst/>
+              <a:latin typeface="Consolas" panose="020B0609020204030204" pitchFamily="49" charset="0"/>
+            </a:endParaRPr>
+          </a:p>
+          <a:p>
+            <a:br>
+              <a:rPr lang="en-US" b="0" dirty="0">
+                <a:solidFill>
+                  <a:srgbClr val="000000"/>
+                </a:solidFill>
+                <a:effectLst/>
+                <a:latin typeface="Consolas" panose="020B0609020204030204" pitchFamily="49" charset="0"/>
+              </a:rPr>
+            </a:br>
+            <a:r>
+              <a:rPr lang="en-US" b="0" dirty="0">
+                <a:solidFill>
+                  <a:srgbClr val="267F99"/>
+                </a:solidFill>
+                <a:effectLst/>
+                <a:latin typeface="Consolas" panose="020B0609020204030204" pitchFamily="49" charset="0"/>
+              </a:rPr>
+              <a:t>int</a:t>
+            </a:r>
+            <a:r>
+              <a:rPr lang="en-US" b="0" dirty="0">
+                <a:solidFill>
+                  <a:srgbClr val="000000"/>
+                </a:solidFill>
+                <a:effectLst/>
+                <a:latin typeface="Consolas" panose="020B0609020204030204" pitchFamily="49" charset="0"/>
+              </a:rPr>
+              <a:t> </a:t>
+            </a:r>
+            <a:r>
+              <a:rPr lang="en-US" b="0" dirty="0" err="1">
+                <a:solidFill>
+                  <a:srgbClr val="001080"/>
+                </a:solidFill>
+                <a:effectLst/>
+                <a:latin typeface="Consolas" panose="020B0609020204030204" pitchFamily="49" charset="0"/>
+              </a:rPr>
+              <a:t>puppyCounter</a:t>
+            </a:r>
+            <a:r>
+              <a:rPr lang="en-US" b="0" dirty="0">
+                <a:solidFill>
+                  <a:srgbClr val="000000"/>
+                </a:solidFill>
+                <a:effectLst/>
+                <a:latin typeface="Consolas" panose="020B0609020204030204" pitchFamily="49" charset="0"/>
+              </a:rPr>
+              <a:t> = </a:t>
+            </a:r>
+            <a:r>
+              <a:rPr lang="en-US" b="0" dirty="0">
+                <a:solidFill>
+                  <a:srgbClr val="098658"/>
+                </a:solidFill>
+                <a:effectLst/>
+                <a:latin typeface="Consolas" panose="020B0609020204030204" pitchFamily="49" charset="0"/>
+              </a:rPr>
+              <a:t>100</a:t>
+            </a:r>
+            <a:r>
+              <a:rPr lang="en-US" b="0" dirty="0">
+                <a:solidFill>
+                  <a:srgbClr val="000000"/>
+                </a:solidFill>
+                <a:effectLst/>
+                <a:latin typeface="Consolas" panose="020B0609020204030204" pitchFamily="49" charset="0"/>
+              </a:rPr>
+              <a:t>; </a:t>
+            </a:r>
+            <a:r>
+              <a:rPr lang="en-US" b="0" dirty="0">
+                <a:solidFill>
+                  <a:srgbClr val="008000"/>
+                </a:solidFill>
+                <a:effectLst/>
+                <a:latin typeface="Consolas" panose="020B0609020204030204" pitchFamily="49" charset="0"/>
+              </a:rPr>
+              <a:t>// initialization </a:t>
+            </a:r>
+            <a:endParaRPr lang="en-US" b="0" dirty="0">
+              <a:solidFill>
+                <a:srgbClr val="000000"/>
+              </a:solidFill>
+              <a:effectLst/>
+              <a:latin typeface="Consolas" panose="020B0609020204030204" pitchFamily="49" charset="0"/>
+            </a:endParaRPr>
+          </a:p>
+          <a:p>
+            <a:r>
+              <a:rPr lang="en-US" b="0" dirty="0">
+                <a:solidFill>
+                  <a:srgbClr val="267F99"/>
+                </a:solidFill>
+                <a:effectLst/>
+                <a:latin typeface="Consolas" panose="020B0609020204030204" pitchFamily="49" charset="0"/>
+              </a:rPr>
+              <a:t>int</a:t>
+            </a:r>
+            <a:r>
+              <a:rPr lang="en-US" b="0" dirty="0">
+                <a:solidFill>
+                  <a:srgbClr val="000000"/>
+                </a:solidFill>
+                <a:effectLst/>
+                <a:latin typeface="Consolas" panose="020B0609020204030204" pitchFamily="49" charset="0"/>
+              </a:rPr>
+              <a:t> </a:t>
+            </a:r>
+            <a:r>
+              <a:rPr lang="en-US" b="0" dirty="0">
+                <a:solidFill>
+                  <a:srgbClr val="001080"/>
+                </a:solidFill>
+                <a:effectLst/>
+                <a:latin typeface="Consolas" panose="020B0609020204030204" pitchFamily="49" charset="0"/>
+              </a:rPr>
+              <a:t>a</a:t>
+            </a:r>
+            <a:r>
+              <a:rPr lang="en-US" b="0" dirty="0">
+                <a:solidFill>
+                  <a:srgbClr val="000000"/>
+                </a:solidFill>
+                <a:effectLst/>
+                <a:latin typeface="Consolas" panose="020B0609020204030204" pitchFamily="49" charset="0"/>
+              </a:rPr>
+              <a:t> = </a:t>
+            </a:r>
+            <a:r>
+              <a:rPr lang="en-US" b="0" dirty="0">
+                <a:solidFill>
+                  <a:srgbClr val="098658"/>
+                </a:solidFill>
+                <a:effectLst/>
+                <a:latin typeface="Consolas" panose="020B0609020204030204" pitchFamily="49" charset="0"/>
+              </a:rPr>
+              <a:t>5</a:t>
+            </a:r>
+            <a:r>
+              <a:rPr lang="en-US" b="0" dirty="0">
+                <a:solidFill>
+                  <a:srgbClr val="000000"/>
+                </a:solidFill>
+                <a:effectLst/>
+                <a:latin typeface="Consolas" panose="020B0609020204030204" pitchFamily="49" charset="0"/>
+              </a:rPr>
+              <a:t>, </a:t>
+            </a:r>
+            <a:r>
+              <a:rPr lang="en-US" b="0" dirty="0">
+                <a:solidFill>
+                  <a:srgbClr val="001080"/>
+                </a:solidFill>
+                <a:effectLst/>
+                <a:latin typeface="Consolas" panose="020B0609020204030204" pitchFamily="49" charset="0"/>
+              </a:rPr>
+              <a:t>b</a:t>
+            </a:r>
+            <a:r>
+              <a:rPr lang="en-US" b="0" dirty="0">
+                <a:solidFill>
+                  <a:srgbClr val="000000"/>
+                </a:solidFill>
+                <a:effectLst/>
+                <a:latin typeface="Consolas" panose="020B0609020204030204" pitchFamily="49" charset="0"/>
+              </a:rPr>
+              <a:t>, </a:t>
+            </a:r>
+            <a:r>
+              <a:rPr lang="en-US" b="0" dirty="0">
+                <a:solidFill>
+                  <a:srgbClr val="001080"/>
+                </a:solidFill>
+                <a:effectLst/>
+                <a:latin typeface="Consolas" panose="020B0609020204030204" pitchFamily="49" charset="0"/>
+              </a:rPr>
+              <a:t>c</a:t>
+            </a:r>
+            <a:r>
+              <a:rPr lang="en-US" b="0" dirty="0">
+                <a:solidFill>
+                  <a:srgbClr val="000000"/>
+                </a:solidFill>
+                <a:effectLst/>
+                <a:latin typeface="Consolas" panose="020B0609020204030204" pitchFamily="49" charset="0"/>
+              </a:rPr>
+              <a:t>; </a:t>
+            </a:r>
+            <a:r>
+              <a:rPr lang="en-US" b="0" dirty="0">
+                <a:solidFill>
+                  <a:srgbClr val="008000"/>
+                </a:solidFill>
+                <a:effectLst/>
+                <a:latin typeface="Consolas" panose="020B0609020204030204" pitchFamily="49" charset="0"/>
+              </a:rPr>
+              <a:t>// allowed, but not clear</a:t>
+            </a:r>
+            <a:endParaRPr lang="en-US" b="0" dirty="0">
+              <a:solidFill>
+                <a:srgbClr val="000000"/>
+              </a:solidFill>
+              <a:effectLst/>
+              <a:latin typeface="Consolas" panose="020B0609020204030204" pitchFamily="49" charset="0"/>
+            </a:endParaRPr>
+          </a:p>
+          <a:p>
+            <a:r>
+              <a:rPr lang="en-US" b="0" dirty="0">
+                <a:solidFill>
+                  <a:srgbClr val="267F99"/>
+                </a:solidFill>
+                <a:effectLst/>
+                <a:latin typeface="Consolas" panose="020B0609020204030204" pitchFamily="49" charset="0"/>
+              </a:rPr>
+              <a:t>double</a:t>
+            </a:r>
+            <a:r>
+              <a:rPr lang="en-US" b="0" dirty="0">
+                <a:solidFill>
+                  <a:srgbClr val="000000"/>
+                </a:solidFill>
+                <a:effectLst/>
+                <a:latin typeface="Consolas" panose="020B0609020204030204" pitchFamily="49" charset="0"/>
+              </a:rPr>
+              <a:t> </a:t>
+            </a:r>
+            <a:r>
+              <a:rPr lang="en-US" b="0" dirty="0" err="1">
+                <a:solidFill>
+                  <a:srgbClr val="001080"/>
+                </a:solidFill>
+                <a:effectLst/>
+                <a:latin typeface="Consolas" panose="020B0609020204030204" pitchFamily="49" charset="0"/>
+              </a:rPr>
+              <a:t>my_value</a:t>
+            </a:r>
+            <a:r>
+              <a:rPr lang="en-US" b="0" dirty="0">
+                <a:solidFill>
+                  <a:srgbClr val="000000"/>
+                </a:solidFill>
+                <a:effectLst/>
+                <a:latin typeface="Consolas" panose="020B0609020204030204" pitchFamily="49" charset="0"/>
+              </a:rPr>
+              <a:t> = </a:t>
+            </a:r>
+            <a:r>
+              <a:rPr lang="en-US" b="0" dirty="0">
+                <a:solidFill>
+                  <a:srgbClr val="001080"/>
+                </a:solidFill>
+                <a:effectLst/>
+                <a:latin typeface="Consolas" panose="020B0609020204030204" pitchFamily="49" charset="0"/>
+              </a:rPr>
+              <a:t>a</a:t>
+            </a:r>
+            <a:r>
+              <a:rPr lang="en-US" b="0" dirty="0">
+                <a:solidFill>
+                  <a:srgbClr val="000000"/>
+                </a:solidFill>
+                <a:effectLst/>
+                <a:latin typeface="Consolas" panose="020B0609020204030204" pitchFamily="49" charset="0"/>
+              </a:rPr>
+              <a:t>; </a:t>
+            </a:r>
+            <a:r>
+              <a:rPr lang="en-US" b="0" dirty="0">
+                <a:solidFill>
+                  <a:srgbClr val="008000"/>
+                </a:solidFill>
+                <a:effectLst/>
+                <a:latin typeface="Consolas" panose="020B0609020204030204" pitchFamily="49" charset="0"/>
+              </a:rPr>
+              <a:t>// allowed! makes it 5.0</a:t>
+            </a:r>
+            <a:endParaRPr lang="en-US" b="0" dirty="0">
+              <a:solidFill>
+                <a:srgbClr val="000000"/>
+              </a:solidFill>
+              <a:effectLst/>
+              <a:latin typeface="Consolas" panose="020B0609020204030204" pitchFamily="49" charset="0"/>
+            </a:endParaRPr>
+          </a:p>
+          <a:p>
+            <a:r>
+              <a:rPr lang="en-US" b="0" dirty="0">
+                <a:solidFill>
+                  <a:srgbClr val="267F99"/>
+                </a:solidFill>
+                <a:effectLst/>
+                <a:latin typeface="Consolas" panose="020B0609020204030204" pitchFamily="49" charset="0"/>
+              </a:rPr>
+              <a:t>int</a:t>
+            </a:r>
+            <a:r>
+              <a:rPr lang="en-US" b="0" dirty="0">
+                <a:solidFill>
+                  <a:srgbClr val="000000"/>
+                </a:solidFill>
+                <a:effectLst/>
+                <a:latin typeface="Consolas" panose="020B0609020204030204" pitchFamily="49" charset="0"/>
+              </a:rPr>
+              <a:t> </a:t>
+            </a:r>
+            <a:r>
+              <a:rPr lang="en-US" b="0" dirty="0">
+                <a:solidFill>
+                  <a:srgbClr val="001080"/>
+                </a:solidFill>
+                <a:effectLst/>
+                <a:latin typeface="Consolas" panose="020B0609020204030204" pitchFamily="49" charset="0"/>
+              </a:rPr>
+              <a:t>_int</a:t>
+            </a:r>
+            <a:r>
+              <a:rPr lang="en-US" b="0" dirty="0">
+                <a:solidFill>
+                  <a:srgbClr val="000000"/>
+                </a:solidFill>
+                <a:effectLst/>
+                <a:latin typeface="Consolas" panose="020B0609020204030204" pitchFamily="49" charset="0"/>
+              </a:rPr>
+              <a:t> = </a:t>
+            </a:r>
+            <a:r>
+              <a:rPr lang="en-US" b="0" dirty="0">
+                <a:solidFill>
+                  <a:srgbClr val="098658"/>
+                </a:solidFill>
+                <a:effectLst/>
+                <a:latin typeface="Consolas" panose="020B0609020204030204" pitchFamily="49" charset="0"/>
+              </a:rPr>
+              <a:t>10.5</a:t>
+            </a:r>
+            <a:r>
+              <a:rPr lang="en-US" b="0" dirty="0">
+                <a:solidFill>
+                  <a:srgbClr val="000000"/>
+                </a:solidFill>
+                <a:effectLst/>
+                <a:latin typeface="Consolas" panose="020B0609020204030204" pitchFamily="49" charset="0"/>
+              </a:rPr>
+              <a:t>; </a:t>
+            </a:r>
+            <a:r>
+              <a:rPr lang="en-US" b="0" dirty="0">
+                <a:solidFill>
+                  <a:srgbClr val="008000"/>
+                </a:solidFill>
+                <a:effectLst/>
+                <a:latin typeface="Consolas" panose="020B0609020204030204" pitchFamily="49" charset="0"/>
+              </a:rPr>
+              <a:t>// won't compile!</a:t>
+            </a:r>
+            <a:endParaRPr lang="en-US" b="0" dirty="0">
+              <a:solidFill>
+                <a:srgbClr val="000000"/>
+              </a:solidFill>
+              <a:effectLst/>
+              <a:latin typeface="Consolas" panose="020B0609020204030204" pitchFamily="49" charset="0"/>
+            </a:endParaRPr>
+          </a:p>
+        </p:txBody>
+      </p:sp>
+    </p:spTree>
+    <p:extLst>
+      <p:ext uri="{BB962C8B-B14F-4D97-AF65-F5344CB8AC3E}">
+        <p14:creationId xmlns:p14="http://schemas.microsoft.com/office/powerpoint/2010/main" val="862539311"/>
+      </p:ext>
+    </p:extLst>
+  </p:cSld>
+  <p:clrMapOvr>
+    <a:masterClrMapping/>
+  </p:clrMapOvr>
+  <p:transition>
+    <p:fade/>
+  </p:transition>
+</p:sld>
+</file>
+
+<file path=ppt/slides/slide8.xml><?xml version="1.0" encoding="utf-8"?>
 <p:sld xmlns:a="http://schemas.openxmlformats.org/drawingml/2006/main" xmlns:r="http://schemas.openxmlformats.org/officeDocument/2006/relationships" xmlns:p="http://schemas.openxmlformats.org/presentationml/2006/main">
   <p:cSld>
     <p:spTree>
@@ -17909,7 +22584,7 @@
         </p:nvSpPr>
         <p:spPr>
           <a:xfrm>
-            <a:off x="2807809" y="3309292"/>
+            <a:off x="2807809" y="3019353"/>
             <a:ext cx="5989200" cy="520004"/>
           </a:xfrm>
           <a:prstGeom prst="rect">
@@ -17993,6 +22668,48 @@
           </a:p>
         </p:txBody>
       </p:sp>
+      <p:sp>
+        <p:nvSpPr>
+          <p:cNvPr id="2" name="TextBox 1">
+            <a:extLst>
+              <a:ext uri="{FF2B5EF4-FFF2-40B4-BE49-F238E27FC236}">
+                <a16:creationId xmlns:a16="http://schemas.microsoft.com/office/drawing/2014/main" id="{03E07E3F-90CA-45BB-A2A6-7184516C7B56}"/>
+              </a:ext>
+            </a:extLst>
+          </p:cNvPr>
+          <p:cNvSpPr txBox="1"/>
+          <p:nvPr/>
+        </p:nvSpPr>
+        <p:spPr>
+          <a:xfrm>
+            <a:off x="6841864" y="157110"/>
+            <a:ext cx="2140772" cy="523220"/>
+          </a:xfrm>
+          <a:prstGeom prst="rect">
+            <a:avLst/>
+          </a:prstGeom>
+          <a:solidFill>
+            <a:schemeClr val="accent5"/>
+          </a:solidFill>
+          <a:ln>
+            <a:solidFill>
+              <a:schemeClr val="accent1"/>
+            </a:solidFill>
+          </a:ln>
+        </p:spPr>
+        <p:txBody>
+          <a:bodyPr wrap="square" rtlCol="0">
+            <a:spAutoFit/>
+          </a:bodyPr>
+          <a:lstStyle/>
+          <a:p>
+            <a:r>
+              <a:rPr lang="en-US" dirty="0"/>
+              <a:t>In zyBooks as a in-class if you want to try it.</a:t>
+            </a:r>
+          </a:p>
+        </p:txBody>
+      </p:sp>
     </p:spTree>
     <p:extLst>
       <p:ext uri="{BB962C8B-B14F-4D97-AF65-F5344CB8AC3E}">
@@ -18003,10 +22720,634 @@
   <p:clrMapOvr>
     <a:masterClrMapping/>
   </p:clrMapOvr>
+  <p:timing>
+    <p:tnLst>
+      <p:par>
+        <p:cTn id="1" dur="indefinite" restart="never" nodeType="tmRoot">
+          <p:childTnLst>
+            <p:seq concurrent="1" nextAc="seek">
+              <p:cTn id="2" dur="indefinite" nodeType="mainSeq">
+                <p:childTnLst>
+                  <p:par>
+                    <p:cTn id="3" fill="hold">
+                      <p:stCondLst>
+                        <p:cond delay="indefinite"/>
+                      </p:stCondLst>
+                      <p:childTnLst>
+                        <p:par>
+                          <p:cTn id="4" fill="hold">
+                            <p:stCondLst>
+                              <p:cond delay="0"/>
+                            </p:stCondLst>
+                            <p:childTnLst>
+                              <p:par>
+                                <p:cTn id="5" presetID="10" presetClass="entr" presetSubtype="0" fill="hold" nodeType="clickEffect">
+                                  <p:stCondLst>
+                                    <p:cond delay="0"/>
+                                  </p:stCondLst>
+                                  <p:childTnLst>
+                                    <p:set>
+                                      <p:cBhvr>
+                                        <p:cTn id="6" dur="1" fill="hold">
+                                          <p:stCondLst>
+                                            <p:cond delay="0"/>
+                                          </p:stCondLst>
+                                        </p:cTn>
+                                        <p:tgtEl>
+                                          <p:spTgt spid="211">
+                                            <p:txEl>
+                                              <p:pRg st="0" end="0"/>
+                                            </p:txEl>
+                                          </p:spTgt>
+                                        </p:tgtEl>
+                                        <p:attrNameLst>
+                                          <p:attrName>style.visibility</p:attrName>
+                                        </p:attrNameLst>
+                                      </p:cBhvr>
+                                      <p:to>
+                                        <p:strVal val="visible"/>
+                                      </p:to>
+                                    </p:set>
+                                    <p:animEffect transition="in" filter="fade">
+                                      <p:cBhvr>
+                                        <p:cTn id="7" dur="500"/>
+                                        <p:tgtEl>
+                                          <p:spTgt spid="211">
+                                            <p:txEl>
+                                              <p:pRg st="0" end="0"/>
+                                            </p:txEl>
+                                          </p:spTgt>
+                                        </p:tgtEl>
+                                      </p:cBhvr>
+                                    </p:animEffect>
+                                  </p:childTnLst>
+                                </p:cTn>
+                              </p:par>
+                              <p:par>
+                                <p:cTn id="8" presetID="10" presetClass="entr" presetSubtype="0" fill="hold" nodeType="withEffect">
+                                  <p:stCondLst>
+                                    <p:cond delay="0"/>
+                                  </p:stCondLst>
+                                  <p:childTnLst>
+                                    <p:set>
+                                      <p:cBhvr>
+                                        <p:cTn id="9" dur="1" fill="hold">
+                                          <p:stCondLst>
+                                            <p:cond delay="0"/>
+                                          </p:stCondLst>
+                                        </p:cTn>
+                                        <p:tgtEl>
+                                          <p:spTgt spid="211">
+                                            <p:txEl>
+                                              <p:pRg st="1" end="1"/>
+                                            </p:txEl>
+                                          </p:spTgt>
+                                        </p:tgtEl>
+                                        <p:attrNameLst>
+                                          <p:attrName>style.visibility</p:attrName>
+                                        </p:attrNameLst>
+                                      </p:cBhvr>
+                                      <p:to>
+                                        <p:strVal val="visible"/>
+                                      </p:to>
+                                    </p:set>
+                                    <p:animEffect transition="in" filter="fade">
+                                      <p:cBhvr>
+                                        <p:cTn id="10" dur="500"/>
+                                        <p:tgtEl>
+                                          <p:spTgt spid="211">
+                                            <p:txEl>
+                                              <p:pRg st="1" end="1"/>
+                                            </p:txEl>
+                                          </p:spTgt>
+                                        </p:tgtEl>
+                                      </p:cBhvr>
+                                    </p:animEffect>
+                                  </p:childTnLst>
+                                </p:cTn>
+                              </p:par>
+                              <p:par>
+                                <p:cTn id="11" presetID="10" presetClass="entr" presetSubtype="0" fill="hold" nodeType="withEffect">
+                                  <p:stCondLst>
+                                    <p:cond delay="0"/>
+                                  </p:stCondLst>
+                                  <p:childTnLst>
+                                    <p:set>
+                                      <p:cBhvr>
+                                        <p:cTn id="12" dur="1" fill="hold">
+                                          <p:stCondLst>
+                                            <p:cond delay="0"/>
+                                          </p:stCondLst>
+                                        </p:cTn>
+                                        <p:tgtEl>
+                                          <p:spTgt spid="211">
+                                            <p:txEl>
+                                              <p:pRg st="2" end="2"/>
+                                            </p:txEl>
+                                          </p:spTgt>
+                                        </p:tgtEl>
+                                        <p:attrNameLst>
+                                          <p:attrName>style.visibility</p:attrName>
+                                        </p:attrNameLst>
+                                      </p:cBhvr>
+                                      <p:to>
+                                        <p:strVal val="visible"/>
+                                      </p:to>
+                                    </p:set>
+                                    <p:animEffect transition="in" filter="fade">
+                                      <p:cBhvr>
+                                        <p:cTn id="13" dur="500"/>
+                                        <p:tgtEl>
+                                          <p:spTgt spid="211">
+                                            <p:txEl>
+                                              <p:pRg st="2" end="2"/>
+                                            </p:txEl>
+                                          </p:spTgt>
+                                        </p:tgtEl>
+                                      </p:cBhvr>
+                                    </p:animEffect>
+                                  </p:childTnLst>
+                                </p:cTn>
+                              </p:par>
+                              <p:par>
+                                <p:cTn id="14" presetID="10" presetClass="entr" presetSubtype="0" fill="hold" nodeType="withEffect">
+                                  <p:stCondLst>
+                                    <p:cond delay="0"/>
+                                  </p:stCondLst>
+                                  <p:childTnLst>
+                                    <p:set>
+                                      <p:cBhvr>
+                                        <p:cTn id="15" dur="1" fill="hold">
+                                          <p:stCondLst>
+                                            <p:cond delay="0"/>
+                                          </p:stCondLst>
+                                        </p:cTn>
+                                        <p:tgtEl>
+                                          <p:spTgt spid="211">
+                                            <p:txEl>
+                                              <p:pRg st="3" end="3"/>
+                                            </p:txEl>
+                                          </p:spTgt>
+                                        </p:tgtEl>
+                                        <p:attrNameLst>
+                                          <p:attrName>style.visibility</p:attrName>
+                                        </p:attrNameLst>
+                                      </p:cBhvr>
+                                      <p:to>
+                                        <p:strVal val="visible"/>
+                                      </p:to>
+                                    </p:set>
+                                    <p:animEffect transition="in" filter="fade">
+                                      <p:cBhvr>
+                                        <p:cTn id="16" dur="500"/>
+                                        <p:tgtEl>
+                                          <p:spTgt spid="211">
+                                            <p:txEl>
+                                              <p:pRg st="3" end="3"/>
+                                            </p:txEl>
+                                          </p:spTgt>
+                                        </p:tgtEl>
+                                      </p:cBhvr>
+                                    </p:animEffect>
+                                  </p:childTnLst>
+                                </p:cTn>
+                              </p:par>
+                              <p:par>
+                                <p:cTn id="17" presetID="10" presetClass="entr" presetSubtype="0" fill="hold" nodeType="withEffect">
+                                  <p:stCondLst>
+                                    <p:cond delay="0"/>
+                                  </p:stCondLst>
+                                  <p:childTnLst>
+                                    <p:set>
+                                      <p:cBhvr>
+                                        <p:cTn id="18" dur="1" fill="hold">
+                                          <p:stCondLst>
+                                            <p:cond delay="0"/>
+                                          </p:stCondLst>
+                                        </p:cTn>
+                                        <p:tgtEl>
+                                          <p:spTgt spid="211">
+                                            <p:txEl>
+                                              <p:pRg st="4" end="4"/>
+                                            </p:txEl>
+                                          </p:spTgt>
+                                        </p:tgtEl>
+                                        <p:attrNameLst>
+                                          <p:attrName>style.visibility</p:attrName>
+                                        </p:attrNameLst>
+                                      </p:cBhvr>
+                                      <p:to>
+                                        <p:strVal val="visible"/>
+                                      </p:to>
+                                    </p:set>
+                                    <p:animEffect transition="in" filter="fade">
+                                      <p:cBhvr>
+                                        <p:cTn id="19" dur="500"/>
+                                        <p:tgtEl>
+                                          <p:spTgt spid="211">
+                                            <p:txEl>
+                                              <p:pRg st="4" end="4"/>
+                                            </p:txEl>
+                                          </p:spTgt>
+                                        </p:tgtEl>
+                                      </p:cBhvr>
+                                    </p:animEffect>
+                                  </p:childTnLst>
+                                </p:cTn>
+                              </p:par>
+                              <p:par>
+                                <p:cTn id="20" presetID="10" presetClass="entr" presetSubtype="0" fill="hold" grpId="0" nodeType="withEffect">
+                                  <p:stCondLst>
+                                    <p:cond delay="0"/>
+                                  </p:stCondLst>
+                                  <p:childTnLst>
+                                    <p:set>
+                                      <p:cBhvr>
+                                        <p:cTn id="21" dur="1" fill="hold">
+                                          <p:stCondLst>
+                                            <p:cond delay="0"/>
+                                          </p:stCondLst>
+                                        </p:cTn>
+                                        <p:tgtEl>
+                                          <p:spTgt spid="212"/>
+                                        </p:tgtEl>
+                                        <p:attrNameLst>
+                                          <p:attrName>style.visibility</p:attrName>
+                                        </p:attrNameLst>
+                                      </p:cBhvr>
+                                      <p:to>
+                                        <p:strVal val="visible"/>
+                                      </p:to>
+                                    </p:set>
+                                    <p:animEffect transition="in" filter="fade">
+                                      <p:cBhvr>
+                                        <p:cTn id="22" dur="500"/>
+                                        <p:tgtEl>
+                                          <p:spTgt spid="212"/>
+                                        </p:tgtEl>
+                                      </p:cBhvr>
+                                    </p:animEffect>
+                                  </p:childTnLst>
+                                </p:cTn>
+                              </p:par>
+                            </p:childTnLst>
+                          </p:cTn>
+                        </p:par>
+                      </p:childTnLst>
+                    </p:cTn>
+                  </p:par>
+                  <p:par>
+                    <p:cTn id="23" fill="hold">
+                      <p:stCondLst>
+                        <p:cond delay="indefinite"/>
+                      </p:stCondLst>
+                      <p:childTnLst>
+                        <p:par>
+                          <p:cTn id="24" fill="hold">
+                            <p:stCondLst>
+                              <p:cond delay="0"/>
+                            </p:stCondLst>
+                            <p:childTnLst>
+                              <p:par>
+                                <p:cTn id="25" presetID="10" presetClass="entr" presetSubtype="0" fill="hold" nodeType="clickEffect">
+                                  <p:stCondLst>
+                                    <p:cond delay="0"/>
+                                  </p:stCondLst>
+                                  <p:childTnLst>
+                                    <p:set>
+                                      <p:cBhvr>
+                                        <p:cTn id="26" dur="1" fill="hold">
+                                          <p:stCondLst>
+                                            <p:cond delay="0"/>
+                                          </p:stCondLst>
+                                        </p:cTn>
+                                        <p:tgtEl>
+                                          <p:spTgt spid="211">
+                                            <p:txEl>
+                                              <p:pRg st="6" end="6"/>
+                                            </p:txEl>
+                                          </p:spTgt>
+                                        </p:tgtEl>
+                                        <p:attrNameLst>
+                                          <p:attrName>style.visibility</p:attrName>
+                                        </p:attrNameLst>
+                                      </p:cBhvr>
+                                      <p:to>
+                                        <p:strVal val="visible"/>
+                                      </p:to>
+                                    </p:set>
+                                    <p:animEffect transition="in" filter="fade">
+                                      <p:cBhvr>
+                                        <p:cTn id="27" dur="500"/>
+                                        <p:tgtEl>
+                                          <p:spTgt spid="211">
+                                            <p:txEl>
+                                              <p:pRg st="6" end="6"/>
+                                            </p:txEl>
+                                          </p:spTgt>
+                                        </p:tgtEl>
+                                      </p:cBhvr>
+                                    </p:animEffect>
+                                  </p:childTnLst>
+                                </p:cTn>
+                              </p:par>
+                              <p:par>
+                                <p:cTn id="28" presetID="10" presetClass="entr" presetSubtype="0" fill="hold" nodeType="withEffect">
+                                  <p:stCondLst>
+                                    <p:cond delay="0"/>
+                                  </p:stCondLst>
+                                  <p:childTnLst>
+                                    <p:set>
+                                      <p:cBhvr>
+                                        <p:cTn id="29" dur="1" fill="hold">
+                                          <p:stCondLst>
+                                            <p:cond delay="0"/>
+                                          </p:stCondLst>
+                                        </p:cTn>
+                                        <p:tgtEl>
+                                          <p:spTgt spid="211">
+                                            <p:txEl>
+                                              <p:pRg st="7" end="7"/>
+                                            </p:txEl>
+                                          </p:spTgt>
+                                        </p:tgtEl>
+                                        <p:attrNameLst>
+                                          <p:attrName>style.visibility</p:attrName>
+                                        </p:attrNameLst>
+                                      </p:cBhvr>
+                                      <p:to>
+                                        <p:strVal val="visible"/>
+                                      </p:to>
+                                    </p:set>
+                                    <p:animEffect transition="in" filter="fade">
+                                      <p:cBhvr>
+                                        <p:cTn id="30" dur="500"/>
+                                        <p:tgtEl>
+                                          <p:spTgt spid="211">
+                                            <p:txEl>
+                                              <p:pRg st="7" end="7"/>
+                                            </p:txEl>
+                                          </p:spTgt>
+                                        </p:tgtEl>
+                                      </p:cBhvr>
+                                    </p:animEffect>
+                                  </p:childTnLst>
+                                </p:cTn>
+                              </p:par>
+                              <p:par>
+                                <p:cTn id="31" presetID="10" presetClass="entr" presetSubtype="0" fill="hold" nodeType="withEffect">
+                                  <p:stCondLst>
+                                    <p:cond delay="0"/>
+                                  </p:stCondLst>
+                                  <p:childTnLst>
+                                    <p:set>
+                                      <p:cBhvr>
+                                        <p:cTn id="32" dur="1" fill="hold">
+                                          <p:stCondLst>
+                                            <p:cond delay="0"/>
+                                          </p:stCondLst>
+                                        </p:cTn>
+                                        <p:tgtEl>
+                                          <p:spTgt spid="211">
+                                            <p:txEl>
+                                              <p:pRg st="8" end="8"/>
+                                            </p:txEl>
+                                          </p:spTgt>
+                                        </p:tgtEl>
+                                        <p:attrNameLst>
+                                          <p:attrName>style.visibility</p:attrName>
+                                        </p:attrNameLst>
+                                      </p:cBhvr>
+                                      <p:to>
+                                        <p:strVal val="visible"/>
+                                      </p:to>
+                                    </p:set>
+                                    <p:animEffect transition="in" filter="fade">
+                                      <p:cBhvr>
+                                        <p:cTn id="33" dur="500"/>
+                                        <p:tgtEl>
+                                          <p:spTgt spid="211">
+                                            <p:txEl>
+                                              <p:pRg st="8" end="8"/>
+                                            </p:txEl>
+                                          </p:spTgt>
+                                        </p:tgtEl>
+                                      </p:cBhvr>
+                                    </p:animEffect>
+                                  </p:childTnLst>
+                                </p:cTn>
+                              </p:par>
+                              <p:par>
+                                <p:cTn id="34" presetID="10" presetClass="entr" presetSubtype="0" fill="hold" nodeType="withEffect">
+                                  <p:stCondLst>
+                                    <p:cond delay="0"/>
+                                  </p:stCondLst>
+                                  <p:childTnLst>
+                                    <p:set>
+                                      <p:cBhvr>
+                                        <p:cTn id="35" dur="1" fill="hold">
+                                          <p:stCondLst>
+                                            <p:cond delay="0"/>
+                                          </p:stCondLst>
+                                        </p:cTn>
+                                        <p:tgtEl>
+                                          <p:spTgt spid="211">
+                                            <p:txEl>
+                                              <p:pRg st="9" end="9"/>
+                                            </p:txEl>
+                                          </p:spTgt>
+                                        </p:tgtEl>
+                                        <p:attrNameLst>
+                                          <p:attrName>style.visibility</p:attrName>
+                                        </p:attrNameLst>
+                                      </p:cBhvr>
+                                      <p:to>
+                                        <p:strVal val="visible"/>
+                                      </p:to>
+                                    </p:set>
+                                    <p:animEffect transition="in" filter="fade">
+                                      <p:cBhvr>
+                                        <p:cTn id="36" dur="500"/>
+                                        <p:tgtEl>
+                                          <p:spTgt spid="211">
+                                            <p:txEl>
+                                              <p:pRg st="9" end="9"/>
+                                            </p:txEl>
+                                          </p:spTgt>
+                                        </p:tgtEl>
+                                      </p:cBhvr>
+                                    </p:animEffect>
+                                  </p:childTnLst>
+                                </p:cTn>
+                              </p:par>
+                              <p:par>
+                                <p:cTn id="37" presetID="10" presetClass="entr" presetSubtype="0" fill="hold" grpId="0" nodeType="withEffect">
+                                  <p:stCondLst>
+                                    <p:cond delay="0"/>
+                                  </p:stCondLst>
+                                  <p:childTnLst>
+                                    <p:set>
+                                      <p:cBhvr>
+                                        <p:cTn id="38" dur="1" fill="hold">
+                                          <p:stCondLst>
+                                            <p:cond delay="0"/>
+                                          </p:stCondLst>
+                                        </p:cTn>
+                                        <p:tgtEl>
+                                          <p:spTgt spid="5"/>
+                                        </p:tgtEl>
+                                        <p:attrNameLst>
+                                          <p:attrName>style.visibility</p:attrName>
+                                        </p:attrNameLst>
+                                      </p:cBhvr>
+                                      <p:to>
+                                        <p:strVal val="visible"/>
+                                      </p:to>
+                                    </p:set>
+                                    <p:animEffect transition="in" filter="fade">
+                                      <p:cBhvr>
+                                        <p:cTn id="39" dur="500"/>
+                                        <p:tgtEl>
+                                          <p:spTgt spid="5"/>
+                                        </p:tgtEl>
+                                      </p:cBhvr>
+                                    </p:animEffect>
+                                  </p:childTnLst>
+                                </p:cTn>
+                              </p:par>
+                            </p:childTnLst>
+                          </p:cTn>
+                        </p:par>
+                      </p:childTnLst>
+                    </p:cTn>
+                  </p:par>
+                  <p:par>
+                    <p:cTn id="40" fill="hold">
+                      <p:stCondLst>
+                        <p:cond delay="indefinite"/>
+                      </p:stCondLst>
+                      <p:childTnLst>
+                        <p:par>
+                          <p:cTn id="41" fill="hold">
+                            <p:stCondLst>
+                              <p:cond delay="0"/>
+                            </p:stCondLst>
+                            <p:childTnLst>
+                              <p:par>
+                                <p:cTn id="42" presetID="10" presetClass="entr" presetSubtype="0" fill="hold" nodeType="clickEffect">
+                                  <p:stCondLst>
+                                    <p:cond delay="0"/>
+                                  </p:stCondLst>
+                                  <p:childTnLst>
+                                    <p:set>
+                                      <p:cBhvr>
+                                        <p:cTn id="43" dur="1" fill="hold">
+                                          <p:stCondLst>
+                                            <p:cond delay="0"/>
+                                          </p:stCondLst>
+                                        </p:cTn>
+                                        <p:tgtEl>
+                                          <p:spTgt spid="211">
+                                            <p:txEl>
+                                              <p:pRg st="11" end="11"/>
+                                            </p:txEl>
+                                          </p:spTgt>
+                                        </p:tgtEl>
+                                        <p:attrNameLst>
+                                          <p:attrName>style.visibility</p:attrName>
+                                        </p:attrNameLst>
+                                      </p:cBhvr>
+                                      <p:to>
+                                        <p:strVal val="visible"/>
+                                      </p:to>
+                                    </p:set>
+                                    <p:animEffect transition="in" filter="fade">
+                                      <p:cBhvr>
+                                        <p:cTn id="44" dur="500"/>
+                                        <p:tgtEl>
+                                          <p:spTgt spid="211">
+                                            <p:txEl>
+                                              <p:pRg st="11" end="11"/>
+                                            </p:txEl>
+                                          </p:spTgt>
+                                        </p:tgtEl>
+                                      </p:cBhvr>
+                                    </p:animEffect>
+                                  </p:childTnLst>
+                                </p:cTn>
+                              </p:par>
+                              <p:par>
+                                <p:cTn id="45" presetID="10" presetClass="entr" presetSubtype="0" fill="hold" grpId="0" nodeType="withEffect">
+                                  <p:stCondLst>
+                                    <p:cond delay="0"/>
+                                  </p:stCondLst>
+                                  <p:childTnLst>
+                                    <p:set>
+                                      <p:cBhvr>
+                                        <p:cTn id="46" dur="1" fill="hold">
+                                          <p:stCondLst>
+                                            <p:cond delay="0"/>
+                                          </p:stCondLst>
+                                        </p:cTn>
+                                        <p:tgtEl>
+                                          <p:spTgt spid="6"/>
+                                        </p:tgtEl>
+                                        <p:attrNameLst>
+                                          <p:attrName>style.visibility</p:attrName>
+                                        </p:attrNameLst>
+                                      </p:cBhvr>
+                                      <p:to>
+                                        <p:strVal val="visible"/>
+                                      </p:to>
+                                    </p:set>
+                                    <p:animEffect transition="in" filter="fade">
+                                      <p:cBhvr>
+                                        <p:cTn id="47" dur="500"/>
+                                        <p:tgtEl>
+                                          <p:spTgt spid="6"/>
+                                        </p:tgtEl>
+                                      </p:cBhvr>
+                                    </p:animEffect>
+                                  </p:childTnLst>
+                                </p:cTn>
+                              </p:par>
+                            </p:childTnLst>
+                          </p:cTn>
+                        </p:par>
+                      </p:childTnLst>
+                    </p:cTn>
+                  </p:par>
+                </p:childTnLst>
+              </p:cTn>
+              <p:prevCondLst>
+                <p:cond evt="onPrev" delay="0">
+                  <p:tgtEl>
+                    <p:sldTgt/>
+                  </p:tgtEl>
+                </p:cond>
+              </p:prevCondLst>
+              <p:nextCondLst>
+                <p:cond evt="onNext" delay="0">
+                  <p:tgtEl>
+                    <p:sldTgt/>
+                  </p:tgtEl>
+                </p:cond>
+              </p:nextCondLst>
+            </p:seq>
+          </p:childTnLst>
+        </p:cTn>
+      </p:par>
+    </p:tnLst>
+    <p:bldLst>
+      <p:bldP spid="212" grpId="0" animBg="1"/>
+      <p:bldP spid="5" grpId="0" animBg="1"/>
+      <p:bldP spid="6" grpId="0" animBg="1"/>
+    </p:bldLst>
+  </p:timing>
 </p:sld>
 </file>
 
-<file path=ppt/slides/slide8.xml><?xml version="1.0" encoding="utf-8"?>
+<file path=ppt/slides/slide9.xml><?xml version="1.0" encoding="utf-8"?>
 <p:sld xmlns:a="http://schemas.openxmlformats.org/drawingml/2006/main" xmlns:r="http://schemas.openxmlformats.org/officeDocument/2006/relationships" xmlns:p="http://schemas.openxmlformats.org/presentationml/2006/main">
   <p:cSld>
     <p:spTree>
@@ -18251,6 +23592,29 @@
               </a:rPr>
               <a:t>* (multiply) </a:t>
             </a:r>
+          </a:p>
+          <a:p>
+            <a:pPr marL="914400" lvl="1" indent="-298450" algn="l" rtl="0">
+              <a:spcBef>
+                <a:spcPts val="0"/>
+              </a:spcBef>
+              <a:spcAft>
+                <a:spcPts val="0"/>
+              </a:spcAft>
+              <a:buClr>
+                <a:srgbClr val="000000"/>
+              </a:buClr>
+              <a:buSzPts val="1100"/>
+              <a:buChar char="○"/>
+            </a:pPr>
+            <a:r>
+              <a:rPr lang="en" dirty="0">
+                <a:solidFill>
+                  <a:srgbClr val="000000"/>
+                </a:solidFill>
+              </a:rPr>
+              <a:t>% (modulo)  - remainder! </a:t>
+            </a:r>
             <a:endParaRPr dirty="0">
               <a:solidFill>
                 <a:srgbClr val="000000"/>
@@ -18329,7 +23693,7 @@
               <a:buChar char="○"/>
             </a:pPr>
             <a:r>
-              <a:rPr lang="en" dirty="0">
+              <a:rPr lang="en" b="1" dirty="0">
                 <a:solidFill>
                   <a:srgbClr val="000000"/>
                 </a:solidFill>
@@ -18341,7 +23705,7 @@
               <a:t>int </a:t>
             </a:r>
             <a:r>
-              <a:rPr lang="en" dirty="0" err="1">
+              <a:rPr lang="en" b="1" dirty="0" err="1">
                 <a:solidFill>
                   <a:srgbClr val="000000"/>
                 </a:solidFill>
@@ -18353,7 +23717,7 @@
               <a:t>myVal</a:t>
             </a:r>
             <a:r>
-              <a:rPr lang="en" dirty="0">
+              <a:rPr lang="en" b="1" dirty="0">
                 <a:solidFill>
                   <a:srgbClr val="000000"/>
                 </a:solidFill>
@@ -18364,7 +23728,7 @@
               </a:rPr>
               <a:t> = 1 / 2; // evaluates to 0!</a:t>
             </a:r>
-            <a:endParaRPr dirty="0">
+            <a:endParaRPr b="1" dirty="0">
               <a:solidFill>
                 <a:srgbClr val="000000"/>
               </a:solidFill>
@@ -18418,7 +23782,7 @@
               <a:buChar char="○"/>
             </a:pPr>
             <a:r>
-              <a:rPr lang="en" dirty="0">
+              <a:rPr lang="en" b="1" dirty="0">
                 <a:solidFill>
                   <a:srgbClr val="000000"/>
                 </a:solidFill>
@@ -18430,7 +23794,7 @@
               <a:t>double </a:t>
             </a:r>
             <a:r>
-              <a:rPr lang="en" dirty="0" err="1">
+              <a:rPr lang="en" b="1" dirty="0" err="1">
                 <a:solidFill>
                   <a:srgbClr val="000000"/>
                 </a:solidFill>
@@ -18442,7 +23806,7 @@
               <a:t>doubleVal</a:t>
             </a:r>
             <a:r>
-              <a:rPr lang="en" dirty="0">
+              <a:rPr lang="en" b="1" dirty="0">
                 <a:solidFill>
                   <a:srgbClr val="000000"/>
                 </a:solidFill>
@@ -18453,7 +23817,7 @@
               </a:rPr>
               <a:t> = 1.0 / 2; // evaluates to 0.5! </a:t>
             </a:r>
-            <a:endParaRPr dirty="0">
+            <a:endParaRPr b="1" dirty="0">
               <a:solidFill>
                 <a:srgbClr val="000000"/>
               </a:solidFill>
@@ -18498,363 +23862,6 @@
         </p:txBody>
       </p:sp>
     </p:spTree>
-  </p:cSld>
-  <p:clrMapOvr>
-    <a:masterClrMapping/>
-  </p:clrMapOvr>
-</p:sld>
-</file>
-
-<file path=ppt/slides/slide9.xml><?xml version="1.0" encoding="utf-8"?>
-<p:sld xmlns:a="http://schemas.openxmlformats.org/drawingml/2006/main" xmlns:r="http://schemas.openxmlformats.org/officeDocument/2006/relationships" xmlns:p="http://schemas.openxmlformats.org/presentationml/2006/main">
-  <p:cSld>
-    <p:spTree>
-      <p:nvGrpSpPr>
-        <p:cNvPr id="1" name="Shape 209"/>
-        <p:cNvGrpSpPr/>
-        <p:nvPr/>
-      </p:nvGrpSpPr>
-      <p:grpSpPr>
-        <a:xfrm>
-          <a:off x="0" y="0"/>
-          <a:ext cx="0" cy="0"/>
-          <a:chOff x="0" y="0"/>
-          <a:chExt cx="0" cy="0"/>
-        </a:xfrm>
-      </p:grpSpPr>
-      <p:sp>
-        <p:nvSpPr>
-          <p:cNvPr id="210" name="Google Shape;210;p43"/>
-          <p:cNvSpPr txBox="1">
-            <a:spLocks noGrp="1"/>
-          </p:cNvSpPr>
-          <p:nvPr>
-            <p:ph type="title"/>
-          </p:nvPr>
-        </p:nvSpPr>
-        <p:spPr>
-          <a:xfrm>
-            <a:off x="407768" y="490964"/>
-            <a:ext cx="8312700" cy="672000"/>
-          </a:xfrm>
-          <a:prstGeom prst="rect">
-            <a:avLst/>
-          </a:prstGeom>
-        </p:spPr>
-        <p:txBody>
-          <a:bodyPr spcFirstLastPara="1" wrap="square" lIns="60500" tIns="60500" rIns="60500" bIns="60500" anchor="b" anchorCtr="0">
-            <a:noAutofit/>
-          </a:bodyPr>
-          <a:lstStyle/>
-          <a:p>
-            <a:pPr marL="0" lvl="0" indent="0" algn="l" rtl="0">
-              <a:spcBef>
-                <a:spcPts val="0"/>
-              </a:spcBef>
-              <a:spcAft>
-                <a:spcPts val="0"/>
-              </a:spcAft>
-              <a:buNone/>
-            </a:pPr>
-            <a:r>
-              <a:rPr lang="en" dirty="0"/>
-              <a:t>Practice 2 – Group Reflection</a:t>
-            </a:r>
-            <a:endParaRPr dirty="0"/>
-          </a:p>
-        </p:txBody>
-      </p:sp>
-      <p:sp>
-        <p:nvSpPr>
-          <p:cNvPr id="211" name="Google Shape;211;p43"/>
-          <p:cNvSpPr txBox="1">
-            <a:spLocks noGrp="1"/>
-          </p:cNvSpPr>
-          <p:nvPr>
-            <p:ph type="body" idx="1"/>
-          </p:nvPr>
-        </p:nvSpPr>
-        <p:spPr>
-          <a:xfrm>
-            <a:off x="407768" y="1139573"/>
-            <a:ext cx="8312700" cy="4003927"/>
-          </a:xfrm>
-          <a:prstGeom prst="rect">
-            <a:avLst/>
-          </a:prstGeom>
-        </p:spPr>
-        <p:txBody>
-          <a:bodyPr spcFirstLastPara="1" wrap="square" lIns="60500" tIns="60500" rIns="60500" bIns="60500" anchor="t" anchorCtr="0">
-            <a:noAutofit/>
-          </a:bodyPr>
-          <a:lstStyle/>
-          <a:p>
-            <a:pPr marL="152400" indent="0">
-              <a:buNone/>
-            </a:pPr>
-            <a:r>
-              <a:rPr lang="pt-BR" dirty="0">
-                <a:solidFill>
-                  <a:srgbClr val="000000"/>
-                </a:solidFill>
-                <a:latin typeface="Consolas"/>
-                <a:ea typeface="Consolas"/>
-                <a:cs typeface="Consolas"/>
-              </a:rPr>
-              <a:t>int A, B, C;</a:t>
-            </a:r>
-          </a:p>
-          <a:p>
-            <a:pPr marL="152400" indent="0">
-              <a:buNone/>
-            </a:pPr>
-            <a:r>
-              <a:rPr lang="pt-BR" dirty="0">
-                <a:solidFill>
-                  <a:srgbClr val="000000"/>
-                </a:solidFill>
-                <a:latin typeface="Consolas"/>
-                <a:ea typeface="Consolas"/>
-                <a:cs typeface="Consolas"/>
-              </a:rPr>
-              <a:t>A = 10;</a:t>
-            </a:r>
-          </a:p>
-          <a:p>
-            <a:pPr marL="152400" indent="0">
-              <a:buNone/>
-            </a:pPr>
-            <a:r>
-              <a:rPr lang="pt-BR" dirty="0">
-                <a:solidFill>
-                  <a:srgbClr val="000000"/>
-                </a:solidFill>
-                <a:latin typeface="Consolas"/>
-                <a:ea typeface="Consolas"/>
-                <a:cs typeface="Consolas"/>
-              </a:rPr>
-              <a:t>A = A + 1;</a:t>
-            </a:r>
-          </a:p>
-          <a:p>
-            <a:pPr marL="152400" indent="0">
-              <a:buNone/>
-            </a:pPr>
-            <a:r>
-              <a:rPr lang="pt-BR" dirty="0">
-                <a:solidFill>
-                  <a:srgbClr val="000000"/>
-                </a:solidFill>
-                <a:latin typeface="Consolas"/>
-                <a:ea typeface="Consolas"/>
-                <a:cs typeface="Consolas"/>
-              </a:rPr>
-              <a:t>B = A/2;</a:t>
-            </a:r>
-          </a:p>
-          <a:p>
-            <a:pPr marL="152400" indent="0">
-              <a:buNone/>
-            </a:pPr>
-            <a:r>
-              <a:rPr lang="pt-BR" dirty="0">
-                <a:solidFill>
-                  <a:srgbClr val="000000"/>
-                </a:solidFill>
-                <a:latin typeface="Consolas"/>
-                <a:ea typeface="Consolas"/>
-                <a:cs typeface="Consolas"/>
-              </a:rPr>
-              <a:t>A = 6;</a:t>
-            </a:r>
-          </a:p>
-          <a:p>
-            <a:pPr marL="152400" indent="0">
-              <a:buNone/>
-            </a:pPr>
-            <a:r>
-              <a:rPr lang="pt-BR" dirty="0">
-                <a:solidFill>
-                  <a:srgbClr val="000000"/>
-                </a:solidFill>
-                <a:latin typeface="Consolas"/>
-                <a:ea typeface="Consolas"/>
-                <a:cs typeface="Consolas"/>
-              </a:rPr>
-              <a:t>C = B + 1;</a:t>
-            </a:r>
-          </a:p>
-          <a:p>
-            <a:pPr marL="152400" indent="0">
-              <a:buNone/>
-            </a:pPr>
-            <a:r>
-              <a:rPr lang="pt-BR" dirty="0">
-                <a:solidFill>
-                  <a:srgbClr val="000000"/>
-                </a:solidFill>
-                <a:latin typeface="Consolas"/>
-                <a:ea typeface="Consolas"/>
-                <a:cs typeface="Consolas"/>
-              </a:rPr>
-              <a:t>C = C + 2;</a:t>
-            </a:r>
-          </a:p>
-          <a:p>
-            <a:pPr marL="152400" indent="0">
-              <a:buNone/>
-            </a:pPr>
-            <a:r>
-              <a:rPr lang="pt-BR" dirty="0">
-                <a:solidFill>
-                  <a:srgbClr val="000000"/>
-                </a:solidFill>
-                <a:latin typeface="Consolas"/>
-                <a:ea typeface="Consolas"/>
-                <a:cs typeface="Consolas"/>
-              </a:rPr>
-              <a:t>A = B/2;</a:t>
-            </a:r>
-          </a:p>
-          <a:p>
-            <a:pPr marL="152400" indent="0">
-              <a:buNone/>
-            </a:pPr>
-            <a:br>
-              <a:rPr lang="en-US" dirty="0"/>
-            </a:br>
-            <a:endParaRPr lang="en-US" dirty="0">
-              <a:solidFill>
-                <a:srgbClr val="000000"/>
-              </a:solidFill>
-              <a:latin typeface="Consolas"/>
-              <a:ea typeface="Consolas"/>
-              <a:cs typeface="Consolas"/>
-            </a:endParaRPr>
-          </a:p>
-        </p:txBody>
-      </p:sp>
-      <p:sp>
-        <p:nvSpPr>
-          <p:cNvPr id="212" name="Google Shape;212;p43"/>
-          <p:cNvSpPr/>
-          <p:nvPr/>
-        </p:nvSpPr>
-        <p:spPr>
-          <a:xfrm>
-            <a:off x="2902403" y="2956034"/>
-            <a:ext cx="5989200" cy="1600200"/>
-          </a:xfrm>
-          <a:prstGeom prst="rect">
-            <a:avLst/>
-          </a:prstGeom>
-          <a:solidFill>
-            <a:schemeClr val="lt2"/>
-          </a:solidFill>
-          <a:ln w="9525" cap="flat" cmpd="sng">
-            <a:solidFill>
-              <a:schemeClr val="dk2"/>
-            </a:solidFill>
-            <a:prstDash val="solid"/>
-            <a:round/>
-            <a:headEnd type="none" w="sm" len="sm"/>
-            <a:tailEnd type="none" w="sm" len="sm"/>
-          </a:ln>
-        </p:spPr>
-        <p:txBody>
-          <a:bodyPr spcFirstLastPara="1" wrap="square" lIns="91425" tIns="91425" rIns="91425" bIns="91425" anchor="ctr" anchorCtr="0">
-            <a:noAutofit/>
-          </a:bodyPr>
-          <a:lstStyle/>
-          <a:p>
-            <a:pPr marL="0" lvl="0" indent="0" algn="l" rtl="0">
-              <a:spcBef>
-                <a:spcPts val="0"/>
-              </a:spcBef>
-              <a:spcAft>
-                <a:spcPts val="0"/>
-              </a:spcAft>
-              <a:buNone/>
-            </a:pPr>
-            <a:r>
-              <a:rPr lang="en" b="1" dirty="0"/>
-              <a:t>What are the final values for A, B, and C?</a:t>
-            </a:r>
-          </a:p>
-          <a:p>
-            <a:pPr marL="0" lvl="0" indent="0" algn="l" rtl="0">
-              <a:spcBef>
-                <a:spcPts val="0"/>
-              </a:spcBef>
-              <a:spcAft>
-                <a:spcPts val="0"/>
-              </a:spcAft>
-              <a:buNone/>
-            </a:pPr>
-            <a:endParaRPr lang="en" b="1" dirty="0"/>
-          </a:p>
-          <a:p>
-            <a:pPr marL="0" lvl="0" indent="0" algn="l" rtl="0">
-              <a:spcBef>
-                <a:spcPts val="0"/>
-              </a:spcBef>
-              <a:spcAft>
-                <a:spcPts val="0"/>
-              </a:spcAft>
-              <a:buNone/>
-            </a:pPr>
-            <a:r>
-              <a:rPr lang="en" b="1" dirty="0"/>
-              <a:t>What happens if A is double instead of int?</a:t>
-            </a:r>
-          </a:p>
-          <a:p>
-            <a:pPr marL="0" lvl="0" indent="0" algn="l" rtl="0">
-              <a:spcBef>
-                <a:spcPts val="0"/>
-              </a:spcBef>
-              <a:spcAft>
-                <a:spcPts val="0"/>
-              </a:spcAft>
-              <a:buNone/>
-            </a:pPr>
-            <a:endParaRPr lang="en" b="1" dirty="0"/>
-          </a:p>
-          <a:p>
-            <a:pPr marL="0" lvl="0" indent="0" algn="l" rtl="0">
-              <a:spcBef>
-                <a:spcPts val="0"/>
-              </a:spcBef>
-              <a:spcAft>
-                <a:spcPts val="0"/>
-              </a:spcAft>
-              <a:buNone/>
-            </a:pPr>
-            <a:r>
-              <a:rPr lang="en" b="1" dirty="0"/>
-              <a:t>What happens if A and B are double instead of int?</a:t>
-            </a:r>
-          </a:p>
-          <a:p>
-            <a:pPr marL="0" lvl="0" indent="0" algn="l" rtl="0">
-              <a:spcBef>
-                <a:spcPts val="0"/>
-              </a:spcBef>
-              <a:spcAft>
-                <a:spcPts val="0"/>
-              </a:spcAft>
-              <a:buNone/>
-            </a:pPr>
-            <a:endParaRPr dirty="0"/>
-          </a:p>
-        </p:txBody>
-      </p:sp>
-    </p:spTree>
-    <p:extLst>
-      <p:ext uri="{BB962C8B-B14F-4D97-AF65-F5344CB8AC3E}">
-        <p14:creationId xmlns:p14="http://schemas.microsoft.com/office/powerpoint/2010/main" val="621376379"/>
-      </p:ext>
-    </p:extLst>
   </p:cSld>
   <p:clrMapOvr>
     <a:masterClrMapping/>
@@ -19434,12 +24441,6 @@
 </file>
 
 <file path=customXml/item2.xml><?xml version="1.0" encoding="utf-8"?>
-<p:properties xmlns:p="http://schemas.microsoft.com/office/2006/metadata/properties" xmlns:xsi="http://www.w3.org/2001/XMLSchema-instance" xmlns:pc="http://schemas.microsoft.com/office/infopath/2007/PartnerControls">
-  <documentManagement/>
-</p:properties>
-</file>
-
-<file path=customXml/item3.xml><?xml version="1.0" encoding="utf-8"?>
 <ct:contentTypeSchema xmlns:ct="http://schemas.microsoft.com/office/2006/metadata/contentType" xmlns:ma="http://schemas.microsoft.com/office/2006/metadata/properties/metaAttributes" ct:_="" ma:_="" ma:contentTypeName="Document" ma:contentTypeID="0x010100074387D78AC76C4289401EF66FB51FCC" ma:contentTypeVersion="13" ma:contentTypeDescription="Create a new document." ma:contentTypeScope="" ma:versionID="6d00cb191415ef07de8591021eed77b7">
   <xsd:schema xmlns:xsd="http://www.w3.org/2001/XMLSchema" xmlns:xs="http://www.w3.org/2001/XMLSchema" xmlns:p="http://schemas.microsoft.com/office/2006/metadata/properties" xmlns:ns3="92c41bee-f0ee-4aa6-9399-a35fbb883510" xmlns:ns4="e06ed288-fd75-4b50-bbed-f5a5df88c31c" targetNamespace="http://schemas.microsoft.com/office/2006/metadata/properties" ma:root="true" ma:fieldsID="dd3c912a0e2ebbe56c1b62c06dfbba16" ns3:_="" ns4:_="">
     <xsd:import namespace="92c41bee-f0ee-4aa6-9399-a35fbb883510"/>
@@ -19662,6 +24663,12 @@
 </ct:contentTypeSchema>
 </file>
 
+<file path=customXml/item3.xml><?xml version="1.0" encoding="utf-8"?>
+<p:properties xmlns:p="http://schemas.microsoft.com/office/2006/metadata/properties" xmlns:xsi="http://www.w3.org/2001/XMLSchema-instance" xmlns:pc="http://schemas.microsoft.com/office/infopath/2007/PartnerControls">
+  <documentManagement/>
+</p:properties>
+</file>
+
 <file path=customXml/itemProps1.xml><?xml version="1.0" encoding="utf-8"?>
 <ds:datastoreItem xmlns:ds="http://schemas.openxmlformats.org/officeDocument/2006/customXml" ds:itemID="{AD57AD06-F92C-44EB-AE7E-2E7C93F1B38A}">
   <ds:schemaRefs>
@@ -19671,23 +24678,6 @@
 </file>
 
 <file path=customXml/itemProps2.xml><?xml version="1.0" encoding="utf-8"?>
-<ds:datastoreItem xmlns:ds="http://schemas.openxmlformats.org/officeDocument/2006/customXml" ds:itemID="{2DC42811-3B51-4277-9BAB-60004E84128E}">
-  <ds:schemaRefs>
-    <ds:schemaRef ds:uri="http://purl.org/dc/terms/"/>
-    <ds:schemaRef ds:uri="http://purl.org/dc/elements/1.1/"/>
-    <ds:schemaRef ds:uri="92c41bee-f0ee-4aa6-9399-a35fbb883510"/>
-    <ds:schemaRef ds:uri="http://purl.org/dc/dcmitype/"/>
-    <ds:schemaRef ds:uri="http://schemas.microsoft.com/office/2006/documentManagement/types"/>
-    <ds:schemaRef ds:uri="http://schemas.microsoft.com/office/2006/metadata/properties"/>
-    <ds:schemaRef ds:uri="http://schemas.microsoft.com/office/infopath/2007/PartnerControls"/>
-    <ds:schemaRef ds:uri="http://schemas.openxmlformats.org/package/2006/metadata/core-properties"/>
-    <ds:schemaRef ds:uri="e06ed288-fd75-4b50-bbed-f5a5df88c31c"/>
-    <ds:schemaRef ds:uri="http://www.w3.org/XML/1998/namespace"/>
-  </ds:schemaRefs>
-</ds:datastoreItem>
-</file>
-
-<file path=customXml/itemProps3.xml><?xml version="1.0" encoding="utf-8"?>
 <ds:datastoreItem xmlns:ds="http://schemas.openxmlformats.org/officeDocument/2006/customXml" ds:itemID="{92A5BA81-21EF-4D25-A1C1-3693A7025EF6}">
   <ds:schemaRefs>
     <ds:schemaRef ds:uri="http://schemas.microsoft.com/office/2006/metadata/contentType"/>
@@ -19704,4 +24694,21 @@
     <ds:schemaRef ds:uri="http://schemas.microsoft.com/internal/obd"/>
   </ds:schemaRefs>
 </ds:datastoreItem>
+</file>
+
+<file path=customXml/itemProps3.xml><?xml version="1.0" encoding="utf-8"?>
+<ds:datastoreItem xmlns:ds="http://schemas.openxmlformats.org/officeDocument/2006/customXml" ds:itemID="{2DC42811-3B51-4277-9BAB-60004E84128E}">
+  <ds:schemaRefs>
+    <ds:schemaRef ds:uri="http://purl.org/dc/terms/"/>
+    <ds:schemaRef ds:uri="http://purl.org/dc/elements/1.1/"/>
+    <ds:schemaRef ds:uri="92c41bee-f0ee-4aa6-9399-a35fbb883510"/>
+    <ds:schemaRef ds:uri="http://purl.org/dc/dcmitype/"/>
+    <ds:schemaRef ds:uri="http://schemas.microsoft.com/office/2006/documentManagement/types"/>
+    <ds:schemaRef ds:uri="http://schemas.microsoft.com/office/2006/metadata/properties"/>
+    <ds:schemaRef ds:uri="http://schemas.microsoft.com/office/infopath/2007/PartnerControls"/>
+    <ds:schemaRef ds:uri="http://schemas.openxmlformats.org/package/2006/metadata/core-properties"/>
+    <ds:schemaRef ds:uri="e06ed288-fd75-4b50-bbed-f5a5df88c31c"/>
+    <ds:schemaRef ds:uri="http://www.w3.org/XML/1998/namespace"/>
+  </ds:schemaRefs>
+</ds:datastoreItem>
 </file>
--- a/slides/On-Campus/02_01_Variables.pptx
+++ b/slides/On-Campus/02_01_Variables.pptx
@@ -41,7 +41,7 @@
       <p:regular r:id="rId27"/>
     </p:embeddedFont>
     <p:embeddedFont>
-      <p:font typeface="Proxima Nova" panose="020B0604020202020204" charset="0"/>
+      <p:font typeface="Proxima Nova" panose="02000506030000020004" pitchFamily="2" charset="0"/>
       <p:regular r:id="rId28"/>
       <p:bold r:id="rId29"/>
       <p:italic r:id="rId30"/>
@@ -16953,7 +16953,7 @@
           <a:p>
             <a:r>
               <a:rPr lang="en-US" dirty="0"/>
-              <a:t>Reminder - Integer Division</a:t>
+              <a:t>Integer Division</a:t>
             </a:r>
           </a:p>
         </p:txBody>
@@ -17985,7 +17985,7 @@
         <p:spPr>
           <a:xfrm>
             <a:off x="2279997" y="1361507"/>
-            <a:ext cx="6448500" cy="1532300"/>
+            <a:ext cx="6448500" cy="1749162"/>
           </a:xfrm>
         </p:spPr>
         <p:txBody>
@@ -17998,7 +17998,17 @@
             </a:pPr>
             <a:r>
               <a:rPr lang="en-US" dirty="0"/>
-              <a:t>Assigned Programmer (only one needed per table)</a:t>
+              <a:t>Assigned Programmer (only one needed per table) </a:t>
+            </a:r>
+          </a:p>
+          <a:p>
+            <a:pPr lvl="1">
+              <a:buFont typeface="Arial" panose="020B0604020202020204" pitchFamily="34" charset="0"/>
+              <a:buChar char="•"/>
+            </a:pPr>
+            <a:r>
+              <a:rPr lang="en-US" dirty="0"/>
+              <a:t>Ideally a 163 student </a:t>
             </a:r>
           </a:p>
           <a:p>
@@ -22705,7 +22715,15 @@
           <a:p>
             <a:r>
               <a:rPr lang="en-US" dirty="0"/>
-              <a:t>In zyBooks as a in-class if you want to try it.</a:t>
+              <a:t>In </a:t>
+            </a:r>
+            <a:r>
+              <a:rPr lang="en-US" dirty="0" err="1"/>
+              <a:t>zyBooks</a:t>
+            </a:r>
+            <a:r>
+              <a:rPr lang="en-US" dirty="0"/>
+              <a:t> has a in-class if you want to try it.</a:t>
             </a:r>
           </a:p>
         </p:txBody>
@@ -24432,15 +24450,6 @@
 </file>
 
 <file path=customXml/item1.xml><?xml version="1.0" encoding="utf-8"?>
-<?mso-contentType ?>
-<FormTemplates xmlns="http://schemas.microsoft.com/sharepoint/v3/contenttype/forms">
-  <Display>DocumentLibraryForm</Display>
-  <Edit>DocumentLibraryForm</Edit>
-  <New>DocumentLibraryForm</New>
-</FormTemplates>
-</file>
-
-<file path=customXml/item2.xml><?xml version="1.0" encoding="utf-8"?>
 <ct:contentTypeSchema xmlns:ct="http://schemas.microsoft.com/office/2006/metadata/contentType" xmlns:ma="http://schemas.microsoft.com/office/2006/metadata/properties/metaAttributes" ct:_="" ma:_="" ma:contentTypeName="Document" ma:contentTypeID="0x010100074387D78AC76C4289401EF66FB51FCC" ma:contentTypeVersion="13" ma:contentTypeDescription="Create a new document." ma:contentTypeScope="" ma:versionID="6d00cb191415ef07de8591021eed77b7">
   <xsd:schema xmlns:xsd="http://www.w3.org/2001/XMLSchema" xmlns:xs="http://www.w3.org/2001/XMLSchema" xmlns:p="http://schemas.microsoft.com/office/2006/metadata/properties" xmlns:ns3="92c41bee-f0ee-4aa6-9399-a35fbb883510" xmlns:ns4="e06ed288-fd75-4b50-bbed-f5a5df88c31c" targetNamespace="http://schemas.microsoft.com/office/2006/metadata/properties" ma:root="true" ma:fieldsID="dd3c912a0e2ebbe56c1b62c06dfbba16" ns3:_="" ns4:_="">
     <xsd:import namespace="92c41bee-f0ee-4aa6-9399-a35fbb883510"/>
@@ -24663,6 +24672,15 @@
 </ct:contentTypeSchema>
 </file>
 
+<file path=customXml/item2.xml><?xml version="1.0" encoding="utf-8"?>
+<?mso-contentType ?>
+<FormTemplates xmlns="http://schemas.microsoft.com/sharepoint/v3/contenttype/forms">
+  <Display>DocumentLibraryForm</Display>
+  <Edit>DocumentLibraryForm</Edit>
+  <New>DocumentLibraryForm</New>
+</FormTemplates>
+</file>
+
 <file path=customXml/item3.xml><?xml version="1.0" encoding="utf-8"?>
 <p:properties xmlns:p="http://schemas.microsoft.com/office/2006/metadata/properties" xmlns:xsi="http://www.w3.org/2001/XMLSchema-instance" xmlns:pc="http://schemas.microsoft.com/office/infopath/2007/PartnerControls">
   <documentManagement/>
@@ -24670,14 +24688,6 @@
 </file>
 
 <file path=customXml/itemProps1.xml><?xml version="1.0" encoding="utf-8"?>
-<ds:datastoreItem xmlns:ds="http://schemas.openxmlformats.org/officeDocument/2006/customXml" ds:itemID="{AD57AD06-F92C-44EB-AE7E-2E7C93F1B38A}">
-  <ds:schemaRefs>
-    <ds:schemaRef ds:uri="http://schemas.microsoft.com/sharepoint/v3/contenttype/forms"/>
-  </ds:schemaRefs>
-</ds:datastoreItem>
-</file>
-
-<file path=customXml/itemProps2.xml><?xml version="1.0" encoding="utf-8"?>
 <ds:datastoreItem xmlns:ds="http://schemas.openxmlformats.org/officeDocument/2006/customXml" ds:itemID="{92A5BA81-21EF-4D25-A1C1-3693A7025EF6}">
   <ds:schemaRefs>
     <ds:schemaRef ds:uri="http://schemas.microsoft.com/office/2006/metadata/contentType"/>
@@ -24692,6 +24702,14 @@
     <ds:schemaRef ds:uri="http://purl.org/dc/elements/1.1/"/>
     <ds:schemaRef ds:uri="http://purl.org/dc/terms/"/>
     <ds:schemaRef ds:uri="http://schemas.microsoft.com/internal/obd"/>
+  </ds:schemaRefs>
+</ds:datastoreItem>
+</file>
+
+<file path=customXml/itemProps2.xml><?xml version="1.0" encoding="utf-8"?>
+<ds:datastoreItem xmlns:ds="http://schemas.openxmlformats.org/officeDocument/2006/customXml" ds:itemID="{AD57AD06-F92C-44EB-AE7E-2E7C93F1B38A}">
+  <ds:schemaRefs>
+    <ds:schemaRef ds:uri="http://schemas.microsoft.com/sharepoint/v3/contenttype/forms"/>
   </ds:schemaRefs>
 </ds:datastoreItem>
 </file>

--- a/slides/On-Campus/02_01_Variables.pptx
+++ b/slides/On-Campus/02_01_Variables.pptx
@@ -41,7 +41,7 @@
       <p:regular r:id="rId27"/>
     </p:embeddedFont>
     <p:embeddedFont>
-      <p:font typeface="Proxima Nova" panose="02000506030000020004" pitchFamily="2" charset="0"/>
+      <p:font typeface="Proxima Nova" panose="020B0604020202020204" charset="0"/>
       <p:regular r:id="rId28"/>
       <p:bold r:id="rId29"/>
       <p:italic r:id="rId30"/>
@@ -301,6 +301,42 @@
     </p:ext>
   </p:extLst>
 </p:presentation>
+</file>
+
+<file path=ppt/changesInfos/changesInfo1.xml><?xml version="1.0" encoding="utf-8"?>
+<pc:chgInfo xmlns:a="http://schemas.openxmlformats.org/drawingml/2006/main" xmlns:r="http://schemas.openxmlformats.org/officeDocument/2006/relationships" xmlns:ac="http://schemas.microsoft.com/office/drawing/2013/main/command" xmlns:pc="http://schemas.microsoft.com/office/powerpoint/2013/main/command">
+  <pc:docChgLst>
+    <pc:chgData name="Moraes,Marcia" userId="c9c67e8a-58e2-4733-9a1c-5d44fec4775b" providerId="ADAL" clId="{561DCFD7-6FEB-4B54-B2B0-8C2291E4D067}"/>
+    <pc:docChg chg="modSld">
+      <pc:chgData name="Moraes,Marcia" userId="c9c67e8a-58e2-4733-9a1c-5d44fec4775b" providerId="ADAL" clId="{561DCFD7-6FEB-4B54-B2B0-8C2291E4D067}" dt="2022-08-19T01:40:53.275" v="2" actId="729"/>
+      <pc:docMkLst>
+        <pc:docMk/>
+      </pc:docMkLst>
+      <pc:sldChg chg="mod modShow">
+        <pc:chgData name="Moraes,Marcia" userId="c9c67e8a-58e2-4733-9a1c-5d44fec4775b" providerId="ADAL" clId="{561DCFD7-6FEB-4B54-B2B0-8C2291E4D067}" dt="2022-08-19T01:40:53.275" v="2" actId="729"/>
+        <pc:sldMkLst>
+          <pc:docMk/>
+          <pc:sldMk cId="2032472043" sldId="261"/>
+        </pc:sldMkLst>
+      </pc:sldChg>
+      <pc:sldChg chg="modSp mod modNotesTx">
+        <pc:chgData name="Moraes,Marcia" userId="c9c67e8a-58e2-4733-9a1c-5d44fec4775b" providerId="ADAL" clId="{561DCFD7-6FEB-4B54-B2B0-8C2291E4D067}" dt="2022-08-19T01:40:40.068" v="1"/>
+        <pc:sldMkLst>
+          <pc:docMk/>
+          <pc:sldMk cId="2801241116" sldId="263"/>
+        </pc:sldMkLst>
+        <pc:spChg chg="mod">
+          <ac:chgData name="Moraes,Marcia" userId="c9c67e8a-58e2-4733-9a1c-5d44fec4775b" providerId="ADAL" clId="{561DCFD7-6FEB-4B54-B2B0-8C2291E4D067}" dt="2022-08-19T01:40:37.234" v="0" actId="21"/>
+          <ac:spMkLst>
+            <pc:docMk/>
+            <pc:sldMk cId="2801241116" sldId="263"/>
+            <ac:spMk id="5" creationId="{1BBD0DB5-379A-304F-9307-E7B1A89B08F7}"/>
+          </ac:spMkLst>
+        </pc:spChg>
+      </pc:sldChg>
+    </pc:docChg>
+  </pc:docChgLst>
+</pc:chgInfo>
 </file>
 
 <file path=ppt/notesMasters/notesMaster1.xml><?xml version="1.0" encoding="utf-8"?>
@@ -849,6 +885,93 @@
 </file>
 
 <file path=ppt/notesSlides/notesSlide2.xml><?xml version="1.0" encoding="utf-8"?>
+<p:notes xmlns:a="http://schemas.openxmlformats.org/drawingml/2006/main" xmlns:r="http://schemas.openxmlformats.org/officeDocument/2006/relationships" xmlns:p="http://schemas.openxmlformats.org/presentationml/2006/main">
+  <p:cSld>
+    <p:spTree>
+      <p:nvGrpSpPr>
+        <p:cNvPr id="1" name=""/>
+        <p:cNvGrpSpPr/>
+        <p:nvPr/>
+      </p:nvGrpSpPr>
+      <p:grpSpPr>
+        <a:xfrm>
+          <a:off x="0" y="0"/>
+          <a:ext cx="0" cy="0"/>
+          <a:chOff x="0" y="0"/>
+          <a:chExt cx="0" cy="0"/>
+        </a:xfrm>
+      </p:grpSpPr>
+      <p:sp>
+        <p:nvSpPr>
+          <p:cNvPr id="2" name="Slide Image Placeholder 1"/>
+          <p:cNvSpPr>
+            <a:spLocks noGrp="1" noRot="1" noChangeAspect="1"/>
+          </p:cNvSpPr>
+          <p:nvPr>
+            <p:ph type="sldImg"/>
+          </p:nvPr>
+        </p:nvSpPr>
+        <p:spPr>
+          <a:xfrm>
+            <a:off x="381000" y="685800"/>
+            <a:ext cx="6096000" cy="3429000"/>
+          </a:xfrm>
+        </p:spPr>
+      </p:sp>
+      <p:sp>
+        <p:nvSpPr>
+          <p:cNvPr id="3" name="Notes Placeholder 2"/>
+          <p:cNvSpPr>
+            <a:spLocks noGrp="1"/>
+          </p:cNvSpPr>
+          <p:nvPr>
+            <p:ph type="body" idx="1"/>
+          </p:nvPr>
+        </p:nvSpPr>
+        <p:spPr/>
+        <p:txBody>
+          <a:bodyPr/>
+          <a:lstStyle/>
+          <a:p>
+            <a:r>
+              <a:rPr lang="en-US" dirty="0"/>
+              <a:t>Do you have your </a:t>
+            </a:r>
+            <a:r>
+              <a:rPr lang="en-US" dirty="0" err="1"/>
+              <a:t>iClicker</a:t>
+            </a:r>
+            <a:r>
+              <a:rPr lang="en-US" dirty="0"/>
+              <a:t> Cloud setup? </a:t>
+            </a:r>
+          </a:p>
+          <a:p>
+            <a:pPr lvl="1"/>
+            <a:r>
+              <a:rPr lang="en-US" dirty="0"/>
+              <a:t>Now is good time! </a:t>
+            </a:r>
+          </a:p>
+          <a:p>
+            <a:endParaRPr lang="en-US" dirty="0"/>
+          </a:p>
+        </p:txBody>
+      </p:sp>
+    </p:spTree>
+    <p:extLst>
+      <p:ext uri="{BB962C8B-B14F-4D97-AF65-F5344CB8AC3E}">
+        <p14:creationId xmlns:p14="http://schemas.microsoft.com/office/powerpoint/2010/main" val="1856294455"/>
+      </p:ext>
+    </p:extLst>
+  </p:cSld>
+  <p:clrMapOvr>
+    <a:masterClrMapping/>
+  </p:clrMapOvr>
+</p:notes>
+</file>
+
+<file path=ppt/notesSlides/notesSlide3.xml><?xml version="1.0" encoding="utf-8"?>
 <p:notes xmlns:a="http://schemas.openxmlformats.org/drawingml/2006/main" xmlns:r="http://schemas.openxmlformats.org/officeDocument/2006/relationships" xmlns:p="http://schemas.openxmlformats.org/presentationml/2006/main" showMasterSp="0" showMasterPhAnim="0">
   <p:cSld>
     <p:spTree>
@@ -952,7 +1075,7 @@
 </p:notes>
 </file>
 
-<file path=ppt/notesSlides/notesSlide3.xml><?xml version="1.0" encoding="utf-8"?>
+<file path=ppt/notesSlides/notesSlide4.xml><?xml version="1.0" encoding="utf-8"?>
 <p:notes xmlns:a="http://schemas.openxmlformats.org/drawingml/2006/main" xmlns:r="http://schemas.openxmlformats.org/officeDocument/2006/relationships" xmlns:p="http://schemas.openxmlformats.org/presentationml/2006/main" showMasterSp="0" showMasterPhAnim="0">
   <p:cSld>
     <p:spTree>
@@ -1056,7 +1179,7 @@
 </p:notes>
 </file>
 
-<file path=ppt/notesSlides/notesSlide4.xml><?xml version="1.0" encoding="utf-8"?>
+<file path=ppt/notesSlides/notesSlide5.xml><?xml version="1.0" encoding="utf-8"?>
 <p:notes xmlns:a="http://schemas.openxmlformats.org/drawingml/2006/main" xmlns:r="http://schemas.openxmlformats.org/officeDocument/2006/relationships" xmlns:p="http://schemas.openxmlformats.org/presentationml/2006/main" showMasterSp="0" showMasterPhAnim="0">
   <p:cSld>
     <p:spTree>
@@ -1165,7 +1288,7 @@
 </p:notes>
 </file>
 
-<file path=ppt/notesSlides/notesSlide5.xml><?xml version="1.0" encoding="utf-8"?>
+<file path=ppt/notesSlides/notesSlide6.xml><?xml version="1.0" encoding="utf-8"?>
 <p:notes xmlns:a="http://schemas.openxmlformats.org/drawingml/2006/main" xmlns:r="http://schemas.openxmlformats.org/officeDocument/2006/relationships" xmlns:p="http://schemas.openxmlformats.org/presentationml/2006/main" showMasterSp="0" showMasterPhAnim="0">
   <p:cSld>
     <p:spTree>
@@ -1269,7 +1392,7 @@
 </p:notes>
 </file>
 
-<file path=ppt/notesSlides/notesSlide6.xml><?xml version="1.0" encoding="utf-8"?>
+<file path=ppt/notesSlides/notesSlide7.xml><?xml version="1.0" encoding="utf-8"?>
 <p:notes xmlns:a="http://schemas.openxmlformats.org/drawingml/2006/main" xmlns:r="http://schemas.openxmlformats.org/officeDocument/2006/relationships" xmlns:p="http://schemas.openxmlformats.org/presentationml/2006/main" showMasterSp="0" showMasterPhAnim="0">
   <p:cSld>
     <p:spTree>
@@ -1378,7 +1501,7 @@
 </p:notes>
 </file>
 
-<file path=ppt/notesSlides/notesSlide7.xml><?xml version="1.0" encoding="utf-8"?>
+<file path=ppt/notesSlides/notesSlide8.xml><?xml version="1.0" encoding="utf-8"?>
 <p:notes xmlns:a="http://schemas.openxmlformats.org/drawingml/2006/main" xmlns:r="http://schemas.openxmlformats.org/officeDocument/2006/relationships" xmlns:p="http://schemas.openxmlformats.org/presentationml/2006/main" showMasterSp="0" showMasterPhAnim="0">
   <p:cSld>
     <p:spTree>
@@ -19656,27 +19779,6 @@
           <a:bodyPr/>
           <a:lstStyle/>
           <a:p>
-            <a:r>
-              <a:rPr lang="en-US" dirty="0"/>
-              <a:t>Do you have your </a:t>
-            </a:r>
-            <a:r>
-              <a:rPr lang="en-US" dirty="0" err="1"/>
-              <a:t>iClicker</a:t>
-            </a:r>
-            <a:r>
-              <a:rPr lang="en-US" dirty="0"/>
-              <a:t> Cloud setup? </a:t>
-            </a:r>
-          </a:p>
-          <a:p>
-            <a:pPr lvl="1"/>
-            <a:r>
-              <a:rPr lang="en-US" dirty="0"/>
-              <a:t>Now is good time! </a:t>
-            </a:r>
-          </a:p>
-          <a:p>
             <a:pPr lvl="1"/>
             <a:endParaRPr lang="en-US" dirty="0"/>
           </a:p>
@@ -19840,7 +19942,7 @@
 </file>
 
 <file path=ppt/slides/slide3.xml><?xml version="1.0" encoding="utf-8"?>
-<p:sld xmlns:a="http://schemas.openxmlformats.org/drawingml/2006/main" xmlns:r="http://schemas.openxmlformats.org/officeDocument/2006/relationships" xmlns:p="http://schemas.openxmlformats.org/presentationml/2006/main">
+<p:sld xmlns:a="http://schemas.openxmlformats.org/drawingml/2006/main" xmlns:r="http://schemas.openxmlformats.org/officeDocument/2006/relationships" xmlns:p="http://schemas.openxmlformats.org/presentationml/2006/main" show="0">
   <p:cSld>
     <p:spTree>
       <p:nvGrpSpPr>
@@ -24450,6 +24552,15 @@
 </file>
 
 <file path=customXml/item1.xml><?xml version="1.0" encoding="utf-8"?>
+<?mso-contentType ?>
+<FormTemplates xmlns="http://schemas.microsoft.com/sharepoint/v3/contenttype/forms">
+  <Display>DocumentLibraryForm</Display>
+  <Edit>DocumentLibraryForm</Edit>
+  <New>DocumentLibraryForm</New>
+</FormTemplates>
+</file>
+
+<file path=customXml/item2.xml><?xml version="1.0" encoding="utf-8"?>
 <ct:contentTypeSchema xmlns:ct="http://schemas.microsoft.com/office/2006/metadata/contentType" xmlns:ma="http://schemas.microsoft.com/office/2006/metadata/properties/metaAttributes" ct:_="" ma:_="" ma:contentTypeName="Document" ma:contentTypeID="0x010100074387D78AC76C4289401EF66FB51FCC" ma:contentTypeVersion="13" ma:contentTypeDescription="Create a new document." ma:contentTypeScope="" ma:versionID="6d00cb191415ef07de8591021eed77b7">
   <xsd:schema xmlns:xsd="http://www.w3.org/2001/XMLSchema" xmlns:xs="http://www.w3.org/2001/XMLSchema" xmlns:p="http://schemas.microsoft.com/office/2006/metadata/properties" xmlns:ns3="92c41bee-f0ee-4aa6-9399-a35fbb883510" xmlns:ns4="e06ed288-fd75-4b50-bbed-f5a5df88c31c" targetNamespace="http://schemas.microsoft.com/office/2006/metadata/properties" ma:root="true" ma:fieldsID="dd3c912a0e2ebbe56c1b62c06dfbba16" ns3:_="" ns4:_="">
     <xsd:import namespace="92c41bee-f0ee-4aa6-9399-a35fbb883510"/>
@@ -24672,15 +24783,6 @@
 </ct:contentTypeSchema>
 </file>
 
-<file path=customXml/item2.xml><?xml version="1.0" encoding="utf-8"?>
-<?mso-contentType ?>
-<FormTemplates xmlns="http://schemas.microsoft.com/sharepoint/v3/contenttype/forms">
-  <Display>DocumentLibraryForm</Display>
-  <Edit>DocumentLibraryForm</Edit>
-  <New>DocumentLibraryForm</New>
-</FormTemplates>
-</file>
-
 <file path=customXml/item3.xml><?xml version="1.0" encoding="utf-8"?>
 <p:properties xmlns:p="http://schemas.microsoft.com/office/2006/metadata/properties" xmlns:xsi="http://www.w3.org/2001/XMLSchema-instance" xmlns:pc="http://schemas.microsoft.com/office/infopath/2007/PartnerControls">
   <documentManagement/>
@@ -24688,6 +24790,14 @@
 </file>
 
 <file path=customXml/itemProps1.xml><?xml version="1.0" encoding="utf-8"?>
+<ds:datastoreItem xmlns:ds="http://schemas.openxmlformats.org/officeDocument/2006/customXml" ds:itemID="{AD57AD06-F92C-44EB-AE7E-2E7C93F1B38A}">
+  <ds:schemaRefs>
+    <ds:schemaRef ds:uri="http://schemas.microsoft.com/sharepoint/v3/contenttype/forms"/>
+  </ds:schemaRefs>
+</ds:datastoreItem>
+</file>
+
+<file path=customXml/itemProps2.xml><?xml version="1.0" encoding="utf-8"?>
 <ds:datastoreItem xmlns:ds="http://schemas.openxmlformats.org/officeDocument/2006/customXml" ds:itemID="{92A5BA81-21EF-4D25-A1C1-3693A7025EF6}">
   <ds:schemaRefs>
     <ds:schemaRef ds:uri="http://schemas.microsoft.com/office/2006/metadata/contentType"/>
@@ -24702,14 +24812,6 @@
     <ds:schemaRef ds:uri="http://purl.org/dc/elements/1.1/"/>
     <ds:schemaRef ds:uri="http://purl.org/dc/terms/"/>
     <ds:schemaRef ds:uri="http://schemas.microsoft.com/internal/obd"/>
-  </ds:schemaRefs>
-</ds:datastoreItem>
-</file>
-
-<file path=customXml/itemProps2.xml><?xml version="1.0" encoding="utf-8"?>
-<ds:datastoreItem xmlns:ds="http://schemas.openxmlformats.org/officeDocument/2006/customXml" ds:itemID="{AD57AD06-F92C-44EB-AE7E-2E7C93F1B38A}">
-  <ds:schemaRefs>
-    <ds:schemaRef ds:uri="http://schemas.microsoft.com/sharepoint/v3/contenttype/forms"/>
   </ds:schemaRefs>
 </ds:datastoreItem>
 </file>

--- a/slides/On-Campus/02_01_Variables.pptx
+++ b/slides/On-Campus/02_01_Variables.pptx
@@ -5,54 +5,55 @@
     <p:sldMasterId id="2147483685" r:id="rId4"/>
   </p:sldMasterIdLst>
   <p:notesMasterIdLst>
-    <p:notesMasterId r:id="rId22"/>
+    <p:notesMasterId r:id="rId23"/>
   </p:notesMasterIdLst>
   <p:sldIdLst>
     <p:sldId id="256" r:id="rId5"/>
     <p:sldId id="263" r:id="rId6"/>
     <p:sldId id="261" r:id="rId7"/>
-    <p:sldId id="262" r:id="rId8"/>
-    <p:sldId id="257" r:id="rId9"/>
-    <p:sldId id="258" r:id="rId10"/>
-    <p:sldId id="267" r:id="rId11"/>
-    <p:sldId id="265" r:id="rId12"/>
-    <p:sldId id="259" r:id="rId13"/>
-    <p:sldId id="266" r:id="rId14"/>
-    <p:sldId id="268" r:id="rId15"/>
-    <p:sldId id="269" r:id="rId16"/>
-    <p:sldId id="270" r:id="rId17"/>
-    <p:sldId id="272" r:id="rId18"/>
-    <p:sldId id="271" r:id="rId19"/>
-    <p:sldId id="260" r:id="rId20"/>
-    <p:sldId id="264" r:id="rId21"/>
+    <p:sldId id="273" r:id="rId8"/>
+    <p:sldId id="262" r:id="rId9"/>
+    <p:sldId id="257" r:id="rId10"/>
+    <p:sldId id="258" r:id="rId11"/>
+    <p:sldId id="267" r:id="rId12"/>
+    <p:sldId id="265" r:id="rId13"/>
+    <p:sldId id="259" r:id="rId14"/>
+    <p:sldId id="266" r:id="rId15"/>
+    <p:sldId id="268" r:id="rId16"/>
+    <p:sldId id="269" r:id="rId17"/>
+    <p:sldId id="270" r:id="rId18"/>
+    <p:sldId id="272" r:id="rId19"/>
+    <p:sldId id="271" r:id="rId20"/>
+    <p:sldId id="260" r:id="rId21"/>
+    <p:sldId id="264" r:id="rId22"/>
   </p:sldIdLst>
   <p:sldSz cx="9144000" cy="5143500" type="screen16x9"/>
   <p:notesSz cx="6858000" cy="9144000"/>
   <p:embeddedFontLst>
     <p:embeddedFont>
       <p:font typeface="Consolas" panose="020B0609020204030204" pitchFamily="49" charset="0"/>
-      <p:regular r:id="rId23"/>
-      <p:bold r:id="rId24"/>
-      <p:italic r:id="rId25"/>
-      <p:boldItalic r:id="rId26"/>
+      <p:regular r:id="rId24"/>
+      <p:bold r:id="rId25"/>
+      <p:italic r:id="rId26"/>
+      <p:boldItalic r:id="rId27"/>
     </p:embeddedFont>
     <p:embeddedFont>
       <p:font typeface="Microsoft Sans Serif" panose="020B0604020202020204" pitchFamily="34" charset="0"/>
-      <p:regular r:id="rId27"/>
+      <p:regular r:id="rId28"/>
     </p:embeddedFont>
     <p:embeddedFont>
       <p:font typeface="Proxima Nova" panose="020B0604020202020204" charset="0"/>
-      <p:regular r:id="rId28"/>
-      <p:bold r:id="rId29"/>
-      <p:italic r:id="rId30"/>
-      <p:boldItalic r:id="rId31"/>
+      <p:regular r:id="rId29"/>
+      <p:bold r:id="rId30"/>
+      <p:italic r:id="rId31"/>
+      <p:boldItalic r:id="rId32"/>
     </p:embeddedFont>
     <p:embeddedFont>
       <p:font typeface="Source Sans Pro" panose="020B0503030403020204" pitchFamily="34" charset="0"/>
-      <p:regular r:id="rId32"/>
-      <p:bold r:id="rId33"/>
-      <p:italic r:id="rId34"/>
-      <p:boldItalic r:id="rId35"/>
+      <p:regular r:id="rId33"/>
+      <p:bold r:id="rId34"/>
+      <p:italic r:id="rId35"/>
+      <p:boldItalic r:id="rId36"/>
     </p:embeddedFont>
   </p:embeddedFontLst>
   <p:defaultTextStyle>
@@ -307,32 +308,366 @@
 <pc:chgInfo xmlns:a="http://schemas.openxmlformats.org/drawingml/2006/main" xmlns:r="http://schemas.openxmlformats.org/officeDocument/2006/relationships" xmlns:ac="http://schemas.microsoft.com/office/drawing/2013/main/command" xmlns:pc="http://schemas.microsoft.com/office/powerpoint/2013/main/command">
   <pc:docChgLst>
     <pc:chgData name="Moraes,Marcia" userId="c9c67e8a-58e2-4733-9a1c-5d44fec4775b" providerId="ADAL" clId="{561DCFD7-6FEB-4B54-B2B0-8C2291E4D067}"/>
-    <pc:docChg chg="modSld">
-      <pc:chgData name="Moraes,Marcia" userId="c9c67e8a-58e2-4733-9a1c-5d44fec4775b" providerId="ADAL" clId="{561DCFD7-6FEB-4B54-B2B0-8C2291E4D067}" dt="2022-08-19T01:40:53.275" v="2" actId="729"/>
+  </pc:docChgLst>
+  <pc:docChgLst>
+    <pc:chgData name="Marcia Moraes" userId="c9c67e8a-58e2-4733-9a1c-5d44fec4775b" providerId="ADAL" clId="{48048393-D2C0-4AEB-962E-418898327284}"/>
+    <pc:docChg chg="undo custSel addSld delSld modSld">
+      <pc:chgData name="Marcia Moraes" userId="c9c67e8a-58e2-4733-9a1c-5d44fec4775b" providerId="ADAL" clId="{48048393-D2C0-4AEB-962E-418898327284}" dt="2023-01-23T02:33:15.790" v="472" actId="1076"/>
       <pc:docMkLst>
         <pc:docMk/>
       </pc:docMkLst>
-      <pc:sldChg chg="mod modShow">
-        <pc:chgData name="Moraes,Marcia" userId="c9c67e8a-58e2-4733-9a1c-5d44fec4775b" providerId="ADAL" clId="{561DCFD7-6FEB-4B54-B2B0-8C2291E4D067}" dt="2022-08-19T01:40:53.275" v="2" actId="729"/>
+      <pc:sldChg chg="modSp">
+        <pc:chgData name="Marcia Moraes" userId="c9c67e8a-58e2-4733-9a1c-5d44fec4775b" providerId="ADAL" clId="{48048393-D2C0-4AEB-962E-418898327284}" dt="2023-01-23T01:41:47.920" v="116" actId="20577"/>
         <pc:sldMkLst>
           <pc:docMk/>
-          <pc:sldMk cId="2032472043" sldId="261"/>
+          <pc:sldMk cId="0" sldId="256"/>
         </pc:sldMkLst>
+        <pc:spChg chg="mod">
+          <ac:chgData name="Marcia Moraes" userId="c9c67e8a-58e2-4733-9a1c-5d44fec4775b" providerId="ADAL" clId="{48048393-D2C0-4AEB-962E-418898327284}" dt="2023-01-23T01:41:47.920" v="116" actId="20577"/>
+          <ac:spMkLst>
+            <pc:docMk/>
+            <pc:sldMk cId="0" sldId="256"/>
+            <ac:spMk id="187" creationId="{00000000-0000-0000-0000-000000000000}"/>
+          </ac:spMkLst>
+        </pc:spChg>
       </pc:sldChg>
-      <pc:sldChg chg="modSp mod modNotesTx">
-        <pc:chgData name="Moraes,Marcia" userId="c9c67e8a-58e2-4733-9a1c-5d44fec4775b" providerId="ADAL" clId="{561DCFD7-6FEB-4B54-B2B0-8C2291E4D067}" dt="2022-08-19T01:40:40.068" v="1"/>
+      <pc:sldChg chg="modSp">
+        <pc:chgData name="Marcia Moraes" userId="c9c67e8a-58e2-4733-9a1c-5d44fec4775b" providerId="ADAL" clId="{48048393-D2C0-4AEB-962E-418898327284}" dt="2023-01-23T01:53:27.039" v="446" actId="255"/>
+        <pc:sldMkLst>
+          <pc:docMk/>
+          <pc:sldMk cId="0" sldId="257"/>
+        </pc:sldMkLst>
+        <pc:spChg chg="mod">
+          <ac:chgData name="Marcia Moraes" userId="c9c67e8a-58e2-4733-9a1c-5d44fec4775b" providerId="ADAL" clId="{48048393-D2C0-4AEB-962E-418898327284}" dt="2023-01-23T01:52:47.292" v="440" actId="1076"/>
+          <ac:spMkLst>
+            <pc:docMk/>
+            <pc:sldMk cId="0" sldId="257"/>
+            <ac:spMk id="192" creationId="{00000000-0000-0000-0000-000000000000}"/>
+          </ac:spMkLst>
+        </pc:spChg>
+        <pc:spChg chg="mod">
+          <ac:chgData name="Marcia Moraes" userId="c9c67e8a-58e2-4733-9a1c-5d44fec4775b" providerId="ADAL" clId="{48048393-D2C0-4AEB-962E-418898327284}" dt="2023-01-23T01:53:27.039" v="446" actId="255"/>
+          <ac:spMkLst>
+            <pc:docMk/>
+            <pc:sldMk cId="0" sldId="257"/>
+            <ac:spMk id="193" creationId="{00000000-0000-0000-0000-000000000000}"/>
+          </ac:spMkLst>
+        </pc:spChg>
+      </pc:sldChg>
+      <pc:sldChg chg="modSp">
+        <pc:chgData name="Marcia Moraes" userId="c9c67e8a-58e2-4733-9a1c-5d44fec4775b" providerId="ADAL" clId="{48048393-D2C0-4AEB-962E-418898327284}" dt="2023-01-23T01:54:25.080" v="455" actId="1076"/>
+        <pc:sldMkLst>
+          <pc:docMk/>
+          <pc:sldMk cId="0" sldId="258"/>
+        </pc:sldMkLst>
+        <pc:spChg chg="mod">
+          <ac:chgData name="Marcia Moraes" userId="c9c67e8a-58e2-4733-9a1c-5d44fec4775b" providerId="ADAL" clId="{48048393-D2C0-4AEB-962E-418898327284}" dt="2023-01-23T01:54:19.194" v="453" actId="1076"/>
+          <ac:spMkLst>
+            <pc:docMk/>
+            <pc:sldMk cId="0" sldId="258"/>
+            <ac:spMk id="7" creationId="{49B81023-56AA-431D-ABEB-30210B8FD6BB}"/>
+          </ac:spMkLst>
+        </pc:spChg>
+        <pc:spChg chg="mod">
+          <ac:chgData name="Marcia Moraes" userId="c9c67e8a-58e2-4733-9a1c-5d44fec4775b" providerId="ADAL" clId="{48048393-D2C0-4AEB-962E-418898327284}" dt="2023-01-23T01:53:34.159" v="447" actId="1076"/>
+          <ac:spMkLst>
+            <pc:docMk/>
+            <pc:sldMk cId="0" sldId="258"/>
+            <ac:spMk id="198" creationId="{00000000-0000-0000-0000-000000000000}"/>
+          </ac:spMkLst>
+        </pc:spChg>
+        <pc:spChg chg="mod">
+          <ac:chgData name="Marcia Moraes" userId="c9c67e8a-58e2-4733-9a1c-5d44fec4775b" providerId="ADAL" clId="{48048393-D2C0-4AEB-962E-418898327284}" dt="2023-01-23T01:54:25.080" v="455" actId="1076"/>
+          <ac:spMkLst>
+            <pc:docMk/>
+            <pc:sldMk cId="0" sldId="258"/>
+            <ac:spMk id="199" creationId="{00000000-0000-0000-0000-000000000000}"/>
+          </ac:spMkLst>
+        </pc:spChg>
+      </pc:sldChg>
+      <pc:sldChg chg="modSp">
+        <pc:chgData name="Marcia Moraes" userId="c9c67e8a-58e2-4733-9a1c-5d44fec4775b" providerId="ADAL" clId="{48048393-D2C0-4AEB-962E-418898327284}" dt="2023-01-23T01:54:59.158" v="462" actId="14100"/>
+        <pc:sldMkLst>
+          <pc:docMk/>
+          <pc:sldMk cId="0" sldId="259"/>
+        </pc:sldMkLst>
+        <pc:spChg chg="mod">
+          <ac:chgData name="Marcia Moraes" userId="c9c67e8a-58e2-4733-9a1c-5d44fec4775b" providerId="ADAL" clId="{48048393-D2C0-4AEB-962E-418898327284}" dt="2023-01-23T01:54:54.580" v="460" actId="1076"/>
+          <ac:spMkLst>
+            <pc:docMk/>
+            <pc:sldMk cId="0" sldId="259"/>
+            <ac:spMk id="204" creationId="{00000000-0000-0000-0000-000000000000}"/>
+          </ac:spMkLst>
+        </pc:spChg>
+        <pc:spChg chg="mod">
+          <ac:chgData name="Marcia Moraes" userId="c9c67e8a-58e2-4733-9a1c-5d44fec4775b" providerId="ADAL" clId="{48048393-D2C0-4AEB-962E-418898327284}" dt="2023-01-23T01:54:59.158" v="462" actId="14100"/>
+          <ac:spMkLst>
+            <pc:docMk/>
+            <pc:sldMk cId="0" sldId="259"/>
+            <ac:spMk id="205" creationId="{00000000-0000-0000-0000-000000000000}"/>
+          </ac:spMkLst>
+        </pc:spChg>
+      </pc:sldChg>
+      <pc:sldChg chg="addSp delSp modSp">
+        <pc:chgData name="Marcia Moraes" userId="c9c67e8a-58e2-4733-9a1c-5d44fec4775b" providerId="ADAL" clId="{48048393-D2C0-4AEB-962E-418898327284}" dt="2023-01-23T01:52:20.106" v="433" actId="14100"/>
+        <pc:sldMkLst>
+          <pc:docMk/>
+          <pc:sldMk cId="416281822" sldId="262"/>
+        </pc:sldMkLst>
+        <pc:spChg chg="mod">
+          <ac:chgData name="Marcia Moraes" userId="c9c67e8a-58e2-4733-9a1c-5d44fec4775b" providerId="ADAL" clId="{48048393-D2C0-4AEB-962E-418898327284}" dt="2023-01-23T01:52:20.106" v="433" actId="14100"/>
+          <ac:spMkLst>
+            <pc:docMk/>
+            <pc:sldMk cId="416281822" sldId="262"/>
+            <ac:spMk id="3" creationId="{142C320B-6E1B-1745-981E-44598126C6FA}"/>
+          </ac:spMkLst>
+        </pc:spChg>
+        <pc:picChg chg="add del mod">
+          <ac:chgData name="Marcia Moraes" userId="c9c67e8a-58e2-4733-9a1c-5d44fec4775b" providerId="ADAL" clId="{48048393-D2C0-4AEB-962E-418898327284}" dt="2023-01-23T01:39:37.146" v="25"/>
+          <ac:picMkLst>
+            <pc:docMk/>
+            <pc:sldMk cId="416281822" sldId="262"/>
+            <ac:picMk id="1026" creationId="{5670F680-0355-4B44-9E76-3A736541CEDF}"/>
+          </ac:picMkLst>
+        </pc:picChg>
+      </pc:sldChg>
+      <pc:sldChg chg="addSp delSp modSp">
+        <pc:chgData name="Marcia Moraes" userId="c9c67e8a-58e2-4733-9a1c-5d44fec4775b" providerId="ADAL" clId="{48048393-D2C0-4AEB-962E-418898327284}" dt="2023-01-23T01:51:47.460" v="428" actId="14100"/>
         <pc:sldMkLst>
           <pc:docMk/>
           <pc:sldMk cId="2801241116" sldId="263"/>
         </pc:sldMkLst>
+        <pc:spChg chg="del">
+          <ac:chgData name="Marcia Moraes" userId="c9c67e8a-58e2-4733-9a1c-5d44fec4775b" providerId="ADAL" clId="{48048393-D2C0-4AEB-962E-418898327284}" dt="2023-01-23T01:41:57.499" v="117" actId="478"/>
+          <ac:spMkLst>
+            <pc:docMk/>
+            <pc:sldMk cId="2801241116" sldId="263"/>
+            <ac:spMk id="2" creationId="{92EEFA02-5996-374A-B048-76B916799C48}"/>
+          </ac:spMkLst>
+        </pc:spChg>
         <pc:spChg chg="mod">
-          <ac:chgData name="Moraes,Marcia" userId="c9c67e8a-58e2-4733-9a1c-5d44fec4775b" providerId="ADAL" clId="{561DCFD7-6FEB-4B54-B2B0-8C2291E4D067}" dt="2022-08-19T01:40:37.234" v="0" actId="21"/>
+          <ac:chgData name="Marcia Moraes" userId="c9c67e8a-58e2-4733-9a1c-5d44fec4775b" providerId="ADAL" clId="{48048393-D2C0-4AEB-962E-418898327284}" dt="2023-01-23T01:51:32.420" v="424" actId="1076"/>
+          <ac:spMkLst>
+            <pc:docMk/>
+            <pc:sldMk cId="2801241116" sldId="263"/>
+            <ac:spMk id="4" creationId="{119AD8F2-D5DB-A84B-A5B3-F7935E3E6D1D}"/>
+          </ac:spMkLst>
+        </pc:spChg>
+        <pc:spChg chg="mod">
+          <ac:chgData name="Marcia Moraes" userId="c9c67e8a-58e2-4733-9a1c-5d44fec4775b" providerId="ADAL" clId="{48048393-D2C0-4AEB-962E-418898327284}" dt="2023-01-23T01:51:34.751" v="425" actId="1076"/>
           <ac:spMkLst>
             <pc:docMk/>
             <pc:sldMk cId="2801241116" sldId="263"/>
             <ac:spMk id="5" creationId="{1BBD0DB5-379A-304F-9307-E7B1A89B08F7}"/>
           </ac:spMkLst>
         </pc:spChg>
+        <pc:spChg chg="mod">
+          <ac:chgData name="Marcia Moraes" userId="c9c67e8a-58e2-4733-9a1c-5d44fec4775b" providerId="ADAL" clId="{48048393-D2C0-4AEB-962E-418898327284}" dt="2023-01-23T01:51:47.460" v="428" actId="14100"/>
+          <ac:spMkLst>
+            <pc:docMk/>
+            <pc:sldMk cId="2801241116" sldId="263"/>
+            <ac:spMk id="6" creationId="{32A3B87A-BBC0-704B-AC99-3984206450D5}"/>
+          </ac:spMkLst>
+        </pc:spChg>
+        <pc:picChg chg="add mod">
+          <ac:chgData name="Marcia Moraes" userId="c9c67e8a-58e2-4733-9a1c-5d44fec4775b" providerId="ADAL" clId="{48048393-D2C0-4AEB-962E-418898327284}" dt="2023-01-23T01:42:17.553" v="121" actId="1076"/>
+          <ac:picMkLst>
+            <pc:docMk/>
+            <pc:sldMk cId="2801241116" sldId="263"/>
+            <ac:picMk id="7" creationId="{2E49712A-EAC7-4CCE-BABE-56ADA45DD814}"/>
+          </ac:picMkLst>
+        </pc:picChg>
+      </pc:sldChg>
+      <pc:sldChg chg="modTransition">
+        <pc:chgData name="Marcia Moraes" userId="c9c67e8a-58e2-4733-9a1c-5d44fec4775b" providerId="ADAL" clId="{48048393-D2C0-4AEB-962E-418898327284}" dt="2023-01-23T01:45:59.461" v="124"/>
+        <pc:sldMkLst>
+          <pc:docMk/>
+          <pc:sldMk cId="621376379" sldId="266"/>
+        </pc:sldMkLst>
+      </pc:sldChg>
+      <pc:sldChg chg="modSp">
+        <pc:chgData name="Marcia Moraes" userId="c9c67e8a-58e2-4733-9a1c-5d44fec4775b" providerId="ADAL" clId="{48048393-D2C0-4AEB-962E-418898327284}" dt="2023-01-23T01:54:40.375" v="458" actId="1076"/>
+        <pc:sldMkLst>
+          <pc:docMk/>
+          <pc:sldMk cId="862539311" sldId="267"/>
+        </pc:sldMkLst>
+        <pc:spChg chg="mod">
+          <ac:chgData name="Marcia Moraes" userId="c9c67e8a-58e2-4733-9a1c-5d44fec4775b" providerId="ADAL" clId="{48048393-D2C0-4AEB-962E-418898327284}" dt="2023-01-23T01:54:36.804" v="457" actId="1076"/>
+          <ac:spMkLst>
+            <pc:docMk/>
+            <pc:sldMk cId="862539311" sldId="267"/>
+            <ac:spMk id="2" creationId="{C9C5154B-B115-4DC2-A0B8-5DEB780E7389}"/>
+          </ac:spMkLst>
+        </pc:spChg>
+        <pc:spChg chg="mod">
+          <ac:chgData name="Marcia Moraes" userId="c9c67e8a-58e2-4733-9a1c-5d44fec4775b" providerId="ADAL" clId="{48048393-D2C0-4AEB-962E-418898327284}" dt="2023-01-23T01:54:40.375" v="458" actId="1076"/>
+          <ac:spMkLst>
+            <pc:docMk/>
+            <pc:sldMk cId="862539311" sldId="267"/>
+            <ac:spMk id="3" creationId="{B382C4D9-7899-414B-A490-50C1048EA1F9}"/>
+          </ac:spMkLst>
+        </pc:spChg>
+      </pc:sldChg>
+      <pc:sldChg chg="modSp">
+        <pc:chgData name="Marcia Moraes" userId="c9c67e8a-58e2-4733-9a1c-5d44fec4775b" providerId="ADAL" clId="{48048393-D2C0-4AEB-962E-418898327284}" dt="2023-01-23T01:55:12.381" v="463" actId="255"/>
+        <pc:sldMkLst>
+          <pc:docMk/>
+          <pc:sldMk cId="1638916941" sldId="268"/>
+        </pc:sldMkLst>
+        <pc:spChg chg="mod">
+          <ac:chgData name="Marcia Moraes" userId="c9c67e8a-58e2-4733-9a1c-5d44fec4775b" providerId="ADAL" clId="{48048393-D2C0-4AEB-962E-418898327284}" dt="2023-01-23T01:55:12.381" v="463" actId="255"/>
+          <ac:spMkLst>
+            <pc:docMk/>
+            <pc:sldMk cId="1638916941" sldId="268"/>
+            <ac:spMk id="5" creationId="{C4EE2CCF-2826-A248-B926-5FEA8CE8F57A}"/>
+          </ac:spMkLst>
+        </pc:spChg>
+      </pc:sldChg>
+      <pc:sldChg chg="modSp">
+        <pc:chgData name="Marcia Moraes" userId="c9c67e8a-58e2-4733-9a1c-5d44fec4775b" providerId="ADAL" clId="{48048393-D2C0-4AEB-962E-418898327284}" dt="2023-01-23T01:51:18.150" v="422" actId="1076"/>
+        <pc:sldMkLst>
+          <pc:docMk/>
+          <pc:sldMk cId="558800709" sldId="269"/>
+        </pc:sldMkLst>
+        <pc:spChg chg="mod">
+          <ac:chgData name="Marcia Moraes" userId="c9c67e8a-58e2-4733-9a1c-5d44fec4775b" providerId="ADAL" clId="{48048393-D2C0-4AEB-962E-418898327284}" dt="2023-01-23T01:51:01.814" v="420" actId="1076"/>
+          <ac:spMkLst>
+            <pc:docMk/>
+            <pc:sldMk cId="558800709" sldId="269"/>
+            <ac:spMk id="3" creationId="{E29662D3-8CF1-FC47-BE6E-A8B6100CD386}"/>
+          </ac:spMkLst>
+        </pc:spChg>
+        <pc:spChg chg="mod">
+          <ac:chgData name="Marcia Moraes" userId="c9c67e8a-58e2-4733-9a1c-5d44fec4775b" providerId="ADAL" clId="{48048393-D2C0-4AEB-962E-418898327284}" dt="2023-01-23T01:51:18.150" v="422" actId="1076"/>
+          <ac:spMkLst>
+            <pc:docMk/>
+            <pc:sldMk cId="558800709" sldId="269"/>
+            <ac:spMk id="6" creationId="{69AAB7F8-5081-4D94-92A7-7E54EF1BFF6A}"/>
+          </ac:spMkLst>
+        </pc:spChg>
+      </pc:sldChg>
+      <pc:sldChg chg="modSp">
+        <pc:chgData name="Marcia Moraes" userId="c9c67e8a-58e2-4733-9a1c-5d44fec4775b" providerId="ADAL" clId="{48048393-D2C0-4AEB-962E-418898327284}" dt="2023-01-23T02:32:45.916" v="468" actId="1076"/>
+        <pc:sldMkLst>
+          <pc:docMk/>
+          <pc:sldMk cId="2497730832" sldId="270"/>
+        </pc:sldMkLst>
+        <pc:spChg chg="mod">
+          <ac:chgData name="Marcia Moraes" userId="c9c67e8a-58e2-4733-9a1c-5d44fec4775b" providerId="ADAL" clId="{48048393-D2C0-4AEB-962E-418898327284}" dt="2023-01-23T02:32:33.255" v="465" actId="1076"/>
+          <ac:spMkLst>
+            <pc:docMk/>
+            <pc:sldMk cId="2497730832" sldId="270"/>
+            <ac:spMk id="2" creationId="{317D3F3C-8335-0242-905F-BD1986E080EA}"/>
+          </ac:spMkLst>
+        </pc:spChg>
+        <pc:spChg chg="mod">
+          <ac:chgData name="Marcia Moraes" userId="c9c67e8a-58e2-4733-9a1c-5d44fec4775b" providerId="ADAL" clId="{48048393-D2C0-4AEB-962E-418898327284}" dt="2023-01-23T02:32:38.641" v="467" actId="14100"/>
+          <ac:spMkLst>
+            <pc:docMk/>
+            <pc:sldMk cId="2497730832" sldId="270"/>
+            <ac:spMk id="3" creationId="{99F39192-FADC-5546-BF85-9CCCC8B37067}"/>
+          </ac:spMkLst>
+        </pc:spChg>
+        <pc:picChg chg="mod">
+          <ac:chgData name="Marcia Moraes" userId="c9c67e8a-58e2-4733-9a1c-5d44fec4775b" providerId="ADAL" clId="{48048393-D2C0-4AEB-962E-418898327284}" dt="2023-01-23T02:32:45.916" v="468" actId="1076"/>
+          <ac:picMkLst>
+            <pc:docMk/>
+            <pc:sldMk cId="2497730832" sldId="270"/>
+            <ac:picMk id="2052" creationId="{0A47F4B1-6AF3-EF43-9837-BD17DF98B180}"/>
+          </ac:picMkLst>
+        </pc:picChg>
+      </pc:sldChg>
+      <pc:sldChg chg="modSp">
+        <pc:chgData name="Marcia Moraes" userId="c9c67e8a-58e2-4733-9a1c-5d44fec4775b" providerId="ADAL" clId="{48048393-D2C0-4AEB-962E-418898327284}" dt="2023-01-23T02:33:15.790" v="472" actId="1076"/>
+        <pc:sldMkLst>
+          <pc:docMk/>
+          <pc:sldMk cId="424386877" sldId="271"/>
+        </pc:sldMkLst>
+        <pc:spChg chg="mod">
+          <ac:chgData name="Marcia Moraes" userId="c9c67e8a-58e2-4733-9a1c-5d44fec4775b" providerId="ADAL" clId="{48048393-D2C0-4AEB-962E-418898327284}" dt="2023-01-23T02:33:01.403" v="470" actId="1076"/>
+          <ac:spMkLst>
+            <pc:docMk/>
+            <pc:sldMk cId="424386877" sldId="271"/>
+            <ac:spMk id="2" creationId="{70862EE9-9804-7341-A48F-F633DB1F5C02}"/>
+          </ac:spMkLst>
+        </pc:spChg>
+        <pc:spChg chg="mod">
+          <ac:chgData name="Marcia Moraes" userId="c9c67e8a-58e2-4733-9a1c-5d44fec4775b" providerId="ADAL" clId="{48048393-D2C0-4AEB-962E-418898327284}" dt="2023-01-23T02:33:05.585" v="471" actId="1076"/>
+          <ac:spMkLst>
+            <pc:docMk/>
+            <pc:sldMk cId="424386877" sldId="271"/>
+            <ac:spMk id="3" creationId="{B6FDB505-E4AA-234E-B321-6939906DE035}"/>
+          </ac:spMkLst>
+        </pc:spChg>
+        <pc:spChg chg="mod">
+          <ac:chgData name="Marcia Moraes" userId="c9c67e8a-58e2-4733-9a1c-5d44fec4775b" providerId="ADAL" clId="{48048393-D2C0-4AEB-962E-418898327284}" dt="2023-01-23T02:33:15.790" v="472" actId="1076"/>
+          <ac:spMkLst>
+            <pc:docMk/>
+            <pc:sldMk cId="424386877" sldId="271"/>
+            <ac:spMk id="6" creationId="{BF3366A5-392E-48BE-BF69-DE5EA579D8A0}"/>
+          </ac:spMkLst>
+        </pc:spChg>
+      </pc:sldChg>
+      <pc:sldChg chg="modSp">
+        <pc:chgData name="Marcia Moraes" userId="c9c67e8a-58e2-4733-9a1c-5d44fec4775b" providerId="ADAL" clId="{48048393-D2C0-4AEB-962E-418898327284}" dt="2023-01-23T01:50:45.932" v="417" actId="1076"/>
+        <pc:sldMkLst>
+          <pc:docMk/>
+          <pc:sldMk cId="465079902" sldId="272"/>
+        </pc:sldMkLst>
+        <pc:spChg chg="mod">
+          <ac:chgData name="Marcia Moraes" userId="c9c67e8a-58e2-4733-9a1c-5d44fec4775b" providerId="ADAL" clId="{48048393-D2C0-4AEB-962E-418898327284}" dt="2023-01-23T01:50:40.616" v="416" actId="1076"/>
+          <ac:spMkLst>
+            <pc:docMk/>
+            <pc:sldMk cId="465079902" sldId="272"/>
+            <ac:spMk id="4" creationId="{6C5063C8-05DF-4FF4-87AF-EAA47C45560A}"/>
+          </ac:spMkLst>
+        </pc:spChg>
+        <pc:spChg chg="mod">
+          <ac:chgData name="Marcia Moraes" userId="c9c67e8a-58e2-4733-9a1c-5d44fec4775b" providerId="ADAL" clId="{48048393-D2C0-4AEB-962E-418898327284}" dt="2023-01-23T01:50:45.932" v="417" actId="1076"/>
+          <ac:spMkLst>
+            <pc:docMk/>
+            <pc:sldMk cId="465079902" sldId="272"/>
+            <ac:spMk id="5" creationId="{CDA4F86E-95E1-4BAF-9A78-08A3442B7C3A}"/>
+          </ac:spMkLst>
+        </pc:spChg>
+      </pc:sldChg>
+      <pc:sldChg chg="addSp delSp modSp add modAnim">
+        <pc:chgData name="Marcia Moraes" userId="c9c67e8a-58e2-4733-9a1c-5d44fec4775b" providerId="ADAL" clId="{48048393-D2C0-4AEB-962E-418898327284}" dt="2023-01-23T01:52:04.729" v="431" actId="1076"/>
+        <pc:sldMkLst>
+          <pc:docMk/>
+          <pc:sldMk cId="382708242" sldId="273"/>
+        </pc:sldMkLst>
+        <pc:spChg chg="mod">
+          <ac:chgData name="Marcia Moraes" userId="c9c67e8a-58e2-4733-9a1c-5d44fec4775b" providerId="ADAL" clId="{48048393-D2C0-4AEB-962E-418898327284}" dt="2023-01-23T01:52:03.119" v="430" actId="1076"/>
+          <ac:spMkLst>
+            <pc:docMk/>
+            <pc:sldMk cId="382708242" sldId="273"/>
+            <ac:spMk id="2" creationId="{3FE3C7E9-17AD-EF4E-996F-779D853AB919}"/>
+          </ac:spMkLst>
+        </pc:spChg>
+        <pc:spChg chg="mod">
+          <ac:chgData name="Marcia Moraes" userId="c9c67e8a-58e2-4733-9a1c-5d44fec4775b" providerId="ADAL" clId="{48048393-D2C0-4AEB-962E-418898327284}" dt="2023-01-23T01:52:04.729" v="431" actId="1076"/>
+          <ac:spMkLst>
+            <pc:docMk/>
+            <pc:sldMk cId="382708242" sldId="273"/>
+            <ac:spMk id="3" creationId="{142C320B-6E1B-1745-981E-44598126C6FA}"/>
+          </ac:spMkLst>
+        </pc:spChg>
+        <pc:picChg chg="add del mod">
+          <ac:chgData name="Marcia Moraes" userId="c9c67e8a-58e2-4733-9a1c-5d44fec4775b" providerId="ADAL" clId="{48048393-D2C0-4AEB-962E-418898327284}" dt="2023-01-23T01:42:13.796" v="119"/>
+          <ac:picMkLst>
+            <pc:docMk/>
+            <pc:sldMk cId="382708242" sldId="273"/>
+            <ac:picMk id="4" creationId="{6AAF5B28-B463-4977-BA2A-63DCC3DBA28C}"/>
+          </ac:picMkLst>
+        </pc:picChg>
+      </pc:sldChg>
+      <pc:sldChg chg="add del">
+        <pc:chgData name="Marcia Moraes" userId="c9c67e8a-58e2-4733-9a1c-5d44fec4775b" providerId="ADAL" clId="{48048393-D2C0-4AEB-962E-418898327284}" dt="2023-01-23T01:39:02.087" v="20" actId="2696"/>
+        <pc:sldMkLst>
+          <pc:docMk/>
+          <pc:sldMk cId="1196752911" sldId="274"/>
+        </pc:sldMkLst>
       </pc:sldChg>
     </pc:docChg>
   </pc:docChgLst>
@@ -809,7 +1144,7 @@
         </p:nvSpPr>
         <p:spPr>
           <a:xfrm>
-            <a:off x="381300" y="685800"/>
+            <a:off x="381000" y="685800"/>
             <a:ext cx="6096000" cy="3429000"/>
           </a:xfrm>
           <a:custGeom>
@@ -16602,14 +16937,14 @@
               <a:buNone/>
             </a:pPr>
             <a:r>
-              <a:rPr lang="en" sz="800">
+              <a:rPr lang="en" sz="800" dirty="0">
                 <a:solidFill>
                   <a:srgbClr val="9A9A9C"/>
                 </a:solidFill>
               </a:rPr>
               <a:t> Colorado State University </a:t>
             </a:r>
-            <a:endParaRPr sz="800">
+            <a:endParaRPr sz="800" dirty="0">
               <a:solidFill>
                 <a:srgbClr val="9A9A9C"/>
               </a:solidFill>
@@ -16629,14 +16964,14 @@
               <a:buNone/>
             </a:pPr>
             <a:r>
-              <a:rPr lang="en" sz="800">
+              <a:rPr lang="en" sz="800" dirty="0">
                 <a:solidFill>
                   <a:srgbClr val="9A9A9C"/>
                 </a:solidFill>
               </a:rPr>
               <a:t>Computer Science Department</a:t>
             </a:r>
-            <a:endParaRPr sz="800">
+            <a:endParaRPr sz="800" dirty="0">
               <a:solidFill>
                 <a:srgbClr val="9A9A9C"/>
               </a:solidFill>
@@ -16656,14 +16991,22 @@
               <a:buNone/>
             </a:pPr>
             <a:r>
-              <a:rPr lang="en" sz="800">
+              <a:rPr lang="en" sz="800" dirty="0">
                 <a:solidFill>
                   <a:srgbClr val="9A9A9C"/>
                 </a:solidFill>
               </a:rPr>
-              <a:t>Slides Originally Created by Albert Lionelle (Albert.Lionelle@colostate.edu)</a:t>
-            </a:r>
-            <a:endParaRPr sz="800">
+              <a:t>Slides Originally Created by Albert Lionelle (Albert.Lionelle@colostate.edu), </a:t>
+            </a:r>
+            <a:r>
+              <a:rPr lang="en-US" sz="800" dirty="0">
+                <a:solidFill>
+                  <a:srgbClr val="9A9A9C"/>
+                </a:solidFill>
+              </a:rPr>
+              <a:t>updated by Marcia Moraes (marcia.moraes@colostate.edu)</a:t>
+            </a:r>
+            <a:endParaRPr sz="800" dirty="0">
               <a:solidFill>
                 <a:srgbClr val="9A9A9C"/>
               </a:solidFill>
@@ -16680,7 +17023,529 @@
 </file>
 
 <file path=ppt/slides/slide10.xml><?xml version="1.0" encoding="utf-8"?>
-<p:sld xmlns:a="http://schemas.openxmlformats.org/drawingml/2006/main" xmlns:r="http://schemas.openxmlformats.org/officeDocument/2006/relationships" xmlns:p="http://schemas.openxmlformats.org/presentationml/2006/main" show="0">
+<p:sld xmlns:a="http://schemas.openxmlformats.org/drawingml/2006/main" xmlns:r="http://schemas.openxmlformats.org/officeDocument/2006/relationships" xmlns:p="http://schemas.openxmlformats.org/presentationml/2006/main">
+  <p:cSld>
+    <p:spTree>
+      <p:nvGrpSpPr>
+        <p:cNvPr id="1" name="Shape 203"/>
+        <p:cNvGrpSpPr/>
+        <p:nvPr/>
+      </p:nvGrpSpPr>
+      <p:grpSpPr>
+        <a:xfrm>
+          <a:off x="0" y="0"/>
+          <a:ext cx="0" cy="0"/>
+          <a:chOff x="0" y="0"/>
+          <a:chExt cx="0" cy="0"/>
+        </a:xfrm>
+      </p:grpSpPr>
+      <p:sp>
+        <p:nvSpPr>
+          <p:cNvPr id="204" name="Google Shape;204;p42"/>
+          <p:cNvSpPr txBox="1">
+            <a:spLocks noGrp="1"/>
+          </p:cNvSpPr>
+          <p:nvPr>
+            <p:ph type="title"/>
+          </p:nvPr>
+        </p:nvSpPr>
+        <p:spPr>
+          <a:xfrm>
+            <a:off x="331114" y="-54075"/>
+            <a:ext cx="8312700" cy="672000"/>
+          </a:xfrm>
+          <a:prstGeom prst="rect">
+            <a:avLst/>
+          </a:prstGeom>
+        </p:spPr>
+        <p:txBody>
+          <a:bodyPr spcFirstLastPara="1" wrap="square" lIns="60500" tIns="60500" rIns="60500" bIns="60500" anchor="b" anchorCtr="0">
+            <a:noAutofit/>
+          </a:bodyPr>
+          <a:lstStyle/>
+          <a:p>
+            <a:pPr marL="0" lvl="0" indent="0" algn="l" rtl="0">
+              <a:spcBef>
+                <a:spcPts val="0"/>
+              </a:spcBef>
+              <a:spcAft>
+                <a:spcPts val="0"/>
+              </a:spcAft>
+              <a:buNone/>
+            </a:pPr>
+            <a:r>
+              <a:rPr lang="en" dirty="0"/>
+              <a:t>Operators</a:t>
+            </a:r>
+            <a:endParaRPr dirty="0"/>
+          </a:p>
+        </p:txBody>
+      </p:sp>
+      <p:sp>
+        <p:nvSpPr>
+          <p:cNvPr id="205" name="Google Shape;205;p42"/>
+          <p:cNvSpPr txBox="1">
+            <a:spLocks noGrp="1"/>
+          </p:cNvSpPr>
+          <p:nvPr>
+            <p:ph type="body" idx="1"/>
+          </p:nvPr>
+        </p:nvSpPr>
+        <p:spPr>
+          <a:xfrm>
+            <a:off x="331114" y="673743"/>
+            <a:ext cx="8312700" cy="4036570"/>
+          </a:xfrm>
+          <a:prstGeom prst="rect">
+            <a:avLst/>
+          </a:prstGeom>
+        </p:spPr>
+        <p:txBody>
+          <a:bodyPr spcFirstLastPara="1" wrap="square" lIns="60500" tIns="60500" rIns="60500" bIns="60500" anchor="t" anchorCtr="0">
+            <a:noAutofit/>
+          </a:bodyPr>
+          <a:lstStyle/>
+          <a:p>
+            <a:pPr marL="457200" lvl="0" indent="-304800" algn="l" rtl="0">
+              <a:spcBef>
+                <a:spcPts val="400"/>
+              </a:spcBef>
+              <a:spcAft>
+                <a:spcPts val="0"/>
+              </a:spcAft>
+              <a:buClr>
+                <a:srgbClr val="000000"/>
+              </a:buClr>
+              <a:buSzPts val="1200"/>
+              <a:buChar char="●"/>
+            </a:pPr>
+            <a:r>
+              <a:rPr lang="en" sz="1600" dirty="0">
+                <a:solidFill>
+                  <a:srgbClr val="000000"/>
+                </a:solidFill>
+              </a:rPr>
+              <a:t>Operators are MATH</a:t>
+            </a:r>
+            <a:endParaRPr sz="1600" dirty="0">
+              <a:solidFill>
+                <a:srgbClr val="000000"/>
+              </a:solidFill>
+            </a:endParaRPr>
+          </a:p>
+          <a:p>
+            <a:pPr marL="914400" lvl="1" indent="-298450" algn="l" rtl="0">
+              <a:spcBef>
+                <a:spcPts val="0"/>
+              </a:spcBef>
+              <a:spcAft>
+                <a:spcPts val="0"/>
+              </a:spcAft>
+              <a:buClr>
+                <a:srgbClr val="000000"/>
+              </a:buClr>
+              <a:buSzPts val="1100"/>
+              <a:buChar char="○"/>
+            </a:pPr>
+            <a:r>
+              <a:rPr lang="en" sz="1600" dirty="0">
+                <a:solidFill>
+                  <a:srgbClr val="000000"/>
+                </a:solidFill>
+              </a:rPr>
+              <a:t>= (assignment)	</a:t>
+            </a:r>
+            <a:endParaRPr sz="1600" dirty="0">
+              <a:solidFill>
+                <a:srgbClr val="000000"/>
+              </a:solidFill>
+            </a:endParaRPr>
+          </a:p>
+          <a:p>
+            <a:pPr marL="914400" lvl="1" indent="-298450" algn="l" rtl="0">
+              <a:spcBef>
+                <a:spcPts val="0"/>
+              </a:spcBef>
+              <a:spcAft>
+                <a:spcPts val="0"/>
+              </a:spcAft>
+              <a:buClr>
+                <a:srgbClr val="000000"/>
+              </a:buClr>
+              <a:buSzPts val="1100"/>
+              <a:buChar char="○"/>
+            </a:pPr>
+            <a:r>
+              <a:rPr lang="en" sz="1600" dirty="0">
+                <a:solidFill>
+                  <a:srgbClr val="000000"/>
+                </a:solidFill>
+              </a:rPr>
+              <a:t>+ (add)</a:t>
+            </a:r>
+            <a:endParaRPr sz="1600" dirty="0">
+              <a:solidFill>
+                <a:srgbClr val="000000"/>
+              </a:solidFill>
+            </a:endParaRPr>
+          </a:p>
+          <a:p>
+            <a:pPr marL="914400" lvl="1" indent="-298450" algn="l" rtl="0">
+              <a:spcBef>
+                <a:spcPts val="0"/>
+              </a:spcBef>
+              <a:spcAft>
+                <a:spcPts val="0"/>
+              </a:spcAft>
+              <a:buClr>
+                <a:srgbClr val="000000"/>
+              </a:buClr>
+              <a:buSzPts val="1100"/>
+              <a:buChar char="○"/>
+            </a:pPr>
+            <a:r>
+              <a:rPr lang="en" sz="1600" dirty="0">
+                <a:solidFill>
+                  <a:srgbClr val="000000"/>
+                </a:solidFill>
+              </a:rPr>
+              <a:t>- (subtract or negative)</a:t>
+            </a:r>
+            <a:endParaRPr sz="1600" dirty="0">
+              <a:solidFill>
+                <a:srgbClr val="000000"/>
+              </a:solidFill>
+            </a:endParaRPr>
+          </a:p>
+          <a:p>
+            <a:pPr marL="914400" lvl="1" indent="-298450" algn="l" rtl="0">
+              <a:spcBef>
+                <a:spcPts val="0"/>
+              </a:spcBef>
+              <a:spcAft>
+                <a:spcPts val="0"/>
+              </a:spcAft>
+              <a:buClr>
+                <a:srgbClr val="000000"/>
+              </a:buClr>
+              <a:buSzPts val="1100"/>
+              <a:buChar char="○"/>
+            </a:pPr>
+            <a:r>
+              <a:rPr lang="en" sz="1600" dirty="0">
+                <a:solidFill>
+                  <a:srgbClr val="000000"/>
+                </a:solidFill>
+              </a:rPr>
+              <a:t>/ (divide)</a:t>
+            </a:r>
+            <a:endParaRPr sz="1600" dirty="0">
+              <a:solidFill>
+                <a:srgbClr val="000000"/>
+              </a:solidFill>
+            </a:endParaRPr>
+          </a:p>
+          <a:p>
+            <a:pPr marL="914400" lvl="1" indent="-298450" algn="l" rtl="0">
+              <a:spcBef>
+                <a:spcPts val="0"/>
+              </a:spcBef>
+              <a:spcAft>
+                <a:spcPts val="0"/>
+              </a:spcAft>
+              <a:buClr>
+                <a:srgbClr val="000000"/>
+              </a:buClr>
+              <a:buSzPts val="1100"/>
+              <a:buChar char="○"/>
+            </a:pPr>
+            <a:r>
+              <a:rPr lang="en" sz="1600" dirty="0">
+                <a:solidFill>
+                  <a:srgbClr val="000000"/>
+                </a:solidFill>
+              </a:rPr>
+              <a:t>* (multiply) </a:t>
+            </a:r>
+          </a:p>
+          <a:p>
+            <a:pPr marL="914400" lvl="1" indent="-298450" algn="l" rtl="0">
+              <a:spcBef>
+                <a:spcPts val="0"/>
+              </a:spcBef>
+              <a:spcAft>
+                <a:spcPts val="0"/>
+              </a:spcAft>
+              <a:buClr>
+                <a:srgbClr val="000000"/>
+              </a:buClr>
+              <a:buSzPts val="1100"/>
+              <a:buChar char="○"/>
+            </a:pPr>
+            <a:r>
+              <a:rPr lang="en" sz="1600" dirty="0">
+                <a:solidFill>
+                  <a:srgbClr val="000000"/>
+                </a:solidFill>
+              </a:rPr>
+              <a:t>% (modulo)  - remainder! </a:t>
+            </a:r>
+            <a:endParaRPr sz="1600" dirty="0">
+              <a:solidFill>
+                <a:srgbClr val="000000"/>
+              </a:solidFill>
+            </a:endParaRPr>
+          </a:p>
+          <a:p>
+            <a:pPr marL="457200" lvl="0" indent="-304800" algn="l" rtl="0">
+              <a:spcBef>
+                <a:spcPts val="0"/>
+              </a:spcBef>
+              <a:spcAft>
+                <a:spcPts val="0"/>
+              </a:spcAft>
+              <a:buClr>
+                <a:srgbClr val="000000"/>
+              </a:buClr>
+              <a:buSzPts val="1200"/>
+              <a:buChar char="●"/>
+            </a:pPr>
+            <a:r>
+              <a:rPr lang="en" sz="1600" dirty="0">
+                <a:solidFill>
+                  <a:srgbClr val="000000"/>
+                </a:solidFill>
+              </a:rPr>
+              <a:t>Numeric Types</a:t>
+            </a:r>
+            <a:endParaRPr sz="1600" dirty="0">
+              <a:solidFill>
+                <a:srgbClr val="000000"/>
+              </a:solidFill>
+            </a:endParaRPr>
+          </a:p>
+          <a:p>
+            <a:pPr marL="914400" lvl="1" indent="-298450" algn="l" rtl="0">
+              <a:spcBef>
+                <a:spcPts val="0"/>
+              </a:spcBef>
+              <a:spcAft>
+                <a:spcPts val="0"/>
+              </a:spcAft>
+              <a:buClr>
+                <a:srgbClr val="000000"/>
+              </a:buClr>
+              <a:buSzPts val="1100"/>
+              <a:buChar char="○"/>
+            </a:pPr>
+            <a:r>
+              <a:rPr lang="en" sz="1600" dirty="0">
+                <a:solidFill>
+                  <a:srgbClr val="000000"/>
+                </a:solidFill>
+              </a:rPr>
+              <a:t>int - always whole number</a:t>
+            </a:r>
+            <a:endParaRPr sz="1600" dirty="0">
+              <a:solidFill>
+                <a:srgbClr val="000000"/>
+              </a:solidFill>
+            </a:endParaRPr>
+          </a:p>
+          <a:p>
+            <a:pPr marL="914400" lvl="1" indent="-298450" algn="l" rtl="0">
+              <a:spcBef>
+                <a:spcPts val="0"/>
+              </a:spcBef>
+              <a:spcAft>
+                <a:spcPts val="0"/>
+              </a:spcAft>
+              <a:buClr>
+                <a:srgbClr val="000000"/>
+              </a:buClr>
+              <a:buSzPts val="1100"/>
+              <a:buFont typeface="Consolas"/>
+              <a:buChar char="○"/>
+            </a:pPr>
+            <a:r>
+              <a:rPr lang="en" sz="1600" b="1" dirty="0">
+                <a:solidFill>
+                  <a:srgbClr val="000000"/>
+                </a:solidFill>
+                <a:latin typeface="Consolas"/>
+                <a:ea typeface="Consolas"/>
+                <a:cs typeface="Consolas"/>
+                <a:sym typeface="Consolas"/>
+              </a:rPr>
+              <a:t>int </a:t>
+            </a:r>
+            <a:r>
+              <a:rPr lang="en" sz="1600" b="1" dirty="0" err="1">
+                <a:solidFill>
+                  <a:srgbClr val="000000"/>
+                </a:solidFill>
+                <a:latin typeface="Consolas"/>
+                <a:ea typeface="Consolas"/>
+                <a:cs typeface="Consolas"/>
+                <a:sym typeface="Consolas"/>
+              </a:rPr>
+              <a:t>myVal</a:t>
+            </a:r>
+            <a:r>
+              <a:rPr lang="en" sz="1600" b="1" dirty="0">
+                <a:solidFill>
+                  <a:srgbClr val="000000"/>
+                </a:solidFill>
+                <a:latin typeface="Consolas"/>
+                <a:ea typeface="Consolas"/>
+                <a:cs typeface="Consolas"/>
+                <a:sym typeface="Consolas"/>
+              </a:rPr>
+              <a:t> = 1 / 2; // evaluates to 0!</a:t>
+            </a:r>
+            <a:endParaRPr sz="1600" b="1" dirty="0">
+              <a:solidFill>
+                <a:srgbClr val="000000"/>
+              </a:solidFill>
+              <a:latin typeface="Consolas"/>
+              <a:ea typeface="Consolas"/>
+              <a:cs typeface="Consolas"/>
+              <a:sym typeface="Consolas"/>
+            </a:endParaRPr>
+          </a:p>
+          <a:p>
+            <a:pPr marL="914400" lvl="1" indent="-298450" algn="l" rtl="0">
+              <a:spcBef>
+                <a:spcPts val="0"/>
+              </a:spcBef>
+              <a:spcAft>
+                <a:spcPts val="0"/>
+              </a:spcAft>
+              <a:buClr>
+                <a:srgbClr val="000000"/>
+              </a:buClr>
+              <a:buSzPts val="1100"/>
+              <a:buChar char="○"/>
+            </a:pPr>
+            <a:r>
+              <a:rPr lang="en" sz="1600" dirty="0">
+                <a:solidFill>
+                  <a:srgbClr val="000000"/>
+                </a:solidFill>
+              </a:rPr>
+              <a:t>double - has decimals</a:t>
+            </a:r>
+            <a:endParaRPr sz="1600" dirty="0">
+              <a:solidFill>
+                <a:srgbClr val="000000"/>
+              </a:solidFill>
+            </a:endParaRPr>
+          </a:p>
+          <a:p>
+            <a:pPr marL="914400" lvl="1" indent="-298450" algn="l" rtl="0">
+              <a:spcBef>
+                <a:spcPts val="0"/>
+              </a:spcBef>
+              <a:spcAft>
+                <a:spcPts val="0"/>
+              </a:spcAft>
+              <a:buClr>
+                <a:srgbClr val="000000"/>
+              </a:buClr>
+              <a:buSzPts val="1100"/>
+              <a:buFont typeface="Consolas"/>
+              <a:buChar char="○"/>
+            </a:pPr>
+            <a:r>
+              <a:rPr lang="en" sz="1600" b="1" dirty="0">
+                <a:solidFill>
+                  <a:srgbClr val="000000"/>
+                </a:solidFill>
+                <a:latin typeface="Consolas"/>
+                <a:ea typeface="Consolas"/>
+                <a:cs typeface="Consolas"/>
+                <a:sym typeface="Consolas"/>
+              </a:rPr>
+              <a:t>double </a:t>
+            </a:r>
+            <a:r>
+              <a:rPr lang="en" sz="1600" b="1" dirty="0" err="1">
+                <a:solidFill>
+                  <a:srgbClr val="000000"/>
+                </a:solidFill>
+                <a:latin typeface="Consolas"/>
+                <a:ea typeface="Consolas"/>
+                <a:cs typeface="Consolas"/>
+                <a:sym typeface="Consolas"/>
+              </a:rPr>
+              <a:t>doubleVal</a:t>
+            </a:r>
+            <a:r>
+              <a:rPr lang="en" sz="1600" b="1" dirty="0">
+                <a:solidFill>
+                  <a:srgbClr val="000000"/>
+                </a:solidFill>
+                <a:latin typeface="Consolas"/>
+                <a:ea typeface="Consolas"/>
+                <a:cs typeface="Consolas"/>
+                <a:sym typeface="Consolas"/>
+              </a:rPr>
+              <a:t> = 1.0 / 2; // evaluates to 0.5! </a:t>
+            </a:r>
+            <a:endParaRPr sz="1600" b="1" dirty="0">
+              <a:solidFill>
+                <a:srgbClr val="000000"/>
+              </a:solidFill>
+              <a:latin typeface="Consolas"/>
+              <a:ea typeface="Consolas"/>
+              <a:cs typeface="Consolas"/>
+              <a:sym typeface="Consolas"/>
+            </a:endParaRPr>
+          </a:p>
+          <a:p>
+            <a:pPr marL="0" lvl="0" indent="0" algn="l" rtl="0">
+              <a:spcBef>
+                <a:spcPts val="400"/>
+              </a:spcBef>
+              <a:spcAft>
+                <a:spcPts val="0"/>
+              </a:spcAft>
+              <a:buNone/>
+            </a:pPr>
+            <a:endParaRPr sz="1600" dirty="0">
+              <a:solidFill>
+                <a:srgbClr val="000000"/>
+              </a:solidFill>
+            </a:endParaRPr>
+          </a:p>
+          <a:p>
+            <a:pPr marL="0" lvl="0" indent="0" algn="l" rtl="0">
+              <a:spcBef>
+                <a:spcPts val="400"/>
+              </a:spcBef>
+              <a:spcAft>
+                <a:spcPts val="400"/>
+              </a:spcAft>
+              <a:buNone/>
+            </a:pPr>
+            <a:endParaRPr dirty="0">
+              <a:solidFill>
+                <a:srgbClr val="000000"/>
+              </a:solidFill>
+            </a:endParaRPr>
+          </a:p>
+        </p:txBody>
+      </p:sp>
+    </p:spTree>
+  </p:cSld>
+  <p:clrMapOvr>
+    <a:masterClrMapping/>
+  </p:clrMapOvr>
+</p:sld>
+</file>
+
+<file path=ppt/slides/slide11.xml><?xml version="1.0" encoding="utf-8"?>
+<p:sld xmlns:a="http://schemas.openxmlformats.org/drawingml/2006/main" xmlns:r="http://schemas.openxmlformats.org/officeDocument/2006/relationships" xmlns:p="http://schemas.openxmlformats.org/presentationml/2006/main">
   <p:cSld>
     <p:spTree>
       <p:nvGrpSpPr>
@@ -17036,7 +17901,7 @@
 </p:sld>
 </file>
 
-<file path=ppt/slides/slide11.xml><?xml version="1.0" encoding="utf-8"?>
+<file path=ppt/slides/slide12.xml><?xml version="1.0" encoding="utf-8"?>
 <p:sld xmlns:a="http://schemas.openxmlformats.org/drawingml/2006/main" xmlns:r="http://schemas.openxmlformats.org/officeDocument/2006/relationships" xmlns:p="http://schemas.openxmlformats.org/presentationml/2006/main">
   <p:cSld>
     <p:spTree>
@@ -17108,35 +17973,35 @@
           <a:lstStyle/>
           <a:p>
             <a:r>
-              <a:rPr lang="en-US" b="1" dirty="0">
+              <a:rPr lang="en-US" sz="1600" b="1" dirty="0">
                 <a:latin typeface="Consolas" panose="020B0609020204030204" pitchFamily="49" charset="0"/>
                 <a:cs typeface="Consolas" panose="020B0609020204030204" pitchFamily="49" charset="0"/>
               </a:rPr>
               <a:t>int </a:t>
             </a:r>
             <a:r>
-              <a:rPr lang="en-US" b="1" dirty="0" err="1">
+              <a:rPr lang="en-US" sz="1600" b="1" dirty="0" err="1">
                 <a:latin typeface="Consolas" panose="020B0609020204030204" pitchFamily="49" charset="0"/>
                 <a:cs typeface="Consolas" panose="020B0609020204030204" pitchFamily="49" charset="0"/>
               </a:rPr>
               <a:t>val</a:t>
             </a:r>
             <a:r>
-              <a:rPr lang="en-US" b="1" dirty="0">
+              <a:rPr lang="en-US" sz="1600" b="1" dirty="0">
                 <a:latin typeface="Consolas" panose="020B0609020204030204" pitchFamily="49" charset="0"/>
                 <a:cs typeface="Consolas" panose="020B0609020204030204" pitchFamily="49" charset="0"/>
               </a:rPr>
               <a:t> = 5 / 6;  // sets </a:t>
             </a:r>
             <a:r>
-              <a:rPr lang="en-US" b="1" dirty="0" err="1">
+              <a:rPr lang="en-US" sz="1600" b="1" dirty="0" err="1">
                 <a:latin typeface="Consolas" panose="020B0609020204030204" pitchFamily="49" charset="0"/>
                 <a:cs typeface="Consolas" panose="020B0609020204030204" pitchFamily="49" charset="0"/>
               </a:rPr>
               <a:t>val</a:t>
             </a:r>
             <a:r>
-              <a:rPr lang="en-US" b="1" dirty="0">
+              <a:rPr lang="en-US" sz="1600" b="1" dirty="0">
                 <a:latin typeface="Consolas" panose="020B0609020204030204" pitchFamily="49" charset="0"/>
                 <a:cs typeface="Consolas" panose="020B0609020204030204" pitchFamily="49" charset="0"/>
               </a:rPr>
@@ -17145,7 +18010,7 @@
           </a:p>
           <a:p>
             <a:r>
-              <a:rPr lang="en-US" b="1" dirty="0">
+              <a:rPr lang="en-US" sz="1600" b="1" dirty="0">
                 <a:latin typeface="Consolas" panose="020B0609020204030204" pitchFamily="49" charset="0"/>
                 <a:cs typeface="Consolas" panose="020B0609020204030204" pitchFamily="49" charset="0"/>
               </a:rPr>
@@ -17154,38 +18019,38 @@
           </a:p>
           <a:p>
             <a:r>
-              <a:rPr lang="en-US" dirty="0"/>
+              <a:rPr lang="en-US" sz="1600" dirty="0"/>
               <a:t>You lose the decimal point</a:t>
             </a:r>
           </a:p>
           <a:p>
             <a:pPr lvl="1"/>
             <a:r>
-              <a:rPr lang="en-US" u="sng" dirty="0"/>
+              <a:rPr lang="en-US" sz="1600" u="sng" dirty="0"/>
               <a:t>Truncates</a:t>
             </a:r>
             <a:r>
-              <a:rPr lang="en-US" dirty="0"/>
+              <a:rPr lang="en-US" sz="1600" dirty="0"/>
               <a:t>, does not round! </a:t>
             </a:r>
           </a:p>
           <a:p>
             <a:r>
-              <a:rPr lang="en-US" dirty="0"/>
+              <a:rPr lang="en-US" sz="1600" dirty="0"/>
               <a:t>This is a very, very common thing </a:t>
             </a:r>
           </a:p>
           <a:p>
             <a:pPr lvl="1"/>
             <a:r>
-              <a:rPr lang="en-US" dirty="0"/>
+              <a:rPr lang="en-US" sz="1600" dirty="0"/>
               <a:t>both to our advantage</a:t>
             </a:r>
           </a:p>
           <a:p>
             <a:pPr lvl="1"/>
             <a:r>
-              <a:rPr lang="en-US" dirty="0"/>
+              <a:rPr lang="en-US" sz="1600" dirty="0"/>
               <a:t>and often to our error</a:t>
             </a:r>
           </a:p>
@@ -17291,7 +18156,7 @@
 </p:sld>
 </file>
 
-<file path=ppt/slides/slide12.xml><?xml version="1.0" encoding="utf-8"?>
+<file path=ppt/slides/slide13.xml><?xml version="1.0" encoding="utf-8"?>
 <p:sld xmlns:a="http://schemas.openxmlformats.org/drawingml/2006/main" xmlns:r="http://schemas.openxmlformats.org/officeDocument/2006/relationships" xmlns:p="http://schemas.openxmlformats.org/presentationml/2006/main">
   <p:cSld>
     <p:spTree>
@@ -17359,8 +18224,8 @@
         </p:nvSpPr>
         <p:spPr>
           <a:xfrm>
-            <a:off x="5013040" y="1270748"/>
-            <a:ext cx="3543176" cy="1558514"/>
+            <a:off x="5002294" y="917282"/>
+            <a:ext cx="4077172" cy="1558514"/>
           </a:xfrm>
         </p:spPr>
         <p:txBody>
@@ -17368,83 +18233,83 @@
           <a:lstStyle/>
           <a:p>
             <a:r>
-              <a:rPr lang="en-US" dirty="0"/>
+              <a:rPr lang="en-US" sz="1800" dirty="0"/>
               <a:t>modulo (%) gives you the </a:t>
             </a:r>
             <a:r>
-              <a:rPr lang="en-US" b="1" dirty="0"/>
+              <a:rPr lang="en-US" sz="1800" b="1" dirty="0"/>
               <a:t>remainder</a:t>
             </a:r>
           </a:p>
           <a:p>
             <a:r>
-              <a:rPr lang="en-US" dirty="0"/>
+              <a:rPr lang="en-US" sz="1800" dirty="0"/>
               <a:t>4</a:t>
             </a:r>
             <a:r>
-              <a:rPr lang="en-US" baseline="30000" dirty="0"/>
+              <a:rPr lang="en-US" sz="1800" baseline="30000" dirty="0"/>
               <a:t>th</a:t>
             </a:r>
             <a:r>
-              <a:rPr lang="en-US" dirty="0"/>
+              <a:rPr lang="en-US" sz="1800" dirty="0"/>
               <a:t> grade math! </a:t>
             </a:r>
           </a:p>
           <a:p>
             <a:r>
-              <a:rPr lang="en-US" dirty="0"/>
+              <a:rPr lang="en-US" sz="1800" dirty="0"/>
               <a:t>This example:</a:t>
             </a:r>
             <a:br>
-              <a:rPr lang="en-US" dirty="0"/>
+              <a:rPr lang="en-US" sz="1800" dirty="0"/>
             </a:br>
             <a:r>
-              <a:rPr lang="en-US" dirty="0">
+              <a:rPr lang="en-US" sz="1800" dirty="0">
                 <a:latin typeface="Consolas" panose="020B0609020204030204" pitchFamily="49" charset="0"/>
                 <a:cs typeface="Consolas" panose="020B0609020204030204" pitchFamily="49" charset="0"/>
               </a:rPr>
               <a:t>int x = 250</a:t>
             </a:r>
             <a:r>
-              <a:rPr lang="en-US" b="1" dirty="0">
+              <a:rPr lang="en-US" sz="1800" b="1" dirty="0">
                 <a:latin typeface="Consolas" panose="020B0609020204030204" pitchFamily="49" charset="0"/>
                 <a:cs typeface="Consolas" panose="020B0609020204030204" pitchFamily="49" charset="0"/>
               </a:rPr>
               <a:t> % </a:t>
             </a:r>
             <a:r>
-              <a:rPr lang="en-US" dirty="0">
+              <a:rPr lang="en-US" sz="1800" dirty="0">
                 <a:latin typeface="Consolas" panose="020B0609020204030204" pitchFamily="49" charset="0"/>
                 <a:cs typeface="Consolas" panose="020B0609020204030204" pitchFamily="49" charset="0"/>
               </a:rPr>
               <a:t>6; // would be 4</a:t>
             </a:r>
             <a:br>
-              <a:rPr lang="en-US" dirty="0">
+              <a:rPr lang="en-US" sz="1800" dirty="0">
                 <a:latin typeface="Consolas" panose="020B0609020204030204" pitchFamily="49" charset="0"/>
                 <a:cs typeface="Consolas" panose="020B0609020204030204" pitchFamily="49" charset="0"/>
               </a:rPr>
             </a:br>
             <a:br>
-              <a:rPr lang="en-US" dirty="0">
+              <a:rPr lang="en-US" sz="1800" dirty="0">
                 <a:latin typeface="Consolas" panose="020B0609020204030204" pitchFamily="49" charset="0"/>
                 <a:cs typeface="Consolas" panose="020B0609020204030204" pitchFamily="49" charset="0"/>
               </a:rPr>
             </a:br>
             <a:r>
-              <a:rPr lang="en-US" dirty="0">
+              <a:rPr lang="en-US" sz="1800" dirty="0">
                 <a:latin typeface="Consolas" panose="020B0609020204030204" pitchFamily="49" charset="0"/>
                 <a:cs typeface="Consolas" panose="020B0609020204030204" pitchFamily="49" charset="0"/>
               </a:rPr>
               <a:t>So combining them</a:t>
             </a:r>
             <a:br>
-              <a:rPr lang="en-US" dirty="0">
+              <a:rPr lang="en-US" sz="1800" dirty="0">
                 <a:latin typeface="Consolas" panose="020B0609020204030204" pitchFamily="49" charset="0"/>
                 <a:cs typeface="Consolas" panose="020B0609020204030204" pitchFamily="49" charset="0"/>
               </a:rPr>
             </a:br>
-            <a:endParaRPr lang="en-US" dirty="0">
+            <a:endParaRPr lang="en-US" sz="1800" dirty="0">
               <a:latin typeface="Consolas" panose="020B0609020204030204" pitchFamily="49" charset="0"/>
               <a:cs typeface="Consolas" panose="020B0609020204030204" pitchFamily="49" charset="0"/>
             </a:endParaRPr>
@@ -17512,8 +18377,8 @@
         </p:nvSpPr>
         <p:spPr>
           <a:xfrm>
-            <a:off x="5443370" y="2997522"/>
-            <a:ext cx="3195021" cy="523220"/>
+            <a:off x="5443369" y="3873502"/>
+            <a:ext cx="3195021" cy="830997"/>
           </a:xfrm>
           <a:prstGeom prst="rect">
             <a:avLst/>
@@ -17527,7 +18392,7 @@
           <a:lstStyle/>
           <a:p>
             <a:r>
-              <a:rPr lang="en-US" b="0" dirty="0">
+              <a:rPr lang="en-US" sz="1600" b="0" dirty="0">
                 <a:solidFill>
                   <a:srgbClr val="267F99"/>
                 </a:solidFill>
@@ -17537,7 +18402,7 @@
               <a:t>int</a:t>
             </a:r>
             <a:r>
-              <a:rPr lang="en-US" b="0" dirty="0">
+              <a:rPr lang="en-US" sz="1600" b="0" dirty="0">
                 <a:solidFill>
                   <a:srgbClr val="000000"/>
                 </a:solidFill>
@@ -17547,7 +18412,7 @@
               <a:t> </a:t>
             </a:r>
             <a:r>
-              <a:rPr lang="en-US" b="0" dirty="0">
+              <a:rPr lang="en-US" sz="1600" b="0" dirty="0">
                 <a:solidFill>
                   <a:srgbClr val="001080"/>
                 </a:solidFill>
@@ -17557,7 +18422,7 @@
               <a:t>whole</a:t>
             </a:r>
             <a:r>
-              <a:rPr lang="en-US" b="0" dirty="0">
+              <a:rPr lang="en-US" sz="1600" b="0" dirty="0">
                 <a:solidFill>
                   <a:srgbClr val="000000"/>
                 </a:solidFill>
@@ -17567,7 +18432,7 @@
               <a:t> = </a:t>
             </a:r>
             <a:r>
-              <a:rPr lang="en-US" b="0" dirty="0">
+              <a:rPr lang="en-US" sz="1600" b="0" dirty="0">
                 <a:solidFill>
                   <a:srgbClr val="098658"/>
                 </a:solidFill>
@@ -17577,7 +18442,7 @@
               <a:t>250</a:t>
             </a:r>
             <a:r>
-              <a:rPr lang="en-US" b="0" dirty="0">
+              <a:rPr lang="en-US" sz="1600" b="0" dirty="0">
                 <a:solidFill>
                   <a:srgbClr val="000000"/>
                 </a:solidFill>
@@ -17587,7 +18452,7 @@
               <a:t> / </a:t>
             </a:r>
             <a:r>
-              <a:rPr lang="en-US" b="0" dirty="0">
+              <a:rPr lang="en-US" sz="1600" b="0" dirty="0">
                 <a:solidFill>
                   <a:srgbClr val="098658"/>
                 </a:solidFill>
@@ -17597,7 +18462,7 @@
               <a:t>6</a:t>
             </a:r>
             <a:r>
-              <a:rPr lang="en-US" b="0" dirty="0">
+              <a:rPr lang="en-US" sz="1600" b="0" dirty="0">
                 <a:solidFill>
                   <a:srgbClr val="000000"/>
                 </a:solidFill>
@@ -17607,7 +18472,7 @@
               <a:t>; </a:t>
             </a:r>
             <a:r>
-              <a:rPr lang="en-US" b="0" dirty="0">
+              <a:rPr lang="en-US" sz="1600" b="0" dirty="0">
                 <a:solidFill>
                   <a:srgbClr val="008000"/>
                 </a:solidFill>
@@ -17616,7 +18481,7 @@
               </a:rPr>
               <a:t>// 41 </a:t>
             </a:r>
-            <a:endParaRPr lang="en-US" b="0" dirty="0">
+            <a:endParaRPr lang="en-US" sz="1600" b="0" dirty="0">
               <a:solidFill>
                 <a:srgbClr val="000000"/>
               </a:solidFill>
@@ -17626,7 +18491,7 @@
           </a:p>
           <a:p>
             <a:r>
-              <a:rPr lang="en-US" b="0" dirty="0">
+              <a:rPr lang="en-US" sz="1600" b="0" dirty="0">
                 <a:solidFill>
                   <a:srgbClr val="267F99"/>
                 </a:solidFill>
@@ -17636,7 +18501,7 @@
               <a:t>int</a:t>
             </a:r>
             <a:r>
-              <a:rPr lang="en-US" b="0" dirty="0">
+              <a:rPr lang="en-US" sz="1600" b="0" dirty="0">
                 <a:solidFill>
                   <a:srgbClr val="000000"/>
                 </a:solidFill>
@@ -17646,7 +18511,7 @@
               <a:t> </a:t>
             </a:r>
             <a:r>
-              <a:rPr lang="en-US" b="0" dirty="0">
+              <a:rPr lang="en-US" sz="1600" b="0" dirty="0">
                 <a:solidFill>
                   <a:srgbClr val="001080"/>
                 </a:solidFill>
@@ -17656,7 +18521,7 @@
               <a:t>remainder</a:t>
             </a:r>
             <a:r>
-              <a:rPr lang="en-US" b="0" dirty="0">
+              <a:rPr lang="en-US" sz="1600" b="0" dirty="0">
                 <a:solidFill>
                   <a:srgbClr val="000000"/>
                 </a:solidFill>
@@ -17666,7 +18531,7 @@
               <a:t> = </a:t>
             </a:r>
             <a:r>
-              <a:rPr lang="en-US" b="0" dirty="0">
+              <a:rPr lang="en-US" sz="1600" b="0" dirty="0">
                 <a:solidFill>
                   <a:srgbClr val="098658"/>
                 </a:solidFill>
@@ -17676,7 +18541,7 @@
               <a:t>250</a:t>
             </a:r>
             <a:r>
-              <a:rPr lang="en-US" b="0" dirty="0">
+              <a:rPr lang="en-US" sz="1600" b="0" dirty="0">
                 <a:solidFill>
                   <a:srgbClr val="000000"/>
                 </a:solidFill>
@@ -17686,7 +18551,7 @@
               <a:t> % </a:t>
             </a:r>
             <a:r>
-              <a:rPr lang="en-US" b="0" dirty="0">
+              <a:rPr lang="en-US" sz="1600" b="0" dirty="0">
                 <a:solidFill>
                   <a:srgbClr val="098658"/>
                 </a:solidFill>
@@ -17696,7 +18561,7 @@
               <a:t>6</a:t>
             </a:r>
             <a:r>
-              <a:rPr lang="en-US" b="0" dirty="0">
+              <a:rPr lang="en-US" sz="1600" b="0" dirty="0">
                 <a:solidFill>
                   <a:srgbClr val="000000"/>
                 </a:solidFill>
@@ -17706,7 +18571,7 @@
               <a:t>; </a:t>
             </a:r>
             <a:r>
-              <a:rPr lang="en-US" b="0" dirty="0">
+              <a:rPr lang="en-US" sz="1600" b="0" dirty="0">
                 <a:solidFill>
                   <a:srgbClr val="008000"/>
                 </a:solidFill>
@@ -17715,7 +18580,7 @@
               </a:rPr>
               <a:t>// 4</a:t>
             </a:r>
-            <a:endParaRPr lang="en-US" b="0" dirty="0">
+            <a:endParaRPr lang="en-US" sz="1600" b="0" dirty="0">
               <a:solidFill>
                 <a:srgbClr val="000000"/>
               </a:solidFill>
@@ -17741,7 +18606,7 @@
 </p:sld>
 </file>
 
-<file path=ppt/slides/slide13.xml><?xml version="1.0" encoding="utf-8"?>
+<file path=ppt/slides/slide14.xml><?xml version="1.0" encoding="utf-8"?>
 <p:sld xmlns:a="http://schemas.openxmlformats.org/drawingml/2006/main" xmlns:r="http://schemas.openxmlformats.org/officeDocument/2006/relationships" xmlns:p="http://schemas.openxmlformats.org/presentationml/2006/main">
   <p:cSld>
     <p:spTree>
@@ -17776,7 +18641,7 @@
         </p:nvSpPr>
         <p:spPr>
           <a:xfrm>
-            <a:off x="415638" y="333014"/>
+            <a:off x="361850" y="63913"/>
             <a:ext cx="8312700" cy="672000"/>
           </a:xfrm>
         </p:spPr>
@@ -17809,8 +18674,8 @@
         </p:nvSpPr>
         <p:spPr>
           <a:xfrm>
-            <a:off x="415638" y="1092574"/>
-            <a:ext cx="8312700" cy="1333800"/>
+            <a:off x="415638" y="832002"/>
+            <a:ext cx="8312700" cy="2456763"/>
           </a:xfrm>
         </p:spPr>
         <p:txBody>
@@ -17818,63 +18683,63 @@
           <a:lstStyle/>
           <a:p>
             <a:r>
-              <a:rPr lang="en-US" dirty="0"/>
+              <a:rPr lang="en-US" sz="1600" dirty="0"/>
               <a:t>Forming groups</a:t>
             </a:r>
           </a:p>
           <a:p>
             <a:pPr lvl="1"/>
             <a:r>
-              <a:rPr lang="en-US" dirty="0"/>
+              <a:rPr lang="en-US" sz="1600" dirty="0"/>
               <a:t>The remainder is always between 0 and n-1</a:t>
             </a:r>
           </a:p>
           <a:p>
             <a:pPr lvl="1"/>
             <a:r>
-              <a:rPr lang="en-US" dirty="0"/>
+              <a:rPr lang="en-US" sz="1600" dirty="0"/>
               <a:t>Value % 6 has a range of 0-5</a:t>
             </a:r>
           </a:p>
           <a:p>
             <a:pPr lvl="1"/>
             <a:r>
-              <a:rPr lang="en-US" dirty="0"/>
+              <a:rPr lang="en-US" sz="1600" dirty="0"/>
               <a:t>Value % 4 has a range of 0-3</a:t>
             </a:r>
           </a:p>
           <a:p>
             <a:r>
-              <a:rPr lang="en-US" dirty="0"/>
+              <a:rPr lang="en-US" sz="1600" dirty="0"/>
               <a:t>Think about rolling dice</a:t>
             </a:r>
           </a:p>
           <a:p>
             <a:pPr lvl="1"/>
             <a:r>
-              <a:rPr lang="en-US" dirty="0"/>
+              <a:rPr lang="en-US" sz="1600" dirty="0"/>
               <a:t> </a:t>
             </a:r>
             <a:r>
-              <a:rPr lang="en-US" dirty="0" err="1"/>
+              <a:rPr lang="en-US" sz="1600" dirty="0" err="1"/>
               <a:t>Math.random</a:t>
             </a:r>
             <a:r>
-              <a:rPr lang="en-US" dirty="0"/>
+              <a:rPr lang="en-US" sz="1600" dirty="0"/>
               <a:t>() % 6; - random number between 0 and 5</a:t>
             </a:r>
           </a:p>
           <a:p>
             <a:r>
-              <a:rPr lang="en-US" dirty="0"/>
+              <a:rPr lang="en-US" sz="1600" dirty="0"/>
               <a:t>Determining Even and Odd  - </a:t>
             </a:r>
             <a:r>
-              <a:rPr lang="en-US" dirty="0" err="1"/>
+              <a:rPr lang="en-US" sz="1600" dirty="0" err="1"/>
               <a:t>Math.random</a:t>
             </a:r>
             <a:r>
-              <a:rPr lang="en-US" dirty="0"/>
+              <a:rPr lang="en-US" sz="1600" dirty="0"/>
               <a:t>() %2 - if 0, even, if 1, odd</a:t>
             </a:r>
           </a:p>
@@ -17959,7 +18824,7 @@
         </p:blipFill>
         <p:spPr bwMode="auto">
           <a:xfrm>
-            <a:off x="2594850" y="3170707"/>
+            <a:off x="5189724" y="3407279"/>
             <a:ext cx="3954276" cy="1697799"/>
           </a:xfrm>
           <a:prstGeom prst="rect">
@@ -18039,7 +18904,7 @@
 </p:sld>
 </file>
 
-<file path=ppt/slides/slide14.xml><?xml version="1.0" encoding="utf-8"?>
+<file path=ppt/slides/slide15.xml><?xml version="1.0" encoding="utf-8"?>
 <p:sld xmlns:a="http://schemas.openxmlformats.org/drawingml/2006/main" xmlns:r="http://schemas.openxmlformats.org/officeDocument/2006/relationships" xmlns:p="http://schemas.openxmlformats.org/presentationml/2006/main">
   <p:cSld>
     <p:spTree>
@@ -18074,7 +18939,7 @@
         </p:nvSpPr>
         <p:spPr>
           <a:xfrm>
-            <a:off x="2279997" y="604639"/>
+            <a:off x="2279997" y="-56189"/>
             <a:ext cx="6448500" cy="672000"/>
           </a:xfrm>
         </p:spPr>
@@ -18107,8 +18972,8 @@
         </p:nvSpPr>
         <p:spPr>
           <a:xfrm>
-            <a:off x="2279997" y="1361507"/>
-            <a:ext cx="6448500" cy="1749162"/>
+            <a:off x="2279997" y="534168"/>
+            <a:ext cx="6448500" cy="4609332"/>
           </a:xfrm>
         </p:spPr>
         <p:txBody>
@@ -18120,7 +18985,7 @@
               <a:buChar char="•"/>
             </a:pPr>
             <a:r>
-              <a:rPr lang="en-US" dirty="0"/>
+              <a:rPr lang="en-US" sz="1800" dirty="0"/>
               <a:t>Assigned Programmer (only one needed per table) </a:t>
             </a:r>
           </a:p>
@@ -18130,8 +18995,8 @@
               <a:buChar char="•"/>
             </a:pPr>
             <a:r>
-              <a:rPr lang="en-US" dirty="0"/>
-              <a:t>Ideally a 163 student </a:t>
+              <a:rPr lang="en-US" sz="1800" dirty="0"/>
+              <a:t>Go to zyBooks</a:t>
             </a:r>
           </a:p>
           <a:p>
@@ -18140,8 +19005,18 @@
               <a:buChar char="•"/>
             </a:pPr>
             <a:r>
-              <a:rPr lang="en-US" dirty="0"/>
-              <a:t>Go to zyBooks</a:t>
+              <a:rPr lang="en-US" sz="1800" dirty="0"/>
+              <a:t>Click In Class Activity: Seat Finder</a:t>
+            </a:r>
+          </a:p>
+          <a:p>
+            <a:pPr>
+              <a:buFont typeface="Arial" panose="020B0604020202020204" pitchFamily="34" charset="0"/>
+              <a:buChar char="•"/>
+            </a:pPr>
+            <a:r>
+              <a:rPr lang="en-US" sz="1800" dirty="0"/>
+              <a:t>Everyone else: Help that person code it</a:t>
             </a:r>
           </a:p>
           <a:p>
@@ -18150,8 +19025,8 @@
               <a:buChar char="•"/>
             </a:pPr>
             <a:r>
-              <a:rPr lang="en-US" dirty="0"/>
-              <a:t>Click In Class Activity: Seat Finder</a:t>
+              <a:rPr lang="en-US" sz="1800" b="1" dirty="0"/>
+              <a:t>Make sure you all explain and know what is going on!</a:t>
             </a:r>
           </a:p>
           <a:p>
@@ -18160,8 +19035,8 @@
               <a:buChar char="•"/>
             </a:pPr>
             <a:r>
-              <a:rPr lang="en-US" dirty="0"/>
-              <a:t>Everyone else: Help that person code it</a:t>
+              <a:rPr lang="en-US" sz="1800" dirty="0"/>
+              <a:t>Before start programming think about:</a:t>
             </a:r>
           </a:p>
           <a:p>
@@ -18170,16 +19045,39 @@
               <a:buChar char="•"/>
             </a:pPr>
             <a:r>
-              <a:rPr lang="en-US" b="1" dirty="0"/>
-              <a:t>Make sure you all explain and know what is going on!</a:t>
-            </a:r>
-          </a:p>
-          <a:p>
-            <a:pPr>
+              <a:rPr lang="en-US" sz="1800" dirty="0"/>
+              <a:t>What is the problem that you need to solve?</a:t>
+            </a:r>
+          </a:p>
+          <a:p>
+            <a:pPr lvl="1">
               <a:buFont typeface="Arial" panose="020B0604020202020204" pitchFamily="34" charset="0"/>
               <a:buChar char="•"/>
             </a:pPr>
-            <a:endParaRPr lang="en-US" dirty="0"/>
+            <a:r>
+              <a:rPr lang="en-US" sz="1800" dirty="0"/>
+              <a:t>How you are going to solve it?</a:t>
+            </a:r>
+          </a:p>
+          <a:p>
+            <a:pPr lvl="1">
+              <a:buFont typeface="Arial" panose="020B0604020202020204" pitchFamily="34" charset="0"/>
+              <a:buChar char="•"/>
+            </a:pPr>
+            <a:r>
+              <a:rPr lang="en-US" sz="1800" dirty="0"/>
+              <a:t>Write a possible solution in English</a:t>
+            </a:r>
+          </a:p>
+          <a:p>
+            <a:pPr lvl="1">
+              <a:buFont typeface="Arial" panose="020B0604020202020204" pitchFamily="34" charset="0"/>
+              <a:buChar char="•"/>
+            </a:pPr>
+            <a:r>
+              <a:rPr lang="en-US" sz="1800" dirty="0"/>
+              <a:t>After that translate your solution to a sequence of instructions in Java </a:t>
+            </a:r>
           </a:p>
         </p:txBody>
       </p:sp>
@@ -18199,7 +19097,7 @@
 </p:sld>
 </file>
 
-<file path=ppt/slides/slide15.xml><?xml version="1.0" encoding="utf-8"?>
+<file path=ppt/slides/slide16.xml><?xml version="1.0" encoding="utf-8"?>
 <p:sld xmlns:a="http://schemas.openxmlformats.org/drawingml/2006/main" xmlns:r="http://schemas.openxmlformats.org/officeDocument/2006/relationships" xmlns:p="http://schemas.openxmlformats.org/presentationml/2006/main">
   <p:cSld>
     <p:spTree>
@@ -18234,7 +19132,7 @@
         </p:nvSpPr>
         <p:spPr>
           <a:xfrm>
-            <a:off x="415638" y="260292"/>
+            <a:off x="329577" y="14403"/>
             <a:ext cx="8312700" cy="672000"/>
           </a:xfrm>
         </p:spPr>
@@ -18267,7 +19165,7 @@
         </p:nvSpPr>
         <p:spPr>
           <a:xfrm>
-            <a:off x="415638" y="932292"/>
+            <a:off x="415650" y="509670"/>
             <a:ext cx="8312700" cy="3950916"/>
           </a:xfrm>
         </p:spPr>
@@ -18276,14 +19174,14 @@
           <a:lstStyle/>
           <a:p>
             <a:r>
-              <a:rPr lang="en-US" dirty="0"/>
+              <a:rPr lang="en-US" sz="1400" dirty="0"/>
               <a:t>We  often find ourselves doing things like</a:t>
             </a:r>
           </a:p>
           <a:p>
             <a:pPr lvl="1"/>
             <a:r>
-              <a:rPr lang="en-US" b="0" dirty="0">
+              <a:rPr lang="en-US" sz="1400" b="0" dirty="0">
                 <a:solidFill>
                   <a:srgbClr val="267F99"/>
                 </a:solidFill>
@@ -18293,7 +19191,7 @@
               <a:t>int</a:t>
             </a:r>
             <a:r>
-              <a:rPr lang="en-US" b="0" dirty="0">
+              <a:rPr lang="en-US" sz="1400" b="0" dirty="0">
                 <a:solidFill>
                   <a:srgbClr val="000000"/>
                 </a:solidFill>
@@ -18303,7 +19201,7 @@
               <a:t> </a:t>
             </a:r>
             <a:r>
-              <a:rPr lang="en-US" b="0" dirty="0">
+              <a:rPr lang="en-US" sz="1400" b="0" dirty="0">
                 <a:solidFill>
                   <a:srgbClr val="001080"/>
                 </a:solidFill>
@@ -18313,7 +19211,7 @@
               <a:t>value</a:t>
             </a:r>
             <a:r>
-              <a:rPr lang="en-US" b="0" dirty="0">
+              <a:rPr lang="en-US" sz="1400" b="0" dirty="0">
                 <a:solidFill>
                   <a:srgbClr val="000000"/>
                 </a:solidFill>
@@ -18323,7 +19221,7 @@
               <a:t> = </a:t>
             </a:r>
             <a:r>
-              <a:rPr lang="en-US" b="0" dirty="0">
+              <a:rPr lang="en-US" sz="1400" b="0" dirty="0">
                 <a:solidFill>
                   <a:srgbClr val="098658"/>
                 </a:solidFill>
@@ -18333,7 +19231,7 @@
               <a:t>100</a:t>
             </a:r>
             <a:r>
-              <a:rPr lang="en-US" b="0" dirty="0">
+              <a:rPr lang="en-US" sz="1400" b="0" dirty="0">
                 <a:solidFill>
                   <a:srgbClr val="000000"/>
                 </a:solidFill>
@@ -18346,7 +19244,7 @@
           <a:p>
             <a:pPr lvl="1"/>
             <a:r>
-              <a:rPr lang="en-US" b="0" dirty="0">
+              <a:rPr lang="en-US" sz="1400" b="0" dirty="0">
                 <a:solidFill>
                   <a:srgbClr val="001080"/>
                 </a:solidFill>
@@ -18356,7 +19254,7 @@
               <a:t>value</a:t>
             </a:r>
             <a:r>
-              <a:rPr lang="en-US" b="0" dirty="0">
+              <a:rPr lang="en-US" sz="1400" b="0" dirty="0">
                 <a:solidFill>
                   <a:srgbClr val="000000"/>
                 </a:solidFill>
@@ -18366,7 +19264,7 @@
               <a:t> = </a:t>
             </a:r>
             <a:r>
-              <a:rPr lang="en-US" b="0" dirty="0">
+              <a:rPr lang="en-US" sz="1400" b="0" dirty="0">
                 <a:solidFill>
                   <a:srgbClr val="001080"/>
                 </a:solidFill>
@@ -18376,7 +19274,7 @@
               <a:t>value</a:t>
             </a:r>
             <a:r>
-              <a:rPr lang="en-US" b="0" dirty="0">
+              <a:rPr lang="en-US" sz="1400" b="0" dirty="0">
                 <a:solidFill>
                   <a:srgbClr val="000000"/>
                 </a:solidFill>
@@ -18386,7 +19284,7 @@
               <a:t> + </a:t>
             </a:r>
             <a:r>
-              <a:rPr lang="en-US" b="0" dirty="0">
+              <a:rPr lang="en-US" sz="1400" b="0" dirty="0">
                 <a:solidFill>
                   <a:srgbClr val="098658"/>
                 </a:solidFill>
@@ -18396,7 +19294,7 @@
               <a:t>10</a:t>
             </a:r>
             <a:r>
-              <a:rPr lang="en-US" b="0" dirty="0">
+              <a:rPr lang="en-US" sz="1400" b="0" dirty="0">
                 <a:solidFill>
                   <a:srgbClr val="000000"/>
                 </a:solidFill>
@@ -18405,25 +19303,25 @@
               </a:rPr>
               <a:t>;</a:t>
             </a:r>
-            <a:endParaRPr lang="en-US" dirty="0"/>
-          </a:p>
-          <a:p>
-            <a:r>
-              <a:rPr lang="en-US" dirty="0"/>
+            <a:endParaRPr lang="en-US" sz="1400" dirty="0"/>
+          </a:p>
+          <a:p>
+            <a:r>
+              <a:rPr lang="en-US" sz="1400" dirty="0"/>
               <a:t>Introducing operator plus assignment</a:t>
             </a:r>
           </a:p>
           <a:p>
             <a:pPr lvl="1"/>
             <a:r>
-              <a:rPr lang="en-US" dirty="0"/>
+              <a:rPr lang="en-US" sz="1400" dirty="0"/>
               <a:t>value += 10;  // same as value = value + 10;</a:t>
             </a:r>
           </a:p>
           <a:p>
             <a:pPr lvl="1"/>
             <a:r>
-              <a:rPr lang="en-US" dirty="0">
+              <a:rPr lang="en-US" sz="1400" dirty="0">
                 <a:latin typeface="Consolas" panose="020B0609020204030204" pitchFamily="49" charset="0"/>
               </a:rPr>
               <a:t>+=</a:t>
@@ -18432,7 +19330,7 @@
           <a:p>
             <a:pPr lvl="1"/>
             <a:r>
-              <a:rPr lang="en-US" dirty="0">
+              <a:rPr lang="en-US" sz="1400" dirty="0">
                 <a:latin typeface="Consolas" panose="020B0609020204030204" pitchFamily="49" charset="0"/>
               </a:rPr>
               <a:t>-=</a:t>
@@ -18441,7 +19339,7 @@
           <a:p>
             <a:pPr lvl="1"/>
             <a:r>
-              <a:rPr lang="en-US" dirty="0">
+              <a:rPr lang="en-US" sz="1400" dirty="0">
                 <a:latin typeface="Consolas" panose="020B0609020204030204" pitchFamily="49" charset="0"/>
               </a:rPr>
               <a:t>/=</a:t>
@@ -18450,7 +19348,7 @@
           <a:p>
             <a:pPr lvl="1"/>
             <a:r>
-              <a:rPr lang="en-US" dirty="0">
+              <a:rPr lang="en-US" sz="1400" dirty="0">
                 <a:latin typeface="Consolas" panose="020B0609020204030204" pitchFamily="49" charset="0"/>
               </a:rPr>
               <a:t>*=</a:t>
@@ -18459,7 +19357,7 @@
           <a:p>
             <a:pPr lvl="1"/>
             <a:r>
-              <a:rPr lang="en-US" dirty="0">
+              <a:rPr lang="en-US" sz="1400" dirty="0">
                 <a:latin typeface="Consolas" panose="020B0609020204030204" pitchFamily="49" charset="0"/>
               </a:rPr>
               <a:t>%=</a:t>
@@ -18467,28 +19365,28 @@
           </a:p>
           <a:p>
             <a:r>
-              <a:rPr lang="en-US" dirty="0"/>
+              <a:rPr lang="en-US" sz="1400" dirty="0"/>
               <a:t>We also like to add and subtract by 1</a:t>
             </a:r>
           </a:p>
           <a:p>
             <a:pPr lvl="1"/>
             <a:r>
-              <a:rPr lang="en-US" dirty="0"/>
+              <a:rPr lang="en-US" sz="1400" dirty="0"/>
               <a:t>--value and ++value  </a:t>
             </a:r>
           </a:p>
           <a:p>
             <a:pPr lvl="1"/>
             <a:r>
-              <a:rPr lang="en-US" dirty="0"/>
+              <a:rPr lang="en-US" sz="1400" dirty="0"/>
               <a:t>value++ and value—</a:t>
             </a:r>
           </a:p>
           <a:p>
             <a:pPr lvl="2"/>
             <a:r>
-              <a:rPr lang="en-US" dirty="0"/>
+              <a:rPr lang="en-US" sz="1400" dirty="0"/>
               <a:t>Happens after using the value</a:t>
             </a:r>
           </a:p>
@@ -18508,7 +19406,7 @@
         </p:nvSpPr>
         <p:spPr>
           <a:xfrm>
-            <a:off x="5124526" y="1771531"/>
+            <a:off x="5210599" y="1917528"/>
             <a:ext cx="3517751" cy="1600438"/>
           </a:xfrm>
           <a:prstGeom prst="rect">
@@ -18930,7 +19828,7 @@
 </p:sld>
 </file>
 
-<file path=ppt/slides/slide16.xml><?xml version="1.0" encoding="utf-8"?>
+<file path=ppt/slides/slide17.xml><?xml version="1.0" encoding="utf-8"?>
 <p:sld xmlns:a="http://schemas.openxmlformats.org/drawingml/2006/main" xmlns:r="http://schemas.openxmlformats.org/officeDocument/2006/relationships" xmlns:p="http://schemas.openxmlformats.org/presentationml/2006/main">
   <p:cSld>
     <p:spTree>
@@ -19555,7 +20453,7 @@
 </p:sld>
 </file>
 
-<file path=ppt/slides/slide17.xml><?xml version="1.0" encoding="utf-8"?>
+<file path=ppt/slides/slide18.xml><?xml version="1.0" encoding="utf-8"?>
 <p:sld xmlns:a="http://schemas.openxmlformats.org/drawingml/2006/main" xmlns:r="http://schemas.openxmlformats.org/officeDocument/2006/relationships" xmlns:p="http://schemas.openxmlformats.org/presentationml/2006/main" show="0">
   <p:cSld>
     <p:spTree>
@@ -19741,7 +20639,12 @@
             <p:ph type="title"/>
           </p:nvPr>
         </p:nvSpPr>
-        <p:spPr/>
+        <p:spPr>
+          <a:xfrm>
+            <a:off x="415650" y="291707"/>
+            <a:ext cx="8312700" cy="672000"/>
+          </a:xfrm>
+        </p:spPr>
         <p:txBody>
           <a:bodyPr/>
           <a:lstStyle/>
@@ -19771,8 +20674,8 @@
         </p:nvSpPr>
         <p:spPr>
           <a:xfrm>
-            <a:off x="415638" y="1646392"/>
-            <a:ext cx="5555792" cy="1968479"/>
+            <a:off x="338797" y="855016"/>
+            <a:ext cx="5555792" cy="1463240"/>
           </a:xfrm>
         </p:spPr>
         <p:txBody>
@@ -19784,36 +20687,36 @@
           </a:p>
           <a:p>
             <a:r>
-              <a:rPr lang="en-US" dirty="0"/>
+              <a:rPr lang="en-US" sz="1600" dirty="0"/>
               <a:t>Reminder – readings are due </a:t>
             </a:r>
             <a:r>
-              <a:rPr lang="en-US" b="1" u="sng" dirty="0"/>
+              <a:rPr lang="en-US" sz="1600" b="1" u="sng" dirty="0"/>
               <a:t>before</a:t>
             </a:r>
             <a:r>
-              <a:rPr lang="en-US" dirty="0"/>
+              <a:rPr lang="en-US" sz="1600" dirty="0"/>
               <a:t> lecture</a:t>
             </a:r>
           </a:p>
           <a:p>
             <a:pPr lvl="1"/>
             <a:r>
-              <a:rPr lang="en-US" dirty="0"/>
+              <a:rPr lang="en-US" sz="1600" dirty="0"/>
               <a:t>You don’t have to do all of it - challenge problems can be challenging…</a:t>
             </a:r>
           </a:p>
           <a:p>
             <a:pPr lvl="1"/>
             <a:r>
-              <a:rPr lang="en-US" dirty="0"/>
+              <a:rPr lang="en-US" sz="1600" dirty="0"/>
               <a:t>You can return to them. </a:t>
             </a:r>
           </a:p>
           <a:p>
             <a:pPr lvl="1"/>
             <a:r>
-              <a:rPr lang="en-US" dirty="0"/>
+              <a:rPr lang="en-US" sz="1600" dirty="0"/>
               <a:t>We start off lecture with a quiz from your reading! </a:t>
             </a:r>
           </a:p>
@@ -19833,8 +20736,8 @@
         </p:nvSpPr>
         <p:spPr>
           <a:xfrm>
-            <a:off x="6388687" y="229736"/>
-            <a:ext cx="2576222" cy="1169551"/>
+            <a:off x="863867" y="3118933"/>
+            <a:ext cx="4776214" cy="1477328"/>
           </a:xfrm>
           <a:prstGeom prst="rect">
             <a:avLst/>
@@ -19848,83 +20751,81 @@
           <a:lstStyle/>
           <a:p>
             <a:r>
-              <a:rPr lang="en-US" dirty="0" err="1"/>
+              <a:rPr lang="en-US" sz="1800" dirty="0" err="1"/>
               <a:t>Todo</a:t>
             </a:r>
             <a:r>
-              <a:rPr lang="en-US" dirty="0"/>
+              <a:rPr lang="en-US" sz="1800" dirty="0"/>
               <a:t>:</a:t>
             </a:r>
           </a:p>
           <a:p>
             <a:r>
-              <a:rPr lang="en-US" dirty="0"/>
+              <a:rPr lang="en-US" sz="1800" dirty="0"/>
               <a:t>Busy Week! (readings + labs)</a:t>
             </a:r>
           </a:p>
           <a:p>
             <a:r>
-              <a:rPr lang="en-US" dirty="0"/>
+              <a:rPr lang="en-US" sz="1800" dirty="0"/>
               <a:t>Lab projects start!</a:t>
             </a:r>
           </a:p>
           <a:p>
             <a:r>
-              <a:rPr lang="en-US" dirty="0"/>
+              <a:rPr lang="en-US" sz="1800" dirty="0"/>
               <a:t>Remember: build a habit of doing a little every night!</a:t>
             </a:r>
           </a:p>
         </p:txBody>
       </p:sp>
-      <p:sp>
-        <p:nvSpPr>
-          <p:cNvPr id="2" name="TextBox 1">
+      <p:pic>
+        <p:nvPicPr>
+          <p:cNvPr id="7" name="Picture 2" descr="Happy monday quotes Vector Art Stock Images | Depositphotos">
             <a:extLst>
               <a:ext uri="{FF2B5EF4-FFF2-40B4-BE49-F238E27FC236}">
-                <a16:creationId xmlns:a16="http://schemas.microsoft.com/office/drawing/2014/main" id="{92EEFA02-5996-374A-B048-76B916799C48}"/>
+                <a16:creationId xmlns:a16="http://schemas.microsoft.com/office/drawing/2014/main" id="{2E49712A-EAC7-4CCE-BABE-56ADA45DD814}"/>
               </a:ext>
             </a:extLst>
           </p:cNvPr>
-          <p:cNvSpPr txBox="1"/>
+          <p:cNvPicPr>
+            <a:picLocks noChangeAspect="1" noChangeArrowheads="1"/>
+          </p:cNvPicPr>
           <p:nvPr/>
-        </p:nvSpPr>
-        <p:spPr>
+        </p:nvPicPr>
+        <p:blipFill>
+          <a:blip r:embed="rId3">
+            <a:extLst>
+              <a:ext uri="{28A0092B-C50C-407E-A947-70E740481C1C}">
+                <a14:useLocalDpi xmlns:a14="http://schemas.microsoft.com/office/drawing/2010/main" val="0"/>
+              </a:ext>
+            </a:extLst>
+          </a:blip>
+          <a:srcRect/>
+          <a:stretch>
+            <a:fillRect/>
+          </a:stretch>
+        </p:blipFill>
+        <p:spPr bwMode="auto">
           <a:xfrm>
-            <a:off x="1478833" y="3990195"/>
-            <a:ext cx="6186309" cy="738664"/>
+            <a:off x="6589419" y="0"/>
+            <a:ext cx="2416268" cy="2416268"/>
           </a:xfrm>
           <a:prstGeom prst="rect">
             <a:avLst/>
           </a:prstGeom>
-          <a:solidFill>
-            <a:schemeClr val="accent2"/>
-          </a:solidFill>
+          <a:noFill/>
+          <a:extLst>
+            <a:ext uri="{909E8E84-426E-40DD-AFC4-6F175D3DCCD1}">
+              <a14:hiddenFill xmlns:a14="http://schemas.microsoft.com/office/drawing/2010/main">
+                <a:solidFill>
+                  <a:srgbClr val="FFFFFF"/>
+                </a:solidFill>
+              </a14:hiddenFill>
+            </a:ext>
+          </a:extLst>
         </p:spPr>
-        <p:txBody>
-          <a:bodyPr wrap="none" rtlCol="0">
-            <a:spAutoFit/>
-          </a:bodyPr>
-          <a:lstStyle/>
-          <a:p>
-            <a:r>
-              <a:rPr lang="en-US" b="1" dirty="0"/>
-              <a:t>Opening Question (talk with others in your group *before* class starts)</a:t>
-            </a:r>
-          </a:p>
-          <a:p>
-            <a:r>
-              <a:rPr lang="en-US" dirty="0"/>
-              <a:t>What are three ways technology can help improve the world around you? </a:t>
-            </a:r>
-          </a:p>
-          <a:p>
-            <a:r>
-              <a:rPr lang="en-US" dirty="0"/>
-              <a:t>How did you observe those ways this past weekend?</a:t>
-            </a:r>
-          </a:p>
-        </p:txBody>
-      </p:sp>
+      </p:pic>
     </p:spTree>
     <p:extLst>
       <p:ext uri="{BB962C8B-B14F-4D97-AF65-F5344CB8AC3E}">
@@ -20076,6 +20977,137 @@
             <p:ph type="title"/>
           </p:nvPr>
         </p:nvSpPr>
+        <p:spPr>
+          <a:xfrm>
+            <a:off x="415637" y="373814"/>
+            <a:ext cx="8312700" cy="672000"/>
+          </a:xfrm>
+        </p:spPr>
+        <p:txBody>
+          <a:bodyPr/>
+          <a:lstStyle/>
+          <a:p>
+            <a:r>
+              <a:rPr lang="en-US" dirty="0"/>
+              <a:t>Recall Activity</a:t>
+            </a:r>
+          </a:p>
+        </p:txBody>
+      </p:sp>
+      <p:sp>
+        <p:nvSpPr>
+          <p:cNvPr id="3" name="Text Placeholder 2">
+            <a:extLst>
+              <a:ext uri="{FF2B5EF4-FFF2-40B4-BE49-F238E27FC236}">
+                <a16:creationId xmlns:a16="http://schemas.microsoft.com/office/drawing/2014/main" id="{142C320B-6E1B-1745-981E-44598126C6FA}"/>
+              </a:ext>
+            </a:extLst>
+          </p:cNvPr>
+          <p:cNvSpPr>
+            <a:spLocks noGrp="1"/>
+          </p:cNvSpPr>
+          <p:nvPr>
+            <p:ph type="body" idx="1"/>
+          </p:nvPr>
+        </p:nvSpPr>
+        <p:spPr>
+          <a:xfrm>
+            <a:off x="415637" y="1275154"/>
+            <a:ext cx="8312700" cy="3066323"/>
+          </a:xfrm>
+        </p:spPr>
+        <p:txBody>
+          <a:bodyPr/>
+          <a:lstStyle/>
+          <a:p>
+            <a:r>
+              <a:rPr lang="en-US" sz="1800" dirty="0"/>
+              <a:t>Individually</a:t>
+            </a:r>
+          </a:p>
+          <a:p>
+            <a:pPr lvl="1"/>
+            <a:r>
+              <a:rPr lang="en-US" sz="1800" dirty="0"/>
+              <a:t>Grab a paper and write at least three concepts that you can remember from your readings</a:t>
+            </a:r>
+          </a:p>
+          <a:p>
+            <a:r>
+              <a:rPr lang="en-US" sz="1800" dirty="0"/>
+              <a:t>With your neighbor(s)</a:t>
+            </a:r>
+          </a:p>
+          <a:p>
+            <a:pPr lvl="1"/>
+            <a:r>
+              <a:rPr lang="en-US" sz="1800" dirty="0"/>
+              <a:t>Discuss what each other could remember. Did you remember the same things? What did you learn from each other?</a:t>
+            </a:r>
+          </a:p>
+          <a:p>
+            <a:r>
+              <a:rPr lang="en-US" sz="1800" dirty="0"/>
+              <a:t>Turn you paper to the TAs or myself at the end of the class, this will count as your participation activity for this lecture</a:t>
+            </a:r>
+          </a:p>
+          <a:p>
+            <a:pPr marL="152400" indent="0">
+              <a:buNone/>
+            </a:pPr>
+            <a:endParaRPr lang="en-US" dirty="0"/>
+          </a:p>
+        </p:txBody>
+      </p:sp>
+    </p:spTree>
+    <p:extLst>
+      <p:ext uri="{BB962C8B-B14F-4D97-AF65-F5344CB8AC3E}">
+        <p14:creationId xmlns:p14="http://schemas.microsoft.com/office/powerpoint/2010/main" val="382708242"/>
+      </p:ext>
+    </p:extLst>
+  </p:cSld>
+  <p:clrMapOvr>
+    <a:masterClrMapping/>
+  </p:clrMapOvr>
+  <p:transition>
+    <p:fade/>
+  </p:transition>
+</p:sld>
+</file>
+
+<file path=ppt/slides/slide5.xml><?xml version="1.0" encoding="utf-8"?>
+<p:sld xmlns:a="http://schemas.openxmlformats.org/drawingml/2006/main" xmlns:r="http://schemas.openxmlformats.org/officeDocument/2006/relationships" xmlns:p="http://schemas.openxmlformats.org/presentationml/2006/main">
+  <p:cSld>
+    <p:spTree>
+      <p:nvGrpSpPr>
+        <p:cNvPr id="1" name=""/>
+        <p:cNvGrpSpPr/>
+        <p:nvPr/>
+      </p:nvGrpSpPr>
+      <p:grpSpPr>
+        <a:xfrm>
+          <a:off x="0" y="0"/>
+          <a:ext cx="0" cy="0"/>
+          <a:chOff x="0" y="0"/>
+          <a:chExt cx="0" cy="0"/>
+        </a:xfrm>
+      </p:grpSpPr>
+      <p:sp>
+        <p:nvSpPr>
+          <p:cNvPr id="2" name="Title 1">
+            <a:extLst>
+              <a:ext uri="{FF2B5EF4-FFF2-40B4-BE49-F238E27FC236}">
+                <a16:creationId xmlns:a16="http://schemas.microsoft.com/office/drawing/2014/main" id="{3FE3C7E9-17AD-EF4E-996F-779D853AB919}"/>
+              </a:ext>
+            </a:extLst>
+          </p:cNvPr>
+          <p:cNvSpPr>
+            <a:spLocks noGrp="1"/>
+          </p:cNvSpPr>
+          <p:nvPr>
+            <p:ph type="title"/>
+          </p:nvPr>
+        </p:nvSpPr>
         <p:spPr/>
         <p:txBody>
           <a:bodyPr/>
@@ -20107,7 +21139,7 @@
         <p:spPr>
           <a:xfrm>
             <a:off x="415638" y="1646393"/>
-            <a:ext cx="4935590" cy="2408772"/>
+            <a:ext cx="6961034" cy="2408772"/>
           </a:xfrm>
         </p:spPr>
         <p:txBody>
@@ -20118,15 +21150,15 @@
               <a:buNone/>
             </a:pPr>
             <a:r>
-              <a:rPr lang="en-US" b="1" dirty="0"/>
+              <a:rPr lang="en-US" sz="1800" b="1" dirty="0"/>
               <a:t>Which of the following are considered </a:t>
             </a:r>
             <a:r>
-              <a:rPr lang="en-US" b="1" i="1" dirty="0"/>
+              <a:rPr lang="en-US" sz="1800" b="1" i="1" dirty="0"/>
               <a:t>primitives</a:t>
             </a:r>
             <a:r>
-              <a:rPr lang="en-US" b="1" dirty="0"/>
+              <a:rPr lang="en-US" sz="1800" b="1" dirty="0"/>
               <a:t> in Java?</a:t>
             </a:r>
           </a:p>
@@ -20136,7 +21168,7 @@
               <a:buAutoNum type="alphaUcPeriod"/>
             </a:pPr>
             <a:r>
-              <a:rPr lang="en-US" dirty="0"/>
+              <a:rPr lang="en-US" sz="1800" dirty="0"/>
               <a:t>int</a:t>
             </a:r>
           </a:p>
@@ -20146,7 +21178,7 @@
               <a:buAutoNum type="alphaUcPeriod"/>
             </a:pPr>
             <a:r>
-              <a:rPr lang="en-US" dirty="0"/>
+              <a:rPr lang="en-US" sz="1800" dirty="0"/>
               <a:t>double</a:t>
             </a:r>
           </a:p>
@@ -20156,7 +21188,7 @@
               <a:buAutoNum type="alphaUcPeriod"/>
             </a:pPr>
             <a:r>
-              <a:rPr lang="en-US" dirty="0"/>
+              <a:rPr lang="en-US" sz="1800" dirty="0"/>
               <a:t>String</a:t>
             </a:r>
           </a:p>
@@ -20166,7 +21198,7 @@
               <a:buAutoNum type="alphaUcPeriod"/>
             </a:pPr>
             <a:r>
-              <a:rPr lang="en-US" dirty="0"/>
+              <a:rPr lang="en-US" sz="1800" dirty="0"/>
               <a:t>char</a:t>
             </a:r>
           </a:p>
@@ -20176,7 +21208,7 @@
               <a:buAutoNum type="alphaUcPeriod"/>
             </a:pPr>
             <a:r>
-              <a:rPr lang="en-US" dirty="0"/>
+              <a:rPr lang="en-US" sz="1800" dirty="0"/>
               <a:t>System</a:t>
             </a:r>
           </a:p>
@@ -20327,7 +21359,7 @@
 </p:sld>
 </file>
 
-<file path=ppt/slides/slide5.xml><?xml version="1.0" encoding="utf-8"?>
+<file path=ppt/slides/slide6.xml><?xml version="1.0" encoding="utf-8"?>
 <p:sld xmlns:a="http://schemas.openxmlformats.org/drawingml/2006/main" xmlns:r="http://schemas.openxmlformats.org/officeDocument/2006/relationships" xmlns:p="http://schemas.openxmlformats.org/presentationml/2006/main">
   <p:cSld>
     <p:spTree>
@@ -20356,7 +21388,7 @@
         </p:nvSpPr>
         <p:spPr>
           <a:xfrm>
-            <a:off x="415638" y="599068"/>
+            <a:off x="415650" y="0"/>
             <a:ext cx="8312700" cy="672000"/>
           </a:xfrm>
           <a:prstGeom prst="rect">
@@ -20379,10 +21411,10 @@
               <a:buNone/>
             </a:pPr>
             <a:r>
-              <a:rPr lang="en"/>
+              <a:rPr lang="en" dirty="0"/>
               <a:t>Types</a:t>
             </a:r>
-            <a:endParaRPr/>
+            <a:endParaRPr dirty="0"/>
           </a:p>
         </p:txBody>
       </p:sp>
@@ -20398,8 +21430,8 @@
         </p:nvSpPr>
         <p:spPr>
           <a:xfrm>
-            <a:off x="415650" y="1271075"/>
-            <a:ext cx="4887900" cy="3400500"/>
+            <a:off x="415650" y="640984"/>
+            <a:ext cx="8312700" cy="3400500"/>
           </a:xfrm>
           <a:prstGeom prst="rect">
             <a:avLst/>
@@ -20425,14 +21457,14 @@
               <a:buChar char="●"/>
             </a:pPr>
             <a:r>
-              <a:rPr lang="en" dirty="0">
+              <a:rPr lang="en" sz="1800" dirty="0">
                 <a:solidFill>
                   <a:srgbClr val="000000"/>
                 </a:solidFill>
               </a:rPr>
               <a:t>TYPE tells the computer how much room to  save!</a:t>
             </a:r>
-            <a:endParaRPr dirty="0">
+            <a:endParaRPr sz="1800" dirty="0">
               <a:solidFill>
                 <a:srgbClr val="000000"/>
               </a:solidFill>
@@ -20453,14 +21485,14 @@
               <a:buChar char="●"/>
             </a:pPr>
             <a:r>
-              <a:rPr lang="en" dirty="0">
+              <a:rPr lang="en" sz="1800" dirty="0">
                 <a:solidFill>
                   <a:srgbClr val="000000"/>
                 </a:solidFill>
               </a:rPr>
               <a:t>int</a:t>
             </a:r>
-            <a:endParaRPr dirty="0">
+            <a:endParaRPr sz="1800" dirty="0">
               <a:solidFill>
                 <a:srgbClr val="000000"/>
               </a:solidFill>
@@ -20481,14 +21513,14 @@
               <a:buChar char="○"/>
             </a:pPr>
             <a:r>
-              <a:rPr lang="en" dirty="0">
+              <a:rPr lang="en" sz="1400" dirty="0">
                 <a:solidFill>
                   <a:srgbClr val="000000"/>
                 </a:solidFill>
               </a:rPr>
               <a:t>Whole numbers  only</a:t>
             </a:r>
-            <a:endParaRPr dirty="0">
+            <a:endParaRPr sz="1400" dirty="0">
               <a:solidFill>
                 <a:srgbClr val="000000"/>
               </a:solidFill>
@@ -20509,14 +21541,14 @@
               <a:buChar char="○"/>
             </a:pPr>
             <a:r>
-              <a:rPr lang="en" dirty="0">
+              <a:rPr lang="en" sz="1400" dirty="0">
                 <a:solidFill>
                   <a:srgbClr val="000000"/>
                 </a:solidFill>
               </a:rPr>
               <a:t>1, 2, 3, 1000</a:t>
             </a:r>
-            <a:endParaRPr dirty="0">
+            <a:endParaRPr sz="1400" dirty="0">
               <a:solidFill>
                 <a:srgbClr val="000000"/>
               </a:solidFill>
@@ -20537,14 +21569,14 @@
               <a:buChar char="●"/>
             </a:pPr>
             <a:r>
-              <a:rPr lang="en" dirty="0">
+              <a:rPr lang="en" sz="1800" dirty="0">
                 <a:solidFill>
                   <a:srgbClr val="000000"/>
                 </a:solidFill>
               </a:rPr>
               <a:t>double</a:t>
             </a:r>
-            <a:endParaRPr dirty="0">
+            <a:endParaRPr sz="1800" dirty="0">
               <a:solidFill>
                 <a:srgbClr val="000000"/>
               </a:solidFill>
@@ -20565,14 +21597,14 @@
               <a:buChar char="○"/>
             </a:pPr>
             <a:r>
-              <a:rPr lang="en" dirty="0">
+              <a:rPr lang="en" sz="1400" dirty="0">
                 <a:solidFill>
                   <a:srgbClr val="000000"/>
                 </a:solidFill>
               </a:rPr>
               <a:t>Floating point numbers </a:t>
             </a:r>
-            <a:endParaRPr dirty="0">
+            <a:endParaRPr sz="1400" dirty="0">
               <a:solidFill>
                 <a:srgbClr val="000000"/>
               </a:solidFill>
@@ -20593,14 +21625,14 @@
               <a:buChar char="○"/>
             </a:pPr>
             <a:r>
-              <a:rPr lang="en" dirty="0">
+              <a:rPr lang="en" sz="1400" dirty="0">
                 <a:solidFill>
                   <a:srgbClr val="000000"/>
                 </a:solidFill>
               </a:rPr>
               <a:t>1.0, 2.5, 3.33333, 1000  (which is 1000.0)</a:t>
             </a:r>
-            <a:endParaRPr dirty="0">
+            <a:endParaRPr sz="1400" dirty="0">
               <a:solidFill>
                 <a:srgbClr val="000000"/>
               </a:solidFill>
@@ -20621,14 +21653,14 @@
               <a:buChar char="●"/>
             </a:pPr>
             <a:r>
-              <a:rPr lang="en" dirty="0">
+              <a:rPr lang="en" sz="1800" dirty="0">
                 <a:solidFill>
                   <a:srgbClr val="000000"/>
                 </a:solidFill>
               </a:rPr>
               <a:t>char</a:t>
             </a:r>
-            <a:endParaRPr dirty="0">
+            <a:endParaRPr sz="1400" dirty="0">
               <a:solidFill>
                 <a:srgbClr val="000000"/>
               </a:solidFill>
@@ -20649,14 +21681,14 @@
               <a:buChar char="○"/>
             </a:pPr>
             <a:r>
-              <a:rPr lang="en" dirty="0">
+              <a:rPr lang="en" sz="1400" dirty="0">
                 <a:solidFill>
                   <a:srgbClr val="000000"/>
                 </a:solidFill>
               </a:rPr>
               <a:t>Every character on a keyboard - stored as int </a:t>
             </a:r>
-            <a:endParaRPr dirty="0">
+            <a:endParaRPr sz="1400" dirty="0">
               <a:solidFill>
                 <a:srgbClr val="000000"/>
               </a:solidFill>
@@ -20677,14 +21709,14 @@
               <a:buChar char="●"/>
             </a:pPr>
             <a:r>
-              <a:rPr lang="en" dirty="0">
+              <a:rPr lang="en" sz="1800" dirty="0">
                 <a:solidFill>
                   <a:srgbClr val="000000"/>
                 </a:solidFill>
               </a:rPr>
               <a:t>boolean</a:t>
             </a:r>
-            <a:endParaRPr dirty="0">
+            <a:endParaRPr sz="1800" dirty="0">
               <a:solidFill>
                 <a:srgbClr val="000000"/>
               </a:solidFill>
@@ -20705,14 +21737,14 @@
               <a:buChar char="○"/>
             </a:pPr>
             <a:r>
-              <a:rPr lang="en" dirty="0">
+              <a:rPr lang="en" sz="1400" dirty="0">
                 <a:solidFill>
                   <a:srgbClr val="000000"/>
                 </a:solidFill>
               </a:rPr>
               <a:t>true or false</a:t>
             </a:r>
-            <a:endParaRPr dirty="0">
+            <a:endParaRPr sz="1400" dirty="0">
               <a:solidFill>
                 <a:srgbClr val="000000"/>
               </a:solidFill>
@@ -20733,14 +21765,14 @@
               <a:buChar char="●"/>
             </a:pPr>
             <a:r>
-              <a:rPr lang="en" dirty="0">
+              <a:rPr lang="en" sz="1800" dirty="0">
                 <a:solidFill>
                   <a:srgbClr val="000000"/>
                 </a:solidFill>
               </a:rPr>
               <a:t>String</a:t>
             </a:r>
-            <a:endParaRPr dirty="0">
+            <a:endParaRPr sz="1800" dirty="0">
               <a:solidFill>
                 <a:srgbClr val="000000"/>
               </a:solidFill>
@@ -20761,14 +21793,14 @@
               <a:buChar char="○"/>
             </a:pPr>
             <a:r>
-              <a:rPr lang="en" dirty="0">
+              <a:rPr lang="en" sz="1400" dirty="0">
                 <a:solidFill>
                   <a:srgbClr val="000000"/>
                 </a:solidFill>
               </a:rPr>
               <a:t>collection of ordered characters </a:t>
             </a:r>
-            <a:endParaRPr dirty="0">
+            <a:endParaRPr sz="1400" dirty="0">
               <a:solidFill>
                 <a:srgbClr val="000000"/>
               </a:solidFill>
@@ -20789,14 +21821,14 @@
               <a:buChar char="○"/>
             </a:pPr>
             <a:r>
-              <a:rPr lang="en" dirty="0">
+              <a:rPr lang="en" sz="1400" dirty="0">
                 <a:solidFill>
                   <a:srgbClr val="000000"/>
                 </a:solidFill>
               </a:rPr>
               <a:t>It is more unique (Object)</a:t>
             </a:r>
-            <a:endParaRPr dirty="0">
+            <a:endParaRPr sz="1400" dirty="0">
               <a:solidFill>
                 <a:srgbClr val="000000"/>
               </a:solidFill>
@@ -20812,7 +21844,7 @@
 </p:sld>
 </file>
 
-<file path=ppt/slides/slide6.xml><?xml version="1.0" encoding="utf-8"?>
+<file path=ppt/slides/slide7.xml><?xml version="1.0" encoding="utf-8"?>
 <p:sld xmlns:a="http://schemas.openxmlformats.org/drawingml/2006/main" xmlns:r="http://schemas.openxmlformats.org/officeDocument/2006/relationships" xmlns:p="http://schemas.openxmlformats.org/presentationml/2006/main">
   <p:cSld>
     <p:spTree>
@@ -20841,7 +21873,7 @@
         </p:nvSpPr>
         <p:spPr>
           <a:xfrm>
-            <a:off x="415638" y="599068"/>
+            <a:off x="415638" y="0"/>
             <a:ext cx="8312700" cy="672000"/>
           </a:xfrm>
           <a:prstGeom prst="rect">
@@ -20883,8 +21915,8 @@
         </p:nvSpPr>
         <p:spPr>
           <a:xfrm>
-            <a:off x="415638" y="1423772"/>
-            <a:ext cx="8312700" cy="2018675"/>
+            <a:off x="415638" y="760544"/>
+            <a:ext cx="8312700" cy="2713911"/>
           </a:xfrm>
           <a:prstGeom prst="rect">
             <a:avLst/>
@@ -20910,14 +21942,14 @@
               <a:buChar char="●"/>
             </a:pPr>
             <a:r>
-              <a:rPr lang="en" dirty="0">
+              <a:rPr lang="en" sz="1400" dirty="0">
                 <a:solidFill>
                   <a:srgbClr val="000000"/>
                 </a:solidFill>
               </a:rPr>
               <a:t>Identifiers are WORDs </a:t>
             </a:r>
-            <a:endParaRPr dirty="0">
+            <a:endParaRPr sz="1400" dirty="0">
               <a:solidFill>
                 <a:srgbClr val="000000"/>
               </a:solidFill>
@@ -20938,14 +21970,14 @@
               <a:buChar char="○"/>
             </a:pPr>
             <a:r>
-              <a:rPr lang="en" dirty="0">
+              <a:rPr lang="en" sz="1400" dirty="0">
                 <a:solidFill>
                   <a:srgbClr val="000000"/>
                 </a:solidFill>
               </a:rPr>
               <a:t>You use the to *hold* information</a:t>
             </a:r>
-            <a:endParaRPr dirty="0">
+            <a:endParaRPr sz="1400" dirty="0">
               <a:solidFill>
                 <a:srgbClr val="000000"/>
               </a:solidFill>
@@ -20966,14 +21998,14 @@
               <a:buChar char="○"/>
             </a:pPr>
             <a:r>
-              <a:rPr lang="en" dirty="0">
+              <a:rPr lang="en" sz="1400" dirty="0">
                 <a:solidFill>
                   <a:srgbClr val="000000"/>
                 </a:solidFill>
               </a:rPr>
               <a:t>Cannot be a reserved word</a:t>
             </a:r>
-            <a:endParaRPr dirty="0">
+            <a:endParaRPr sz="1400" dirty="0">
               <a:solidFill>
                 <a:srgbClr val="000000"/>
               </a:solidFill>
@@ -20994,14 +22026,14 @@
               <a:buChar char="○"/>
             </a:pPr>
             <a:r>
-              <a:rPr lang="en" dirty="0">
+              <a:rPr lang="en" sz="1400" dirty="0">
                 <a:solidFill>
                   <a:srgbClr val="000000"/>
                 </a:solidFill>
               </a:rPr>
               <a:t>Cannot start with numbers or special characters outside of underscore</a:t>
             </a:r>
-            <a:endParaRPr dirty="0">
+            <a:endParaRPr sz="1400" dirty="0">
               <a:solidFill>
                 <a:srgbClr val="000000"/>
               </a:solidFill>
@@ -21022,7 +22054,7 @@
               <a:buChar char="○"/>
             </a:pPr>
             <a:r>
-              <a:rPr lang="en" dirty="0">
+              <a:rPr lang="en" sz="1400" dirty="0">
                 <a:solidFill>
                   <a:srgbClr val="000000"/>
                 </a:solidFill>
@@ -21030,7 +22062,7 @@
               <a:t>Use real words! </a:t>
             </a:r>
             <a:r>
-              <a:rPr lang="en" b="1" dirty="0">
+              <a:rPr lang="en" sz="1400" b="1" dirty="0">
                 <a:solidFill>
                   <a:srgbClr val="000000"/>
                 </a:solidFill>
@@ -21038,7 +22070,7 @@
               <a:t>int x </a:t>
             </a:r>
             <a:r>
-              <a:rPr lang="en" dirty="0">
+              <a:rPr lang="en" sz="1400" dirty="0">
                 <a:solidFill>
                   <a:srgbClr val="000000"/>
                 </a:solidFill>
@@ -21046,7 +22078,7 @@
               <a:t>doesn’t mean much, but </a:t>
             </a:r>
             <a:r>
-              <a:rPr lang="en" b="1" dirty="0">
+              <a:rPr lang="en" sz="1400" b="1" dirty="0">
                 <a:solidFill>
                   <a:srgbClr val="000000"/>
                 </a:solidFill>
@@ -21054,7 +22086,7 @@
               <a:t>int puppyCounter </a:t>
             </a:r>
             <a:r>
-              <a:rPr lang="en" dirty="0">
+              <a:rPr lang="en" sz="1400" dirty="0">
                 <a:solidFill>
                   <a:srgbClr val="000000"/>
                 </a:solidFill>
@@ -21074,7 +22106,7 @@
               <a:buChar char="○"/>
             </a:pPr>
             <a:r>
-              <a:rPr lang="en" b="1" dirty="0">
+              <a:rPr lang="en" sz="1400" b="1" dirty="0">
                 <a:solidFill>
                   <a:srgbClr val="000000"/>
                 </a:solidFill>
@@ -21082,7 +22114,7 @@
               <a:t>Declaring</a:t>
             </a:r>
             <a:r>
-              <a:rPr lang="en" dirty="0">
+              <a:rPr lang="en" sz="1400" dirty="0">
                 <a:solidFill>
                   <a:srgbClr val="000000"/>
                 </a:solidFill>
@@ -21101,7 +22133,7 @@
               <a:buChar char="○"/>
             </a:pPr>
             <a:r>
-              <a:rPr lang="en" dirty="0">
+              <a:rPr lang="en" sz="1400" dirty="0">
                 <a:solidFill>
                   <a:srgbClr val="000000"/>
                 </a:solidFill>
@@ -21120,7 +22152,7 @@
               <a:buChar char="○"/>
             </a:pPr>
             <a:r>
-              <a:rPr lang="en-US" dirty="0">
+              <a:rPr lang="en-US" sz="1400" dirty="0">
                 <a:solidFill>
                   <a:srgbClr val="000000"/>
                 </a:solidFill>
@@ -21128,7 +22160,7 @@
               <a:t>C</a:t>
             </a:r>
             <a:r>
-              <a:rPr lang="en" dirty="0">
+              <a:rPr lang="en" sz="1400" dirty="0">
                 <a:solidFill>
                   <a:srgbClr val="000000"/>
                 </a:solidFill>
@@ -21147,7 +22179,7 @@
               <a:buChar char="○"/>
             </a:pPr>
             <a:r>
-              <a:rPr lang="en" dirty="0">
+              <a:rPr lang="en" sz="1400" dirty="0">
                 <a:solidFill>
                   <a:srgbClr val="000000"/>
                 </a:solidFill>
@@ -21155,7 +22187,7 @@
               <a:t>Declaring </a:t>
             </a:r>
             <a:r>
-              <a:rPr lang="en" b="1" dirty="0">
+              <a:rPr lang="en" sz="1400" b="1" dirty="0">
                 <a:solidFill>
                   <a:srgbClr val="000000"/>
                 </a:solidFill>
@@ -21163,7 +22195,7 @@
               <a:t>reserves</a:t>
             </a:r>
             <a:r>
-              <a:rPr lang="en" dirty="0">
+              <a:rPr lang="en" sz="1400" dirty="0">
                 <a:solidFill>
                   <a:srgbClr val="000000"/>
                 </a:solidFill>
@@ -21171,7 +22203,7 @@
               <a:t> or </a:t>
             </a:r>
             <a:r>
-              <a:rPr lang="en" b="1" dirty="0">
+              <a:rPr lang="en" sz="1400" b="1" dirty="0">
                 <a:solidFill>
                   <a:srgbClr val="000000"/>
                 </a:solidFill>
@@ -21179,7 +22211,7 @@
               <a:t>allocates</a:t>
             </a:r>
             <a:r>
-              <a:rPr lang="en" dirty="0">
+              <a:rPr lang="en" sz="1400" dirty="0">
                 <a:solidFill>
                   <a:srgbClr val="000000"/>
                 </a:solidFill>
@@ -21235,8 +22267,8 @@
         </p:nvSpPr>
         <p:spPr>
           <a:xfrm>
-            <a:off x="-10768" y="3468667"/>
-            <a:ext cx="4582756" cy="1169551"/>
+            <a:off x="219752" y="3266986"/>
+            <a:ext cx="7172288" cy="1323439"/>
           </a:xfrm>
           <a:prstGeom prst="rect">
             <a:avLst/>
@@ -21260,7 +22292,7 @@
               <a:t>        </a:t>
             </a:r>
             <a:r>
-              <a:rPr lang="en-US" b="0" dirty="0">
+              <a:rPr lang="en-US" sz="1600" b="0" dirty="0">
                 <a:solidFill>
                   <a:srgbClr val="267F99"/>
                 </a:solidFill>
@@ -21270,7 +22302,7 @@
               <a:t>int</a:t>
             </a:r>
             <a:r>
-              <a:rPr lang="en-US" b="0" dirty="0">
+              <a:rPr lang="en-US" sz="1600" b="0" dirty="0">
                 <a:solidFill>
                   <a:srgbClr val="000000"/>
                 </a:solidFill>
@@ -21280,7 +22312,7 @@
               <a:t> </a:t>
             </a:r>
             <a:r>
-              <a:rPr lang="en-US" b="0" dirty="0" err="1">
+              <a:rPr lang="en-US" sz="1600" b="0" dirty="0" err="1">
                 <a:solidFill>
                   <a:srgbClr val="001080"/>
                 </a:solidFill>
@@ -21290,7 +22322,7 @@
               <a:t>myInt</a:t>
             </a:r>
             <a:r>
-              <a:rPr lang="en-US" b="0" dirty="0">
+              <a:rPr lang="en-US" sz="1600" b="0" dirty="0">
                 <a:solidFill>
                   <a:srgbClr val="000000"/>
                 </a:solidFill>
@@ -21302,7 +22334,7 @@
           </a:p>
           <a:p>
             <a:r>
-              <a:rPr lang="en-US" b="0" dirty="0">
+              <a:rPr lang="en-US" sz="1600" b="0" dirty="0">
                 <a:solidFill>
                   <a:srgbClr val="000000"/>
                 </a:solidFill>
@@ -21312,7 +22344,7 @@
               <a:t>        </a:t>
             </a:r>
             <a:r>
-              <a:rPr lang="en-US" b="0" dirty="0">
+              <a:rPr lang="en-US" sz="1600" b="0" dirty="0">
                 <a:solidFill>
                   <a:srgbClr val="267F99"/>
                 </a:solidFill>
@@ -21322,7 +22354,7 @@
               <a:t>double</a:t>
             </a:r>
             <a:r>
-              <a:rPr lang="en-US" b="0" dirty="0">
+              <a:rPr lang="en-US" sz="1600" b="0" dirty="0">
                 <a:solidFill>
                   <a:srgbClr val="000000"/>
                 </a:solidFill>
@@ -21332,7 +22364,7 @@
               <a:t> </a:t>
             </a:r>
             <a:r>
-              <a:rPr lang="en-US" b="0" dirty="0" err="1">
+              <a:rPr lang="en-US" sz="1600" b="0" dirty="0" err="1">
                 <a:solidFill>
                   <a:srgbClr val="001080"/>
                 </a:solidFill>
@@ -21342,7 +22374,7 @@
               <a:t>myDouble</a:t>
             </a:r>
             <a:r>
-              <a:rPr lang="en-US" b="0" dirty="0">
+              <a:rPr lang="en-US" sz="1600" b="0" dirty="0">
                 <a:solidFill>
                   <a:srgbClr val="000000"/>
                 </a:solidFill>
@@ -21354,7 +22386,7 @@
           </a:p>
           <a:p>
             <a:r>
-              <a:rPr lang="en-US" b="0" dirty="0">
+              <a:rPr lang="en-US" sz="1600" b="0" dirty="0">
                 <a:solidFill>
                   <a:srgbClr val="000000"/>
                 </a:solidFill>
@@ -21364,7 +22396,7 @@
               <a:t>        </a:t>
             </a:r>
             <a:r>
-              <a:rPr lang="en-US" b="0" dirty="0">
+              <a:rPr lang="en-US" sz="1600" b="0" dirty="0">
                 <a:solidFill>
                   <a:srgbClr val="267F99"/>
                 </a:solidFill>
@@ -21374,7 +22406,7 @@
               <a:t>int</a:t>
             </a:r>
             <a:r>
-              <a:rPr lang="en-US" b="0" dirty="0">
+              <a:rPr lang="en-US" sz="1600" b="0" dirty="0">
                 <a:solidFill>
                   <a:srgbClr val="000000"/>
                 </a:solidFill>
@@ -21384,7 +22416,7 @@
               <a:t> </a:t>
             </a:r>
             <a:r>
-              <a:rPr lang="en-US" b="0" dirty="0">
+              <a:rPr lang="en-US" sz="1600" b="0" dirty="0">
                 <a:solidFill>
                   <a:srgbClr val="001080"/>
                 </a:solidFill>
@@ -21394,7 +22426,7 @@
               <a:t>x</a:t>
             </a:r>
             <a:r>
-              <a:rPr lang="en-US" b="0" dirty="0">
+              <a:rPr lang="en-US" sz="1600" b="0" dirty="0">
                 <a:solidFill>
                   <a:srgbClr val="000000"/>
                 </a:solidFill>
@@ -21404,7 +22436,7 @@
               <a:t>, </a:t>
             </a:r>
             <a:r>
-              <a:rPr lang="en-US" b="0" dirty="0">
+              <a:rPr lang="en-US" sz="1600" b="0" dirty="0">
                 <a:solidFill>
                   <a:srgbClr val="001080"/>
                 </a:solidFill>
@@ -21414,7 +22446,7 @@
               <a:t>y</a:t>
             </a:r>
             <a:r>
-              <a:rPr lang="en-US" b="0" dirty="0">
+              <a:rPr lang="en-US" sz="1600" b="0" dirty="0">
                 <a:solidFill>
                   <a:srgbClr val="000000"/>
                 </a:solidFill>
@@ -21424,7 +22456,7 @@
               <a:t>, </a:t>
             </a:r>
             <a:r>
-              <a:rPr lang="en-US" b="0" dirty="0">
+              <a:rPr lang="en-US" sz="1600" b="0" dirty="0">
                 <a:solidFill>
                   <a:srgbClr val="001080"/>
                 </a:solidFill>
@@ -21434,7 +22466,7 @@
               <a:t>z</a:t>
             </a:r>
             <a:r>
-              <a:rPr lang="en-US" b="0" dirty="0">
+              <a:rPr lang="en-US" sz="1600" b="0" dirty="0">
                 <a:solidFill>
                   <a:srgbClr val="000000"/>
                 </a:solidFill>
@@ -21446,7 +22478,7 @@
           </a:p>
           <a:p>
             <a:r>
-              <a:rPr lang="en-US" b="0" dirty="0">
+              <a:rPr lang="en-US" sz="1600" b="0" dirty="0">
                 <a:solidFill>
                   <a:srgbClr val="000000"/>
                 </a:solidFill>
@@ -21456,7 +22488,7 @@
               <a:t>        </a:t>
             </a:r>
             <a:r>
-              <a:rPr lang="en-US" b="0" dirty="0">
+              <a:rPr lang="en-US" sz="1600" b="0" dirty="0">
                 <a:solidFill>
                   <a:srgbClr val="267F99"/>
                 </a:solidFill>
@@ -21466,7 +22498,7 @@
               <a:t>double</a:t>
             </a:r>
             <a:r>
-              <a:rPr lang="en-US" b="0" dirty="0">
+              <a:rPr lang="en-US" sz="1600" b="0" dirty="0">
                 <a:solidFill>
                   <a:srgbClr val="000000"/>
                 </a:solidFill>
@@ -21476,7 +22508,7 @@
               <a:t> </a:t>
             </a:r>
             <a:r>
-              <a:rPr lang="en-US" b="0" dirty="0" err="1">
+              <a:rPr lang="en-US" sz="1600" b="0" dirty="0" err="1">
                 <a:solidFill>
                   <a:srgbClr val="001080"/>
                 </a:solidFill>
@@ -21486,7 +22518,7 @@
               <a:t>dbl</a:t>
             </a:r>
             <a:r>
-              <a:rPr lang="en-US" b="0" dirty="0">
+              <a:rPr lang="en-US" sz="1600" b="0" dirty="0">
                 <a:solidFill>
                   <a:srgbClr val="000000"/>
                 </a:solidFill>
@@ -21496,7 +22528,7 @@
               <a:t>, </a:t>
             </a:r>
             <a:r>
-              <a:rPr lang="en-US" b="0" dirty="0">
+              <a:rPr lang="en-US" sz="1600" b="0" dirty="0">
                 <a:solidFill>
                   <a:srgbClr val="001080"/>
                 </a:solidFill>
@@ -21506,7 +22538,7 @@
               <a:t>dbl2</a:t>
             </a:r>
             <a:r>
-              <a:rPr lang="en-US" b="0" dirty="0">
+              <a:rPr lang="en-US" sz="1600" b="0" dirty="0">
                 <a:solidFill>
                   <a:srgbClr val="000000"/>
                 </a:solidFill>
@@ -21516,7 +22548,7 @@
               <a:t>, </a:t>
             </a:r>
             <a:r>
-              <a:rPr lang="en-US" b="0" dirty="0" err="1">
+              <a:rPr lang="en-US" sz="1600" b="0" dirty="0" err="1">
                 <a:solidFill>
                   <a:srgbClr val="001080"/>
                 </a:solidFill>
@@ -21526,7 +22558,7 @@
               <a:t>longerDoubleName</a:t>
             </a:r>
             <a:r>
-              <a:rPr lang="en-US" b="0" dirty="0">
+              <a:rPr lang="en-US" sz="1600" b="0" dirty="0">
                 <a:solidFill>
                   <a:srgbClr val="000000"/>
                 </a:solidFill>
@@ -21538,7 +22570,7 @@
           </a:p>
           <a:p>
             <a:r>
-              <a:rPr lang="en-US" b="0" dirty="0">
+              <a:rPr lang="en-US" sz="1600" b="0" dirty="0">
                 <a:solidFill>
                   <a:srgbClr val="000000"/>
                 </a:solidFill>
@@ -21548,7 +22580,7 @@
               <a:t>        </a:t>
             </a:r>
             <a:r>
-              <a:rPr lang="en-US" b="0" dirty="0">
+              <a:rPr lang="en-US" sz="1600" b="0" dirty="0">
                 <a:solidFill>
                   <a:srgbClr val="267F99"/>
                 </a:solidFill>
@@ -21558,7 +22590,7 @@
               <a:t>String</a:t>
             </a:r>
             <a:r>
-              <a:rPr lang="en-US" b="0" dirty="0">
+              <a:rPr lang="en-US" sz="1600" b="0" dirty="0">
                 <a:solidFill>
                   <a:srgbClr val="000000"/>
                 </a:solidFill>
@@ -21568,7 +22600,7 @@
               <a:t> </a:t>
             </a:r>
             <a:r>
-              <a:rPr lang="en-US" b="0" dirty="0" err="1">
+              <a:rPr lang="en-US" sz="1600" b="0" dirty="0" err="1">
                 <a:solidFill>
                   <a:srgbClr val="001080"/>
                 </a:solidFill>
@@ -21578,7 +22610,7 @@
               <a:t>firstProgrammer</a:t>
             </a:r>
             <a:r>
-              <a:rPr lang="en-US" b="0" dirty="0">
+              <a:rPr lang="en-US" sz="1600" b="0" dirty="0">
                 <a:solidFill>
                   <a:srgbClr val="000000"/>
                 </a:solidFill>
@@ -21598,7 +22630,7 @@
 </p:sld>
 </file>
 
-<file path=ppt/slides/slide7.xml><?xml version="1.0" encoding="utf-8"?>
+<file path=ppt/slides/slide8.xml><?xml version="1.0" encoding="utf-8"?>
 <p:sld xmlns:a="http://schemas.openxmlformats.org/drawingml/2006/main" xmlns:r="http://schemas.openxmlformats.org/officeDocument/2006/relationships" xmlns:p="http://schemas.openxmlformats.org/presentationml/2006/main">
   <p:cSld>
     <p:spTree>
@@ -21631,7 +22663,12 @@
             <p:ph type="title"/>
           </p:nvPr>
         </p:nvSpPr>
-        <p:spPr/>
+        <p:spPr>
+          <a:xfrm>
+            <a:off x="346482" y="157684"/>
+            <a:ext cx="8312700" cy="672000"/>
+          </a:xfrm>
+        </p:spPr>
         <p:txBody>
           <a:bodyPr/>
           <a:lstStyle/>
@@ -21661,7 +22698,7 @@
         </p:nvSpPr>
         <p:spPr>
           <a:xfrm>
-            <a:off x="157454" y="1495785"/>
+            <a:off x="157454" y="829684"/>
             <a:ext cx="4156362" cy="2818031"/>
           </a:xfrm>
         </p:spPr>
@@ -21670,75 +22707,75 @@
           <a:lstStyle/>
           <a:p>
             <a:r>
-              <a:rPr lang="en-US" dirty="0"/>
+              <a:rPr lang="en-US" sz="1600" dirty="0"/>
               <a:t>Single equals sign (=) assigns values</a:t>
             </a:r>
           </a:p>
           <a:p>
             <a:r>
-              <a:rPr lang="en-US" dirty="0"/>
+              <a:rPr lang="en-US" sz="1600" dirty="0"/>
               <a:t>The value </a:t>
             </a:r>
             <a:r>
-              <a:rPr lang="en-US" b="1" dirty="0"/>
+              <a:rPr lang="en-US" sz="1600" b="1" dirty="0"/>
               <a:t>must</a:t>
             </a:r>
             <a:r>
-              <a:rPr lang="en-US" dirty="0"/>
+              <a:rPr lang="en-US" sz="1600" dirty="0"/>
               <a:t> match the type</a:t>
             </a:r>
           </a:p>
           <a:p>
             <a:pPr lvl="1"/>
             <a:r>
-              <a:rPr lang="en-US" dirty="0"/>
+              <a:rPr lang="en-US" sz="1600" dirty="0"/>
               <a:t>Strongly typed language</a:t>
             </a:r>
           </a:p>
           <a:p>
             <a:r>
-              <a:rPr lang="en-US" dirty="0"/>
+              <a:rPr lang="en-US" sz="1600" dirty="0"/>
               <a:t>You can change the value as much as you want</a:t>
             </a:r>
           </a:p>
           <a:p>
             <a:pPr lvl="1"/>
             <a:r>
-              <a:rPr lang="en-US" dirty="0"/>
+              <a:rPr lang="en-US" sz="1600" dirty="0"/>
               <a:t>But it must still be the same type</a:t>
             </a:r>
           </a:p>
           <a:p>
             <a:r>
-              <a:rPr lang="en-US" dirty="0"/>
+              <a:rPr lang="en-US" sz="1600" dirty="0"/>
               <a:t>Assigning the first time is called</a:t>
             </a:r>
           </a:p>
           <a:p>
             <a:pPr lvl="1"/>
             <a:r>
-              <a:rPr lang="en-US" dirty="0"/>
+              <a:rPr lang="en-US" sz="1600" dirty="0"/>
               <a:t>Initialization</a:t>
             </a:r>
           </a:p>
           <a:p>
             <a:pPr lvl="1"/>
             <a:r>
-              <a:rPr lang="en-US" dirty="0"/>
+              <a:rPr lang="en-US" sz="1600" dirty="0"/>
               <a:t>Often done in the same line as declaring</a:t>
             </a:r>
           </a:p>
           <a:p>
             <a:r>
-              <a:rPr lang="en-US" dirty="0"/>
+              <a:rPr lang="en-US" sz="1600" dirty="0"/>
               <a:t>Objects have the </a:t>
             </a:r>
             <a:r>
-              <a:rPr lang="en-US" b="1" dirty="0"/>
+              <a:rPr lang="en-US" sz="1600" b="1" dirty="0"/>
               <a:t>null</a:t>
             </a:r>
             <a:r>
-              <a:rPr lang="en-US" dirty="0"/>
+              <a:rPr lang="en-US" sz="1600" dirty="0"/>
               <a:t> value if not assigned</a:t>
             </a:r>
           </a:p>
@@ -22302,7 +23339,7 @@
 </p:sld>
 </file>
 
-<file path=ppt/slides/slide8.xml><?xml version="1.0" encoding="utf-8"?>
+<file path=ppt/slides/slide9.xml><?xml version="1.0" encoding="utf-8"?>
 <p:sld xmlns:a="http://schemas.openxmlformats.org/drawingml/2006/main" xmlns:r="http://schemas.openxmlformats.org/officeDocument/2006/relationships" xmlns:p="http://schemas.openxmlformats.org/presentationml/2006/main">
   <p:cSld>
     <p:spTree>
@@ -23467,528 +24504,6 @@
 </p:sld>
 </file>
 
-<file path=ppt/slides/slide9.xml><?xml version="1.0" encoding="utf-8"?>
-<p:sld xmlns:a="http://schemas.openxmlformats.org/drawingml/2006/main" xmlns:r="http://schemas.openxmlformats.org/officeDocument/2006/relationships" xmlns:p="http://schemas.openxmlformats.org/presentationml/2006/main">
-  <p:cSld>
-    <p:spTree>
-      <p:nvGrpSpPr>
-        <p:cNvPr id="1" name="Shape 203"/>
-        <p:cNvGrpSpPr/>
-        <p:nvPr/>
-      </p:nvGrpSpPr>
-      <p:grpSpPr>
-        <a:xfrm>
-          <a:off x="0" y="0"/>
-          <a:ext cx="0" cy="0"/>
-          <a:chOff x="0" y="0"/>
-          <a:chExt cx="0" cy="0"/>
-        </a:xfrm>
-      </p:grpSpPr>
-      <p:sp>
-        <p:nvSpPr>
-          <p:cNvPr id="204" name="Google Shape;204;p42"/>
-          <p:cNvSpPr txBox="1">
-            <a:spLocks noGrp="1"/>
-          </p:cNvSpPr>
-          <p:nvPr>
-            <p:ph type="title"/>
-          </p:nvPr>
-        </p:nvSpPr>
-        <p:spPr>
-          <a:xfrm>
-            <a:off x="415638" y="599068"/>
-            <a:ext cx="8312700" cy="672000"/>
-          </a:xfrm>
-          <a:prstGeom prst="rect">
-            <a:avLst/>
-          </a:prstGeom>
-        </p:spPr>
-        <p:txBody>
-          <a:bodyPr spcFirstLastPara="1" wrap="square" lIns="60500" tIns="60500" rIns="60500" bIns="60500" anchor="b" anchorCtr="0">
-            <a:noAutofit/>
-          </a:bodyPr>
-          <a:lstStyle/>
-          <a:p>
-            <a:pPr marL="0" lvl="0" indent="0" algn="l" rtl="0">
-              <a:spcBef>
-                <a:spcPts val="0"/>
-              </a:spcBef>
-              <a:spcAft>
-                <a:spcPts val="0"/>
-              </a:spcAft>
-              <a:buNone/>
-            </a:pPr>
-            <a:r>
-              <a:rPr lang="en"/>
-              <a:t>Operators</a:t>
-            </a:r>
-            <a:endParaRPr/>
-          </a:p>
-        </p:txBody>
-      </p:sp>
-      <p:sp>
-        <p:nvSpPr>
-          <p:cNvPr id="205" name="Google Shape;205;p42"/>
-          <p:cNvSpPr txBox="1">
-            <a:spLocks noGrp="1"/>
-          </p:cNvSpPr>
-          <p:nvPr>
-            <p:ph type="body" idx="1"/>
-          </p:nvPr>
-        </p:nvSpPr>
-        <p:spPr>
-          <a:xfrm>
-            <a:off x="415650" y="1388358"/>
-            <a:ext cx="8312700" cy="2932500"/>
-          </a:xfrm>
-          <a:prstGeom prst="rect">
-            <a:avLst/>
-          </a:prstGeom>
-        </p:spPr>
-        <p:txBody>
-          <a:bodyPr spcFirstLastPara="1" wrap="square" lIns="60500" tIns="60500" rIns="60500" bIns="60500" anchor="t" anchorCtr="0">
-            <a:noAutofit/>
-          </a:bodyPr>
-          <a:lstStyle/>
-          <a:p>
-            <a:pPr marL="457200" lvl="0" indent="-304800" algn="l" rtl="0">
-              <a:spcBef>
-                <a:spcPts val="400"/>
-              </a:spcBef>
-              <a:spcAft>
-                <a:spcPts val="0"/>
-              </a:spcAft>
-              <a:buClr>
-                <a:srgbClr val="000000"/>
-              </a:buClr>
-              <a:buSzPts val="1200"/>
-              <a:buChar char="●"/>
-            </a:pPr>
-            <a:r>
-              <a:rPr lang="en" dirty="0">
-                <a:solidFill>
-                  <a:srgbClr val="000000"/>
-                </a:solidFill>
-              </a:rPr>
-              <a:t>Operators are MATH</a:t>
-            </a:r>
-            <a:endParaRPr dirty="0">
-              <a:solidFill>
-                <a:srgbClr val="000000"/>
-              </a:solidFill>
-            </a:endParaRPr>
-          </a:p>
-          <a:p>
-            <a:pPr marL="914400" lvl="1" indent="-298450" algn="l" rtl="0">
-              <a:spcBef>
-                <a:spcPts val="0"/>
-              </a:spcBef>
-              <a:spcAft>
-                <a:spcPts val="0"/>
-              </a:spcAft>
-              <a:buClr>
-                <a:srgbClr val="000000"/>
-              </a:buClr>
-              <a:buSzPts val="1100"/>
-              <a:buChar char="○"/>
-            </a:pPr>
-            <a:r>
-              <a:rPr lang="en" dirty="0">
-                <a:solidFill>
-                  <a:srgbClr val="000000"/>
-                </a:solidFill>
-              </a:rPr>
-              <a:t>= (assignment)	</a:t>
-            </a:r>
-            <a:endParaRPr dirty="0">
-              <a:solidFill>
-                <a:srgbClr val="000000"/>
-              </a:solidFill>
-            </a:endParaRPr>
-          </a:p>
-          <a:p>
-            <a:pPr marL="914400" lvl="1" indent="-298450" algn="l" rtl="0">
-              <a:spcBef>
-                <a:spcPts val="0"/>
-              </a:spcBef>
-              <a:spcAft>
-                <a:spcPts val="0"/>
-              </a:spcAft>
-              <a:buClr>
-                <a:srgbClr val="000000"/>
-              </a:buClr>
-              <a:buSzPts val="1100"/>
-              <a:buChar char="○"/>
-            </a:pPr>
-            <a:r>
-              <a:rPr lang="en" dirty="0">
-                <a:solidFill>
-                  <a:srgbClr val="000000"/>
-                </a:solidFill>
-              </a:rPr>
-              <a:t>+ (add)</a:t>
-            </a:r>
-            <a:endParaRPr dirty="0">
-              <a:solidFill>
-                <a:srgbClr val="000000"/>
-              </a:solidFill>
-            </a:endParaRPr>
-          </a:p>
-          <a:p>
-            <a:pPr marL="914400" lvl="1" indent="-298450" algn="l" rtl="0">
-              <a:spcBef>
-                <a:spcPts val="0"/>
-              </a:spcBef>
-              <a:spcAft>
-                <a:spcPts val="0"/>
-              </a:spcAft>
-              <a:buClr>
-                <a:srgbClr val="000000"/>
-              </a:buClr>
-              <a:buSzPts val="1100"/>
-              <a:buChar char="○"/>
-            </a:pPr>
-            <a:r>
-              <a:rPr lang="en" dirty="0">
-                <a:solidFill>
-                  <a:srgbClr val="000000"/>
-                </a:solidFill>
-              </a:rPr>
-              <a:t>- (subtract or negative)</a:t>
-            </a:r>
-            <a:endParaRPr dirty="0">
-              <a:solidFill>
-                <a:srgbClr val="000000"/>
-              </a:solidFill>
-            </a:endParaRPr>
-          </a:p>
-          <a:p>
-            <a:pPr marL="914400" lvl="1" indent="-298450" algn="l" rtl="0">
-              <a:spcBef>
-                <a:spcPts val="0"/>
-              </a:spcBef>
-              <a:spcAft>
-                <a:spcPts val="0"/>
-              </a:spcAft>
-              <a:buClr>
-                <a:srgbClr val="000000"/>
-              </a:buClr>
-              <a:buSzPts val="1100"/>
-              <a:buChar char="○"/>
-            </a:pPr>
-            <a:r>
-              <a:rPr lang="en" dirty="0">
-                <a:solidFill>
-                  <a:srgbClr val="000000"/>
-                </a:solidFill>
-              </a:rPr>
-              <a:t>/ (divide)</a:t>
-            </a:r>
-            <a:endParaRPr dirty="0">
-              <a:solidFill>
-                <a:srgbClr val="000000"/>
-              </a:solidFill>
-            </a:endParaRPr>
-          </a:p>
-          <a:p>
-            <a:pPr marL="914400" lvl="1" indent="-298450" algn="l" rtl="0">
-              <a:spcBef>
-                <a:spcPts val="0"/>
-              </a:spcBef>
-              <a:spcAft>
-                <a:spcPts val="0"/>
-              </a:spcAft>
-              <a:buClr>
-                <a:srgbClr val="000000"/>
-              </a:buClr>
-              <a:buSzPts val="1100"/>
-              <a:buChar char="○"/>
-            </a:pPr>
-            <a:r>
-              <a:rPr lang="en" dirty="0">
-                <a:solidFill>
-                  <a:srgbClr val="000000"/>
-                </a:solidFill>
-              </a:rPr>
-              <a:t>* (multiply) </a:t>
-            </a:r>
-          </a:p>
-          <a:p>
-            <a:pPr marL="914400" lvl="1" indent="-298450" algn="l" rtl="0">
-              <a:spcBef>
-                <a:spcPts val="0"/>
-              </a:spcBef>
-              <a:spcAft>
-                <a:spcPts val="0"/>
-              </a:spcAft>
-              <a:buClr>
-                <a:srgbClr val="000000"/>
-              </a:buClr>
-              <a:buSzPts val="1100"/>
-              <a:buChar char="○"/>
-            </a:pPr>
-            <a:r>
-              <a:rPr lang="en" dirty="0">
-                <a:solidFill>
-                  <a:srgbClr val="000000"/>
-                </a:solidFill>
-              </a:rPr>
-              <a:t>% (modulo)  - remainder! </a:t>
-            </a:r>
-            <a:endParaRPr dirty="0">
-              <a:solidFill>
-                <a:srgbClr val="000000"/>
-              </a:solidFill>
-            </a:endParaRPr>
-          </a:p>
-          <a:p>
-            <a:pPr marL="457200" lvl="0" indent="-304800" algn="l" rtl="0">
-              <a:spcBef>
-                <a:spcPts val="0"/>
-              </a:spcBef>
-              <a:spcAft>
-                <a:spcPts val="0"/>
-              </a:spcAft>
-              <a:buClr>
-                <a:srgbClr val="000000"/>
-              </a:buClr>
-              <a:buSzPts val="1200"/>
-              <a:buChar char="●"/>
-            </a:pPr>
-            <a:r>
-              <a:rPr lang="en" dirty="0">
-                <a:solidFill>
-                  <a:srgbClr val="000000"/>
-                </a:solidFill>
-              </a:rPr>
-              <a:t>Numeric Types</a:t>
-            </a:r>
-            <a:endParaRPr dirty="0">
-              <a:solidFill>
-                <a:srgbClr val="000000"/>
-              </a:solidFill>
-            </a:endParaRPr>
-          </a:p>
-          <a:p>
-            <a:pPr marL="914400" lvl="1" indent="-298450" algn="l" rtl="0">
-              <a:spcBef>
-                <a:spcPts val="0"/>
-              </a:spcBef>
-              <a:spcAft>
-                <a:spcPts val="0"/>
-              </a:spcAft>
-              <a:buClr>
-                <a:srgbClr val="000000"/>
-              </a:buClr>
-              <a:buSzPts val="1100"/>
-              <a:buChar char="○"/>
-            </a:pPr>
-            <a:r>
-              <a:rPr lang="en" dirty="0">
-                <a:solidFill>
-                  <a:srgbClr val="000000"/>
-                </a:solidFill>
-              </a:rPr>
-              <a:t>int - always whole number</a:t>
-            </a:r>
-            <a:endParaRPr dirty="0">
-              <a:solidFill>
-                <a:srgbClr val="000000"/>
-              </a:solidFill>
-            </a:endParaRPr>
-          </a:p>
-          <a:p>
-            <a:pPr marL="914400" lvl="1" indent="-298450" algn="l" rtl="0">
-              <a:spcBef>
-                <a:spcPts val="0"/>
-              </a:spcBef>
-              <a:spcAft>
-                <a:spcPts val="0"/>
-              </a:spcAft>
-              <a:buClr>
-                <a:srgbClr val="000000"/>
-              </a:buClr>
-              <a:buSzPts val="1100"/>
-              <a:buFont typeface="Consolas"/>
-              <a:buChar char="○"/>
-            </a:pPr>
-            <a:r>
-              <a:rPr lang="en" b="1" dirty="0">
-                <a:solidFill>
-                  <a:srgbClr val="000000"/>
-                </a:solidFill>
-                <a:latin typeface="Consolas"/>
-                <a:ea typeface="Consolas"/>
-                <a:cs typeface="Consolas"/>
-                <a:sym typeface="Consolas"/>
-              </a:rPr>
-              <a:t>int </a:t>
-            </a:r>
-            <a:r>
-              <a:rPr lang="en" b="1" dirty="0" err="1">
-                <a:solidFill>
-                  <a:srgbClr val="000000"/>
-                </a:solidFill>
-                <a:latin typeface="Consolas"/>
-                <a:ea typeface="Consolas"/>
-                <a:cs typeface="Consolas"/>
-                <a:sym typeface="Consolas"/>
-              </a:rPr>
-              <a:t>myVal</a:t>
-            </a:r>
-            <a:r>
-              <a:rPr lang="en" b="1" dirty="0">
-                <a:solidFill>
-                  <a:srgbClr val="000000"/>
-                </a:solidFill>
-                <a:latin typeface="Consolas"/>
-                <a:ea typeface="Consolas"/>
-                <a:cs typeface="Consolas"/>
-                <a:sym typeface="Consolas"/>
-              </a:rPr>
-              <a:t> = 1 / 2; // evaluates to 0!</a:t>
-            </a:r>
-            <a:endParaRPr b="1" dirty="0">
-              <a:solidFill>
-                <a:srgbClr val="000000"/>
-              </a:solidFill>
-              <a:latin typeface="Consolas"/>
-              <a:ea typeface="Consolas"/>
-              <a:cs typeface="Consolas"/>
-              <a:sym typeface="Consolas"/>
-            </a:endParaRPr>
-          </a:p>
-          <a:p>
-            <a:pPr marL="914400" lvl="1" indent="-298450" algn="l" rtl="0">
-              <a:spcBef>
-                <a:spcPts val="0"/>
-              </a:spcBef>
-              <a:spcAft>
-                <a:spcPts val="0"/>
-              </a:spcAft>
-              <a:buClr>
-                <a:srgbClr val="000000"/>
-              </a:buClr>
-              <a:buSzPts val="1100"/>
-              <a:buChar char="○"/>
-            </a:pPr>
-            <a:r>
-              <a:rPr lang="en" dirty="0">
-                <a:solidFill>
-                  <a:srgbClr val="000000"/>
-                </a:solidFill>
-              </a:rPr>
-              <a:t>double - has decimals</a:t>
-            </a:r>
-            <a:endParaRPr dirty="0">
-              <a:solidFill>
-                <a:srgbClr val="000000"/>
-              </a:solidFill>
-            </a:endParaRPr>
-          </a:p>
-          <a:p>
-            <a:pPr marL="914400" lvl="1" indent="-298450" algn="l" rtl="0">
-              <a:spcBef>
-                <a:spcPts val="0"/>
-              </a:spcBef>
-              <a:spcAft>
-                <a:spcPts val="0"/>
-              </a:spcAft>
-              <a:buClr>
-                <a:srgbClr val="000000"/>
-              </a:buClr>
-              <a:buSzPts val="1100"/>
-              <a:buFont typeface="Consolas"/>
-              <a:buChar char="○"/>
-            </a:pPr>
-            <a:r>
-              <a:rPr lang="en" b="1" dirty="0">
-                <a:solidFill>
-                  <a:srgbClr val="000000"/>
-                </a:solidFill>
-                <a:latin typeface="Consolas"/>
-                <a:ea typeface="Consolas"/>
-                <a:cs typeface="Consolas"/>
-                <a:sym typeface="Consolas"/>
-              </a:rPr>
-              <a:t>double </a:t>
-            </a:r>
-            <a:r>
-              <a:rPr lang="en" b="1" dirty="0" err="1">
-                <a:solidFill>
-                  <a:srgbClr val="000000"/>
-                </a:solidFill>
-                <a:latin typeface="Consolas"/>
-                <a:ea typeface="Consolas"/>
-                <a:cs typeface="Consolas"/>
-                <a:sym typeface="Consolas"/>
-              </a:rPr>
-              <a:t>doubleVal</a:t>
-            </a:r>
-            <a:r>
-              <a:rPr lang="en" b="1" dirty="0">
-                <a:solidFill>
-                  <a:srgbClr val="000000"/>
-                </a:solidFill>
-                <a:latin typeface="Consolas"/>
-                <a:ea typeface="Consolas"/>
-                <a:cs typeface="Consolas"/>
-                <a:sym typeface="Consolas"/>
-              </a:rPr>
-              <a:t> = 1.0 / 2; // evaluates to 0.5! </a:t>
-            </a:r>
-            <a:endParaRPr b="1" dirty="0">
-              <a:solidFill>
-                <a:srgbClr val="000000"/>
-              </a:solidFill>
-              <a:latin typeface="Consolas"/>
-              <a:ea typeface="Consolas"/>
-              <a:cs typeface="Consolas"/>
-              <a:sym typeface="Consolas"/>
-            </a:endParaRPr>
-          </a:p>
-          <a:p>
-            <a:pPr marL="0" lvl="0" indent="0" algn="l" rtl="0">
-              <a:spcBef>
-                <a:spcPts val="400"/>
-              </a:spcBef>
-              <a:spcAft>
-                <a:spcPts val="0"/>
-              </a:spcAft>
-              <a:buNone/>
-            </a:pPr>
-            <a:endParaRPr dirty="0">
-              <a:solidFill>
-                <a:srgbClr val="000000"/>
-              </a:solidFill>
-            </a:endParaRPr>
-          </a:p>
-          <a:p>
-            <a:pPr marL="0" lvl="0" indent="0" algn="l" rtl="0">
-              <a:spcBef>
-                <a:spcPts val="400"/>
-              </a:spcBef>
-              <a:spcAft>
-                <a:spcPts val="400"/>
-              </a:spcAft>
-              <a:buNone/>
-            </a:pPr>
-            <a:endParaRPr dirty="0">
-              <a:solidFill>
-                <a:srgbClr val="000000"/>
-              </a:solidFill>
-            </a:endParaRPr>
-          </a:p>
-        </p:txBody>
-      </p:sp>
-    </p:spTree>
-  </p:cSld>
-  <p:clrMapOvr>
-    <a:masterClrMapping/>
-  </p:clrMapOvr>
-</p:sld>
-</file>
-
 <file path=ppt/theme/theme1.xml><?xml version="1.0" encoding="utf-8"?>
 <a:theme xmlns:a="http://schemas.openxmlformats.org/drawingml/2006/main" name="Office Theme">
   <a:themeElements>
@@ -24552,15 +25067,6 @@
 </file>
 
 <file path=customXml/item1.xml><?xml version="1.0" encoding="utf-8"?>
-<?mso-contentType ?>
-<FormTemplates xmlns="http://schemas.microsoft.com/sharepoint/v3/contenttype/forms">
-  <Display>DocumentLibraryForm</Display>
-  <Edit>DocumentLibraryForm</Edit>
-  <New>DocumentLibraryForm</New>
-</FormTemplates>
-</file>
-
-<file path=customXml/item2.xml><?xml version="1.0" encoding="utf-8"?>
 <ct:contentTypeSchema xmlns:ct="http://schemas.microsoft.com/office/2006/metadata/contentType" xmlns:ma="http://schemas.microsoft.com/office/2006/metadata/properties/metaAttributes" ct:_="" ma:_="" ma:contentTypeName="Document" ma:contentTypeID="0x010100074387D78AC76C4289401EF66FB51FCC" ma:contentTypeVersion="13" ma:contentTypeDescription="Create a new document." ma:contentTypeScope="" ma:versionID="6d00cb191415ef07de8591021eed77b7">
   <xsd:schema xmlns:xsd="http://www.w3.org/2001/XMLSchema" xmlns:xs="http://www.w3.org/2001/XMLSchema" xmlns:p="http://schemas.microsoft.com/office/2006/metadata/properties" xmlns:ns3="92c41bee-f0ee-4aa6-9399-a35fbb883510" xmlns:ns4="e06ed288-fd75-4b50-bbed-f5a5df88c31c" targetNamespace="http://schemas.microsoft.com/office/2006/metadata/properties" ma:root="true" ma:fieldsID="dd3c912a0e2ebbe56c1b62c06dfbba16" ns3:_="" ns4:_="">
     <xsd:import namespace="92c41bee-f0ee-4aa6-9399-a35fbb883510"/>
@@ -24783,6 +25289,15 @@
 </ct:contentTypeSchema>
 </file>
 
+<file path=customXml/item2.xml><?xml version="1.0" encoding="utf-8"?>
+<?mso-contentType ?>
+<FormTemplates xmlns="http://schemas.microsoft.com/sharepoint/v3/contenttype/forms">
+  <Display>DocumentLibraryForm</Display>
+  <Edit>DocumentLibraryForm</Edit>
+  <New>DocumentLibraryForm</New>
+</FormTemplates>
+</file>
+
 <file path=customXml/item3.xml><?xml version="1.0" encoding="utf-8"?>
 <p:properties xmlns:p="http://schemas.microsoft.com/office/2006/metadata/properties" xmlns:xsi="http://www.w3.org/2001/XMLSchema-instance" xmlns:pc="http://schemas.microsoft.com/office/infopath/2007/PartnerControls">
   <documentManagement/>
@@ -24790,14 +25305,6 @@
 </file>
 
 <file path=customXml/itemProps1.xml><?xml version="1.0" encoding="utf-8"?>
-<ds:datastoreItem xmlns:ds="http://schemas.openxmlformats.org/officeDocument/2006/customXml" ds:itemID="{AD57AD06-F92C-44EB-AE7E-2E7C93F1B38A}">
-  <ds:schemaRefs>
-    <ds:schemaRef ds:uri="http://schemas.microsoft.com/sharepoint/v3/contenttype/forms"/>
-  </ds:schemaRefs>
-</ds:datastoreItem>
-</file>
-
-<file path=customXml/itemProps2.xml><?xml version="1.0" encoding="utf-8"?>
 <ds:datastoreItem xmlns:ds="http://schemas.openxmlformats.org/officeDocument/2006/customXml" ds:itemID="{92A5BA81-21EF-4D25-A1C1-3693A7025EF6}">
   <ds:schemaRefs>
     <ds:schemaRef ds:uri="http://schemas.microsoft.com/office/2006/metadata/contentType"/>
@@ -24816,19 +25323,27 @@
 </ds:datastoreItem>
 </file>
 
+<file path=customXml/itemProps2.xml><?xml version="1.0" encoding="utf-8"?>
+<ds:datastoreItem xmlns:ds="http://schemas.openxmlformats.org/officeDocument/2006/customXml" ds:itemID="{AD57AD06-F92C-44EB-AE7E-2E7C93F1B38A}">
+  <ds:schemaRefs>
+    <ds:schemaRef ds:uri="http://schemas.microsoft.com/sharepoint/v3/contenttype/forms"/>
+  </ds:schemaRefs>
+</ds:datastoreItem>
+</file>
+
 <file path=customXml/itemProps3.xml><?xml version="1.0" encoding="utf-8"?>
 <ds:datastoreItem xmlns:ds="http://schemas.openxmlformats.org/officeDocument/2006/customXml" ds:itemID="{2DC42811-3B51-4277-9BAB-60004E84128E}">
   <ds:schemaRefs>
+    <ds:schemaRef ds:uri="http://schemas.openxmlformats.org/package/2006/metadata/core-properties"/>
+    <ds:schemaRef ds:uri="92c41bee-f0ee-4aa6-9399-a35fbb883510"/>
+    <ds:schemaRef ds:uri="http://www.w3.org/XML/1998/namespace"/>
+    <ds:schemaRef ds:uri="http://schemas.microsoft.com/office/infopath/2007/PartnerControls"/>
+    <ds:schemaRef ds:uri="http://schemas.microsoft.com/office/2006/metadata/properties"/>
+    <ds:schemaRef ds:uri="http://schemas.microsoft.com/office/2006/documentManagement/types"/>
     <ds:schemaRef ds:uri="http://purl.org/dc/terms/"/>
+    <ds:schemaRef ds:uri="e06ed288-fd75-4b50-bbed-f5a5df88c31c"/>
+    <ds:schemaRef ds:uri="http://purl.org/dc/dcmitype/"/>
     <ds:schemaRef ds:uri="http://purl.org/dc/elements/1.1/"/>
-    <ds:schemaRef ds:uri="92c41bee-f0ee-4aa6-9399-a35fbb883510"/>
-    <ds:schemaRef ds:uri="http://purl.org/dc/dcmitype/"/>
-    <ds:schemaRef ds:uri="http://schemas.microsoft.com/office/2006/documentManagement/types"/>
-    <ds:schemaRef ds:uri="http://schemas.microsoft.com/office/2006/metadata/properties"/>
-    <ds:schemaRef ds:uri="http://schemas.microsoft.com/office/infopath/2007/PartnerControls"/>
-    <ds:schemaRef ds:uri="http://schemas.openxmlformats.org/package/2006/metadata/core-properties"/>
-    <ds:schemaRef ds:uri="e06ed288-fd75-4b50-bbed-f5a5df88c31c"/>
-    <ds:schemaRef ds:uri="http://www.w3.org/XML/1998/namespace"/>
   </ds:schemaRefs>
 </ds:datastoreItem>
 </file>
--- a/slides/On-Campus/02_01_Variables.pptx
+++ b/slides/On-Campus/02_01_Variables.pptx
@@ -5,7 +5,7 @@
     <p:sldMasterId id="2147483685" r:id="rId4"/>
   </p:sldMasterIdLst>
   <p:notesMasterIdLst>
-    <p:notesMasterId r:id="rId23"/>
+    <p:notesMasterId r:id="rId24"/>
   </p:notesMasterIdLst>
   <p:sldIdLst>
     <p:sldId id="256" r:id="rId5"/>
@@ -22,38 +22,39 @@
     <p:sldId id="268" r:id="rId16"/>
     <p:sldId id="269" r:id="rId17"/>
     <p:sldId id="270" r:id="rId18"/>
-    <p:sldId id="272" r:id="rId19"/>
-    <p:sldId id="271" r:id="rId20"/>
-    <p:sldId id="260" r:id="rId21"/>
-    <p:sldId id="264" r:id="rId22"/>
+    <p:sldId id="275" r:id="rId19"/>
+    <p:sldId id="274" r:id="rId20"/>
+    <p:sldId id="271" r:id="rId21"/>
+    <p:sldId id="260" r:id="rId22"/>
+    <p:sldId id="264" r:id="rId23"/>
   </p:sldIdLst>
   <p:sldSz cx="9144000" cy="5143500" type="screen16x9"/>
   <p:notesSz cx="6858000" cy="9144000"/>
   <p:embeddedFontLst>
     <p:embeddedFont>
       <p:font typeface="Consolas" panose="020B0609020204030204" pitchFamily="49" charset="0"/>
-      <p:regular r:id="rId24"/>
-      <p:bold r:id="rId25"/>
-      <p:italic r:id="rId26"/>
-      <p:boldItalic r:id="rId27"/>
+      <p:regular r:id="rId25"/>
+      <p:bold r:id="rId26"/>
+      <p:italic r:id="rId27"/>
+      <p:boldItalic r:id="rId28"/>
     </p:embeddedFont>
     <p:embeddedFont>
       <p:font typeface="Microsoft Sans Serif" panose="020B0604020202020204" pitchFamily="34" charset="0"/>
-      <p:regular r:id="rId28"/>
+      <p:regular r:id="rId29"/>
     </p:embeddedFont>
     <p:embeddedFont>
       <p:font typeface="Proxima Nova" panose="020B0604020202020204" charset="0"/>
-      <p:regular r:id="rId29"/>
-      <p:bold r:id="rId30"/>
-      <p:italic r:id="rId31"/>
-      <p:boldItalic r:id="rId32"/>
+      <p:regular r:id="rId30"/>
+      <p:bold r:id="rId31"/>
+      <p:italic r:id="rId32"/>
+      <p:boldItalic r:id="rId33"/>
     </p:embeddedFont>
     <p:embeddedFont>
       <p:font typeface="Source Sans Pro" panose="020B0503030403020204" pitchFamily="34" charset="0"/>
-      <p:regular r:id="rId33"/>
-      <p:bold r:id="rId34"/>
-      <p:italic r:id="rId35"/>
-      <p:boldItalic r:id="rId36"/>
+      <p:regular r:id="rId34"/>
+      <p:bold r:id="rId35"/>
+      <p:italic r:id="rId36"/>
+      <p:boldItalic r:id="rId37"/>
     </p:embeddedFont>
   </p:embeddedFontLst>
   <p:defaultTextStyle>
@@ -312,7 +313,7 @@
   <pc:docChgLst>
     <pc:chgData name="Marcia Moraes" userId="c9c67e8a-58e2-4733-9a1c-5d44fec4775b" providerId="ADAL" clId="{48048393-D2C0-4AEB-962E-418898327284}"/>
     <pc:docChg chg="undo custSel addSld delSld modSld">
-      <pc:chgData name="Marcia Moraes" userId="c9c67e8a-58e2-4733-9a1c-5d44fec4775b" providerId="ADAL" clId="{48048393-D2C0-4AEB-962E-418898327284}" dt="2023-01-23T02:33:15.790" v="472" actId="1076"/>
+      <pc:chgData name="Marcia Moraes" userId="c9c67e8a-58e2-4733-9a1c-5d44fec4775b" providerId="ADAL" clId="{48048393-D2C0-4AEB-962E-418898327284}" dt="2023-01-23T16:21:26.228" v="858" actId="1076"/>
       <pc:docMkLst>
         <pc:docMk/>
       </pc:docMkLst>
@@ -355,13 +356,13 @@
         </pc:spChg>
       </pc:sldChg>
       <pc:sldChg chg="modSp">
-        <pc:chgData name="Marcia Moraes" userId="c9c67e8a-58e2-4733-9a1c-5d44fec4775b" providerId="ADAL" clId="{48048393-D2C0-4AEB-962E-418898327284}" dt="2023-01-23T01:54:25.080" v="455" actId="1076"/>
+        <pc:chgData name="Marcia Moraes" userId="c9c67e8a-58e2-4733-9a1c-5d44fec4775b" providerId="ADAL" clId="{48048393-D2C0-4AEB-962E-418898327284}" dt="2023-01-23T15:37:06.719" v="476" actId="6549"/>
         <pc:sldMkLst>
           <pc:docMk/>
           <pc:sldMk cId="0" sldId="258"/>
         </pc:sldMkLst>
         <pc:spChg chg="mod">
-          <ac:chgData name="Marcia Moraes" userId="c9c67e8a-58e2-4733-9a1c-5d44fec4775b" providerId="ADAL" clId="{48048393-D2C0-4AEB-962E-418898327284}" dt="2023-01-23T01:54:19.194" v="453" actId="1076"/>
+          <ac:chgData name="Marcia Moraes" userId="c9c67e8a-58e2-4733-9a1c-5d44fec4775b" providerId="ADAL" clId="{48048393-D2C0-4AEB-962E-418898327284}" dt="2023-01-23T15:37:06.719" v="476" actId="6549"/>
           <ac:spMkLst>
             <pc:docMk/>
             <pc:sldMk cId="0" sldId="258"/>
@@ -608,28 +609,60 @@
           </ac:spMkLst>
         </pc:spChg>
       </pc:sldChg>
-      <pc:sldChg chg="modSp">
-        <pc:chgData name="Marcia Moraes" userId="c9c67e8a-58e2-4733-9a1c-5d44fec4775b" providerId="ADAL" clId="{48048393-D2C0-4AEB-962E-418898327284}" dt="2023-01-23T01:50:45.932" v="417" actId="1076"/>
+      <pc:sldChg chg="addSp delSp modSp del">
+        <pc:chgData name="Marcia Moraes" userId="c9c67e8a-58e2-4733-9a1c-5d44fec4775b" providerId="ADAL" clId="{48048393-D2C0-4AEB-962E-418898327284}" dt="2023-01-23T15:49:28.242" v="494" actId="2696"/>
         <pc:sldMkLst>
           <pc:docMk/>
           <pc:sldMk cId="465079902" sldId="272"/>
         </pc:sldMkLst>
         <pc:spChg chg="mod">
-          <ac:chgData name="Marcia Moraes" userId="c9c67e8a-58e2-4733-9a1c-5d44fec4775b" providerId="ADAL" clId="{48048393-D2C0-4AEB-962E-418898327284}" dt="2023-01-23T01:50:40.616" v="416" actId="1076"/>
+          <ac:chgData name="Marcia Moraes" userId="c9c67e8a-58e2-4733-9a1c-5d44fec4775b" providerId="ADAL" clId="{48048393-D2C0-4AEB-962E-418898327284}" dt="2023-01-23T15:44:49.523" v="485" actId="1076"/>
           <ac:spMkLst>
             <pc:docMk/>
             <pc:sldMk cId="465079902" sldId="272"/>
             <ac:spMk id="4" creationId="{6C5063C8-05DF-4FF4-87AF-EAA47C45560A}"/>
           </ac:spMkLst>
         </pc:spChg>
-        <pc:spChg chg="mod">
-          <ac:chgData name="Marcia Moraes" userId="c9c67e8a-58e2-4733-9a1c-5d44fec4775b" providerId="ADAL" clId="{48048393-D2C0-4AEB-962E-418898327284}" dt="2023-01-23T01:50:45.932" v="417" actId="1076"/>
+        <pc:spChg chg="del mod">
+          <ac:chgData name="Marcia Moraes" userId="c9c67e8a-58e2-4733-9a1c-5d44fec4775b" providerId="ADAL" clId="{48048393-D2C0-4AEB-962E-418898327284}" dt="2023-01-23T15:43:51.378" v="479" actId="478"/>
           <ac:spMkLst>
             <pc:docMk/>
             <pc:sldMk cId="465079902" sldId="272"/>
             <ac:spMk id="5" creationId="{CDA4F86E-95E1-4BAF-9A78-08A3442B7C3A}"/>
           </ac:spMkLst>
         </pc:spChg>
+        <pc:spChg chg="add mod">
+          <ac:chgData name="Marcia Moraes" userId="c9c67e8a-58e2-4733-9a1c-5d44fec4775b" providerId="ADAL" clId="{48048393-D2C0-4AEB-962E-418898327284}" dt="2023-01-23T15:45:50.392" v="489" actId="14100"/>
+          <ac:spMkLst>
+            <pc:docMk/>
+            <pc:sldMk cId="465079902" sldId="272"/>
+            <ac:spMk id="6" creationId="{CE861BC0-CE89-4CDF-B84F-78887D36261F}"/>
+          </ac:spMkLst>
+        </pc:spChg>
+        <pc:graphicFrameChg chg="add del mod">
+          <ac:chgData name="Marcia Moraes" userId="c9c67e8a-58e2-4733-9a1c-5d44fec4775b" providerId="ADAL" clId="{48048393-D2C0-4AEB-962E-418898327284}" dt="2023-01-23T15:45:23.399" v="486" actId="478"/>
+          <ac:graphicFrameMkLst>
+            <pc:docMk/>
+            <pc:sldMk cId="465079902" sldId="272"/>
+            <ac:graphicFrameMk id="3" creationId="{542015F8-6F14-4C81-8880-B6401446AF1E}"/>
+          </ac:graphicFrameMkLst>
+        </pc:graphicFrameChg>
+        <pc:graphicFrameChg chg="add mod">
+          <ac:chgData name="Marcia Moraes" userId="c9c67e8a-58e2-4733-9a1c-5d44fec4775b" providerId="ADAL" clId="{48048393-D2C0-4AEB-962E-418898327284}" dt="2023-01-23T15:48:09.790" v="493" actId="1076"/>
+          <ac:graphicFrameMkLst>
+            <pc:docMk/>
+            <pc:sldMk cId="465079902" sldId="272"/>
+            <ac:graphicFrameMk id="7" creationId="{AEE5D61A-5A2D-4840-99AC-2E1272F542AE}"/>
+          </ac:graphicFrameMkLst>
+        </pc:graphicFrameChg>
+        <pc:picChg chg="add del">
+          <ac:chgData name="Marcia Moraes" userId="c9c67e8a-58e2-4733-9a1c-5d44fec4775b" providerId="ADAL" clId="{48048393-D2C0-4AEB-962E-418898327284}" dt="2023-01-23T15:43:53.672" v="481"/>
+          <ac:picMkLst>
+            <pc:docMk/>
+            <pc:sldMk cId="465079902" sldId="272"/>
+            <ac:picMk id="2" creationId="{6D6CA217-0A30-4504-888B-885F7282CE6B}"/>
+          </ac:picMkLst>
+        </pc:picChg>
       </pc:sldChg>
       <pc:sldChg chg="addSp delSp modSp add modAnim">
         <pc:chgData name="Marcia Moraes" userId="c9c67e8a-58e2-4733-9a1c-5d44fec4775b" providerId="ADAL" clId="{48048393-D2C0-4AEB-962E-418898327284}" dt="2023-01-23T01:52:04.729" v="431" actId="1076"/>
@@ -662,12 +695,58 @@
           </ac:picMkLst>
         </pc:picChg>
       </pc:sldChg>
+      <pc:sldChg chg="add">
+        <pc:chgData name="Marcia Moraes" userId="c9c67e8a-58e2-4733-9a1c-5d44fec4775b" providerId="ADAL" clId="{48048393-D2C0-4AEB-962E-418898327284}" dt="2023-01-23T15:43:41.625" v="477"/>
+        <pc:sldMkLst>
+          <pc:docMk/>
+          <pc:sldMk cId="1118603557" sldId="274"/>
+        </pc:sldMkLst>
+      </pc:sldChg>
       <pc:sldChg chg="add del">
         <pc:chgData name="Marcia Moraes" userId="c9c67e8a-58e2-4733-9a1c-5d44fec4775b" providerId="ADAL" clId="{48048393-D2C0-4AEB-962E-418898327284}" dt="2023-01-23T01:39:02.087" v="20" actId="2696"/>
         <pc:sldMkLst>
           <pc:docMk/>
           <pc:sldMk cId="1196752911" sldId="274"/>
         </pc:sldMkLst>
+      </pc:sldChg>
+      <pc:sldChg chg="delSp modSp add">
+        <pc:chgData name="Marcia Moraes" userId="c9c67e8a-58e2-4733-9a1c-5d44fec4775b" providerId="ADAL" clId="{48048393-D2C0-4AEB-962E-418898327284}" dt="2023-01-23T16:21:26.228" v="858" actId="1076"/>
+        <pc:sldMkLst>
+          <pc:docMk/>
+          <pc:sldMk cId="1926864239" sldId="275"/>
+        </pc:sldMkLst>
+        <pc:spChg chg="mod">
+          <ac:chgData name="Marcia Moraes" userId="c9c67e8a-58e2-4733-9a1c-5d44fec4775b" providerId="ADAL" clId="{48048393-D2C0-4AEB-962E-418898327284}" dt="2023-01-23T16:21:26.228" v="858" actId="1076"/>
+          <ac:spMkLst>
+            <pc:docMk/>
+            <pc:sldMk cId="1926864239" sldId="275"/>
+            <ac:spMk id="4" creationId="{43765166-A464-C349-8315-AE9C7F5C5946}"/>
+          </ac:spMkLst>
+        </pc:spChg>
+        <pc:spChg chg="mod">
+          <ac:chgData name="Marcia Moraes" userId="c9c67e8a-58e2-4733-9a1c-5d44fec4775b" providerId="ADAL" clId="{48048393-D2C0-4AEB-962E-418898327284}" dt="2023-01-23T16:21:23.536" v="857" actId="14100"/>
+          <ac:spMkLst>
+            <pc:docMk/>
+            <pc:sldMk cId="1926864239" sldId="275"/>
+            <ac:spMk id="5" creationId="{C4EE2CCF-2826-A248-B926-5FEA8CE8F57A}"/>
+          </ac:spMkLst>
+        </pc:spChg>
+        <pc:spChg chg="del">
+          <ac:chgData name="Marcia Moraes" userId="c9c67e8a-58e2-4733-9a1c-5d44fec4775b" providerId="ADAL" clId="{48048393-D2C0-4AEB-962E-418898327284}" dt="2023-01-23T16:18:20.084" v="504" actId="478"/>
+          <ac:spMkLst>
+            <pc:docMk/>
+            <pc:sldMk cId="1926864239" sldId="275"/>
+            <ac:spMk id="14" creationId="{2926C16D-3648-084E-BFC4-2E88223D6403}"/>
+          </ac:spMkLst>
+        </pc:spChg>
+        <pc:picChg chg="del">
+          <ac:chgData name="Marcia Moraes" userId="c9c67e8a-58e2-4733-9a1c-5d44fec4775b" providerId="ADAL" clId="{48048393-D2C0-4AEB-962E-418898327284}" dt="2023-01-23T16:18:18.520" v="503" actId="478"/>
+          <ac:picMkLst>
+            <pc:docMk/>
+            <pc:sldMk cId="1926864239" sldId="275"/>
+            <ac:picMk id="13" creationId="{6F2D0FDB-E9EA-8248-A50A-0B9305AA0C40}"/>
+          </ac:picMkLst>
+        </pc:picChg>
       </pc:sldChg>
     </pc:docChg>
   </pc:docChgLst>
@@ -18926,6 +19005,230 @@
           <p:cNvPr id="4" name="Title 3">
             <a:extLst>
               <a:ext uri="{FF2B5EF4-FFF2-40B4-BE49-F238E27FC236}">
+                <a16:creationId xmlns:a16="http://schemas.microsoft.com/office/drawing/2014/main" id="{43765166-A464-C349-8315-AE9C7F5C5946}"/>
+              </a:ext>
+            </a:extLst>
+          </p:cNvPr>
+          <p:cNvSpPr>
+            <a:spLocks noGrp="1"/>
+          </p:cNvSpPr>
+          <p:nvPr>
+            <p:ph type="title"/>
+          </p:nvPr>
+        </p:nvSpPr>
+        <p:spPr>
+          <a:xfrm>
+            <a:off x="415650" y="263069"/>
+            <a:ext cx="8312700" cy="672000"/>
+          </a:xfrm>
+        </p:spPr>
+        <p:txBody>
+          <a:bodyPr/>
+          <a:lstStyle/>
+          <a:p>
+            <a:r>
+              <a:rPr lang="en-US" dirty="0"/>
+              <a:t>Scanner</a:t>
+            </a:r>
+          </a:p>
+        </p:txBody>
+      </p:sp>
+      <p:sp>
+        <p:nvSpPr>
+          <p:cNvPr id="5" name="Text Placeholder 4">
+            <a:extLst>
+              <a:ext uri="{FF2B5EF4-FFF2-40B4-BE49-F238E27FC236}">
+                <a16:creationId xmlns:a16="http://schemas.microsoft.com/office/drawing/2014/main" id="{C4EE2CCF-2826-A248-B926-5FEA8CE8F57A}"/>
+              </a:ext>
+            </a:extLst>
+          </p:cNvPr>
+          <p:cNvSpPr>
+            <a:spLocks noGrp="1"/>
+          </p:cNvSpPr>
+          <p:nvPr>
+            <p:ph type="body" idx="1"/>
+          </p:nvPr>
+        </p:nvSpPr>
+        <p:spPr>
+          <a:xfrm>
+            <a:off x="415638" y="1271068"/>
+            <a:ext cx="8205848" cy="3273363"/>
+          </a:xfrm>
+        </p:spPr>
+        <p:txBody>
+          <a:bodyPr/>
+          <a:lstStyle/>
+          <a:p>
+            <a:r>
+              <a:rPr lang="en-US" sz="1600" dirty="0"/>
+              <a:t>Read something from the console/terminal</a:t>
+            </a:r>
+          </a:p>
+          <a:p>
+            <a:r>
+              <a:rPr lang="en-US" sz="1600" dirty="0"/>
+              <a:t>First needs to create an object of the class Scanner</a:t>
+            </a:r>
+          </a:p>
+          <a:p>
+            <a:pPr lvl="1"/>
+            <a:r>
+              <a:rPr lang="en-US" sz="1500" b="1" dirty="0">
+                <a:latin typeface="Consolas" panose="020B0609020204030204" pitchFamily="49" charset="0"/>
+                <a:cs typeface="Consolas" panose="020B0609020204030204" pitchFamily="49" charset="0"/>
+              </a:rPr>
+              <a:t>Scanner in = new Scanner(System.in);</a:t>
+            </a:r>
+          </a:p>
+          <a:p>
+            <a:r>
+              <a:rPr lang="en-US" sz="1600" dirty="0"/>
+              <a:t>Second needs to know the type of variable that wants to read – that will define the method you will use</a:t>
+            </a:r>
+          </a:p>
+          <a:p>
+            <a:pPr lvl="1"/>
+            <a:r>
+              <a:rPr lang="en-US" sz="1500" b="1" dirty="0">
+                <a:latin typeface="Consolas" panose="020B0609020204030204" pitchFamily="49" charset="0"/>
+                <a:cs typeface="Consolas" panose="020B0609020204030204" pitchFamily="49" charset="0"/>
+              </a:rPr>
+              <a:t>int </a:t>
+            </a:r>
+            <a:r>
+              <a:rPr lang="en-US" sz="1500" b="1" dirty="0" err="1">
+                <a:latin typeface="Consolas" panose="020B0609020204030204" pitchFamily="49" charset="0"/>
+                <a:cs typeface="Consolas" panose="020B0609020204030204" pitchFamily="49" charset="0"/>
+              </a:rPr>
+              <a:t>val</a:t>
+            </a:r>
+            <a:r>
+              <a:rPr lang="en-US" sz="1500" b="1" dirty="0">
+                <a:latin typeface="Consolas" panose="020B0609020204030204" pitchFamily="49" charset="0"/>
+                <a:cs typeface="Consolas" panose="020B0609020204030204" pitchFamily="49" charset="0"/>
+              </a:rPr>
+              <a:t> = </a:t>
+            </a:r>
+            <a:r>
+              <a:rPr lang="en-US" sz="1500" b="1" dirty="0" err="1">
+                <a:latin typeface="Consolas" panose="020B0609020204030204" pitchFamily="49" charset="0"/>
+                <a:cs typeface="Consolas" panose="020B0609020204030204" pitchFamily="49" charset="0"/>
+              </a:rPr>
+              <a:t>in.nextInt</a:t>
+            </a:r>
+            <a:r>
+              <a:rPr lang="en-US" sz="1500" b="1" dirty="0">
+                <a:latin typeface="Consolas" panose="020B0609020204030204" pitchFamily="49" charset="0"/>
+                <a:cs typeface="Consolas" panose="020B0609020204030204" pitchFamily="49" charset="0"/>
+              </a:rPr>
+              <a:t>();</a:t>
+            </a:r>
+          </a:p>
+          <a:p>
+            <a:pPr lvl="1"/>
+            <a:r>
+              <a:rPr lang="en-US" sz="1500" b="1" dirty="0">
+                <a:latin typeface="Consolas" panose="020B0609020204030204" pitchFamily="49" charset="0"/>
+                <a:cs typeface="Consolas" panose="020B0609020204030204" pitchFamily="49" charset="0"/>
+              </a:rPr>
+              <a:t>double </a:t>
+            </a:r>
+            <a:r>
+              <a:rPr lang="en-US" sz="1500" b="1" dirty="0" err="1">
+                <a:latin typeface="Consolas" panose="020B0609020204030204" pitchFamily="49" charset="0"/>
+                <a:cs typeface="Consolas" panose="020B0609020204030204" pitchFamily="49" charset="0"/>
+              </a:rPr>
+              <a:t>valD</a:t>
+            </a:r>
+            <a:r>
+              <a:rPr lang="en-US" sz="1500" b="1" dirty="0">
+                <a:latin typeface="Consolas" panose="020B0609020204030204" pitchFamily="49" charset="0"/>
+                <a:cs typeface="Consolas" panose="020B0609020204030204" pitchFamily="49" charset="0"/>
+              </a:rPr>
+              <a:t> = </a:t>
+            </a:r>
+            <a:r>
+              <a:rPr lang="en-US" sz="1500" b="1" dirty="0" err="1">
+                <a:latin typeface="Consolas" panose="020B0609020204030204" pitchFamily="49" charset="0"/>
+                <a:cs typeface="Consolas" panose="020B0609020204030204" pitchFamily="49" charset="0"/>
+              </a:rPr>
+              <a:t>in.nextDouble</a:t>
+            </a:r>
+            <a:r>
+              <a:rPr lang="en-US" sz="1500" b="1" dirty="0">
+                <a:latin typeface="Consolas" panose="020B0609020204030204" pitchFamily="49" charset="0"/>
+                <a:cs typeface="Consolas" panose="020B0609020204030204" pitchFamily="49" charset="0"/>
+              </a:rPr>
+              <a:t>();</a:t>
+            </a:r>
+          </a:p>
+          <a:p>
+            <a:pPr lvl="1"/>
+            <a:r>
+              <a:rPr lang="en-US" sz="1500" b="1" dirty="0">
+                <a:latin typeface="Consolas" panose="020B0609020204030204" pitchFamily="49" charset="0"/>
+                <a:cs typeface="Consolas" panose="020B0609020204030204" pitchFamily="49" charset="0"/>
+              </a:rPr>
+              <a:t>String str = </a:t>
+            </a:r>
+            <a:r>
+              <a:rPr lang="en-US" sz="1500" b="1" dirty="0" err="1">
+                <a:latin typeface="Consolas" panose="020B0609020204030204" pitchFamily="49" charset="0"/>
+                <a:cs typeface="Consolas" panose="020B0609020204030204" pitchFamily="49" charset="0"/>
+              </a:rPr>
+              <a:t>in.nextLine</a:t>
+            </a:r>
+            <a:r>
+              <a:rPr lang="en-US" sz="1500" b="1" dirty="0">
+                <a:latin typeface="Consolas" panose="020B0609020204030204" pitchFamily="49" charset="0"/>
+                <a:cs typeface="Consolas" panose="020B0609020204030204" pitchFamily="49" charset="0"/>
+              </a:rPr>
+              <a:t>();</a:t>
+            </a:r>
+          </a:p>
+          <a:p>
+            <a:endParaRPr lang="en-US" sz="1600" dirty="0"/>
+          </a:p>
+        </p:txBody>
+      </p:sp>
+    </p:spTree>
+    <p:extLst>
+      <p:ext uri="{BB962C8B-B14F-4D97-AF65-F5344CB8AC3E}">
+        <p14:creationId xmlns:p14="http://schemas.microsoft.com/office/powerpoint/2010/main" val="1926864239"/>
+      </p:ext>
+    </p:extLst>
+  </p:cSld>
+  <p:clrMapOvr>
+    <a:masterClrMapping/>
+  </p:clrMapOvr>
+  <p:transition>
+    <p:fade/>
+  </p:transition>
+</p:sld>
+</file>
+
+<file path=ppt/slides/slide16.xml><?xml version="1.0" encoding="utf-8"?>
+<p:sld xmlns:a="http://schemas.openxmlformats.org/drawingml/2006/main" xmlns:r="http://schemas.openxmlformats.org/officeDocument/2006/relationships" xmlns:p="http://schemas.openxmlformats.org/presentationml/2006/main">
+  <p:cSld>
+    <p:spTree>
+      <p:nvGrpSpPr>
+        <p:cNvPr id="1" name=""/>
+        <p:cNvGrpSpPr/>
+        <p:nvPr/>
+      </p:nvGrpSpPr>
+      <p:grpSpPr>
+        <a:xfrm>
+          <a:off x="0" y="0"/>
+          <a:ext cx="0" cy="0"/>
+          <a:chOff x="0" y="0"/>
+          <a:chExt cx="0" cy="0"/>
+        </a:xfrm>
+      </p:grpSpPr>
+      <p:sp>
+        <p:nvSpPr>
+          <p:cNvPr id="4" name="Title 3">
+            <a:extLst>
+              <a:ext uri="{FF2B5EF4-FFF2-40B4-BE49-F238E27FC236}">
                 <a16:creationId xmlns:a16="http://schemas.microsoft.com/office/drawing/2014/main" id="{6C5063C8-05DF-4FF4-87AF-EAA47C45560A}"/>
               </a:ext>
             </a:extLst>
@@ -19084,7 +19387,7 @@
     </p:spTree>
     <p:extLst>
       <p:ext uri="{BB962C8B-B14F-4D97-AF65-F5344CB8AC3E}">
-        <p14:creationId xmlns:p14="http://schemas.microsoft.com/office/powerpoint/2010/main" val="465079902"/>
+        <p14:creationId xmlns:p14="http://schemas.microsoft.com/office/powerpoint/2010/main" val="1118603557"/>
       </p:ext>
     </p:extLst>
   </p:cSld>
@@ -19097,7 +19400,7 @@
 </p:sld>
 </file>
 
-<file path=ppt/slides/slide16.xml><?xml version="1.0" encoding="utf-8"?>
+<file path=ppt/slides/slide17.xml><?xml version="1.0" encoding="utf-8"?>
 <p:sld xmlns:a="http://schemas.openxmlformats.org/drawingml/2006/main" xmlns:r="http://schemas.openxmlformats.org/officeDocument/2006/relationships" xmlns:p="http://schemas.openxmlformats.org/presentationml/2006/main">
   <p:cSld>
     <p:spTree>
@@ -19828,7 +20131,7 @@
 </p:sld>
 </file>
 
-<file path=ppt/slides/slide17.xml><?xml version="1.0" encoding="utf-8"?>
+<file path=ppt/slides/slide18.xml><?xml version="1.0" encoding="utf-8"?>
 <p:sld xmlns:a="http://schemas.openxmlformats.org/drawingml/2006/main" xmlns:r="http://schemas.openxmlformats.org/officeDocument/2006/relationships" xmlns:p="http://schemas.openxmlformats.org/presentationml/2006/main">
   <p:cSld>
     <p:spTree>
@@ -20453,7 +20756,7 @@
 </p:sld>
 </file>
 
-<file path=ppt/slides/slide18.xml><?xml version="1.0" encoding="utf-8"?>
+<file path=ppt/slides/slide19.xml><?xml version="1.0" encoding="utf-8"?>
 <p:sld xmlns:a="http://schemas.openxmlformats.org/drawingml/2006/main" xmlns:r="http://schemas.openxmlformats.org/officeDocument/2006/relationships" xmlns:p="http://schemas.openxmlformats.org/presentationml/2006/main" show="0">
   <p:cSld>
     <p:spTree>
@@ -22341,7 +22644,7 @@
                 <a:effectLst/>
                 <a:latin typeface="Consolas" panose="020B0609020204030204" pitchFamily="49" charset="0"/>
               </a:rPr>
-              <a:t>        </a:t>
+              <a:t>       </a:t>
             </a:r>
             <a:r>
               <a:rPr lang="en-US" sz="1600" b="0" dirty="0">
@@ -22393,7 +22696,7 @@
                 <a:effectLst/>
                 <a:latin typeface="Consolas" panose="020B0609020204030204" pitchFamily="49" charset="0"/>
               </a:rPr>
-              <a:t>        </a:t>
+              <a:t>       </a:t>
             </a:r>
             <a:r>
               <a:rPr lang="en-US" sz="1600" b="0" dirty="0">
@@ -22485,7 +22788,7 @@
                 <a:effectLst/>
                 <a:latin typeface="Consolas" panose="020B0609020204030204" pitchFamily="49" charset="0"/>
               </a:rPr>
-              <a:t>        </a:t>
+              <a:t>       </a:t>
             </a:r>
             <a:r>
               <a:rPr lang="en-US" sz="1600" b="0" dirty="0">
@@ -22577,7 +22880,7 @@
                 <a:effectLst/>
                 <a:latin typeface="Consolas" panose="020B0609020204030204" pitchFamily="49" charset="0"/>
               </a:rPr>
-              <a:t>        </a:t>
+              <a:t>       </a:t>
             </a:r>
             <a:r>
               <a:rPr lang="en-US" sz="1600" b="0" dirty="0">
@@ -25290,18 +25593,18 @@
 </file>
 
 <file path=customXml/item2.xml><?xml version="1.0" encoding="utf-8"?>
+<p:properties xmlns:p="http://schemas.microsoft.com/office/2006/metadata/properties" xmlns:xsi="http://www.w3.org/2001/XMLSchema-instance" xmlns:pc="http://schemas.microsoft.com/office/infopath/2007/PartnerControls">
+  <documentManagement/>
+</p:properties>
+</file>
+
+<file path=customXml/item3.xml><?xml version="1.0" encoding="utf-8"?>
 <?mso-contentType ?>
 <FormTemplates xmlns="http://schemas.microsoft.com/sharepoint/v3/contenttype/forms">
   <Display>DocumentLibraryForm</Display>
   <Edit>DocumentLibraryForm</Edit>
   <New>DocumentLibraryForm</New>
 </FormTemplates>
-</file>
-
-<file path=customXml/item3.xml><?xml version="1.0" encoding="utf-8"?>
-<p:properties xmlns:p="http://schemas.microsoft.com/office/2006/metadata/properties" xmlns:xsi="http://www.w3.org/2001/XMLSchema-instance" xmlns:pc="http://schemas.microsoft.com/office/infopath/2007/PartnerControls">
-  <documentManagement/>
-</p:properties>
 </file>
 
 <file path=customXml/itemProps1.xml><?xml version="1.0" encoding="utf-8"?>
@@ -25324,26 +25627,26 @@
 </file>
 
 <file path=customXml/itemProps2.xml><?xml version="1.0" encoding="utf-8"?>
+<ds:datastoreItem xmlns:ds="http://schemas.openxmlformats.org/officeDocument/2006/customXml" ds:itemID="{2DC42811-3B51-4277-9BAB-60004E84128E}">
+  <ds:schemaRefs>
+    <ds:schemaRef ds:uri="http://schemas.microsoft.com/office/2006/documentManagement/types"/>
+    <ds:schemaRef ds:uri="http://purl.org/dc/dcmitype/"/>
+    <ds:schemaRef ds:uri="http://www.w3.org/XML/1998/namespace"/>
+    <ds:schemaRef ds:uri="e06ed288-fd75-4b50-bbed-f5a5df88c31c"/>
+    <ds:schemaRef ds:uri="http://purl.org/dc/elements/1.1/"/>
+    <ds:schemaRef ds:uri="http://schemas.microsoft.com/office/infopath/2007/PartnerControls"/>
+    <ds:schemaRef ds:uri="92c41bee-f0ee-4aa6-9399-a35fbb883510"/>
+    <ds:schemaRef ds:uri="http://schemas.openxmlformats.org/package/2006/metadata/core-properties"/>
+    <ds:schemaRef ds:uri="http://schemas.microsoft.com/office/2006/metadata/properties"/>
+    <ds:schemaRef ds:uri="http://purl.org/dc/terms/"/>
+  </ds:schemaRefs>
+</ds:datastoreItem>
+</file>
+
+<file path=customXml/itemProps3.xml><?xml version="1.0" encoding="utf-8"?>
 <ds:datastoreItem xmlns:ds="http://schemas.openxmlformats.org/officeDocument/2006/customXml" ds:itemID="{AD57AD06-F92C-44EB-AE7E-2E7C93F1B38A}">
   <ds:schemaRefs>
     <ds:schemaRef ds:uri="http://schemas.microsoft.com/sharepoint/v3/contenttype/forms"/>
   </ds:schemaRefs>
 </ds:datastoreItem>
-</file>
-
-<file path=customXml/itemProps3.xml><?xml version="1.0" encoding="utf-8"?>
-<ds:datastoreItem xmlns:ds="http://schemas.openxmlformats.org/officeDocument/2006/customXml" ds:itemID="{2DC42811-3B51-4277-9BAB-60004E84128E}">
-  <ds:schemaRefs>
-    <ds:schemaRef ds:uri="http://schemas.openxmlformats.org/package/2006/metadata/core-properties"/>
-    <ds:schemaRef ds:uri="92c41bee-f0ee-4aa6-9399-a35fbb883510"/>
-    <ds:schemaRef ds:uri="http://www.w3.org/XML/1998/namespace"/>
-    <ds:schemaRef ds:uri="http://schemas.microsoft.com/office/infopath/2007/PartnerControls"/>
-    <ds:schemaRef ds:uri="http://schemas.microsoft.com/office/2006/metadata/properties"/>
-    <ds:schemaRef ds:uri="http://schemas.microsoft.com/office/2006/documentManagement/types"/>
-    <ds:schemaRef ds:uri="http://purl.org/dc/terms/"/>
-    <ds:schemaRef ds:uri="e06ed288-fd75-4b50-bbed-f5a5df88c31c"/>
-    <ds:schemaRef ds:uri="http://purl.org/dc/dcmitype/"/>
-    <ds:schemaRef ds:uri="http://purl.org/dc/elements/1.1/"/>
-  </ds:schemaRefs>
-</ds:datastoreItem>
 </file>
--- a/slides/On-Campus/02_01_Variables.pptx
+++ b/slides/On-Campus/02_01_Variables.pptx
@@ -303,454 +303,6 @@
     </p:ext>
   </p:extLst>
 </p:presentation>
-</file>
-
-<file path=ppt/changesInfos/changesInfo1.xml><?xml version="1.0" encoding="utf-8"?>
-<pc:chgInfo xmlns:a="http://schemas.openxmlformats.org/drawingml/2006/main" xmlns:r="http://schemas.openxmlformats.org/officeDocument/2006/relationships" xmlns:ac="http://schemas.microsoft.com/office/drawing/2013/main/command" xmlns:pc="http://schemas.microsoft.com/office/powerpoint/2013/main/command">
-  <pc:docChgLst>
-    <pc:chgData name="Moraes,Marcia" userId="c9c67e8a-58e2-4733-9a1c-5d44fec4775b" providerId="ADAL" clId="{561DCFD7-6FEB-4B54-B2B0-8C2291E4D067}"/>
-  </pc:docChgLst>
-  <pc:docChgLst>
-    <pc:chgData name="Marcia Moraes" userId="c9c67e8a-58e2-4733-9a1c-5d44fec4775b" providerId="ADAL" clId="{48048393-D2C0-4AEB-962E-418898327284}"/>
-    <pc:docChg chg="undo custSel addSld delSld modSld">
-      <pc:chgData name="Marcia Moraes" userId="c9c67e8a-58e2-4733-9a1c-5d44fec4775b" providerId="ADAL" clId="{48048393-D2C0-4AEB-962E-418898327284}" dt="2023-01-23T16:21:26.228" v="858" actId="1076"/>
-      <pc:docMkLst>
-        <pc:docMk/>
-      </pc:docMkLst>
-      <pc:sldChg chg="modSp">
-        <pc:chgData name="Marcia Moraes" userId="c9c67e8a-58e2-4733-9a1c-5d44fec4775b" providerId="ADAL" clId="{48048393-D2C0-4AEB-962E-418898327284}" dt="2023-01-23T01:41:47.920" v="116" actId="20577"/>
-        <pc:sldMkLst>
-          <pc:docMk/>
-          <pc:sldMk cId="0" sldId="256"/>
-        </pc:sldMkLst>
-        <pc:spChg chg="mod">
-          <ac:chgData name="Marcia Moraes" userId="c9c67e8a-58e2-4733-9a1c-5d44fec4775b" providerId="ADAL" clId="{48048393-D2C0-4AEB-962E-418898327284}" dt="2023-01-23T01:41:47.920" v="116" actId="20577"/>
-          <ac:spMkLst>
-            <pc:docMk/>
-            <pc:sldMk cId="0" sldId="256"/>
-            <ac:spMk id="187" creationId="{00000000-0000-0000-0000-000000000000}"/>
-          </ac:spMkLst>
-        </pc:spChg>
-      </pc:sldChg>
-      <pc:sldChg chg="modSp">
-        <pc:chgData name="Marcia Moraes" userId="c9c67e8a-58e2-4733-9a1c-5d44fec4775b" providerId="ADAL" clId="{48048393-D2C0-4AEB-962E-418898327284}" dt="2023-01-23T01:53:27.039" v="446" actId="255"/>
-        <pc:sldMkLst>
-          <pc:docMk/>
-          <pc:sldMk cId="0" sldId="257"/>
-        </pc:sldMkLst>
-        <pc:spChg chg="mod">
-          <ac:chgData name="Marcia Moraes" userId="c9c67e8a-58e2-4733-9a1c-5d44fec4775b" providerId="ADAL" clId="{48048393-D2C0-4AEB-962E-418898327284}" dt="2023-01-23T01:52:47.292" v="440" actId="1076"/>
-          <ac:spMkLst>
-            <pc:docMk/>
-            <pc:sldMk cId="0" sldId="257"/>
-            <ac:spMk id="192" creationId="{00000000-0000-0000-0000-000000000000}"/>
-          </ac:spMkLst>
-        </pc:spChg>
-        <pc:spChg chg="mod">
-          <ac:chgData name="Marcia Moraes" userId="c9c67e8a-58e2-4733-9a1c-5d44fec4775b" providerId="ADAL" clId="{48048393-D2C0-4AEB-962E-418898327284}" dt="2023-01-23T01:53:27.039" v="446" actId="255"/>
-          <ac:spMkLst>
-            <pc:docMk/>
-            <pc:sldMk cId="0" sldId="257"/>
-            <ac:spMk id="193" creationId="{00000000-0000-0000-0000-000000000000}"/>
-          </ac:spMkLst>
-        </pc:spChg>
-      </pc:sldChg>
-      <pc:sldChg chg="modSp">
-        <pc:chgData name="Marcia Moraes" userId="c9c67e8a-58e2-4733-9a1c-5d44fec4775b" providerId="ADAL" clId="{48048393-D2C0-4AEB-962E-418898327284}" dt="2023-01-23T15:37:06.719" v="476" actId="6549"/>
-        <pc:sldMkLst>
-          <pc:docMk/>
-          <pc:sldMk cId="0" sldId="258"/>
-        </pc:sldMkLst>
-        <pc:spChg chg="mod">
-          <ac:chgData name="Marcia Moraes" userId="c9c67e8a-58e2-4733-9a1c-5d44fec4775b" providerId="ADAL" clId="{48048393-D2C0-4AEB-962E-418898327284}" dt="2023-01-23T15:37:06.719" v="476" actId="6549"/>
-          <ac:spMkLst>
-            <pc:docMk/>
-            <pc:sldMk cId="0" sldId="258"/>
-            <ac:spMk id="7" creationId="{49B81023-56AA-431D-ABEB-30210B8FD6BB}"/>
-          </ac:spMkLst>
-        </pc:spChg>
-        <pc:spChg chg="mod">
-          <ac:chgData name="Marcia Moraes" userId="c9c67e8a-58e2-4733-9a1c-5d44fec4775b" providerId="ADAL" clId="{48048393-D2C0-4AEB-962E-418898327284}" dt="2023-01-23T01:53:34.159" v="447" actId="1076"/>
-          <ac:spMkLst>
-            <pc:docMk/>
-            <pc:sldMk cId="0" sldId="258"/>
-            <ac:spMk id="198" creationId="{00000000-0000-0000-0000-000000000000}"/>
-          </ac:spMkLst>
-        </pc:spChg>
-        <pc:spChg chg="mod">
-          <ac:chgData name="Marcia Moraes" userId="c9c67e8a-58e2-4733-9a1c-5d44fec4775b" providerId="ADAL" clId="{48048393-D2C0-4AEB-962E-418898327284}" dt="2023-01-23T01:54:25.080" v="455" actId="1076"/>
-          <ac:spMkLst>
-            <pc:docMk/>
-            <pc:sldMk cId="0" sldId="258"/>
-            <ac:spMk id="199" creationId="{00000000-0000-0000-0000-000000000000}"/>
-          </ac:spMkLst>
-        </pc:spChg>
-      </pc:sldChg>
-      <pc:sldChg chg="modSp">
-        <pc:chgData name="Marcia Moraes" userId="c9c67e8a-58e2-4733-9a1c-5d44fec4775b" providerId="ADAL" clId="{48048393-D2C0-4AEB-962E-418898327284}" dt="2023-01-23T01:54:59.158" v="462" actId="14100"/>
-        <pc:sldMkLst>
-          <pc:docMk/>
-          <pc:sldMk cId="0" sldId="259"/>
-        </pc:sldMkLst>
-        <pc:spChg chg="mod">
-          <ac:chgData name="Marcia Moraes" userId="c9c67e8a-58e2-4733-9a1c-5d44fec4775b" providerId="ADAL" clId="{48048393-D2C0-4AEB-962E-418898327284}" dt="2023-01-23T01:54:54.580" v="460" actId="1076"/>
-          <ac:spMkLst>
-            <pc:docMk/>
-            <pc:sldMk cId="0" sldId="259"/>
-            <ac:spMk id="204" creationId="{00000000-0000-0000-0000-000000000000}"/>
-          </ac:spMkLst>
-        </pc:spChg>
-        <pc:spChg chg="mod">
-          <ac:chgData name="Marcia Moraes" userId="c9c67e8a-58e2-4733-9a1c-5d44fec4775b" providerId="ADAL" clId="{48048393-D2C0-4AEB-962E-418898327284}" dt="2023-01-23T01:54:59.158" v="462" actId="14100"/>
-          <ac:spMkLst>
-            <pc:docMk/>
-            <pc:sldMk cId="0" sldId="259"/>
-            <ac:spMk id="205" creationId="{00000000-0000-0000-0000-000000000000}"/>
-          </ac:spMkLst>
-        </pc:spChg>
-      </pc:sldChg>
-      <pc:sldChg chg="addSp delSp modSp">
-        <pc:chgData name="Marcia Moraes" userId="c9c67e8a-58e2-4733-9a1c-5d44fec4775b" providerId="ADAL" clId="{48048393-D2C0-4AEB-962E-418898327284}" dt="2023-01-23T01:52:20.106" v="433" actId="14100"/>
-        <pc:sldMkLst>
-          <pc:docMk/>
-          <pc:sldMk cId="416281822" sldId="262"/>
-        </pc:sldMkLst>
-        <pc:spChg chg="mod">
-          <ac:chgData name="Marcia Moraes" userId="c9c67e8a-58e2-4733-9a1c-5d44fec4775b" providerId="ADAL" clId="{48048393-D2C0-4AEB-962E-418898327284}" dt="2023-01-23T01:52:20.106" v="433" actId="14100"/>
-          <ac:spMkLst>
-            <pc:docMk/>
-            <pc:sldMk cId="416281822" sldId="262"/>
-            <ac:spMk id="3" creationId="{142C320B-6E1B-1745-981E-44598126C6FA}"/>
-          </ac:spMkLst>
-        </pc:spChg>
-        <pc:picChg chg="add del mod">
-          <ac:chgData name="Marcia Moraes" userId="c9c67e8a-58e2-4733-9a1c-5d44fec4775b" providerId="ADAL" clId="{48048393-D2C0-4AEB-962E-418898327284}" dt="2023-01-23T01:39:37.146" v="25"/>
-          <ac:picMkLst>
-            <pc:docMk/>
-            <pc:sldMk cId="416281822" sldId="262"/>
-            <ac:picMk id="1026" creationId="{5670F680-0355-4B44-9E76-3A736541CEDF}"/>
-          </ac:picMkLst>
-        </pc:picChg>
-      </pc:sldChg>
-      <pc:sldChg chg="addSp delSp modSp">
-        <pc:chgData name="Marcia Moraes" userId="c9c67e8a-58e2-4733-9a1c-5d44fec4775b" providerId="ADAL" clId="{48048393-D2C0-4AEB-962E-418898327284}" dt="2023-01-23T01:51:47.460" v="428" actId="14100"/>
-        <pc:sldMkLst>
-          <pc:docMk/>
-          <pc:sldMk cId="2801241116" sldId="263"/>
-        </pc:sldMkLst>
-        <pc:spChg chg="del">
-          <ac:chgData name="Marcia Moraes" userId="c9c67e8a-58e2-4733-9a1c-5d44fec4775b" providerId="ADAL" clId="{48048393-D2C0-4AEB-962E-418898327284}" dt="2023-01-23T01:41:57.499" v="117" actId="478"/>
-          <ac:spMkLst>
-            <pc:docMk/>
-            <pc:sldMk cId="2801241116" sldId="263"/>
-            <ac:spMk id="2" creationId="{92EEFA02-5996-374A-B048-76B916799C48}"/>
-          </ac:spMkLst>
-        </pc:spChg>
-        <pc:spChg chg="mod">
-          <ac:chgData name="Marcia Moraes" userId="c9c67e8a-58e2-4733-9a1c-5d44fec4775b" providerId="ADAL" clId="{48048393-D2C0-4AEB-962E-418898327284}" dt="2023-01-23T01:51:32.420" v="424" actId="1076"/>
-          <ac:spMkLst>
-            <pc:docMk/>
-            <pc:sldMk cId="2801241116" sldId="263"/>
-            <ac:spMk id="4" creationId="{119AD8F2-D5DB-A84B-A5B3-F7935E3E6D1D}"/>
-          </ac:spMkLst>
-        </pc:spChg>
-        <pc:spChg chg="mod">
-          <ac:chgData name="Marcia Moraes" userId="c9c67e8a-58e2-4733-9a1c-5d44fec4775b" providerId="ADAL" clId="{48048393-D2C0-4AEB-962E-418898327284}" dt="2023-01-23T01:51:34.751" v="425" actId="1076"/>
-          <ac:spMkLst>
-            <pc:docMk/>
-            <pc:sldMk cId="2801241116" sldId="263"/>
-            <ac:spMk id="5" creationId="{1BBD0DB5-379A-304F-9307-E7B1A89B08F7}"/>
-          </ac:spMkLst>
-        </pc:spChg>
-        <pc:spChg chg="mod">
-          <ac:chgData name="Marcia Moraes" userId="c9c67e8a-58e2-4733-9a1c-5d44fec4775b" providerId="ADAL" clId="{48048393-D2C0-4AEB-962E-418898327284}" dt="2023-01-23T01:51:47.460" v="428" actId="14100"/>
-          <ac:spMkLst>
-            <pc:docMk/>
-            <pc:sldMk cId="2801241116" sldId="263"/>
-            <ac:spMk id="6" creationId="{32A3B87A-BBC0-704B-AC99-3984206450D5}"/>
-          </ac:spMkLst>
-        </pc:spChg>
-        <pc:picChg chg="add mod">
-          <ac:chgData name="Marcia Moraes" userId="c9c67e8a-58e2-4733-9a1c-5d44fec4775b" providerId="ADAL" clId="{48048393-D2C0-4AEB-962E-418898327284}" dt="2023-01-23T01:42:17.553" v="121" actId="1076"/>
-          <ac:picMkLst>
-            <pc:docMk/>
-            <pc:sldMk cId="2801241116" sldId="263"/>
-            <ac:picMk id="7" creationId="{2E49712A-EAC7-4CCE-BABE-56ADA45DD814}"/>
-          </ac:picMkLst>
-        </pc:picChg>
-      </pc:sldChg>
-      <pc:sldChg chg="modTransition">
-        <pc:chgData name="Marcia Moraes" userId="c9c67e8a-58e2-4733-9a1c-5d44fec4775b" providerId="ADAL" clId="{48048393-D2C0-4AEB-962E-418898327284}" dt="2023-01-23T01:45:59.461" v="124"/>
-        <pc:sldMkLst>
-          <pc:docMk/>
-          <pc:sldMk cId="621376379" sldId="266"/>
-        </pc:sldMkLst>
-      </pc:sldChg>
-      <pc:sldChg chg="modSp">
-        <pc:chgData name="Marcia Moraes" userId="c9c67e8a-58e2-4733-9a1c-5d44fec4775b" providerId="ADAL" clId="{48048393-D2C0-4AEB-962E-418898327284}" dt="2023-01-23T01:54:40.375" v="458" actId="1076"/>
-        <pc:sldMkLst>
-          <pc:docMk/>
-          <pc:sldMk cId="862539311" sldId="267"/>
-        </pc:sldMkLst>
-        <pc:spChg chg="mod">
-          <ac:chgData name="Marcia Moraes" userId="c9c67e8a-58e2-4733-9a1c-5d44fec4775b" providerId="ADAL" clId="{48048393-D2C0-4AEB-962E-418898327284}" dt="2023-01-23T01:54:36.804" v="457" actId="1076"/>
-          <ac:spMkLst>
-            <pc:docMk/>
-            <pc:sldMk cId="862539311" sldId="267"/>
-            <ac:spMk id="2" creationId="{C9C5154B-B115-4DC2-A0B8-5DEB780E7389}"/>
-          </ac:spMkLst>
-        </pc:spChg>
-        <pc:spChg chg="mod">
-          <ac:chgData name="Marcia Moraes" userId="c9c67e8a-58e2-4733-9a1c-5d44fec4775b" providerId="ADAL" clId="{48048393-D2C0-4AEB-962E-418898327284}" dt="2023-01-23T01:54:40.375" v="458" actId="1076"/>
-          <ac:spMkLst>
-            <pc:docMk/>
-            <pc:sldMk cId="862539311" sldId="267"/>
-            <ac:spMk id="3" creationId="{B382C4D9-7899-414B-A490-50C1048EA1F9}"/>
-          </ac:spMkLst>
-        </pc:spChg>
-      </pc:sldChg>
-      <pc:sldChg chg="modSp">
-        <pc:chgData name="Marcia Moraes" userId="c9c67e8a-58e2-4733-9a1c-5d44fec4775b" providerId="ADAL" clId="{48048393-D2C0-4AEB-962E-418898327284}" dt="2023-01-23T01:55:12.381" v="463" actId="255"/>
-        <pc:sldMkLst>
-          <pc:docMk/>
-          <pc:sldMk cId="1638916941" sldId="268"/>
-        </pc:sldMkLst>
-        <pc:spChg chg="mod">
-          <ac:chgData name="Marcia Moraes" userId="c9c67e8a-58e2-4733-9a1c-5d44fec4775b" providerId="ADAL" clId="{48048393-D2C0-4AEB-962E-418898327284}" dt="2023-01-23T01:55:12.381" v="463" actId="255"/>
-          <ac:spMkLst>
-            <pc:docMk/>
-            <pc:sldMk cId="1638916941" sldId="268"/>
-            <ac:spMk id="5" creationId="{C4EE2CCF-2826-A248-B926-5FEA8CE8F57A}"/>
-          </ac:spMkLst>
-        </pc:spChg>
-      </pc:sldChg>
-      <pc:sldChg chg="modSp">
-        <pc:chgData name="Marcia Moraes" userId="c9c67e8a-58e2-4733-9a1c-5d44fec4775b" providerId="ADAL" clId="{48048393-D2C0-4AEB-962E-418898327284}" dt="2023-01-23T01:51:18.150" v="422" actId="1076"/>
-        <pc:sldMkLst>
-          <pc:docMk/>
-          <pc:sldMk cId="558800709" sldId="269"/>
-        </pc:sldMkLst>
-        <pc:spChg chg="mod">
-          <ac:chgData name="Marcia Moraes" userId="c9c67e8a-58e2-4733-9a1c-5d44fec4775b" providerId="ADAL" clId="{48048393-D2C0-4AEB-962E-418898327284}" dt="2023-01-23T01:51:01.814" v="420" actId="1076"/>
-          <ac:spMkLst>
-            <pc:docMk/>
-            <pc:sldMk cId="558800709" sldId="269"/>
-            <ac:spMk id="3" creationId="{E29662D3-8CF1-FC47-BE6E-A8B6100CD386}"/>
-          </ac:spMkLst>
-        </pc:spChg>
-        <pc:spChg chg="mod">
-          <ac:chgData name="Marcia Moraes" userId="c9c67e8a-58e2-4733-9a1c-5d44fec4775b" providerId="ADAL" clId="{48048393-D2C0-4AEB-962E-418898327284}" dt="2023-01-23T01:51:18.150" v="422" actId="1076"/>
-          <ac:spMkLst>
-            <pc:docMk/>
-            <pc:sldMk cId="558800709" sldId="269"/>
-            <ac:spMk id="6" creationId="{69AAB7F8-5081-4D94-92A7-7E54EF1BFF6A}"/>
-          </ac:spMkLst>
-        </pc:spChg>
-      </pc:sldChg>
-      <pc:sldChg chg="modSp">
-        <pc:chgData name="Marcia Moraes" userId="c9c67e8a-58e2-4733-9a1c-5d44fec4775b" providerId="ADAL" clId="{48048393-D2C0-4AEB-962E-418898327284}" dt="2023-01-23T02:32:45.916" v="468" actId="1076"/>
-        <pc:sldMkLst>
-          <pc:docMk/>
-          <pc:sldMk cId="2497730832" sldId="270"/>
-        </pc:sldMkLst>
-        <pc:spChg chg="mod">
-          <ac:chgData name="Marcia Moraes" userId="c9c67e8a-58e2-4733-9a1c-5d44fec4775b" providerId="ADAL" clId="{48048393-D2C0-4AEB-962E-418898327284}" dt="2023-01-23T02:32:33.255" v="465" actId="1076"/>
-          <ac:spMkLst>
-            <pc:docMk/>
-            <pc:sldMk cId="2497730832" sldId="270"/>
-            <ac:spMk id="2" creationId="{317D3F3C-8335-0242-905F-BD1986E080EA}"/>
-          </ac:spMkLst>
-        </pc:spChg>
-        <pc:spChg chg="mod">
-          <ac:chgData name="Marcia Moraes" userId="c9c67e8a-58e2-4733-9a1c-5d44fec4775b" providerId="ADAL" clId="{48048393-D2C0-4AEB-962E-418898327284}" dt="2023-01-23T02:32:38.641" v="467" actId="14100"/>
-          <ac:spMkLst>
-            <pc:docMk/>
-            <pc:sldMk cId="2497730832" sldId="270"/>
-            <ac:spMk id="3" creationId="{99F39192-FADC-5546-BF85-9CCCC8B37067}"/>
-          </ac:spMkLst>
-        </pc:spChg>
-        <pc:picChg chg="mod">
-          <ac:chgData name="Marcia Moraes" userId="c9c67e8a-58e2-4733-9a1c-5d44fec4775b" providerId="ADAL" clId="{48048393-D2C0-4AEB-962E-418898327284}" dt="2023-01-23T02:32:45.916" v="468" actId="1076"/>
-          <ac:picMkLst>
-            <pc:docMk/>
-            <pc:sldMk cId="2497730832" sldId="270"/>
-            <ac:picMk id="2052" creationId="{0A47F4B1-6AF3-EF43-9837-BD17DF98B180}"/>
-          </ac:picMkLst>
-        </pc:picChg>
-      </pc:sldChg>
-      <pc:sldChg chg="modSp">
-        <pc:chgData name="Marcia Moraes" userId="c9c67e8a-58e2-4733-9a1c-5d44fec4775b" providerId="ADAL" clId="{48048393-D2C0-4AEB-962E-418898327284}" dt="2023-01-23T02:33:15.790" v="472" actId="1076"/>
-        <pc:sldMkLst>
-          <pc:docMk/>
-          <pc:sldMk cId="424386877" sldId="271"/>
-        </pc:sldMkLst>
-        <pc:spChg chg="mod">
-          <ac:chgData name="Marcia Moraes" userId="c9c67e8a-58e2-4733-9a1c-5d44fec4775b" providerId="ADAL" clId="{48048393-D2C0-4AEB-962E-418898327284}" dt="2023-01-23T02:33:01.403" v="470" actId="1076"/>
-          <ac:spMkLst>
-            <pc:docMk/>
-            <pc:sldMk cId="424386877" sldId="271"/>
-            <ac:spMk id="2" creationId="{70862EE9-9804-7341-A48F-F633DB1F5C02}"/>
-          </ac:spMkLst>
-        </pc:spChg>
-        <pc:spChg chg="mod">
-          <ac:chgData name="Marcia Moraes" userId="c9c67e8a-58e2-4733-9a1c-5d44fec4775b" providerId="ADAL" clId="{48048393-D2C0-4AEB-962E-418898327284}" dt="2023-01-23T02:33:05.585" v="471" actId="1076"/>
-          <ac:spMkLst>
-            <pc:docMk/>
-            <pc:sldMk cId="424386877" sldId="271"/>
-            <ac:spMk id="3" creationId="{B6FDB505-E4AA-234E-B321-6939906DE035}"/>
-          </ac:spMkLst>
-        </pc:spChg>
-        <pc:spChg chg="mod">
-          <ac:chgData name="Marcia Moraes" userId="c9c67e8a-58e2-4733-9a1c-5d44fec4775b" providerId="ADAL" clId="{48048393-D2C0-4AEB-962E-418898327284}" dt="2023-01-23T02:33:15.790" v="472" actId="1076"/>
-          <ac:spMkLst>
-            <pc:docMk/>
-            <pc:sldMk cId="424386877" sldId="271"/>
-            <ac:spMk id="6" creationId="{BF3366A5-392E-48BE-BF69-DE5EA579D8A0}"/>
-          </ac:spMkLst>
-        </pc:spChg>
-      </pc:sldChg>
-      <pc:sldChg chg="addSp delSp modSp del">
-        <pc:chgData name="Marcia Moraes" userId="c9c67e8a-58e2-4733-9a1c-5d44fec4775b" providerId="ADAL" clId="{48048393-D2C0-4AEB-962E-418898327284}" dt="2023-01-23T15:49:28.242" v="494" actId="2696"/>
-        <pc:sldMkLst>
-          <pc:docMk/>
-          <pc:sldMk cId="465079902" sldId="272"/>
-        </pc:sldMkLst>
-        <pc:spChg chg="mod">
-          <ac:chgData name="Marcia Moraes" userId="c9c67e8a-58e2-4733-9a1c-5d44fec4775b" providerId="ADAL" clId="{48048393-D2C0-4AEB-962E-418898327284}" dt="2023-01-23T15:44:49.523" v="485" actId="1076"/>
-          <ac:spMkLst>
-            <pc:docMk/>
-            <pc:sldMk cId="465079902" sldId="272"/>
-            <ac:spMk id="4" creationId="{6C5063C8-05DF-4FF4-87AF-EAA47C45560A}"/>
-          </ac:spMkLst>
-        </pc:spChg>
-        <pc:spChg chg="del mod">
-          <ac:chgData name="Marcia Moraes" userId="c9c67e8a-58e2-4733-9a1c-5d44fec4775b" providerId="ADAL" clId="{48048393-D2C0-4AEB-962E-418898327284}" dt="2023-01-23T15:43:51.378" v="479" actId="478"/>
-          <ac:spMkLst>
-            <pc:docMk/>
-            <pc:sldMk cId="465079902" sldId="272"/>
-            <ac:spMk id="5" creationId="{CDA4F86E-95E1-4BAF-9A78-08A3442B7C3A}"/>
-          </ac:spMkLst>
-        </pc:spChg>
-        <pc:spChg chg="add mod">
-          <ac:chgData name="Marcia Moraes" userId="c9c67e8a-58e2-4733-9a1c-5d44fec4775b" providerId="ADAL" clId="{48048393-D2C0-4AEB-962E-418898327284}" dt="2023-01-23T15:45:50.392" v="489" actId="14100"/>
-          <ac:spMkLst>
-            <pc:docMk/>
-            <pc:sldMk cId="465079902" sldId="272"/>
-            <ac:spMk id="6" creationId="{CE861BC0-CE89-4CDF-B84F-78887D36261F}"/>
-          </ac:spMkLst>
-        </pc:spChg>
-        <pc:graphicFrameChg chg="add del mod">
-          <ac:chgData name="Marcia Moraes" userId="c9c67e8a-58e2-4733-9a1c-5d44fec4775b" providerId="ADAL" clId="{48048393-D2C0-4AEB-962E-418898327284}" dt="2023-01-23T15:45:23.399" v="486" actId="478"/>
-          <ac:graphicFrameMkLst>
-            <pc:docMk/>
-            <pc:sldMk cId="465079902" sldId="272"/>
-            <ac:graphicFrameMk id="3" creationId="{542015F8-6F14-4C81-8880-B6401446AF1E}"/>
-          </ac:graphicFrameMkLst>
-        </pc:graphicFrameChg>
-        <pc:graphicFrameChg chg="add mod">
-          <ac:chgData name="Marcia Moraes" userId="c9c67e8a-58e2-4733-9a1c-5d44fec4775b" providerId="ADAL" clId="{48048393-D2C0-4AEB-962E-418898327284}" dt="2023-01-23T15:48:09.790" v="493" actId="1076"/>
-          <ac:graphicFrameMkLst>
-            <pc:docMk/>
-            <pc:sldMk cId="465079902" sldId="272"/>
-            <ac:graphicFrameMk id="7" creationId="{AEE5D61A-5A2D-4840-99AC-2E1272F542AE}"/>
-          </ac:graphicFrameMkLst>
-        </pc:graphicFrameChg>
-        <pc:picChg chg="add del">
-          <ac:chgData name="Marcia Moraes" userId="c9c67e8a-58e2-4733-9a1c-5d44fec4775b" providerId="ADAL" clId="{48048393-D2C0-4AEB-962E-418898327284}" dt="2023-01-23T15:43:53.672" v="481"/>
-          <ac:picMkLst>
-            <pc:docMk/>
-            <pc:sldMk cId="465079902" sldId="272"/>
-            <ac:picMk id="2" creationId="{6D6CA217-0A30-4504-888B-885F7282CE6B}"/>
-          </ac:picMkLst>
-        </pc:picChg>
-      </pc:sldChg>
-      <pc:sldChg chg="addSp delSp modSp add modAnim">
-        <pc:chgData name="Marcia Moraes" userId="c9c67e8a-58e2-4733-9a1c-5d44fec4775b" providerId="ADAL" clId="{48048393-D2C0-4AEB-962E-418898327284}" dt="2023-01-23T01:52:04.729" v="431" actId="1076"/>
-        <pc:sldMkLst>
-          <pc:docMk/>
-          <pc:sldMk cId="382708242" sldId="273"/>
-        </pc:sldMkLst>
-        <pc:spChg chg="mod">
-          <ac:chgData name="Marcia Moraes" userId="c9c67e8a-58e2-4733-9a1c-5d44fec4775b" providerId="ADAL" clId="{48048393-D2C0-4AEB-962E-418898327284}" dt="2023-01-23T01:52:03.119" v="430" actId="1076"/>
-          <ac:spMkLst>
-            <pc:docMk/>
-            <pc:sldMk cId="382708242" sldId="273"/>
-            <ac:spMk id="2" creationId="{3FE3C7E9-17AD-EF4E-996F-779D853AB919}"/>
-          </ac:spMkLst>
-        </pc:spChg>
-        <pc:spChg chg="mod">
-          <ac:chgData name="Marcia Moraes" userId="c9c67e8a-58e2-4733-9a1c-5d44fec4775b" providerId="ADAL" clId="{48048393-D2C0-4AEB-962E-418898327284}" dt="2023-01-23T01:52:04.729" v="431" actId="1076"/>
-          <ac:spMkLst>
-            <pc:docMk/>
-            <pc:sldMk cId="382708242" sldId="273"/>
-            <ac:spMk id="3" creationId="{142C320B-6E1B-1745-981E-44598126C6FA}"/>
-          </ac:spMkLst>
-        </pc:spChg>
-        <pc:picChg chg="add del mod">
-          <ac:chgData name="Marcia Moraes" userId="c9c67e8a-58e2-4733-9a1c-5d44fec4775b" providerId="ADAL" clId="{48048393-D2C0-4AEB-962E-418898327284}" dt="2023-01-23T01:42:13.796" v="119"/>
-          <ac:picMkLst>
-            <pc:docMk/>
-            <pc:sldMk cId="382708242" sldId="273"/>
-            <ac:picMk id="4" creationId="{6AAF5B28-B463-4977-BA2A-63DCC3DBA28C}"/>
-          </ac:picMkLst>
-        </pc:picChg>
-      </pc:sldChg>
-      <pc:sldChg chg="add">
-        <pc:chgData name="Marcia Moraes" userId="c9c67e8a-58e2-4733-9a1c-5d44fec4775b" providerId="ADAL" clId="{48048393-D2C0-4AEB-962E-418898327284}" dt="2023-01-23T15:43:41.625" v="477"/>
-        <pc:sldMkLst>
-          <pc:docMk/>
-          <pc:sldMk cId="1118603557" sldId="274"/>
-        </pc:sldMkLst>
-      </pc:sldChg>
-      <pc:sldChg chg="add del">
-        <pc:chgData name="Marcia Moraes" userId="c9c67e8a-58e2-4733-9a1c-5d44fec4775b" providerId="ADAL" clId="{48048393-D2C0-4AEB-962E-418898327284}" dt="2023-01-23T01:39:02.087" v="20" actId="2696"/>
-        <pc:sldMkLst>
-          <pc:docMk/>
-          <pc:sldMk cId="1196752911" sldId="274"/>
-        </pc:sldMkLst>
-      </pc:sldChg>
-      <pc:sldChg chg="delSp modSp add">
-        <pc:chgData name="Marcia Moraes" userId="c9c67e8a-58e2-4733-9a1c-5d44fec4775b" providerId="ADAL" clId="{48048393-D2C0-4AEB-962E-418898327284}" dt="2023-01-23T16:21:26.228" v="858" actId="1076"/>
-        <pc:sldMkLst>
-          <pc:docMk/>
-          <pc:sldMk cId="1926864239" sldId="275"/>
-        </pc:sldMkLst>
-        <pc:spChg chg="mod">
-          <ac:chgData name="Marcia Moraes" userId="c9c67e8a-58e2-4733-9a1c-5d44fec4775b" providerId="ADAL" clId="{48048393-D2C0-4AEB-962E-418898327284}" dt="2023-01-23T16:21:26.228" v="858" actId="1076"/>
-          <ac:spMkLst>
-            <pc:docMk/>
-            <pc:sldMk cId="1926864239" sldId="275"/>
-            <ac:spMk id="4" creationId="{43765166-A464-C349-8315-AE9C7F5C5946}"/>
-          </ac:spMkLst>
-        </pc:spChg>
-        <pc:spChg chg="mod">
-          <ac:chgData name="Marcia Moraes" userId="c9c67e8a-58e2-4733-9a1c-5d44fec4775b" providerId="ADAL" clId="{48048393-D2C0-4AEB-962E-418898327284}" dt="2023-01-23T16:21:23.536" v="857" actId="14100"/>
-          <ac:spMkLst>
-            <pc:docMk/>
-            <pc:sldMk cId="1926864239" sldId="275"/>
-            <ac:spMk id="5" creationId="{C4EE2CCF-2826-A248-B926-5FEA8CE8F57A}"/>
-          </ac:spMkLst>
-        </pc:spChg>
-        <pc:spChg chg="del">
-          <ac:chgData name="Marcia Moraes" userId="c9c67e8a-58e2-4733-9a1c-5d44fec4775b" providerId="ADAL" clId="{48048393-D2C0-4AEB-962E-418898327284}" dt="2023-01-23T16:18:20.084" v="504" actId="478"/>
-          <ac:spMkLst>
-            <pc:docMk/>
-            <pc:sldMk cId="1926864239" sldId="275"/>
-            <ac:spMk id="14" creationId="{2926C16D-3648-084E-BFC4-2E88223D6403}"/>
-          </ac:spMkLst>
-        </pc:spChg>
-        <pc:picChg chg="del">
-          <ac:chgData name="Marcia Moraes" userId="c9c67e8a-58e2-4733-9a1c-5d44fec4775b" providerId="ADAL" clId="{48048393-D2C0-4AEB-962E-418898327284}" dt="2023-01-23T16:18:18.520" v="503" actId="478"/>
-          <ac:picMkLst>
-            <pc:docMk/>
-            <pc:sldMk cId="1926864239" sldId="275"/>
-            <ac:picMk id="13" creationId="{6F2D0FDB-E9EA-8248-A50A-0B9305AA0C40}"/>
-          </ac:picMkLst>
-        </pc:picChg>
-      </pc:sldChg>
-    </pc:docChg>
-  </pc:docChgLst>
-</pc:chgInfo>
 </file>
 
 <file path=ppt/notesMasters/notesMaster1.xml><?xml version="1.0" encoding="utf-8"?>
@@ -21315,8 +20867,8 @@
         </p:nvSpPr>
         <p:spPr>
           <a:xfrm>
-            <a:off x="415637" y="1275154"/>
-            <a:ext cx="8312700" cy="3066323"/>
+            <a:off x="415637" y="1221366"/>
+            <a:ext cx="8312700" cy="3704100"/>
           </a:xfrm>
         </p:spPr>
         <p:txBody>
@@ -21352,6 +20904,12 @@
             <a:r>
               <a:rPr lang="en-US" sz="1800" dirty="0"/>
               <a:t>Turn you paper to the TAs or myself at the end of the class, this will count as your participation activity for this lecture</a:t>
+            </a:r>
+          </a:p>
+          <a:p>
+            <a:r>
+              <a:rPr lang="en-US" sz="1800" dirty="0"/>
+              <a:t>Don’t forget to write your name as it is in our Canvas course!</a:t>
             </a:r>
           </a:p>
           <a:p>
@@ -25370,8 +24928,25 @@
 </file>
 
 <file path=customXml/item1.xml><?xml version="1.0" encoding="utf-8"?>
-<ct:contentTypeSchema xmlns:ct="http://schemas.microsoft.com/office/2006/metadata/contentType" xmlns:ma="http://schemas.microsoft.com/office/2006/metadata/properties/metaAttributes" ct:_="" ma:_="" ma:contentTypeName="Document" ma:contentTypeID="0x010100074387D78AC76C4289401EF66FB51FCC" ma:contentTypeVersion="13" ma:contentTypeDescription="Create a new document." ma:contentTypeScope="" ma:versionID="6d00cb191415ef07de8591021eed77b7">
-  <xsd:schema xmlns:xsd="http://www.w3.org/2001/XMLSchema" xmlns:xs="http://www.w3.org/2001/XMLSchema" xmlns:p="http://schemas.microsoft.com/office/2006/metadata/properties" xmlns:ns3="92c41bee-f0ee-4aa6-9399-a35fbb883510" xmlns:ns4="e06ed288-fd75-4b50-bbed-f5a5df88c31c" targetNamespace="http://schemas.microsoft.com/office/2006/metadata/properties" ma:root="true" ma:fieldsID="dd3c912a0e2ebbe56c1b62c06dfbba16" ns3:_="" ns4:_="">
+<?mso-contentType ?>
+<FormTemplates xmlns="http://schemas.microsoft.com/sharepoint/v3/contenttype/forms">
+  <Display>DocumentLibraryForm</Display>
+  <Edit>DocumentLibraryForm</Edit>
+  <New>DocumentLibraryForm</New>
+</FormTemplates>
+</file>
+
+<file path=customXml/item2.xml><?xml version="1.0" encoding="utf-8"?>
+<p:properties xmlns:p="http://schemas.microsoft.com/office/2006/metadata/properties" xmlns:xsi="http://www.w3.org/2001/XMLSchema-instance" xmlns:pc="http://schemas.microsoft.com/office/infopath/2007/PartnerControls">
+  <documentManagement>
+    <_activity xmlns="92c41bee-f0ee-4aa6-9399-a35fbb883510" xsi:nil="true"/>
+  </documentManagement>
+</p:properties>
+</file>
+
+<file path=customXml/item3.xml><?xml version="1.0" encoding="utf-8"?>
+<ct:contentTypeSchema xmlns:ct="http://schemas.microsoft.com/office/2006/metadata/contentType" xmlns:ma="http://schemas.microsoft.com/office/2006/metadata/properties/metaAttributes" ct:_="" ma:_="" ma:contentTypeName="Document" ma:contentTypeID="0x010100074387D78AC76C4289401EF66FB51FCC" ma:contentTypeVersion="16" ma:contentTypeDescription="Create a new document." ma:contentTypeScope="" ma:versionID="8a6cbedf0fa50d039049f798424873e6">
+  <xsd:schema xmlns:xsd="http://www.w3.org/2001/XMLSchema" xmlns:xs="http://www.w3.org/2001/XMLSchema" xmlns:p="http://schemas.microsoft.com/office/2006/metadata/properties" xmlns:ns3="92c41bee-f0ee-4aa6-9399-a35fbb883510" xmlns:ns4="e06ed288-fd75-4b50-bbed-f5a5df88c31c" targetNamespace="http://schemas.microsoft.com/office/2006/metadata/properties" ma:root="true" ma:fieldsID="8308f6b0971d5393350c61f7dc4d29b0" ns3:_="" ns4:_="">
     <xsd:import namespace="92c41bee-f0ee-4aa6-9399-a35fbb883510"/>
     <xsd:import namespace="e06ed288-fd75-4b50-bbed-f5a5df88c31c"/>
     <xsd:element name="properties">
@@ -25393,6 +24968,9 @@
                 <xsd:element ref="ns3:MediaServiceEventHashCode" minOccurs="0"/>
                 <xsd:element ref="ns3:MediaServiceDateTaken" minOccurs="0"/>
                 <xsd:element ref="ns3:MediaLengthInSeconds" minOccurs="0"/>
+                <xsd:element ref="ns3:MediaServiceLocation" minOccurs="0"/>
+                <xsd:element ref="ns3:_activity" minOccurs="0"/>
+                <xsd:element ref="ns3:MediaServiceObjectDetectorVersions" minOccurs="0"/>
               </xsd:all>
             </xsd:complexType>
           </xsd:element>
@@ -25455,6 +25033,21 @@
     <xsd:element name="MediaLengthInSeconds" ma:index="20" nillable="true" ma:displayName="Length (seconds)" ma:internalName="MediaLengthInSeconds" ma:readOnly="true">
       <xsd:simpleType>
         <xsd:restriction base="dms:Unknown"/>
+      </xsd:simpleType>
+    </xsd:element>
+    <xsd:element name="MediaServiceLocation" ma:index="21" nillable="true" ma:displayName="Location" ma:internalName="MediaServiceLocation" ma:readOnly="true">
+      <xsd:simpleType>
+        <xsd:restriction base="dms:Text"/>
+      </xsd:simpleType>
+    </xsd:element>
+    <xsd:element name="_activity" ma:index="22" nillable="true" ma:displayName="_activity" ma:hidden="true" ma:internalName="_activity">
+      <xsd:simpleType>
+        <xsd:restriction base="dms:Note"/>
+      </xsd:simpleType>
+    </xsd:element>
+    <xsd:element name="MediaServiceObjectDetectorVersions" ma:index="23" nillable="true" ma:displayName="MediaServiceObjectDetectorVersions" ma:description="" ma:hidden="true" ma:indexed="true" ma:internalName="MediaServiceObjectDetectorVersions" ma:readOnly="true">
+      <xsd:simpleType>
+        <xsd:restriction base="dms:Text"/>
       </xsd:simpleType>
     </xsd:element>
   </xsd:schema>
@@ -25592,23 +25185,33 @@
 </ct:contentTypeSchema>
 </file>
 
-<file path=customXml/item2.xml><?xml version="1.0" encoding="utf-8"?>
-<p:properties xmlns:p="http://schemas.microsoft.com/office/2006/metadata/properties" xmlns:xsi="http://www.w3.org/2001/XMLSchema-instance" xmlns:pc="http://schemas.microsoft.com/office/infopath/2007/PartnerControls">
-  <documentManagement/>
-</p:properties>
+<file path=customXml/itemProps1.xml><?xml version="1.0" encoding="utf-8"?>
+<ds:datastoreItem xmlns:ds="http://schemas.openxmlformats.org/officeDocument/2006/customXml" ds:itemID="{AD57AD06-F92C-44EB-AE7E-2E7C93F1B38A}">
+  <ds:schemaRefs>
+    <ds:schemaRef ds:uri="http://schemas.microsoft.com/sharepoint/v3/contenttype/forms"/>
+  </ds:schemaRefs>
+</ds:datastoreItem>
 </file>
 
-<file path=customXml/item3.xml><?xml version="1.0" encoding="utf-8"?>
-<?mso-contentType ?>
-<FormTemplates xmlns="http://schemas.microsoft.com/sharepoint/v3/contenttype/forms">
-  <Display>DocumentLibraryForm</Display>
-  <Edit>DocumentLibraryForm</Edit>
-  <New>DocumentLibraryForm</New>
-</FormTemplates>
+<file path=customXml/itemProps2.xml><?xml version="1.0" encoding="utf-8"?>
+<ds:datastoreItem xmlns:ds="http://schemas.openxmlformats.org/officeDocument/2006/customXml" ds:itemID="{2DC42811-3B51-4277-9BAB-60004E84128E}">
+  <ds:schemaRefs>
+    <ds:schemaRef ds:uri="http://schemas.microsoft.com/office/2006/metadata/properties"/>
+    <ds:schemaRef ds:uri="92c41bee-f0ee-4aa6-9399-a35fbb883510"/>
+    <ds:schemaRef ds:uri="http://schemas.microsoft.com/office/infopath/2007/PartnerControls"/>
+    <ds:schemaRef ds:uri="http://schemas.microsoft.com/office/2006/documentManagement/types"/>
+    <ds:schemaRef ds:uri="http://purl.org/dc/dcmitype/"/>
+    <ds:schemaRef ds:uri="http://purl.org/dc/elements/1.1/"/>
+    <ds:schemaRef ds:uri="http://purl.org/dc/terms/"/>
+    <ds:schemaRef ds:uri="http://schemas.openxmlformats.org/package/2006/metadata/core-properties"/>
+    <ds:schemaRef ds:uri="e06ed288-fd75-4b50-bbed-f5a5df88c31c"/>
+    <ds:schemaRef ds:uri="http://www.w3.org/XML/1998/namespace"/>
+  </ds:schemaRefs>
+</ds:datastoreItem>
 </file>
 
-<file path=customXml/itemProps1.xml><?xml version="1.0" encoding="utf-8"?>
-<ds:datastoreItem xmlns:ds="http://schemas.openxmlformats.org/officeDocument/2006/customXml" ds:itemID="{92A5BA81-21EF-4D25-A1C1-3693A7025EF6}">
+<file path=customXml/itemProps3.xml><?xml version="1.0" encoding="utf-8"?>
+<ds:datastoreItem xmlns:ds="http://schemas.openxmlformats.org/officeDocument/2006/customXml" ds:itemID="{A25C2F3D-12F5-4B94-AAEE-F6AEBA50340D}">
   <ds:schemaRefs>
     <ds:schemaRef ds:uri="http://schemas.microsoft.com/office/2006/metadata/contentType"/>
     <ds:schemaRef ds:uri="http://schemas.microsoft.com/office/2006/metadata/properties/metaAttributes"/>
@@ -25624,29 +25227,4 @@
     <ds:schemaRef ds:uri="http://schemas.microsoft.com/internal/obd"/>
   </ds:schemaRefs>
 </ds:datastoreItem>
-</file>
-
-<file path=customXml/itemProps2.xml><?xml version="1.0" encoding="utf-8"?>
-<ds:datastoreItem xmlns:ds="http://schemas.openxmlformats.org/officeDocument/2006/customXml" ds:itemID="{2DC42811-3B51-4277-9BAB-60004E84128E}">
-  <ds:schemaRefs>
-    <ds:schemaRef ds:uri="http://schemas.microsoft.com/office/2006/documentManagement/types"/>
-    <ds:schemaRef ds:uri="http://purl.org/dc/dcmitype/"/>
-    <ds:schemaRef ds:uri="http://www.w3.org/XML/1998/namespace"/>
-    <ds:schemaRef ds:uri="e06ed288-fd75-4b50-bbed-f5a5df88c31c"/>
-    <ds:schemaRef ds:uri="http://purl.org/dc/elements/1.1/"/>
-    <ds:schemaRef ds:uri="http://schemas.microsoft.com/office/infopath/2007/PartnerControls"/>
-    <ds:schemaRef ds:uri="92c41bee-f0ee-4aa6-9399-a35fbb883510"/>
-    <ds:schemaRef ds:uri="http://schemas.openxmlformats.org/package/2006/metadata/core-properties"/>
-    <ds:schemaRef ds:uri="http://schemas.microsoft.com/office/2006/metadata/properties"/>
-    <ds:schemaRef ds:uri="http://purl.org/dc/terms/"/>
-  </ds:schemaRefs>
-</ds:datastoreItem>
-</file>
-
-<file path=customXml/itemProps3.xml><?xml version="1.0" encoding="utf-8"?>
-<ds:datastoreItem xmlns:ds="http://schemas.openxmlformats.org/officeDocument/2006/customXml" ds:itemID="{AD57AD06-F92C-44EB-AE7E-2E7C93F1B38A}">
-  <ds:schemaRefs>
-    <ds:schemaRef ds:uri="http://schemas.microsoft.com/sharepoint/v3/contenttype/forms"/>
-  </ds:schemaRefs>
-</ds:datastoreItem>
 </file>